--- a/ppt/git.pptx
+++ b/ppt/git.pptx
@@ -32,26 +32,27 @@
     <p:sldId id="281" r:id="rId26"/>
     <p:sldId id="282" r:id="rId27"/>
     <p:sldId id="283" r:id="rId28"/>
-    <p:sldId id="285" r:id="rId29"/>
-    <p:sldId id="286" r:id="rId30"/>
-    <p:sldId id="287" r:id="rId31"/>
-    <p:sldId id="288" r:id="rId32"/>
-    <p:sldId id="289" r:id="rId33"/>
-    <p:sldId id="290" r:id="rId34"/>
-    <p:sldId id="291" r:id="rId35"/>
-    <p:sldId id="292" r:id="rId36"/>
-    <p:sldId id="293" r:id="rId37"/>
-    <p:sldId id="294" r:id="rId38"/>
-    <p:sldId id="295" r:id="rId39"/>
-    <p:sldId id="296" r:id="rId40"/>
-    <p:sldId id="297" r:id="rId41"/>
-    <p:sldId id="303" r:id="rId42"/>
-    <p:sldId id="298" r:id="rId43"/>
-    <p:sldId id="299" r:id="rId44"/>
-    <p:sldId id="300" r:id="rId45"/>
-    <p:sldId id="302" r:id="rId46"/>
-    <p:sldId id="301" r:id="rId47"/>
-    <p:sldId id="284" r:id="rId48"/>
+    <p:sldId id="304" r:id="rId29"/>
+    <p:sldId id="285" r:id="rId30"/>
+    <p:sldId id="286" r:id="rId31"/>
+    <p:sldId id="287" r:id="rId32"/>
+    <p:sldId id="288" r:id="rId33"/>
+    <p:sldId id="289" r:id="rId34"/>
+    <p:sldId id="290" r:id="rId35"/>
+    <p:sldId id="291" r:id="rId36"/>
+    <p:sldId id="292" r:id="rId37"/>
+    <p:sldId id="293" r:id="rId38"/>
+    <p:sldId id="294" r:id="rId39"/>
+    <p:sldId id="295" r:id="rId40"/>
+    <p:sldId id="296" r:id="rId41"/>
+    <p:sldId id="297" r:id="rId42"/>
+    <p:sldId id="303" r:id="rId43"/>
+    <p:sldId id="298" r:id="rId44"/>
+    <p:sldId id="299" r:id="rId45"/>
+    <p:sldId id="300" r:id="rId46"/>
+    <p:sldId id="302" r:id="rId47"/>
+    <p:sldId id="301" r:id="rId48"/>
+    <p:sldId id="284" r:id="rId49"/>
   </p:sldIdLst>
   <p:sldSz cx="9144000" cy="6858000" type="screen4x3"/>
   <p:notesSz cx="6858000" cy="9144000"/>
@@ -335,7 +336,7 @@
             <a:fld id="{530820CF-B880-4189-942D-D702A7CBA730}" type="datetimeFigureOut">
               <a:rPr lang="zh-CN" altLang="en-US" smtClean="0"/>
               <a:pPr/>
-              <a:t>2018/11/7</a:t>
+              <a:t>2018/11/13</a:t>
             </a:fld>
             <a:endParaRPr lang="zh-CN" altLang="en-US"/>
           </a:p>
@@ -502,7 +503,7 @@
             <a:fld id="{530820CF-B880-4189-942D-D702A7CBA730}" type="datetimeFigureOut">
               <a:rPr lang="zh-CN" altLang="en-US" smtClean="0"/>
               <a:pPr/>
-              <a:t>2018/11/7</a:t>
+              <a:t>2018/11/13</a:t>
             </a:fld>
             <a:endParaRPr lang="zh-CN" altLang="en-US"/>
           </a:p>
@@ -679,7 +680,7 @@
             <a:fld id="{530820CF-B880-4189-942D-D702A7CBA730}" type="datetimeFigureOut">
               <a:rPr lang="zh-CN" altLang="en-US" smtClean="0"/>
               <a:pPr/>
-              <a:t>2018/11/7</a:t>
+              <a:t>2018/11/13</a:t>
             </a:fld>
             <a:endParaRPr lang="zh-CN" altLang="en-US"/>
           </a:p>
@@ -846,7 +847,7 @@
             <a:fld id="{530820CF-B880-4189-942D-D702A7CBA730}" type="datetimeFigureOut">
               <a:rPr lang="zh-CN" altLang="en-US" smtClean="0"/>
               <a:pPr/>
-              <a:t>2018/11/7</a:t>
+              <a:t>2018/11/13</a:t>
             </a:fld>
             <a:endParaRPr lang="zh-CN" altLang="en-US"/>
           </a:p>
@@ -1089,7 +1090,7 @@
             <a:fld id="{530820CF-B880-4189-942D-D702A7CBA730}" type="datetimeFigureOut">
               <a:rPr lang="zh-CN" altLang="en-US" smtClean="0"/>
               <a:pPr/>
-              <a:t>2018/11/7</a:t>
+              <a:t>2018/11/13</a:t>
             </a:fld>
             <a:endParaRPr lang="zh-CN" altLang="en-US"/>
           </a:p>
@@ -1374,7 +1375,7 @@
             <a:fld id="{530820CF-B880-4189-942D-D702A7CBA730}" type="datetimeFigureOut">
               <a:rPr lang="zh-CN" altLang="en-US" smtClean="0"/>
               <a:pPr/>
-              <a:t>2018/11/7</a:t>
+              <a:t>2018/11/13</a:t>
             </a:fld>
             <a:endParaRPr lang="zh-CN" altLang="en-US"/>
           </a:p>
@@ -1793,7 +1794,7 @@
             <a:fld id="{530820CF-B880-4189-942D-D702A7CBA730}" type="datetimeFigureOut">
               <a:rPr lang="zh-CN" altLang="en-US" smtClean="0"/>
               <a:pPr/>
-              <a:t>2018/11/7</a:t>
+              <a:t>2018/11/13</a:t>
             </a:fld>
             <a:endParaRPr lang="zh-CN" altLang="en-US"/>
           </a:p>
@@ -1908,7 +1909,7 @@
             <a:fld id="{530820CF-B880-4189-942D-D702A7CBA730}" type="datetimeFigureOut">
               <a:rPr lang="zh-CN" altLang="en-US" smtClean="0"/>
               <a:pPr/>
-              <a:t>2018/11/7</a:t>
+              <a:t>2018/11/13</a:t>
             </a:fld>
             <a:endParaRPr lang="zh-CN" altLang="en-US"/>
           </a:p>
@@ -2000,7 +2001,7 @@
             <a:fld id="{530820CF-B880-4189-942D-D702A7CBA730}" type="datetimeFigureOut">
               <a:rPr lang="zh-CN" altLang="en-US" smtClean="0"/>
               <a:pPr/>
-              <a:t>2018/11/7</a:t>
+              <a:t>2018/11/13</a:t>
             </a:fld>
             <a:endParaRPr lang="zh-CN" altLang="en-US"/>
           </a:p>
@@ -2274,7 +2275,7 @@
             <a:fld id="{530820CF-B880-4189-942D-D702A7CBA730}" type="datetimeFigureOut">
               <a:rPr lang="zh-CN" altLang="en-US" smtClean="0"/>
               <a:pPr/>
-              <a:t>2018/11/7</a:t>
+              <a:t>2018/11/13</a:t>
             </a:fld>
             <a:endParaRPr lang="zh-CN" altLang="en-US"/>
           </a:p>
@@ -2524,7 +2525,7 @@
             <a:fld id="{530820CF-B880-4189-942D-D702A7CBA730}" type="datetimeFigureOut">
               <a:rPr lang="zh-CN" altLang="en-US" smtClean="0"/>
               <a:pPr/>
-              <a:t>2018/11/7</a:t>
+              <a:t>2018/11/13</a:t>
             </a:fld>
             <a:endParaRPr lang="zh-CN" altLang="en-US"/>
           </a:p>
@@ -2734,7 +2735,7 @@
             <a:fld id="{530820CF-B880-4189-942D-D702A7CBA730}" type="datetimeFigureOut">
               <a:rPr lang="zh-CN" altLang="en-US" smtClean="0"/>
               <a:pPr/>
-              <a:t>2018/11/7</a:t>
+              <a:t>2018/11/13</a:t>
             </a:fld>
             <a:endParaRPr lang="zh-CN" altLang="en-US"/>
           </a:p>
@@ -10818,6 +10819,739 @@
           <a:p>
             <a:r>
               <a:rPr lang="zh-CN" altLang="en-US" dirty="0" smtClean="0"/>
+              <a:t>合并（</a:t>
+            </a:r>
+            <a:r>
+              <a:rPr lang="en-US" altLang="zh-CN" dirty="0" smtClean="0"/>
+              <a:t>Merge</a:t>
+            </a:r>
+            <a:r>
+              <a:rPr lang="zh-CN" altLang="en-US" dirty="0" smtClean="0"/>
+              <a:t>）</a:t>
+            </a:r>
+            <a:endParaRPr lang="zh-CN" altLang="en-US" dirty="0"/>
+          </a:p>
+        </p:txBody>
+      </p:sp>
+      <p:sp>
+        <p:nvSpPr>
+          <p:cNvPr id="3" name="内容占位符 2"/>
+          <p:cNvSpPr>
+            <a:spLocks noGrp="1"/>
+          </p:cNvSpPr>
+          <p:nvPr>
+            <p:ph idx="1"/>
+          </p:nvPr>
+        </p:nvSpPr>
+        <p:spPr>
+          <a:xfrm>
+            <a:off x="457200" y="1285860"/>
+            <a:ext cx="8229600" cy="5286412"/>
+          </a:xfrm>
+        </p:spPr>
+        <p:txBody>
+          <a:bodyPr>
+            <a:normAutofit fontScale="47500" lnSpcReduction="20000"/>
+          </a:bodyPr>
+          <a:lstStyle/>
+          <a:p>
+            <a:r>
+              <a:rPr lang="en-US" sz="4000" dirty="0" smtClean="0"/>
+              <a:t>merge </a:t>
+            </a:r>
+            <a:r>
+              <a:rPr lang="zh-CN" altLang="en-US" sz="4000" dirty="0" smtClean="0"/>
+              <a:t>的三种形式：</a:t>
+            </a:r>
+            <a:endParaRPr lang="en-US" altLang="zh-CN" sz="4000" dirty="0" smtClean="0"/>
+          </a:p>
+          <a:p>
+            <a:pPr>
+              <a:buFont typeface="Wingdings" pitchFamily="2" charset="2"/>
+              <a:buChar char="ü"/>
+            </a:pPr>
+            <a:r>
+              <a:rPr lang="zh-CN" altLang="en-US" dirty="0" smtClean="0"/>
+              <a:t>普通的 </a:t>
+            </a:r>
+            <a:r>
+              <a:rPr lang="en-US" dirty="0" smtClean="0"/>
+              <a:t>merge</a:t>
+            </a:r>
+            <a:r>
+              <a:rPr lang="zh-CN" altLang="en-US" dirty="0" smtClean="0"/>
+              <a:t>：不能保持 </a:t>
+            </a:r>
+            <a:r>
+              <a:rPr lang="en-US" dirty="0" smtClean="0"/>
+              <a:t>master </a:t>
+            </a:r>
+            <a:r>
+              <a:rPr lang="zh-CN" altLang="en-US" dirty="0" smtClean="0"/>
+              <a:t>分支干净，但是保存了所有</a:t>
+            </a:r>
+            <a:r>
+              <a:rPr lang="en-US" dirty="0" smtClean="0"/>
+              <a:t>commit </a:t>
+            </a:r>
+            <a:r>
+              <a:rPr lang="zh-CN" altLang="en-US" dirty="0" smtClean="0"/>
+              <a:t>历史（在跟踪需要展示过程的分支时使用，并且加上</a:t>
+            </a:r>
+            <a:r>
+              <a:rPr lang="en-US" altLang="zh-CN" dirty="0" smtClean="0"/>
+              <a:t>--no-ff</a:t>
+            </a:r>
+            <a:r>
+              <a:rPr lang="zh-CN" altLang="en-US" dirty="0" smtClean="0"/>
+              <a:t>参数，让分支历史永远存续在主分支上）</a:t>
+            </a:r>
+            <a:endParaRPr lang="en-US" altLang="zh-CN" dirty="0" smtClean="0"/>
+          </a:p>
+          <a:p>
+            <a:r>
+              <a:rPr lang="zh-CN" altLang="en-US" dirty="0" smtClean="0"/>
+              <a:t>使用：</a:t>
+            </a:r>
+            <a:endParaRPr lang="en-US" altLang="zh-CN" dirty="0" smtClean="0"/>
+          </a:p>
+          <a:p>
+            <a:pPr>
+              <a:buFont typeface="+mj-lt"/>
+              <a:buAutoNum type="arabicPeriod"/>
+            </a:pPr>
+            <a:r>
+              <a:rPr lang="zh-CN" altLang="en-US" dirty="0" smtClean="0"/>
+              <a:t>切换到目标分支（如：</a:t>
+            </a:r>
+            <a:r>
+              <a:rPr lang="en-US" dirty="0" smtClean="0"/>
+              <a:t>master）</a:t>
+            </a:r>
+            <a:r>
+              <a:rPr lang="zh-CN" altLang="en-US" dirty="0" smtClean="0"/>
+              <a:t>：</a:t>
+            </a:r>
+            <a:r>
+              <a:rPr lang="en-US" altLang="zh-CN" dirty="0" err="1" smtClean="0">
+                <a:solidFill>
+                  <a:schemeClr val="tx2">
+                    <a:lumMod val="60000"/>
+                    <a:lumOff val="40000"/>
+                  </a:schemeClr>
+                </a:solidFill>
+              </a:rPr>
+              <a:t>git</a:t>
+            </a:r>
+            <a:r>
+              <a:rPr lang="en-US" altLang="zh-CN" dirty="0" smtClean="0">
+                <a:solidFill>
+                  <a:schemeClr val="tx2">
+                    <a:lumMod val="60000"/>
+                    <a:lumOff val="40000"/>
+                  </a:schemeClr>
+                </a:solidFill>
+              </a:rPr>
+              <a:t> checkout master</a:t>
+            </a:r>
+            <a:endParaRPr lang="en-US" dirty="0" smtClean="0">
+              <a:solidFill>
+                <a:schemeClr val="tx2">
+                  <a:lumMod val="60000"/>
+                  <a:lumOff val="40000"/>
+                </a:schemeClr>
+              </a:solidFill>
+            </a:endParaRPr>
+          </a:p>
+          <a:p>
+            <a:pPr>
+              <a:buFont typeface="+mj-lt"/>
+              <a:buAutoNum type="arabicPeriod"/>
+            </a:pPr>
+            <a:r>
+              <a:rPr lang="zh-CN" altLang="en-US" dirty="0" smtClean="0"/>
+              <a:t>合并</a:t>
+            </a:r>
+            <a:r>
+              <a:rPr lang="en-US" altLang="zh-CN" dirty="0" smtClean="0"/>
+              <a:t>dev</a:t>
+            </a:r>
+            <a:r>
+              <a:rPr lang="zh-CN" altLang="en-US" dirty="0" smtClean="0"/>
+              <a:t>分支到目标分支：</a:t>
+            </a:r>
+            <a:r>
+              <a:rPr lang="en-US" altLang="zh-CN" dirty="0" err="1" smtClean="0">
+                <a:solidFill>
+                  <a:schemeClr val="tx2">
+                    <a:lumMod val="60000"/>
+                    <a:lumOff val="40000"/>
+                  </a:schemeClr>
+                </a:solidFill>
+              </a:rPr>
+              <a:t>git</a:t>
+            </a:r>
+            <a:r>
+              <a:rPr lang="en-US" altLang="zh-CN" dirty="0" smtClean="0">
+                <a:solidFill>
+                  <a:schemeClr val="tx2">
+                    <a:lumMod val="60000"/>
+                    <a:lumOff val="40000"/>
+                  </a:schemeClr>
+                </a:solidFill>
+              </a:rPr>
+              <a:t> merge --no-ff dev</a:t>
+            </a:r>
+          </a:p>
+          <a:p>
+            <a:pPr>
+              <a:buFont typeface="+mj-lt"/>
+              <a:buAutoNum type="arabicPeriod"/>
+            </a:pPr>
+            <a:r>
+              <a:rPr lang="zh-CN" altLang="en-US" dirty="0" smtClean="0"/>
+              <a:t>删除</a:t>
+            </a:r>
+            <a:r>
+              <a:rPr lang="en-US" altLang="zh-CN" dirty="0" smtClean="0"/>
+              <a:t>dev</a:t>
+            </a:r>
+            <a:r>
+              <a:rPr lang="zh-CN" altLang="en-US" dirty="0" smtClean="0"/>
+              <a:t>分支：</a:t>
+            </a:r>
+            <a:r>
+              <a:rPr lang="en-US" altLang="zh-CN" dirty="0" err="1" smtClean="0">
+                <a:solidFill>
+                  <a:schemeClr val="tx2">
+                    <a:lumMod val="60000"/>
+                    <a:lumOff val="40000"/>
+                  </a:schemeClr>
+                </a:solidFill>
+              </a:rPr>
+              <a:t>git</a:t>
+            </a:r>
+            <a:r>
+              <a:rPr lang="en-US" altLang="zh-CN" dirty="0" smtClean="0">
+                <a:solidFill>
+                  <a:schemeClr val="tx2">
+                    <a:lumMod val="60000"/>
+                    <a:lumOff val="40000"/>
+                  </a:schemeClr>
+                </a:solidFill>
+              </a:rPr>
+              <a:t> branch -d dev</a:t>
+            </a:r>
+            <a:endParaRPr lang="en-US" dirty="0" smtClean="0">
+              <a:solidFill>
+                <a:schemeClr val="tx2">
+                  <a:lumMod val="60000"/>
+                  <a:lumOff val="40000"/>
+                </a:schemeClr>
+              </a:solidFill>
+            </a:endParaRPr>
+          </a:p>
+          <a:p>
+            <a:pPr>
+              <a:buFont typeface="Wingdings" pitchFamily="2" charset="2"/>
+              <a:buChar char="ü"/>
+            </a:pPr>
+            <a:r>
+              <a:rPr lang="en-US" dirty="0" smtClean="0"/>
+              <a:t>squash merge</a:t>
+            </a:r>
+            <a:r>
+              <a:rPr lang="zh-CN" altLang="en-US" dirty="0" smtClean="0"/>
+              <a:t>：将分支上的所有提交合并成一个</a:t>
+            </a:r>
+            <a:r>
+              <a:rPr lang="en-US" altLang="zh-CN" dirty="0" smtClean="0"/>
+              <a:t>commit</a:t>
+            </a:r>
+            <a:r>
+              <a:rPr lang="zh-CN" altLang="en-US" dirty="0" smtClean="0"/>
+              <a:t>合并到主分支中，可以保持 </a:t>
+            </a:r>
+            <a:r>
+              <a:rPr lang="en-US" dirty="0" smtClean="0"/>
+              <a:t>master </a:t>
+            </a:r>
+            <a:r>
+              <a:rPr lang="zh-CN" altLang="en-US" dirty="0" smtClean="0"/>
+              <a:t>分支干净，但是 </a:t>
+            </a:r>
+            <a:r>
+              <a:rPr lang="en-US" dirty="0" smtClean="0"/>
+              <a:t>master </a:t>
+            </a:r>
+            <a:r>
+              <a:rPr lang="zh-CN" altLang="en-US" dirty="0" smtClean="0"/>
+              <a:t>中提交的作者不是原作者而是维护者</a:t>
+            </a:r>
+            <a:endParaRPr lang="en-US" dirty="0" smtClean="0"/>
+          </a:p>
+          <a:p>
+            <a:r>
+              <a:rPr lang="zh-CN" altLang="en-US" dirty="0" smtClean="0"/>
+              <a:t>使用：</a:t>
+            </a:r>
+            <a:endParaRPr lang="en-US" altLang="zh-CN" dirty="0" smtClean="0"/>
+          </a:p>
+          <a:p>
+            <a:pPr>
+              <a:buFont typeface="+mj-lt"/>
+              <a:buAutoNum type="arabicPeriod"/>
+            </a:pPr>
+            <a:r>
+              <a:rPr lang="zh-CN" altLang="en-US" dirty="0" smtClean="0"/>
+              <a:t>切换到目标分支（如：</a:t>
+            </a:r>
+            <a:r>
+              <a:rPr lang="en-US" dirty="0" smtClean="0"/>
+              <a:t>master）</a:t>
+            </a:r>
+            <a:r>
+              <a:rPr lang="zh-CN" altLang="en-US" dirty="0" smtClean="0"/>
+              <a:t>：</a:t>
+            </a:r>
+            <a:r>
+              <a:rPr lang="en-US" altLang="zh-CN" dirty="0" err="1" smtClean="0">
+                <a:solidFill>
+                  <a:schemeClr val="tx2">
+                    <a:lumMod val="60000"/>
+                    <a:lumOff val="40000"/>
+                  </a:schemeClr>
+                </a:solidFill>
+              </a:rPr>
+              <a:t>git</a:t>
+            </a:r>
+            <a:r>
+              <a:rPr lang="en-US" altLang="zh-CN" dirty="0" smtClean="0">
+                <a:solidFill>
+                  <a:schemeClr val="tx2">
+                    <a:lumMod val="60000"/>
+                    <a:lumOff val="40000"/>
+                  </a:schemeClr>
+                </a:solidFill>
+              </a:rPr>
+              <a:t> checkout master</a:t>
+            </a:r>
+          </a:p>
+          <a:p>
+            <a:pPr>
+              <a:buFont typeface="+mj-lt"/>
+              <a:buAutoNum type="arabicPeriod"/>
+            </a:pPr>
+            <a:r>
+              <a:rPr lang="zh-CN" altLang="en-US" dirty="0" smtClean="0"/>
+              <a:t>合并分支：</a:t>
+            </a:r>
+            <a:r>
+              <a:rPr lang="en-US" altLang="zh-CN" dirty="0" err="1" smtClean="0">
+                <a:solidFill>
+                  <a:schemeClr val="tx2">
+                    <a:lumMod val="60000"/>
+                    <a:lumOff val="40000"/>
+                  </a:schemeClr>
+                </a:solidFill>
+              </a:rPr>
+              <a:t>git</a:t>
+            </a:r>
+            <a:r>
+              <a:rPr lang="en-US" altLang="zh-CN" dirty="0" smtClean="0">
+                <a:solidFill>
+                  <a:schemeClr val="tx2">
+                    <a:lumMod val="60000"/>
+                    <a:lumOff val="40000"/>
+                  </a:schemeClr>
+                </a:solidFill>
+              </a:rPr>
+              <a:t> merge --squash dev</a:t>
+            </a:r>
+          </a:p>
+          <a:p>
+            <a:pPr>
+              <a:buFont typeface="+mj-lt"/>
+              <a:buAutoNum type="arabicPeriod"/>
+            </a:pPr>
+            <a:r>
+              <a:rPr lang="zh-CN" altLang="en-US" dirty="0" smtClean="0"/>
+              <a:t>提交合并（在目标分支上）：</a:t>
+            </a:r>
+            <a:r>
+              <a:rPr lang="en-US" altLang="zh-CN" dirty="0" err="1" smtClean="0">
+                <a:solidFill>
+                  <a:schemeClr val="tx2">
+                    <a:lumMod val="60000"/>
+                    <a:lumOff val="40000"/>
+                  </a:schemeClr>
+                </a:solidFill>
+              </a:rPr>
+              <a:t>git</a:t>
+            </a:r>
+            <a:r>
+              <a:rPr lang="en-US" altLang="zh-CN" dirty="0" smtClean="0">
+                <a:solidFill>
+                  <a:schemeClr val="tx2">
+                    <a:lumMod val="60000"/>
+                    <a:lumOff val="40000"/>
+                  </a:schemeClr>
+                </a:solidFill>
+              </a:rPr>
+              <a:t> commit -m "squash branch“</a:t>
+            </a:r>
+          </a:p>
+          <a:p>
+            <a:pPr>
+              <a:buFont typeface="+mj-lt"/>
+              <a:buAutoNum type="arabicPeriod"/>
+            </a:pPr>
+            <a:r>
+              <a:rPr lang="zh-CN" altLang="en-US" dirty="0" smtClean="0"/>
+              <a:t>删除</a:t>
+            </a:r>
+            <a:r>
+              <a:rPr lang="en-US" altLang="zh-CN" dirty="0" smtClean="0"/>
+              <a:t>dev</a:t>
+            </a:r>
+            <a:r>
+              <a:rPr lang="zh-CN" altLang="en-US" dirty="0" smtClean="0"/>
+              <a:t>分支：</a:t>
+            </a:r>
+            <a:r>
+              <a:rPr lang="en-US" altLang="zh-CN" dirty="0" err="1" smtClean="0">
+                <a:solidFill>
+                  <a:schemeClr val="tx2">
+                    <a:lumMod val="60000"/>
+                    <a:lumOff val="40000"/>
+                  </a:schemeClr>
+                </a:solidFill>
+              </a:rPr>
+              <a:t>git</a:t>
+            </a:r>
+            <a:r>
+              <a:rPr lang="en-US" altLang="zh-CN" dirty="0" smtClean="0">
+                <a:solidFill>
+                  <a:schemeClr val="tx2">
+                    <a:lumMod val="60000"/>
+                    <a:lumOff val="40000"/>
+                  </a:schemeClr>
+                </a:solidFill>
+              </a:rPr>
+              <a:t> branch -d dev</a:t>
+            </a:r>
+          </a:p>
+          <a:p>
+            <a:pPr>
+              <a:buFont typeface="Wingdings" pitchFamily="2" charset="2"/>
+              <a:buChar char="ü"/>
+            </a:pPr>
+            <a:r>
+              <a:rPr lang="en-US" dirty="0" smtClean="0"/>
+              <a:t>rebase merge</a:t>
+            </a:r>
+            <a:r>
+              <a:rPr lang="zh-CN" altLang="en-US" dirty="0" smtClean="0"/>
+              <a:t>：可以尽可能保持 </a:t>
+            </a:r>
+            <a:r>
+              <a:rPr lang="en-US" dirty="0" smtClean="0"/>
+              <a:t>master </a:t>
+            </a:r>
+            <a:r>
+              <a:rPr lang="zh-CN" altLang="en-US" dirty="0" smtClean="0"/>
+              <a:t>分支干净整洁；并且提交的作者是原作者</a:t>
+            </a:r>
+            <a:endParaRPr lang="en-US" altLang="zh-CN" dirty="0" smtClean="0"/>
+          </a:p>
+          <a:p>
+            <a:r>
+              <a:rPr lang="zh-CN" altLang="en-US" dirty="0" smtClean="0"/>
+              <a:t>使用：</a:t>
+            </a:r>
+            <a:endParaRPr lang="en-US" altLang="zh-CN" dirty="0" smtClean="0"/>
+          </a:p>
+          <a:p>
+            <a:pPr marL="457200" indent="-457200">
+              <a:buFont typeface="+mj-lt"/>
+              <a:buAutoNum type="arabicPeriod"/>
+            </a:pPr>
+            <a:r>
+              <a:rPr lang="zh-CN" altLang="en-US" dirty="0" smtClean="0"/>
+              <a:t>切换到 </a:t>
+            </a:r>
+            <a:r>
+              <a:rPr lang="en-US" dirty="0" smtClean="0"/>
+              <a:t>dev</a:t>
+            </a:r>
+            <a:r>
+              <a:rPr lang="zh-CN" altLang="en-US" dirty="0" smtClean="0"/>
+              <a:t>分支（跟上面两种不一样）：</a:t>
+            </a:r>
+            <a:r>
+              <a:rPr lang="en-US" dirty="0" err="1" smtClean="0">
+                <a:solidFill>
+                  <a:schemeClr val="tx2">
+                    <a:lumMod val="60000"/>
+                    <a:lumOff val="40000"/>
+                  </a:schemeClr>
+                </a:solidFill>
+              </a:rPr>
+              <a:t>git</a:t>
+            </a:r>
+            <a:r>
+              <a:rPr lang="en-US" dirty="0" smtClean="0">
+                <a:solidFill>
+                  <a:schemeClr val="tx2">
+                    <a:lumMod val="60000"/>
+                    <a:lumOff val="40000"/>
+                  </a:schemeClr>
+                </a:solidFill>
+              </a:rPr>
+              <a:t> checkout dev</a:t>
+            </a:r>
+          </a:p>
+          <a:p>
+            <a:pPr marL="457200" indent="-457200">
+              <a:buFont typeface="+mj-lt"/>
+              <a:buAutoNum type="arabicPeriod"/>
+            </a:pPr>
+            <a:r>
+              <a:rPr lang="zh-CN" altLang="en-US" dirty="0" smtClean="0"/>
+              <a:t>变基（就是找到两个分支共同的祖先，然后在当前分支（</a:t>
+            </a:r>
+            <a:r>
+              <a:rPr lang="en-US" altLang="zh-CN" dirty="0" smtClean="0"/>
+              <a:t>dev</a:t>
+            </a:r>
+            <a:r>
+              <a:rPr lang="zh-CN" altLang="en-US" dirty="0" smtClean="0"/>
+              <a:t>）上合并从共同祖先到现在的所有 </a:t>
+            </a:r>
+            <a:r>
+              <a:rPr lang="en-US" altLang="zh-CN" dirty="0" smtClean="0"/>
+              <a:t>commit </a:t>
+            </a:r>
+            <a:r>
+              <a:rPr lang="zh-CN" altLang="en-US" dirty="0" smtClean="0"/>
+              <a:t>）：</a:t>
+            </a:r>
+            <a:r>
+              <a:rPr lang="en-US" dirty="0" err="1" smtClean="0">
+                <a:solidFill>
+                  <a:schemeClr val="tx2">
+                    <a:lumMod val="60000"/>
+                    <a:lumOff val="40000"/>
+                  </a:schemeClr>
+                </a:solidFill>
+              </a:rPr>
+              <a:t>git</a:t>
+            </a:r>
+            <a:r>
+              <a:rPr lang="en-US" dirty="0" smtClean="0">
+                <a:solidFill>
+                  <a:schemeClr val="tx2">
+                    <a:lumMod val="60000"/>
+                    <a:lumOff val="40000"/>
+                  </a:schemeClr>
+                </a:solidFill>
+              </a:rPr>
+              <a:t> rebase -</a:t>
+            </a:r>
+            <a:r>
+              <a:rPr lang="en-US" dirty="0" err="1" smtClean="0">
+                <a:solidFill>
+                  <a:schemeClr val="tx2">
+                    <a:lumMod val="60000"/>
+                    <a:lumOff val="40000"/>
+                  </a:schemeClr>
+                </a:solidFill>
+              </a:rPr>
+              <a:t>i</a:t>
+            </a:r>
+            <a:r>
+              <a:rPr lang="en-US" dirty="0" smtClean="0">
+                <a:solidFill>
+                  <a:schemeClr val="tx2">
+                    <a:lumMod val="60000"/>
+                    <a:lumOff val="40000"/>
+                  </a:schemeClr>
+                </a:solidFill>
+              </a:rPr>
+              <a:t> master</a:t>
+            </a:r>
+          </a:p>
+          <a:p>
+            <a:pPr marL="457200" indent="-457200">
+              <a:buFont typeface="+mj-lt"/>
+              <a:buAutoNum type="arabicPeriod"/>
+            </a:pPr>
+            <a:r>
+              <a:rPr lang="zh-CN" altLang="en-US" dirty="0" smtClean="0"/>
+              <a:t>切换回目标分支：</a:t>
+            </a:r>
+            <a:r>
+              <a:rPr lang="en-US" dirty="0" err="1" smtClean="0">
+                <a:solidFill>
+                  <a:schemeClr val="tx2">
+                    <a:lumMod val="60000"/>
+                    <a:lumOff val="40000"/>
+                  </a:schemeClr>
+                </a:solidFill>
+              </a:rPr>
+              <a:t>git</a:t>
+            </a:r>
+            <a:r>
+              <a:rPr lang="en-US" dirty="0" smtClean="0">
+                <a:solidFill>
+                  <a:schemeClr val="tx2">
+                    <a:lumMod val="60000"/>
+                    <a:lumOff val="40000"/>
+                  </a:schemeClr>
+                </a:solidFill>
+              </a:rPr>
+              <a:t> checkout master</a:t>
+            </a:r>
+          </a:p>
+          <a:p>
+            <a:pPr marL="457200" indent="-457200">
+              <a:buFont typeface="+mj-lt"/>
+              <a:buAutoNum type="arabicPeriod"/>
+            </a:pPr>
+            <a:r>
+              <a:rPr lang="zh-CN" altLang="en-US" dirty="0" smtClean="0"/>
+              <a:t>合并</a:t>
+            </a:r>
+            <a:r>
+              <a:rPr lang="en-US" altLang="zh-CN" dirty="0" smtClean="0"/>
+              <a:t>: </a:t>
+            </a:r>
+            <a:r>
+              <a:rPr lang="en-US" dirty="0" err="1" smtClean="0">
+                <a:solidFill>
+                  <a:schemeClr val="tx2">
+                    <a:lumMod val="60000"/>
+                    <a:lumOff val="40000"/>
+                  </a:schemeClr>
+                </a:solidFill>
+              </a:rPr>
+              <a:t>git</a:t>
+            </a:r>
+            <a:r>
+              <a:rPr lang="en-US" dirty="0" smtClean="0">
+                <a:solidFill>
+                  <a:schemeClr val="tx2">
+                    <a:lumMod val="60000"/>
+                    <a:lumOff val="40000"/>
+                  </a:schemeClr>
+                </a:solidFill>
+              </a:rPr>
+              <a:t> merge dev</a:t>
+            </a:r>
+          </a:p>
+          <a:p>
+            <a:endParaRPr lang="en-US" sz="2000" dirty="0" smtClean="0"/>
+          </a:p>
+          <a:p>
+            <a:pPr>
+              <a:buFont typeface="Wingdings" pitchFamily="2" charset="2"/>
+              <a:buChar char="Ø"/>
+            </a:pPr>
+            <a:r>
+              <a:rPr lang="en-US" sz="2000" dirty="0" err="1" smtClean="0"/>
+              <a:t>git</a:t>
+            </a:r>
+            <a:r>
+              <a:rPr lang="en-US" sz="2000" dirty="0" smtClean="0"/>
+              <a:t> rebase </a:t>
+            </a:r>
+            <a:r>
+              <a:rPr lang="en-US" sz="2000" dirty="0" err="1" smtClean="0"/>
+              <a:t>vs</a:t>
+            </a:r>
+            <a:r>
+              <a:rPr lang="en-US" sz="2000" dirty="0" smtClean="0"/>
+              <a:t> </a:t>
+            </a:r>
+            <a:r>
+              <a:rPr lang="en-US" sz="2000" dirty="0" err="1" smtClean="0"/>
+              <a:t>git</a:t>
+            </a:r>
+            <a:r>
+              <a:rPr lang="en-US" sz="2000" dirty="0" smtClean="0"/>
+              <a:t> merge</a:t>
+            </a:r>
+            <a:r>
+              <a:rPr lang="zh-CN" altLang="en-US" sz="2000" dirty="0" smtClean="0"/>
+              <a:t>详解请参考：</a:t>
+            </a:r>
+            <a:r>
+              <a:rPr lang="en-US" altLang="zh-CN" sz="2000" dirty="0" smtClean="0"/>
+              <a:t>https://www.cnblogs.com/kidsitcn/p/5339382.html</a:t>
+            </a:r>
+          </a:p>
+          <a:p>
+            <a:pPr>
+              <a:buFont typeface="Wingdings" pitchFamily="2" charset="2"/>
+              <a:buChar char="Ø"/>
+            </a:pPr>
+            <a:r>
+              <a:rPr lang="zh-CN" altLang="en-US" sz="2000" dirty="0" smtClean="0"/>
+              <a:t>三者区别参考：</a:t>
+            </a:r>
+            <a:r>
+              <a:rPr lang="en-US" altLang="zh-CN" sz="2000" dirty="0" smtClean="0"/>
+              <a:t>https://liuliqiang.info/post/difference-between-merge-squash-and-rebase/</a:t>
+            </a:r>
+            <a:endParaRPr lang="zh-CN" altLang="en-US" sz="2000" dirty="0" smtClean="0"/>
+          </a:p>
+          <a:p>
+            <a:endParaRPr lang="zh-CN" altLang="en-US" dirty="0"/>
+          </a:p>
+        </p:txBody>
+      </p:sp>
+    </p:spTree>
+  </p:cSld>
+  <p:clrMapOvr>
+    <a:masterClrMapping/>
+  </p:clrMapOvr>
+</p:sld>
+</file>
+
+<file path=ppt/slides/slide29.xml><?xml version="1.0" encoding="utf-8"?>
+<p:sld xmlns:a="http://schemas.openxmlformats.org/drawingml/2006/main" xmlns:r="http://schemas.openxmlformats.org/officeDocument/2006/relationships" xmlns:p="http://schemas.openxmlformats.org/presentationml/2006/main">
+  <p:cSld>
+    <p:spTree>
+      <p:nvGrpSpPr>
+        <p:cNvPr id="1" name=""/>
+        <p:cNvGrpSpPr/>
+        <p:nvPr/>
+      </p:nvGrpSpPr>
+      <p:grpSpPr>
+        <a:xfrm>
+          <a:off x="0" y="0"/>
+          <a:ext cx="0" cy="0"/>
+          <a:chOff x="0" y="0"/>
+          <a:chExt cx="0" cy="0"/>
+        </a:xfrm>
+      </p:grpSpPr>
+      <p:sp>
+        <p:nvSpPr>
+          <p:cNvPr id="2" name="标题 1"/>
+          <p:cNvSpPr>
+            <a:spLocks noGrp="1"/>
+          </p:cNvSpPr>
+          <p:nvPr>
+            <p:ph type="title"/>
+          </p:nvPr>
+        </p:nvSpPr>
+        <p:spPr/>
+        <p:txBody>
+          <a:bodyPr/>
+          <a:lstStyle/>
+          <a:p>
+            <a:r>
+              <a:rPr lang="zh-CN" altLang="en-US" dirty="0" smtClean="0"/>
               <a:t>解决冲突</a:t>
             </a:r>
             <a:endParaRPr lang="zh-CN" altLang="en-US" dirty="0"/>
@@ -11359,226 +12093,6 @@
 </p:sld>
 </file>
 
-<file path=ppt/slides/slide29.xml><?xml version="1.0" encoding="utf-8"?>
-<p:sld xmlns:a="http://schemas.openxmlformats.org/drawingml/2006/main" xmlns:r="http://schemas.openxmlformats.org/officeDocument/2006/relationships" xmlns:p="http://schemas.openxmlformats.org/presentationml/2006/main">
-  <p:cSld>
-    <p:spTree>
-      <p:nvGrpSpPr>
-        <p:cNvPr id="1" name=""/>
-        <p:cNvGrpSpPr/>
-        <p:nvPr/>
-      </p:nvGrpSpPr>
-      <p:grpSpPr>
-        <a:xfrm>
-          <a:off x="0" y="0"/>
-          <a:ext cx="0" cy="0"/>
-          <a:chOff x="0" y="0"/>
-          <a:chExt cx="0" cy="0"/>
-        </a:xfrm>
-      </p:grpSpPr>
-      <p:sp>
-        <p:nvSpPr>
-          <p:cNvPr id="2" name="标题 1"/>
-          <p:cNvSpPr>
-            <a:spLocks noGrp="1"/>
-          </p:cNvSpPr>
-          <p:nvPr>
-            <p:ph type="title"/>
-          </p:nvPr>
-        </p:nvSpPr>
-        <p:spPr/>
-        <p:txBody>
-          <a:bodyPr/>
-          <a:lstStyle/>
-          <a:p>
-            <a:r>
-              <a:rPr lang="zh-CN" altLang="en-US" dirty="0" smtClean="0"/>
-              <a:t>解决冲突</a:t>
-            </a:r>
-            <a:endParaRPr lang="zh-CN" altLang="en-US" dirty="0"/>
-          </a:p>
-        </p:txBody>
-      </p:sp>
-      <p:sp>
-        <p:nvSpPr>
-          <p:cNvPr id="3" name="内容占位符 2"/>
-          <p:cNvSpPr>
-            <a:spLocks noGrp="1"/>
-          </p:cNvSpPr>
-          <p:nvPr>
-            <p:ph idx="1"/>
-          </p:nvPr>
-        </p:nvSpPr>
-        <p:spPr/>
-        <p:txBody>
-          <a:bodyPr>
-            <a:normAutofit/>
-          </a:bodyPr>
-          <a:lstStyle/>
-          <a:p>
-            <a:r>
-              <a:rPr lang="zh-CN" altLang="en-US" sz="2800" dirty="0" smtClean="0"/>
-              <a:t>可以使用带参数的</a:t>
-            </a:r>
-            <a:r>
-              <a:rPr lang="en-US" altLang="zh-CN" sz="2800" dirty="0" err="1" smtClean="0">
-                <a:solidFill>
-                  <a:schemeClr val="tx2">
-                    <a:lumMod val="60000"/>
-                    <a:lumOff val="40000"/>
-                  </a:schemeClr>
-                </a:solidFill>
-              </a:rPr>
-              <a:t>git</a:t>
-            </a:r>
-            <a:r>
-              <a:rPr lang="en-US" altLang="zh-CN" sz="2800" dirty="0" smtClean="0">
-                <a:solidFill>
-                  <a:schemeClr val="tx2">
-                    <a:lumMod val="60000"/>
-                    <a:lumOff val="40000"/>
-                  </a:schemeClr>
-                </a:solidFill>
-              </a:rPr>
-              <a:t> log</a:t>
-            </a:r>
-            <a:r>
-              <a:rPr lang="zh-CN" altLang="en-US" sz="2800" dirty="0" smtClean="0"/>
-              <a:t>来查看分支的合并情况：</a:t>
-            </a:r>
-            <a:endParaRPr lang="en-US" altLang="zh-CN" sz="2800" dirty="0" smtClean="0"/>
-          </a:p>
-          <a:p>
-            <a:pPr>
-              <a:buNone/>
-            </a:pPr>
-            <a:r>
-              <a:rPr lang="en-US" altLang="zh-CN" sz="2800" dirty="0" smtClean="0"/>
-              <a:t>	</a:t>
-            </a:r>
-            <a:r>
-              <a:rPr lang="en-US" altLang="zh-CN" sz="2800" dirty="0" err="1" smtClean="0">
-                <a:solidFill>
-                  <a:schemeClr val="tx2">
-                    <a:lumMod val="60000"/>
-                    <a:lumOff val="40000"/>
-                  </a:schemeClr>
-                </a:solidFill>
-              </a:rPr>
-              <a:t>git</a:t>
-            </a:r>
-            <a:r>
-              <a:rPr lang="en-US" altLang="zh-CN" sz="2800" dirty="0" smtClean="0">
-                <a:solidFill>
-                  <a:schemeClr val="tx2">
-                    <a:lumMod val="60000"/>
-                    <a:lumOff val="40000"/>
-                  </a:schemeClr>
-                </a:solidFill>
-              </a:rPr>
-              <a:t> </a:t>
-            </a:r>
-            <a:r>
-              <a:rPr lang="en-US" altLang="zh-CN" sz="2800" b="1" dirty="0" smtClean="0">
-                <a:solidFill>
-                  <a:schemeClr val="tx2">
-                    <a:lumMod val="60000"/>
-                    <a:lumOff val="40000"/>
-                  </a:schemeClr>
-                </a:solidFill>
-              </a:rPr>
-              <a:t>log --graph </a:t>
-            </a:r>
-            <a:r>
-              <a:rPr lang="en-US" altLang="zh-CN" sz="2800" dirty="0" smtClean="0">
-                <a:solidFill>
-                  <a:schemeClr val="tx2">
-                    <a:lumMod val="60000"/>
-                    <a:lumOff val="40000"/>
-                  </a:schemeClr>
-                </a:solidFill>
-              </a:rPr>
-              <a:t>--pretty=</a:t>
-            </a:r>
-            <a:r>
-              <a:rPr lang="en-US" altLang="zh-CN" sz="2800" dirty="0" err="1" smtClean="0">
-                <a:solidFill>
-                  <a:schemeClr val="tx2">
-                    <a:lumMod val="60000"/>
-                    <a:lumOff val="40000"/>
-                  </a:schemeClr>
-                </a:solidFill>
-              </a:rPr>
-              <a:t>oneline</a:t>
-            </a:r>
-            <a:r>
-              <a:rPr lang="en-US" altLang="zh-CN" sz="2800" dirty="0" smtClean="0">
-                <a:solidFill>
-                  <a:schemeClr val="tx2">
-                    <a:lumMod val="60000"/>
-                    <a:lumOff val="40000"/>
-                  </a:schemeClr>
-                </a:solidFill>
-              </a:rPr>
-              <a:t> --abbrev-commit</a:t>
-            </a:r>
-          </a:p>
-          <a:p>
-            <a:pPr>
-              <a:buNone/>
-            </a:pPr>
-            <a:endParaRPr lang="zh-CN" altLang="en-US" sz="2800" dirty="0">
-              <a:solidFill>
-                <a:schemeClr val="tx2">
-                  <a:lumMod val="60000"/>
-                  <a:lumOff val="40000"/>
-                </a:schemeClr>
-              </a:solidFill>
-            </a:endParaRPr>
-          </a:p>
-        </p:txBody>
-      </p:sp>
-      <p:pic>
-        <p:nvPicPr>
-          <p:cNvPr id="50178" name="Picture 2"/>
-          <p:cNvPicPr>
-            <a:picLocks noChangeAspect="1" noChangeArrowheads="1"/>
-          </p:cNvPicPr>
-          <p:nvPr/>
-        </p:nvPicPr>
-        <p:blipFill>
-          <a:blip r:embed="rId2"/>
-          <a:srcRect/>
-          <a:stretch>
-            <a:fillRect/>
-          </a:stretch>
-        </p:blipFill>
-        <p:spPr bwMode="auto">
-          <a:xfrm>
-            <a:off x="928662" y="3071810"/>
-            <a:ext cx="5495925" cy="2095500"/>
-          </a:xfrm>
-          <a:prstGeom prst="rect">
-            <a:avLst/>
-          </a:prstGeom>
-          <a:noFill/>
-          <a:ln w="9525">
-            <a:noFill/>
-            <a:miter lim="800000"/>
-            <a:headEnd/>
-            <a:tailEnd/>
-          </a:ln>
-          <a:effectLst/>
-        </p:spPr>
-      </p:pic>
-    </p:spTree>
-  </p:cSld>
-  <p:clrMapOvr>
-    <a:masterClrMapping/>
-  </p:clrMapOvr>
-</p:sld>
-</file>
-
 <file path=ppt/slides/slide3.xml><?xml version="1.0" encoding="utf-8"?>
 <p:sld xmlns:a="http://schemas.openxmlformats.org/drawingml/2006/main" xmlns:r="http://schemas.openxmlformats.org/officeDocument/2006/relationships" xmlns:p="http://schemas.openxmlformats.org/presentationml/2006/main">
   <p:cSld>
@@ -11713,7 +12227,7 @@
           <a:p>
             <a:r>
               <a:rPr lang="zh-CN" altLang="en-US" dirty="0" smtClean="0"/>
-              <a:t>分支管理策略</a:t>
+              <a:t>解决冲突</a:t>
             </a:r>
             <a:endParaRPr lang="zh-CN" altLang="en-US" dirty="0"/>
           </a:p>
@@ -11729,55 +12243,19 @@
             <p:ph idx="1"/>
           </p:nvPr>
         </p:nvSpPr>
-        <p:spPr>
-          <a:xfrm>
-            <a:off x="457200" y="1214422"/>
-            <a:ext cx="8229600" cy="5286412"/>
-          </a:xfrm>
-        </p:spPr>
+        <p:spPr/>
         <p:txBody>
           <a:bodyPr>
-            <a:normAutofit lnSpcReduction="10000"/>
+            <a:normAutofit/>
           </a:bodyPr>
           <a:lstStyle/>
           <a:p>
             <a:r>
-              <a:rPr lang="zh-CN" altLang="en-US" sz="1600" dirty="0" smtClean="0"/>
-              <a:t>通常合并分支时，如果可能，</a:t>
-            </a:r>
-            <a:r>
-              <a:rPr lang="en-US" altLang="zh-CN" sz="1600" dirty="0" err="1" smtClean="0"/>
-              <a:t>Git</a:t>
-            </a:r>
-            <a:r>
-              <a:rPr lang="zh-CN" altLang="en-US" sz="1600" dirty="0" smtClean="0"/>
-              <a:t>会默认使用</a:t>
-            </a:r>
-            <a:r>
-              <a:rPr lang="en-US" altLang="zh-CN" sz="1600" dirty="0" smtClean="0"/>
-              <a:t>Fast forward</a:t>
-            </a:r>
-            <a:r>
-              <a:rPr lang="zh-CN" altLang="en-US" sz="1600" dirty="0" smtClean="0"/>
-              <a:t>模式，但这种模式下，删除分支后，会丢掉分支信息。此时，可使用</a:t>
-            </a:r>
-            <a:r>
-              <a:rPr lang="en-US" sz="1600" dirty="0" smtClean="0">
-                <a:solidFill>
-                  <a:schemeClr val="tx2">
-                    <a:lumMod val="60000"/>
-                    <a:lumOff val="40000"/>
-                  </a:schemeClr>
-                </a:solidFill>
-              </a:rPr>
-              <a:t>--no-ff</a:t>
-            </a:r>
-            <a:r>
-              <a:rPr lang="zh-CN" altLang="en-US" sz="1600" dirty="0" smtClean="0"/>
-              <a:t>方式的</a:t>
-            </a:r>
-            <a:r>
-              <a:rPr lang="en-US" sz="1600" dirty="0" err="1" smtClean="0">
+              <a:rPr lang="zh-CN" altLang="en-US" sz="2800" dirty="0" smtClean="0"/>
+              <a:t>可以使用带参数的</a:t>
+            </a:r>
+            <a:r>
+              <a:rPr lang="en-US" altLang="zh-CN" sz="2800" dirty="0" err="1" smtClean="0">
                 <a:solidFill>
                   <a:schemeClr val="tx2">
                     <a:lumMod val="60000"/>
@@ -11788,89 +12266,32 @@
               <a:t>git</a:t>
             </a:r>
             <a:r>
-              <a:rPr lang="en-US" sz="1600" dirty="0" smtClean="0">
-                <a:solidFill>
-                  <a:schemeClr val="tx2">
-                    <a:lumMod val="60000"/>
-                    <a:lumOff val="40000"/>
-                  </a:schemeClr>
-                </a:solidFill>
-              </a:rPr>
-              <a:t> merge</a:t>
-            </a:r>
-            <a:r>
-              <a:rPr lang="zh-CN" altLang="en-US" sz="1600" dirty="0" smtClean="0"/>
-              <a:t>来强制禁用</a:t>
-            </a:r>
-            <a:r>
-              <a:rPr lang="en-US" sz="1600" dirty="0" smtClean="0"/>
-              <a:t>Fast forward</a:t>
-            </a:r>
-            <a:r>
-              <a:rPr lang="zh-CN" altLang="en-US" sz="1600" dirty="0" smtClean="0"/>
-              <a:t>模式。</a:t>
-            </a:r>
-            <a:endParaRPr lang="en-US" altLang="zh-CN" sz="1600" dirty="0" smtClean="0"/>
-          </a:p>
-          <a:p>
-            <a:r>
-              <a:rPr lang="en-US" altLang="zh-CN" sz="1600" dirty="0" err="1" smtClean="0"/>
-              <a:t>E.g</a:t>
-            </a:r>
-            <a:r>
-              <a:rPr lang="zh-CN" altLang="en-US" sz="1600" dirty="0" smtClean="0"/>
-              <a:t>：</a:t>
-            </a:r>
-            <a:r>
-              <a:rPr lang="en-US" altLang="zh-CN" sz="1600" dirty="0" err="1" smtClean="0">
-                <a:solidFill>
-                  <a:schemeClr val="tx2">
-                    <a:lumMod val="60000"/>
-                    <a:lumOff val="40000"/>
-                  </a:schemeClr>
-                </a:solidFill>
-              </a:rPr>
-              <a:t>git</a:t>
-            </a:r>
-            <a:r>
-              <a:rPr lang="en-US" altLang="zh-CN" sz="1600" dirty="0" smtClean="0">
-                <a:solidFill>
-                  <a:schemeClr val="tx2">
-                    <a:lumMod val="60000"/>
-                    <a:lumOff val="40000"/>
-                  </a:schemeClr>
-                </a:solidFill>
-              </a:rPr>
-              <a:t> checkout -b dev</a:t>
-            </a:r>
-            <a:r>
-              <a:rPr lang="en-US" altLang="zh-CN" sz="1600" dirty="0" smtClean="0"/>
-              <a:t>	</a:t>
-            </a:r>
-            <a:r>
-              <a:rPr lang="zh-CN" altLang="en-US" sz="1600" dirty="0" smtClean="0"/>
-              <a:t>创建并切换至</a:t>
-            </a:r>
-            <a:r>
-              <a:rPr lang="en-US" altLang="zh-CN" sz="1600" dirty="0" smtClean="0"/>
-              <a:t>dev</a:t>
-            </a:r>
-            <a:r>
-              <a:rPr lang="zh-CN" altLang="en-US" sz="1600" dirty="0" smtClean="0"/>
-              <a:t>分支</a:t>
-            </a:r>
-            <a:endParaRPr lang="en-US" altLang="zh-CN" sz="1600" dirty="0" smtClean="0"/>
+              <a:rPr lang="en-US" altLang="zh-CN" sz="2800" dirty="0" smtClean="0">
+                <a:solidFill>
+                  <a:schemeClr val="tx2">
+                    <a:lumMod val="60000"/>
+                    <a:lumOff val="40000"/>
+                  </a:schemeClr>
+                </a:solidFill>
+              </a:rPr>
+              <a:t> log</a:t>
+            </a:r>
+            <a:r>
+              <a:rPr lang="zh-CN" altLang="en-US" sz="2800" dirty="0" smtClean="0"/>
+              <a:t>来查看分支的合并情况：</a:t>
+            </a:r>
+            <a:endParaRPr lang="en-US" altLang="zh-CN" sz="2800" dirty="0" smtClean="0"/>
           </a:p>
           <a:p>
             <a:pPr>
               <a:buNone/>
             </a:pPr>
             <a:r>
-              <a:rPr lang="en-US" altLang="zh-CN" sz="1600" dirty="0" smtClean="0"/>
-              <a:t>		</a:t>
-            </a:r>
-            <a:r>
-              <a:rPr lang="en-US" altLang="zh-CN" sz="1600" dirty="0" err="1" smtClean="0">
+              <a:rPr lang="en-US" altLang="zh-CN" sz="2800" dirty="0" smtClean="0"/>
+              <a:t>	</a:t>
+            </a:r>
+            <a:r>
+              <a:rPr lang="en-US" altLang="zh-CN" sz="2800" dirty="0" err="1" smtClean="0">
                 <a:solidFill>
                   <a:schemeClr val="tx2">
                     <a:lumMod val="60000"/>
@@ -11881,313 +12302,79 @@
               <a:t>git</a:t>
             </a:r>
             <a:r>
-              <a:rPr lang="en-US" altLang="zh-CN" sz="1600" dirty="0" smtClean="0">
-                <a:solidFill>
-                  <a:schemeClr val="tx2">
-                    <a:lumMod val="60000"/>
-                    <a:lumOff val="40000"/>
-                  </a:schemeClr>
-                </a:solidFill>
-              </a:rPr>
-              <a:t> add readme.txt</a:t>
+              <a:rPr lang="en-US" altLang="zh-CN" sz="2800" dirty="0" smtClean="0">
+                <a:solidFill>
+                  <a:schemeClr val="tx2">
+                    <a:lumMod val="60000"/>
+                    <a:lumOff val="40000"/>
+                  </a:schemeClr>
+                </a:solidFill>
+              </a:rPr>
+              <a:t> </a:t>
+            </a:r>
+            <a:r>
+              <a:rPr lang="en-US" altLang="zh-CN" sz="2800" b="1" dirty="0" smtClean="0">
+                <a:solidFill>
+                  <a:schemeClr val="tx2">
+                    <a:lumMod val="60000"/>
+                    <a:lumOff val="40000"/>
+                  </a:schemeClr>
+                </a:solidFill>
+              </a:rPr>
+              <a:t>log --graph </a:t>
+            </a:r>
+            <a:r>
+              <a:rPr lang="en-US" altLang="zh-CN" sz="2800" dirty="0" smtClean="0">
+                <a:solidFill>
+                  <a:schemeClr val="tx2">
+                    <a:lumMod val="60000"/>
+                    <a:lumOff val="40000"/>
+                  </a:schemeClr>
+                </a:solidFill>
+              </a:rPr>
+              <a:t>--pretty=</a:t>
+            </a:r>
+            <a:r>
+              <a:rPr lang="en-US" altLang="zh-CN" sz="2800" dirty="0" err="1" smtClean="0">
+                <a:solidFill>
+                  <a:schemeClr val="tx2">
+                    <a:lumMod val="60000"/>
+                    <a:lumOff val="40000"/>
+                  </a:schemeClr>
+                </a:solidFill>
+              </a:rPr>
+              <a:t>oneline</a:t>
+            </a:r>
+            <a:r>
+              <a:rPr lang="en-US" altLang="zh-CN" sz="2800" dirty="0" smtClean="0">
+                <a:solidFill>
+                  <a:schemeClr val="tx2">
+                    <a:lumMod val="60000"/>
+                    <a:lumOff val="40000"/>
+                  </a:schemeClr>
+                </a:solidFill>
+              </a:rPr>
+              <a:t> --abbrev-commit</a:t>
             </a:r>
           </a:p>
           <a:p>
             <a:pPr>
               <a:buNone/>
             </a:pPr>
-            <a:r>
-              <a:rPr lang="en-US" altLang="zh-CN" sz="1600" dirty="0" smtClean="0"/>
-              <a:t>		</a:t>
-            </a:r>
-            <a:r>
-              <a:rPr lang="en-US" altLang="zh-CN" sz="1600" dirty="0" err="1" smtClean="0">
-                <a:solidFill>
-                  <a:schemeClr val="tx2">
-                    <a:lumMod val="60000"/>
-                    <a:lumOff val="40000"/>
-                  </a:schemeClr>
-                </a:solidFill>
-              </a:rPr>
-              <a:t>git</a:t>
-            </a:r>
-            <a:r>
-              <a:rPr lang="en-US" altLang="zh-CN" sz="1600" dirty="0" smtClean="0">
-                <a:solidFill>
-                  <a:schemeClr val="tx2">
-                    <a:lumMod val="60000"/>
-                    <a:lumOff val="40000"/>
-                  </a:schemeClr>
-                </a:solidFill>
-              </a:rPr>
-              <a:t> commit -m “remark”</a:t>
-            </a:r>
-            <a:r>
-              <a:rPr lang="en-US" altLang="zh-CN" sz="1600" dirty="0" smtClean="0"/>
-              <a:t>	</a:t>
-            </a:r>
-            <a:r>
-              <a:rPr lang="zh-CN" altLang="en-US" sz="1600" dirty="0" smtClean="0"/>
-              <a:t>修改</a:t>
-            </a:r>
-            <a:r>
-              <a:rPr lang="en-US" altLang="zh-CN" sz="1600" dirty="0" smtClean="0"/>
-              <a:t>readme.txt</a:t>
-            </a:r>
-            <a:r>
-              <a:rPr lang="zh-CN" altLang="en-US" sz="1600" dirty="0" smtClean="0"/>
-              <a:t>文件的内容后提交文件</a:t>
-            </a:r>
-            <a:endParaRPr lang="en-US" altLang="zh-CN" sz="1600" dirty="0" smtClean="0"/>
-          </a:p>
-          <a:p>
-            <a:pPr>
-              <a:buNone/>
-            </a:pPr>
-            <a:r>
-              <a:rPr lang="en-US" altLang="zh-CN" sz="1600" dirty="0" smtClean="0"/>
-              <a:t>		</a:t>
-            </a:r>
-            <a:r>
-              <a:rPr lang="en-US" altLang="zh-CN" sz="1600" dirty="0" err="1" smtClean="0">
-                <a:solidFill>
-                  <a:schemeClr val="tx2">
-                    <a:lumMod val="60000"/>
-                    <a:lumOff val="40000"/>
-                  </a:schemeClr>
-                </a:solidFill>
-              </a:rPr>
-              <a:t>git</a:t>
-            </a:r>
-            <a:r>
-              <a:rPr lang="en-US" altLang="zh-CN" sz="1600" dirty="0" smtClean="0">
-                <a:solidFill>
-                  <a:schemeClr val="tx2">
-                    <a:lumMod val="60000"/>
-                    <a:lumOff val="40000"/>
-                  </a:schemeClr>
-                </a:solidFill>
-              </a:rPr>
-              <a:t> checkout master</a:t>
-            </a:r>
-            <a:r>
-              <a:rPr lang="en-US" altLang="zh-CN" sz="1600" dirty="0" smtClean="0"/>
-              <a:t>	</a:t>
-            </a:r>
-            <a:r>
-              <a:rPr lang="zh-CN" altLang="en-US" sz="1600" dirty="0" smtClean="0"/>
-              <a:t>切换至</a:t>
-            </a:r>
-            <a:r>
-              <a:rPr lang="en-US" altLang="zh-CN" sz="1600" dirty="0" smtClean="0"/>
-              <a:t>master</a:t>
-            </a:r>
-            <a:r>
-              <a:rPr lang="zh-CN" altLang="en-US" sz="1600" dirty="0" smtClean="0"/>
-              <a:t>分支</a:t>
-            </a:r>
-            <a:endParaRPr lang="en-US" altLang="zh-CN" sz="1600" dirty="0" smtClean="0"/>
-          </a:p>
-          <a:p>
-            <a:pPr>
-              <a:buNone/>
-            </a:pPr>
-            <a:r>
-              <a:rPr lang="en-US" altLang="zh-CN" sz="1600" dirty="0" smtClean="0"/>
-              <a:t>		</a:t>
-            </a:r>
-            <a:r>
-              <a:rPr lang="en-US" altLang="zh-CN" sz="1600" dirty="0" err="1" smtClean="0">
-                <a:solidFill>
-                  <a:schemeClr val="tx2">
-                    <a:lumMod val="60000"/>
-                    <a:lumOff val="40000"/>
-                  </a:schemeClr>
-                </a:solidFill>
-              </a:rPr>
-              <a:t>git</a:t>
-            </a:r>
-            <a:r>
-              <a:rPr lang="en-US" altLang="zh-CN" sz="1600" dirty="0" smtClean="0">
-                <a:solidFill>
-                  <a:schemeClr val="tx2">
-                    <a:lumMod val="60000"/>
-                    <a:lumOff val="40000"/>
-                  </a:schemeClr>
-                </a:solidFill>
-              </a:rPr>
-              <a:t> merge --no-ff  -m “remark” dev</a:t>
-            </a:r>
-            <a:r>
-              <a:rPr lang="en-US" altLang="zh-CN" sz="1600" dirty="0" smtClean="0"/>
-              <a:t>	</a:t>
-            </a:r>
-          </a:p>
-          <a:p>
-            <a:pPr>
-              <a:buNone/>
-            </a:pPr>
-            <a:r>
-              <a:rPr lang="en-US" altLang="zh-CN" sz="1600" dirty="0" smtClean="0"/>
-              <a:t>	</a:t>
-            </a:r>
-            <a:r>
-              <a:rPr lang="zh-CN" altLang="en-US" sz="1600" dirty="0" smtClean="0"/>
-              <a:t>使用</a:t>
-            </a:r>
-            <a:r>
-              <a:rPr lang="en-US" altLang="zh-CN" sz="1600" dirty="0" smtClean="0">
-                <a:solidFill>
-                  <a:schemeClr val="tx2">
-                    <a:lumMod val="60000"/>
-                    <a:lumOff val="40000"/>
-                  </a:schemeClr>
-                </a:solidFill>
-              </a:rPr>
-              <a:t>--</a:t>
-            </a:r>
-            <a:r>
-              <a:rPr lang="en-US" sz="1600" dirty="0" smtClean="0">
-                <a:solidFill>
-                  <a:schemeClr val="tx2">
-                    <a:lumMod val="60000"/>
-                    <a:lumOff val="40000"/>
-                  </a:schemeClr>
-                </a:solidFill>
-              </a:rPr>
-              <a:t>no-ff</a:t>
-            </a:r>
-            <a:r>
-              <a:rPr lang="zh-CN" altLang="en-US" sz="1600" dirty="0" smtClean="0"/>
-              <a:t>参数（表示禁用</a:t>
-            </a:r>
-            <a:r>
-              <a:rPr lang="en-US" sz="1600" dirty="0" smtClean="0"/>
-              <a:t>Fast forward </a:t>
-            </a:r>
-            <a:r>
-              <a:rPr lang="zh-CN" altLang="en-US" sz="1600" dirty="0" smtClean="0"/>
-              <a:t>）合并</a:t>
-            </a:r>
-            <a:r>
-              <a:rPr lang="en-US" sz="1600" dirty="0" smtClean="0"/>
-              <a:t>dev</a:t>
-            </a:r>
-            <a:r>
-              <a:rPr lang="zh-CN" altLang="en-US" sz="1600" dirty="0" smtClean="0"/>
-              <a:t>分支，此次合并会创建一个新的</a:t>
-            </a:r>
-            <a:r>
-              <a:rPr lang="en-US" altLang="zh-CN" sz="1600" dirty="0" smtClean="0">
-                <a:solidFill>
-                  <a:schemeClr val="tx2">
-                    <a:lumMod val="60000"/>
-                    <a:lumOff val="40000"/>
-                  </a:schemeClr>
-                </a:solidFill>
-              </a:rPr>
-              <a:t>commit</a:t>
-            </a:r>
-            <a:r>
-              <a:rPr lang="zh-CN" altLang="en-US" sz="1600" dirty="0" smtClean="0"/>
-              <a:t>，所以加上</a:t>
-            </a:r>
-            <a:r>
-              <a:rPr lang="en-US" altLang="zh-CN" sz="1600" dirty="0" smtClean="0">
-                <a:solidFill>
-                  <a:schemeClr val="tx2">
-                    <a:lumMod val="60000"/>
-                    <a:lumOff val="40000"/>
-                  </a:schemeClr>
-                </a:solidFill>
-              </a:rPr>
-              <a:t>-m</a:t>
-            </a:r>
-            <a:r>
-              <a:rPr lang="zh-CN" altLang="en-US" sz="1600" dirty="0" smtClean="0"/>
-              <a:t>参数，把</a:t>
-            </a:r>
-            <a:r>
-              <a:rPr lang="en-US" altLang="zh-CN" sz="1600" dirty="0" smtClean="0"/>
-              <a:t>commit</a:t>
-            </a:r>
-            <a:r>
-              <a:rPr lang="zh-CN" altLang="en-US" sz="1600" dirty="0" smtClean="0"/>
-              <a:t>描述写进去</a:t>
-            </a:r>
-            <a:endParaRPr lang="en-US" altLang="zh-CN" sz="1600" dirty="0" smtClean="0"/>
-          </a:p>
-          <a:p>
-            <a:r>
-              <a:rPr lang="zh-CN" altLang="en-US" sz="1600" dirty="0" smtClean="0"/>
-              <a:t>查看分支历史</a:t>
-            </a:r>
-            <a:endParaRPr lang="en-US" altLang="zh-CN" sz="1600" dirty="0" smtClean="0"/>
-          </a:p>
-          <a:p>
-            <a:endParaRPr lang="en-US" altLang="zh-CN" sz="1600" dirty="0" smtClean="0"/>
-          </a:p>
-          <a:p>
-            <a:endParaRPr lang="en-US" altLang="zh-CN" sz="1600" dirty="0" smtClean="0"/>
-          </a:p>
-          <a:p>
-            <a:endParaRPr lang="en-US" altLang="zh-CN" sz="1600" dirty="0" smtClean="0"/>
-          </a:p>
-          <a:p>
-            <a:endParaRPr lang="en-US" altLang="zh-CN" sz="1600" dirty="0" smtClean="0"/>
-          </a:p>
-          <a:p>
-            <a:endParaRPr lang="en-US" altLang="zh-CN" sz="1600" dirty="0" smtClean="0"/>
-          </a:p>
-          <a:p>
-            <a:endParaRPr lang="en-US" altLang="zh-CN" sz="1600" dirty="0" smtClean="0"/>
-          </a:p>
-          <a:p>
-            <a:pPr>
-              <a:buFont typeface="Wingdings" pitchFamily="2" charset="2"/>
-              <a:buChar char="Ø"/>
-            </a:pPr>
-            <a:endParaRPr lang="en-US" altLang="zh-CN" sz="1600" dirty="0" smtClean="0"/>
-          </a:p>
-          <a:p>
-            <a:pPr>
-              <a:buFont typeface="Wingdings" pitchFamily="2" charset="2"/>
-              <a:buChar char="Ø"/>
-            </a:pPr>
-            <a:r>
-              <a:rPr lang="zh-CN" altLang="en-US" sz="1600" dirty="0" smtClean="0"/>
-              <a:t>合并分支时，加上</a:t>
-            </a:r>
-            <a:r>
-              <a:rPr lang="en-US" altLang="zh-CN" sz="1600" dirty="0" smtClean="0">
-                <a:solidFill>
-                  <a:schemeClr val="tx2">
-                    <a:lumMod val="60000"/>
-                    <a:lumOff val="40000"/>
-                  </a:schemeClr>
-                </a:solidFill>
-              </a:rPr>
-              <a:t>--no-ff</a:t>
-            </a:r>
-            <a:r>
-              <a:rPr lang="zh-CN" altLang="en-US" sz="1600" dirty="0" smtClean="0"/>
-              <a:t>参数就可以用普通模式合并，合并后的历史有分支，能看出来曾经做过合并，而</a:t>
-            </a:r>
-            <a:r>
-              <a:rPr lang="en-US" altLang="zh-CN" sz="1600" dirty="0" smtClean="0"/>
-              <a:t>fast forward</a:t>
-            </a:r>
-            <a:r>
-              <a:rPr lang="zh-CN" altLang="en-US" sz="1600" dirty="0" smtClean="0"/>
-              <a:t>合并就看不出来曾经做过合并。</a:t>
-            </a:r>
-            <a:endParaRPr lang="zh-CN" altLang="en-US" sz="1600" dirty="0"/>
+            <a:endParaRPr lang="zh-CN" altLang="en-US" sz="2800" dirty="0">
+              <a:solidFill>
+                <a:schemeClr val="tx2">
+                  <a:lumMod val="60000"/>
+                  <a:lumOff val="40000"/>
+                </a:schemeClr>
+              </a:solidFill>
+            </a:endParaRPr>
           </a:p>
         </p:txBody>
       </p:sp>
       <p:pic>
         <p:nvPicPr>
-          <p:cNvPr id="51203" name="Picture 3"/>
+          <p:cNvPr id="50178" name="Picture 2"/>
           <p:cNvPicPr>
             <a:picLocks noChangeAspect="1" noChangeArrowheads="1"/>
           </p:cNvPicPr>
@@ -12202,8 +12389,8 @@
         </p:blipFill>
         <p:spPr bwMode="auto">
           <a:xfrm>
-            <a:off x="928661" y="4071942"/>
-            <a:ext cx="3819391" cy="1785950"/>
+            <a:off x="928662" y="3071810"/>
+            <a:ext cx="5495925" cy="2095500"/>
           </a:xfrm>
           <a:prstGeom prst="rect">
             <a:avLst/>
@@ -12276,6 +12463,553 @@
             <p:ph idx="1"/>
           </p:nvPr>
         </p:nvSpPr>
+        <p:spPr>
+          <a:xfrm>
+            <a:off x="457200" y="1214422"/>
+            <a:ext cx="8229600" cy="5286412"/>
+          </a:xfrm>
+        </p:spPr>
+        <p:txBody>
+          <a:bodyPr>
+            <a:normAutofit lnSpcReduction="10000"/>
+          </a:bodyPr>
+          <a:lstStyle/>
+          <a:p>
+            <a:r>
+              <a:rPr lang="zh-CN" altLang="en-US" sz="1600" dirty="0" smtClean="0"/>
+              <a:t>通常合并分支时，如果可能，</a:t>
+            </a:r>
+            <a:r>
+              <a:rPr lang="en-US" altLang="zh-CN" sz="1600" dirty="0" err="1" smtClean="0"/>
+              <a:t>Git</a:t>
+            </a:r>
+            <a:r>
+              <a:rPr lang="zh-CN" altLang="en-US" sz="1600" dirty="0" smtClean="0"/>
+              <a:t>会默认使用</a:t>
+            </a:r>
+            <a:r>
+              <a:rPr lang="en-US" altLang="zh-CN" sz="1600" dirty="0" smtClean="0"/>
+              <a:t>Fast forward</a:t>
+            </a:r>
+            <a:r>
+              <a:rPr lang="zh-CN" altLang="en-US" sz="1600" dirty="0" smtClean="0"/>
+              <a:t>模式，但这种模式下，删除分支后，会丢掉分支信息。此时，可使用</a:t>
+            </a:r>
+            <a:r>
+              <a:rPr lang="en-US" sz="1600" dirty="0" smtClean="0">
+                <a:solidFill>
+                  <a:schemeClr val="tx2">
+                    <a:lumMod val="60000"/>
+                    <a:lumOff val="40000"/>
+                  </a:schemeClr>
+                </a:solidFill>
+              </a:rPr>
+              <a:t>--no-ff</a:t>
+            </a:r>
+            <a:r>
+              <a:rPr lang="zh-CN" altLang="en-US" sz="1600" dirty="0" smtClean="0"/>
+              <a:t>方式的</a:t>
+            </a:r>
+            <a:r>
+              <a:rPr lang="en-US" sz="1600" dirty="0" err="1" smtClean="0">
+                <a:solidFill>
+                  <a:schemeClr val="tx2">
+                    <a:lumMod val="60000"/>
+                    <a:lumOff val="40000"/>
+                  </a:schemeClr>
+                </a:solidFill>
+              </a:rPr>
+              <a:t>git</a:t>
+            </a:r>
+            <a:r>
+              <a:rPr lang="en-US" sz="1600" dirty="0" smtClean="0">
+                <a:solidFill>
+                  <a:schemeClr val="tx2">
+                    <a:lumMod val="60000"/>
+                    <a:lumOff val="40000"/>
+                  </a:schemeClr>
+                </a:solidFill>
+              </a:rPr>
+              <a:t> merge</a:t>
+            </a:r>
+            <a:r>
+              <a:rPr lang="zh-CN" altLang="en-US" sz="1600" dirty="0" smtClean="0"/>
+              <a:t>来强制禁用</a:t>
+            </a:r>
+            <a:r>
+              <a:rPr lang="en-US" sz="1600" dirty="0" smtClean="0"/>
+              <a:t>Fast forward</a:t>
+            </a:r>
+            <a:r>
+              <a:rPr lang="zh-CN" altLang="en-US" sz="1600" dirty="0" smtClean="0"/>
+              <a:t>模式。</a:t>
+            </a:r>
+            <a:endParaRPr lang="en-US" altLang="zh-CN" sz="1600" dirty="0" smtClean="0"/>
+          </a:p>
+          <a:p>
+            <a:r>
+              <a:rPr lang="en-US" altLang="zh-CN" sz="1600" dirty="0" err="1" smtClean="0"/>
+              <a:t>E.g</a:t>
+            </a:r>
+            <a:r>
+              <a:rPr lang="zh-CN" altLang="en-US" sz="1600" dirty="0" smtClean="0"/>
+              <a:t>：</a:t>
+            </a:r>
+            <a:r>
+              <a:rPr lang="en-US" altLang="zh-CN" sz="1600" dirty="0" err="1" smtClean="0">
+                <a:solidFill>
+                  <a:schemeClr val="tx2">
+                    <a:lumMod val="60000"/>
+                    <a:lumOff val="40000"/>
+                  </a:schemeClr>
+                </a:solidFill>
+              </a:rPr>
+              <a:t>git</a:t>
+            </a:r>
+            <a:r>
+              <a:rPr lang="en-US" altLang="zh-CN" sz="1600" dirty="0" smtClean="0">
+                <a:solidFill>
+                  <a:schemeClr val="tx2">
+                    <a:lumMod val="60000"/>
+                    <a:lumOff val="40000"/>
+                  </a:schemeClr>
+                </a:solidFill>
+              </a:rPr>
+              <a:t> checkout -b dev</a:t>
+            </a:r>
+            <a:r>
+              <a:rPr lang="en-US" altLang="zh-CN" sz="1600" dirty="0" smtClean="0"/>
+              <a:t>	</a:t>
+            </a:r>
+            <a:r>
+              <a:rPr lang="zh-CN" altLang="en-US" sz="1600" dirty="0" smtClean="0"/>
+              <a:t>创建并切换至</a:t>
+            </a:r>
+            <a:r>
+              <a:rPr lang="en-US" altLang="zh-CN" sz="1600" dirty="0" smtClean="0"/>
+              <a:t>dev</a:t>
+            </a:r>
+            <a:r>
+              <a:rPr lang="zh-CN" altLang="en-US" sz="1600" dirty="0" smtClean="0"/>
+              <a:t>分支</a:t>
+            </a:r>
+            <a:endParaRPr lang="en-US" altLang="zh-CN" sz="1600" dirty="0" smtClean="0"/>
+          </a:p>
+          <a:p>
+            <a:pPr>
+              <a:buNone/>
+            </a:pPr>
+            <a:r>
+              <a:rPr lang="en-US" altLang="zh-CN" sz="1600" dirty="0" smtClean="0"/>
+              <a:t>		</a:t>
+            </a:r>
+            <a:r>
+              <a:rPr lang="en-US" altLang="zh-CN" sz="1600" dirty="0" err="1" smtClean="0">
+                <a:solidFill>
+                  <a:schemeClr val="tx2">
+                    <a:lumMod val="60000"/>
+                    <a:lumOff val="40000"/>
+                  </a:schemeClr>
+                </a:solidFill>
+              </a:rPr>
+              <a:t>git</a:t>
+            </a:r>
+            <a:r>
+              <a:rPr lang="en-US" altLang="zh-CN" sz="1600" dirty="0" smtClean="0">
+                <a:solidFill>
+                  <a:schemeClr val="tx2">
+                    <a:lumMod val="60000"/>
+                    <a:lumOff val="40000"/>
+                  </a:schemeClr>
+                </a:solidFill>
+              </a:rPr>
+              <a:t> add readme.txt</a:t>
+            </a:r>
+          </a:p>
+          <a:p>
+            <a:pPr>
+              <a:buNone/>
+            </a:pPr>
+            <a:r>
+              <a:rPr lang="en-US" altLang="zh-CN" sz="1600" dirty="0" smtClean="0"/>
+              <a:t>		</a:t>
+            </a:r>
+            <a:r>
+              <a:rPr lang="en-US" altLang="zh-CN" sz="1600" dirty="0" err="1" smtClean="0">
+                <a:solidFill>
+                  <a:schemeClr val="tx2">
+                    <a:lumMod val="60000"/>
+                    <a:lumOff val="40000"/>
+                  </a:schemeClr>
+                </a:solidFill>
+              </a:rPr>
+              <a:t>git</a:t>
+            </a:r>
+            <a:r>
+              <a:rPr lang="en-US" altLang="zh-CN" sz="1600" dirty="0" smtClean="0">
+                <a:solidFill>
+                  <a:schemeClr val="tx2">
+                    <a:lumMod val="60000"/>
+                    <a:lumOff val="40000"/>
+                  </a:schemeClr>
+                </a:solidFill>
+              </a:rPr>
+              <a:t> commit -m “remark”</a:t>
+            </a:r>
+            <a:r>
+              <a:rPr lang="en-US" altLang="zh-CN" sz="1600" dirty="0" smtClean="0"/>
+              <a:t>	</a:t>
+            </a:r>
+            <a:r>
+              <a:rPr lang="zh-CN" altLang="en-US" sz="1600" dirty="0" smtClean="0"/>
+              <a:t>修改</a:t>
+            </a:r>
+            <a:r>
+              <a:rPr lang="en-US" altLang="zh-CN" sz="1600" dirty="0" smtClean="0"/>
+              <a:t>readme.txt</a:t>
+            </a:r>
+            <a:r>
+              <a:rPr lang="zh-CN" altLang="en-US" sz="1600" dirty="0" smtClean="0"/>
+              <a:t>文件的内容后提交文件</a:t>
+            </a:r>
+            <a:endParaRPr lang="en-US" altLang="zh-CN" sz="1600" dirty="0" smtClean="0"/>
+          </a:p>
+          <a:p>
+            <a:pPr>
+              <a:buNone/>
+            </a:pPr>
+            <a:r>
+              <a:rPr lang="en-US" altLang="zh-CN" sz="1600" dirty="0" smtClean="0"/>
+              <a:t>		</a:t>
+            </a:r>
+            <a:r>
+              <a:rPr lang="en-US" altLang="zh-CN" sz="1600" dirty="0" err="1" smtClean="0">
+                <a:solidFill>
+                  <a:schemeClr val="tx2">
+                    <a:lumMod val="60000"/>
+                    <a:lumOff val="40000"/>
+                  </a:schemeClr>
+                </a:solidFill>
+              </a:rPr>
+              <a:t>git</a:t>
+            </a:r>
+            <a:r>
+              <a:rPr lang="en-US" altLang="zh-CN" sz="1600" dirty="0" smtClean="0">
+                <a:solidFill>
+                  <a:schemeClr val="tx2">
+                    <a:lumMod val="60000"/>
+                    <a:lumOff val="40000"/>
+                  </a:schemeClr>
+                </a:solidFill>
+              </a:rPr>
+              <a:t> checkout master</a:t>
+            </a:r>
+            <a:r>
+              <a:rPr lang="en-US" altLang="zh-CN" sz="1600" dirty="0" smtClean="0"/>
+              <a:t>	</a:t>
+            </a:r>
+            <a:r>
+              <a:rPr lang="zh-CN" altLang="en-US" sz="1600" dirty="0" smtClean="0"/>
+              <a:t>切换至</a:t>
+            </a:r>
+            <a:r>
+              <a:rPr lang="en-US" altLang="zh-CN" sz="1600" dirty="0" smtClean="0"/>
+              <a:t>master</a:t>
+            </a:r>
+            <a:r>
+              <a:rPr lang="zh-CN" altLang="en-US" sz="1600" dirty="0" smtClean="0"/>
+              <a:t>分支</a:t>
+            </a:r>
+            <a:endParaRPr lang="en-US" altLang="zh-CN" sz="1600" dirty="0" smtClean="0"/>
+          </a:p>
+          <a:p>
+            <a:pPr>
+              <a:buNone/>
+            </a:pPr>
+            <a:r>
+              <a:rPr lang="en-US" altLang="zh-CN" sz="1600" dirty="0" smtClean="0"/>
+              <a:t>		</a:t>
+            </a:r>
+            <a:r>
+              <a:rPr lang="en-US" altLang="zh-CN" sz="1600" dirty="0" err="1" smtClean="0">
+                <a:solidFill>
+                  <a:schemeClr val="tx2">
+                    <a:lumMod val="60000"/>
+                    <a:lumOff val="40000"/>
+                  </a:schemeClr>
+                </a:solidFill>
+              </a:rPr>
+              <a:t>git</a:t>
+            </a:r>
+            <a:r>
+              <a:rPr lang="en-US" altLang="zh-CN" sz="1600" dirty="0" smtClean="0">
+                <a:solidFill>
+                  <a:schemeClr val="tx2">
+                    <a:lumMod val="60000"/>
+                    <a:lumOff val="40000"/>
+                  </a:schemeClr>
+                </a:solidFill>
+              </a:rPr>
+              <a:t> merge --no-ff  -m “remark” dev</a:t>
+            </a:r>
+            <a:r>
+              <a:rPr lang="en-US" altLang="zh-CN" sz="1600" dirty="0" smtClean="0"/>
+              <a:t>	</a:t>
+            </a:r>
+          </a:p>
+          <a:p>
+            <a:pPr>
+              <a:buNone/>
+            </a:pPr>
+            <a:r>
+              <a:rPr lang="en-US" altLang="zh-CN" sz="1600" dirty="0" smtClean="0"/>
+              <a:t>	</a:t>
+            </a:r>
+            <a:r>
+              <a:rPr lang="zh-CN" altLang="en-US" sz="1600" dirty="0" smtClean="0"/>
+              <a:t>使用</a:t>
+            </a:r>
+            <a:r>
+              <a:rPr lang="en-US" altLang="zh-CN" sz="1600" dirty="0" smtClean="0">
+                <a:solidFill>
+                  <a:schemeClr val="tx2">
+                    <a:lumMod val="60000"/>
+                    <a:lumOff val="40000"/>
+                  </a:schemeClr>
+                </a:solidFill>
+              </a:rPr>
+              <a:t>--</a:t>
+            </a:r>
+            <a:r>
+              <a:rPr lang="en-US" sz="1600" dirty="0" smtClean="0">
+                <a:solidFill>
+                  <a:schemeClr val="tx2">
+                    <a:lumMod val="60000"/>
+                    <a:lumOff val="40000"/>
+                  </a:schemeClr>
+                </a:solidFill>
+              </a:rPr>
+              <a:t>no-ff</a:t>
+            </a:r>
+            <a:r>
+              <a:rPr lang="zh-CN" altLang="en-US" sz="1600" dirty="0" smtClean="0"/>
+              <a:t>参数（表示禁用</a:t>
+            </a:r>
+            <a:r>
+              <a:rPr lang="en-US" sz="1600" dirty="0" smtClean="0"/>
+              <a:t>Fast forward </a:t>
+            </a:r>
+            <a:r>
+              <a:rPr lang="zh-CN" altLang="en-US" sz="1600" dirty="0" smtClean="0"/>
+              <a:t>）合并</a:t>
+            </a:r>
+            <a:r>
+              <a:rPr lang="en-US" sz="1600" dirty="0" smtClean="0"/>
+              <a:t>dev</a:t>
+            </a:r>
+            <a:r>
+              <a:rPr lang="zh-CN" altLang="en-US" sz="1600" dirty="0" smtClean="0"/>
+              <a:t>分支，此次合并会创建一个新的</a:t>
+            </a:r>
+            <a:r>
+              <a:rPr lang="en-US" altLang="zh-CN" sz="1600" dirty="0" smtClean="0">
+                <a:solidFill>
+                  <a:schemeClr val="tx2">
+                    <a:lumMod val="60000"/>
+                    <a:lumOff val="40000"/>
+                  </a:schemeClr>
+                </a:solidFill>
+              </a:rPr>
+              <a:t>commit</a:t>
+            </a:r>
+            <a:r>
+              <a:rPr lang="zh-CN" altLang="en-US" sz="1600" dirty="0" smtClean="0"/>
+              <a:t>，所以加上</a:t>
+            </a:r>
+            <a:r>
+              <a:rPr lang="en-US" altLang="zh-CN" sz="1600" dirty="0" smtClean="0">
+                <a:solidFill>
+                  <a:schemeClr val="tx2">
+                    <a:lumMod val="60000"/>
+                    <a:lumOff val="40000"/>
+                  </a:schemeClr>
+                </a:solidFill>
+              </a:rPr>
+              <a:t>-m</a:t>
+            </a:r>
+            <a:r>
+              <a:rPr lang="zh-CN" altLang="en-US" sz="1600" dirty="0" smtClean="0"/>
+              <a:t>参数，把</a:t>
+            </a:r>
+            <a:r>
+              <a:rPr lang="en-US" altLang="zh-CN" sz="1600" dirty="0" smtClean="0"/>
+              <a:t>commit</a:t>
+            </a:r>
+            <a:r>
+              <a:rPr lang="zh-CN" altLang="en-US" sz="1600" dirty="0" smtClean="0"/>
+              <a:t>描述写进去</a:t>
+            </a:r>
+            <a:endParaRPr lang="en-US" altLang="zh-CN" sz="1600" dirty="0" smtClean="0"/>
+          </a:p>
+          <a:p>
+            <a:r>
+              <a:rPr lang="zh-CN" altLang="en-US" sz="1600" dirty="0" smtClean="0"/>
+              <a:t>查看分支历史</a:t>
+            </a:r>
+            <a:endParaRPr lang="en-US" altLang="zh-CN" sz="1600" dirty="0" smtClean="0"/>
+          </a:p>
+          <a:p>
+            <a:endParaRPr lang="en-US" altLang="zh-CN" sz="1600" dirty="0" smtClean="0"/>
+          </a:p>
+          <a:p>
+            <a:endParaRPr lang="en-US" altLang="zh-CN" sz="1600" dirty="0" smtClean="0"/>
+          </a:p>
+          <a:p>
+            <a:endParaRPr lang="en-US" altLang="zh-CN" sz="1600" dirty="0" smtClean="0"/>
+          </a:p>
+          <a:p>
+            <a:endParaRPr lang="en-US" altLang="zh-CN" sz="1600" dirty="0" smtClean="0"/>
+          </a:p>
+          <a:p>
+            <a:endParaRPr lang="en-US" altLang="zh-CN" sz="1600" dirty="0" smtClean="0"/>
+          </a:p>
+          <a:p>
+            <a:endParaRPr lang="en-US" altLang="zh-CN" sz="1600" dirty="0" smtClean="0"/>
+          </a:p>
+          <a:p>
+            <a:pPr>
+              <a:buFont typeface="Wingdings" pitchFamily="2" charset="2"/>
+              <a:buChar char="Ø"/>
+            </a:pPr>
+            <a:endParaRPr lang="en-US" altLang="zh-CN" sz="1600" dirty="0" smtClean="0"/>
+          </a:p>
+          <a:p>
+            <a:pPr>
+              <a:buFont typeface="Wingdings" pitchFamily="2" charset="2"/>
+              <a:buChar char="Ø"/>
+            </a:pPr>
+            <a:r>
+              <a:rPr lang="zh-CN" altLang="en-US" sz="1600" dirty="0" smtClean="0"/>
+              <a:t>合并分支时，加上</a:t>
+            </a:r>
+            <a:r>
+              <a:rPr lang="en-US" altLang="zh-CN" sz="1600" dirty="0" smtClean="0">
+                <a:solidFill>
+                  <a:schemeClr val="tx2">
+                    <a:lumMod val="60000"/>
+                    <a:lumOff val="40000"/>
+                  </a:schemeClr>
+                </a:solidFill>
+              </a:rPr>
+              <a:t>--no-ff</a:t>
+            </a:r>
+            <a:r>
+              <a:rPr lang="zh-CN" altLang="en-US" sz="1600" dirty="0" smtClean="0"/>
+              <a:t>参数就可以用普通模式合并，合并后的历史有分支，能看出来曾经做过合并，而</a:t>
+            </a:r>
+            <a:r>
+              <a:rPr lang="en-US" altLang="zh-CN" sz="1600" dirty="0" smtClean="0"/>
+              <a:t>fast forward</a:t>
+            </a:r>
+            <a:r>
+              <a:rPr lang="zh-CN" altLang="en-US" sz="1600" dirty="0" smtClean="0"/>
+              <a:t>合并就看不出来曾经做过合并。</a:t>
+            </a:r>
+            <a:endParaRPr lang="zh-CN" altLang="en-US" sz="1600" dirty="0"/>
+          </a:p>
+        </p:txBody>
+      </p:sp>
+      <p:pic>
+        <p:nvPicPr>
+          <p:cNvPr id="51203" name="Picture 3"/>
+          <p:cNvPicPr>
+            <a:picLocks noChangeAspect="1" noChangeArrowheads="1"/>
+          </p:cNvPicPr>
+          <p:nvPr/>
+        </p:nvPicPr>
+        <p:blipFill>
+          <a:blip r:embed="rId2"/>
+          <a:srcRect/>
+          <a:stretch>
+            <a:fillRect/>
+          </a:stretch>
+        </p:blipFill>
+        <p:spPr bwMode="auto">
+          <a:xfrm>
+            <a:off x="928661" y="4071942"/>
+            <a:ext cx="3819391" cy="1785950"/>
+          </a:xfrm>
+          <a:prstGeom prst="rect">
+            <a:avLst/>
+          </a:prstGeom>
+          <a:noFill/>
+          <a:ln w="9525">
+            <a:noFill/>
+            <a:miter lim="800000"/>
+            <a:headEnd/>
+            <a:tailEnd/>
+          </a:ln>
+          <a:effectLst/>
+        </p:spPr>
+      </p:pic>
+    </p:spTree>
+  </p:cSld>
+  <p:clrMapOvr>
+    <a:masterClrMapping/>
+  </p:clrMapOvr>
+</p:sld>
+</file>
+
+<file path=ppt/slides/slide32.xml><?xml version="1.0" encoding="utf-8"?>
+<p:sld xmlns:a="http://schemas.openxmlformats.org/drawingml/2006/main" xmlns:r="http://schemas.openxmlformats.org/officeDocument/2006/relationships" xmlns:p="http://schemas.openxmlformats.org/presentationml/2006/main">
+  <p:cSld>
+    <p:spTree>
+      <p:nvGrpSpPr>
+        <p:cNvPr id="1" name=""/>
+        <p:cNvGrpSpPr/>
+        <p:nvPr/>
+      </p:nvGrpSpPr>
+      <p:grpSpPr>
+        <a:xfrm>
+          <a:off x="0" y="0"/>
+          <a:ext cx="0" cy="0"/>
+          <a:chOff x="0" y="0"/>
+          <a:chExt cx="0" cy="0"/>
+        </a:xfrm>
+      </p:grpSpPr>
+      <p:sp>
+        <p:nvSpPr>
+          <p:cNvPr id="2" name="标题 1"/>
+          <p:cNvSpPr>
+            <a:spLocks noGrp="1"/>
+          </p:cNvSpPr>
+          <p:nvPr>
+            <p:ph type="title"/>
+          </p:nvPr>
+        </p:nvSpPr>
+        <p:spPr/>
+        <p:txBody>
+          <a:bodyPr/>
+          <a:lstStyle/>
+          <a:p>
+            <a:r>
+              <a:rPr lang="zh-CN" altLang="en-US" dirty="0" smtClean="0"/>
+              <a:t>分支管理策略</a:t>
+            </a:r>
+            <a:endParaRPr lang="zh-CN" altLang="en-US" dirty="0"/>
+          </a:p>
+        </p:txBody>
+      </p:sp>
+      <p:sp>
+        <p:nvSpPr>
+          <p:cNvPr id="3" name="内容占位符 2"/>
+          <p:cNvSpPr>
+            <a:spLocks noGrp="1"/>
+          </p:cNvSpPr>
+          <p:nvPr>
+            <p:ph idx="1"/>
+          </p:nvPr>
+        </p:nvSpPr>
         <p:spPr/>
         <p:txBody>
           <a:bodyPr>
@@ -12530,7 +13264,7 @@
 </p:sld>
 </file>
 
-<file path=ppt/slides/slide32.xml><?xml version="1.0" encoding="utf-8"?>
+<file path=ppt/slides/slide33.xml><?xml version="1.0" encoding="utf-8"?>
 <p:sld xmlns:a="http://schemas.openxmlformats.org/drawingml/2006/main" xmlns:r="http://schemas.openxmlformats.org/officeDocument/2006/relationships" xmlns:p="http://schemas.openxmlformats.org/presentationml/2006/main">
   <p:cSld>
     <p:spTree>
@@ -13607,7 +14341,7 @@
 </p:sld>
 </file>
 
-<file path=ppt/slides/slide33.xml><?xml version="1.0" encoding="utf-8"?>
+<file path=ppt/slides/slide34.xml><?xml version="1.0" encoding="utf-8"?>
 <p:sld xmlns:a="http://schemas.openxmlformats.org/drawingml/2006/main" xmlns:r="http://schemas.openxmlformats.org/officeDocument/2006/relationships" xmlns:p="http://schemas.openxmlformats.org/presentationml/2006/main">
   <p:cSld>
     <p:spTree>
@@ -13932,170 +14666,6 @@
 </p:sld>
 </file>
 
-<file path=ppt/slides/slide34.xml><?xml version="1.0" encoding="utf-8"?>
-<p:sld xmlns:a="http://schemas.openxmlformats.org/drawingml/2006/main" xmlns:r="http://schemas.openxmlformats.org/officeDocument/2006/relationships" xmlns:p="http://schemas.openxmlformats.org/presentationml/2006/main">
-  <p:cSld>
-    <p:spTree>
-      <p:nvGrpSpPr>
-        <p:cNvPr id="1" name=""/>
-        <p:cNvGrpSpPr/>
-        <p:nvPr/>
-      </p:nvGrpSpPr>
-      <p:grpSpPr>
-        <a:xfrm>
-          <a:off x="0" y="0"/>
-          <a:ext cx="0" cy="0"/>
-          <a:chOff x="0" y="0"/>
-          <a:chExt cx="0" cy="0"/>
-        </a:xfrm>
-      </p:grpSpPr>
-      <p:sp>
-        <p:nvSpPr>
-          <p:cNvPr id="2" name="标题 1"/>
-          <p:cNvSpPr>
-            <a:spLocks noGrp="1"/>
-          </p:cNvSpPr>
-          <p:nvPr>
-            <p:ph type="title"/>
-          </p:nvPr>
-        </p:nvSpPr>
-        <p:spPr/>
-        <p:txBody>
-          <a:bodyPr/>
-          <a:lstStyle/>
-          <a:p>
-            <a:r>
-              <a:rPr lang="zh-CN" altLang="en-US" dirty="0" smtClean="0"/>
-              <a:t>多人协助</a:t>
-            </a:r>
-            <a:endParaRPr lang="zh-CN" altLang="en-US" dirty="0"/>
-          </a:p>
-        </p:txBody>
-      </p:sp>
-      <p:sp>
-        <p:nvSpPr>
-          <p:cNvPr id="3" name="内容占位符 2"/>
-          <p:cNvSpPr>
-            <a:spLocks noGrp="1"/>
-          </p:cNvSpPr>
-          <p:nvPr>
-            <p:ph idx="1"/>
-          </p:nvPr>
-        </p:nvSpPr>
-        <p:spPr/>
-        <p:txBody>
-          <a:bodyPr>
-            <a:normAutofit/>
-          </a:bodyPr>
-          <a:lstStyle/>
-          <a:p>
-            <a:r>
-              <a:rPr lang="zh-CN" altLang="en-US" dirty="0" smtClean="0"/>
-              <a:t>主要分支</a:t>
-            </a:r>
-            <a:endParaRPr lang="en-US" altLang="zh-CN" dirty="0" smtClean="0"/>
-          </a:p>
-          <a:p>
-            <a:pPr>
-              <a:buFont typeface="Wingdings" pitchFamily="2" charset="2"/>
-              <a:buChar char="Ø"/>
-            </a:pPr>
-            <a:r>
-              <a:rPr lang="en-US" altLang="zh-CN" sz="2200" dirty="0" smtClean="0">
-                <a:solidFill>
-                  <a:srgbClr val="C00000"/>
-                </a:solidFill>
-              </a:rPr>
-              <a:t>master</a:t>
-            </a:r>
-            <a:r>
-              <a:rPr lang="zh-CN" altLang="en-US" sz="2200" dirty="0" smtClean="0"/>
-              <a:t>分支：是主分支，要时刻与远程同步；</a:t>
-            </a:r>
-          </a:p>
-          <a:p>
-            <a:pPr>
-              <a:buFont typeface="Wingdings" pitchFamily="2" charset="2"/>
-              <a:buChar char="Ø"/>
-            </a:pPr>
-            <a:r>
-              <a:rPr lang="en-US" altLang="zh-CN" sz="2200" dirty="0" smtClean="0">
-                <a:solidFill>
-                  <a:srgbClr val="C00000"/>
-                </a:solidFill>
-              </a:rPr>
-              <a:t>dev</a:t>
-            </a:r>
-            <a:r>
-              <a:rPr lang="zh-CN" altLang="en-US" sz="2200" dirty="0" smtClean="0"/>
-              <a:t>分支：是开发分支，团队所有成员都需要在上面工作，所以需要与远程同步；</a:t>
-            </a:r>
-          </a:p>
-          <a:p>
-            <a:pPr>
-              <a:buFont typeface="Wingdings" pitchFamily="2" charset="2"/>
-              <a:buChar char="Ø"/>
-            </a:pPr>
-            <a:r>
-              <a:rPr lang="en-US" altLang="zh-CN" sz="2200" dirty="0" smtClean="0">
-                <a:solidFill>
-                  <a:srgbClr val="C00000"/>
-                </a:solidFill>
-              </a:rPr>
-              <a:t>bug</a:t>
-            </a:r>
-            <a:r>
-              <a:rPr lang="zh-CN" altLang="en-US" sz="2200" dirty="0" smtClean="0"/>
-              <a:t>分支：只用于在本地修复</a:t>
-            </a:r>
-            <a:r>
-              <a:rPr lang="en-US" altLang="zh-CN" sz="2200" dirty="0" smtClean="0"/>
-              <a:t>bug</a:t>
-            </a:r>
-            <a:r>
-              <a:rPr lang="zh-CN" altLang="en-US" sz="2200" dirty="0" smtClean="0"/>
-              <a:t>，没必要推送到远程，除非老板要看你每周修复了几个</a:t>
-            </a:r>
-            <a:r>
-              <a:rPr lang="en-US" altLang="zh-CN" sz="2200" dirty="0" smtClean="0"/>
-              <a:t>bug</a:t>
-            </a:r>
-            <a:r>
-              <a:rPr lang="zh-CN" altLang="en-US" sz="2200" dirty="0" smtClean="0"/>
-              <a:t>；</a:t>
-            </a:r>
-          </a:p>
-          <a:p>
-            <a:pPr>
-              <a:buFont typeface="Wingdings" pitchFamily="2" charset="2"/>
-              <a:buChar char="Ø"/>
-            </a:pPr>
-            <a:r>
-              <a:rPr lang="en-US" altLang="zh-CN" sz="2200" dirty="0" smtClean="0">
-                <a:solidFill>
-                  <a:srgbClr val="C00000"/>
-                </a:solidFill>
-              </a:rPr>
-              <a:t>feature</a:t>
-            </a:r>
-            <a:r>
-              <a:rPr lang="zh-CN" altLang="en-US" sz="2200" dirty="0" smtClean="0"/>
-              <a:t>分支：新功能分支，是否推送到远程，取决于你是否和你的小伙伴合作在上面开发</a:t>
-            </a:r>
-          </a:p>
-          <a:p>
-            <a:endParaRPr lang="zh-CN" altLang="en-US" dirty="0"/>
-          </a:p>
-        </p:txBody>
-      </p:sp>
-    </p:spTree>
-  </p:cSld>
-  <p:clrMapOvr>
-    <a:masterClrMapping/>
-  </p:clrMapOvr>
-</p:sld>
-</file>
-
 <file path=ppt/slides/slide35.xml><?xml version="1.0" encoding="utf-8"?>
 <p:sld xmlns:a="http://schemas.openxmlformats.org/drawingml/2006/main" xmlns:r="http://schemas.openxmlformats.org/officeDocument/2006/relationships" xmlns:p="http://schemas.openxmlformats.org/presentationml/2006/main">
   <p:cSld>
@@ -14146,6 +14716,170 @@
             <p:ph idx="1"/>
           </p:nvPr>
         </p:nvSpPr>
+        <p:spPr/>
+        <p:txBody>
+          <a:bodyPr>
+            <a:normAutofit/>
+          </a:bodyPr>
+          <a:lstStyle/>
+          <a:p>
+            <a:r>
+              <a:rPr lang="zh-CN" altLang="en-US" dirty="0" smtClean="0"/>
+              <a:t>主要分支</a:t>
+            </a:r>
+            <a:endParaRPr lang="en-US" altLang="zh-CN" dirty="0" smtClean="0"/>
+          </a:p>
+          <a:p>
+            <a:pPr>
+              <a:buFont typeface="Wingdings" pitchFamily="2" charset="2"/>
+              <a:buChar char="Ø"/>
+            </a:pPr>
+            <a:r>
+              <a:rPr lang="en-US" altLang="zh-CN" sz="2200" dirty="0" smtClean="0">
+                <a:solidFill>
+                  <a:srgbClr val="C00000"/>
+                </a:solidFill>
+              </a:rPr>
+              <a:t>master</a:t>
+            </a:r>
+            <a:r>
+              <a:rPr lang="zh-CN" altLang="en-US" sz="2200" dirty="0" smtClean="0"/>
+              <a:t>分支：是主分支，要时刻与远程同步；</a:t>
+            </a:r>
+          </a:p>
+          <a:p>
+            <a:pPr>
+              <a:buFont typeface="Wingdings" pitchFamily="2" charset="2"/>
+              <a:buChar char="Ø"/>
+            </a:pPr>
+            <a:r>
+              <a:rPr lang="en-US" altLang="zh-CN" sz="2200" dirty="0" smtClean="0">
+                <a:solidFill>
+                  <a:srgbClr val="C00000"/>
+                </a:solidFill>
+              </a:rPr>
+              <a:t>dev</a:t>
+            </a:r>
+            <a:r>
+              <a:rPr lang="zh-CN" altLang="en-US" sz="2200" dirty="0" smtClean="0"/>
+              <a:t>分支：是开发分支，团队所有成员都需要在上面工作，所以需要与远程同步；</a:t>
+            </a:r>
+          </a:p>
+          <a:p>
+            <a:pPr>
+              <a:buFont typeface="Wingdings" pitchFamily="2" charset="2"/>
+              <a:buChar char="Ø"/>
+            </a:pPr>
+            <a:r>
+              <a:rPr lang="en-US" altLang="zh-CN" sz="2200" dirty="0" smtClean="0">
+                <a:solidFill>
+                  <a:srgbClr val="C00000"/>
+                </a:solidFill>
+              </a:rPr>
+              <a:t>bug</a:t>
+            </a:r>
+            <a:r>
+              <a:rPr lang="zh-CN" altLang="en-US" sz="2200" dirty="0" smtClean="0"/>
+              <a:t>分支：只用于在本地修复</a:t>
+            </a:r>
+            <a:r>
+              <a:rPr lang="en-US" altLang="zh-CN" sz="2200" dirty="0" smtClean="0"/>
+              <a:t>bug</a:t>
+            </a:r>
+            <a:r>
+              <a:rPr lang="zh-CN" altLang="en-US" sz="2200" dirty="0" smtClean="0"/>
+              <a:t>，没必要推送到远程，除非老板要看你每周修复了几个</a:t>
+            </a:r>
+            <a:r>
+              <a:rPr lang="en-US" altLang="zh-CN" sz="2200" dirty="0" smtClean="0"/>
+              <a:t>bug</a:t>
+            </a:r>
+            <a:r>
+              <a:rPr lang="zh-CN" altLang="en-US" sz="2200" dirty="0" smtClean="0"/>
+              <a:t>；</a:t>
+            </a:r>
+          </a:p>
+          <a:p>
+            <a:pPr>
+              <a:buFont typeface="Wingdings" pitchFamily="2" charset="2"/>
+              <a:buChar char="Ø"/>
+            </a:pPr>
+            <a:r>
+              <a:rPr lang="en-US" altLang="zh-CN" sz="2200" dirty="0" smtClean="0">
+                <a:solidFill>
+                  <a:srgbClr val="C00000"/>
+                </a:solidFill>
+              </a:rPr>
+              <a:t>feature</a:t>
+            </a:r>
+            <a:r>
+              <a:rPr lang="zh-CN" altLang="en-US" sz="2200" dirty="0" smtClean="0"/>
+              <a:t>分支：新功能分支，是否推送到远程，取决于你是否和你的小伙伴合作在上面开发</a:t>
+            </a:r>
+          </a:p>
+          <a:p>
+            <a:endParaRPr lang="zh-CN" altLang="en-US" dirty="0"/>
+          </a:p>
+        </p:txBody>
+      </p:sp>
+    </p:spTree>
+  </p:cSld>
+  <p:clrMapOvr>
+    <a:masterClrMapping/>
+  </p:clrMapOvr>
+</p:sld>
+</file>
+
+<file path=ppt/slides/slide36.xml><?xml version="1.0" encoding="utf-8"?>
+<p:sld xmlns:a="http://schemas.openxmlformats.org/drawingml/2006/main" xmlns:r="http://schemas.openxmlformats.org/officeDocument/2006/relationships" xmlns:p="http://schemas.openxmlformats.org/presentationml/2006/main">
+  <p:cSld>
+    <p:spTree>
+      <p:nvGrpSpPr>
+        <p:cNvPr id="1" name=""/>
+        <p:cNvGrpSpPr/>
+        <p:nvPr/>
+      </p:nvGrpSpPr>
+      <p:grpSpPr>
+        <a:xfrm>
+          <a:off x="0" y="0"/>
+          <a:ext cx="0" cy="0"/>
+          <a:chOff x="0" y="0"/>
+          <a:chExt cx="0" cy="0"/>
+        </a:xfrm>
+      </p:grpSpPr>
+      <p:sp>
+        <p:nvSpPr>
+          <p:cNvPr id="2" name="标题 1"/>
+          <p:cNvSpPr>
+            <a:spLocks noGrp="1"/>
+          </p:cNvSpPr>
+          <p:nvPr>
+            <p:ph type="title"/>
+          </p:nvPr>
+        </p:nvSpPr>
+        <p:spPr/>
+        <p:txBody>
+          <a:bodyPr/>
+          <a:lstStyle/>
+          <a:p>
+            <a:r>
+              <a:rPr lang="zh-CN" altLang="en-US" dirty="0" smtClean="0"/>
+              <a:t>多人协助</a:t>
+            </a:r>
+            <a:endParaRPr lang="zh-CN" altLang="en-US" dirty="0"/>
+          </a:p>
+        </p:txBody>
+      </p:sp>
+      <p:sp>
+        <p:nvSpPr>
+          <p:cNvPr id="3" name="内容占位符 2"/>
+          <p:cNvSpPr>
+            <a:spLocks noGrp="1"/>
+          </p:cNvSpPr>
+          <p:nvPr>
+            <p:ph idx="1"/>
+          </p:nvPr>
+        </p:nvSpPr>
         <p:spPr>
           <a:xfrm>
             <a:off x="457200" y="1600200"/>
@@ -14275,11 +15009,7 @@
             </a:pPr>
             <a:r>
               <a:rPr lang="zh-CN" altLang="en-US" sz="2400" dirty="0" smtClean="0"/>
-              <a:t>如果合并有冲突，则解决冲突，并在本地</a:t>
-            </a:r>
-            <a:r>
-              <a:rPr lang="zh-CN" altLang="en-US" sz="2400" dirty="0" smtClean="0"/>
-              <a:t>提交（如图所示即为</a:t>
+              <a:t>如果合并有冲突，则解决冲突，并在本地提交（如图所示即为</a:t>
             </a:r>
             <a:r>
               <a:rPr lang="en-US" altLang="zh-CN" sz="2400" dirty="0" err="1" smtClean="0"/>
@@ -14295,11 +15025,7 @@
             </a:r>
             <a:r>
               <a:rPr lang="en-US" altLang="zh-CN" sz="2400" dirty="0" smtClean="0"/>
-              <a:t>readme</a:t>
-            </a:r>
-            <a:r>
-              <a:rPr lang="en-US" altLang="zh-CN" sz="2400" dirty="0" smtClean="0"/>
-              <a:t>.txt</a:t>
+              <a:t>readme.txt</a:t>
             </a:r>
             <a:r>
               <a:rPr lang="zh-CN" altLang="en-US" sz="2400" dirty="0" smtClean="0"/>
@@ -14364,11 +15090,7 @@
             </a:pPr>
             <a:r>
               <a:rPr lang="zh-CN" altLang="en-US" sz="2400" dirty="0" smtClean="0"/>
-              <a:t>没有</a:t>
-            </a:r>
-            <a:r>
-              <a:rPr lang="zh-CN" altLang="en-US" sz="2400" dirty="0" smtClean="0"/>
-              <a:t>冲突或者解决掉冲突后，再用</a:t>
+              <a:t>没有冲突或者解决掉冲突后，再用</a:t>
             </a:r>
             <a:r>
               <a:rPr lang="en-US" sz="2400" dirty="0" err="1" smtClean="0">
@@ -14548,671 +15270,6 @@
 </p:sld>
 </file>
 
-<file path=ppt/slides/slide36.xml><?xml version="1.0" encoding="utf-8"?>
-<p:sld xmlns:a="http://schemas.openxmlformats.org/drawingml/2006/main" xmlns:r="http://schemas.openxmlformats.org/officeDocument/2006/relationships" xmlns:p="http://schemas.openxmlformats.org/presentationml/2006/main">
-  <p:cSld>
-    <p:spTree>
-      <p:nvGrpSpPr>
-        <p:cNvPr id="1" name=""/>
-        <p:cNvGrpSpPr/>
-        <p:nvPr/>
-      </p:nvGrpSpPr>
-      <p:grpSpPr>
-        <a:xfrm>
-          <a:off x="0" y="0"/>
-          <a:ext cx="0" cy="0"/>
-          <a:chOff x="0" y="0"/>
-          <a:chExt cx="0" cy="0"/>
-        </a:xfrm>
-      </p:grpSpPr>
-      <p:sp>
-        <p:nvSpPr>
-          <p:cNvPr id="2" name="标题 1"/>
-          <p:cNvSpPr>
-            <a:spLocks noGrp="1"/>
-          </p:cNvSpPr>
-          <p:nvPr>
-            <p:ph type="title"/>
-          </p:nvPr>
-        </p:nvSpPr>
-        <p:spPr/>
-        <p:txBody>
-          <a:bodyPr/>
-          <a:lstStyle/>
-          <a:p>
-            <a:r>
-              <a:rPr lang="zh-CN" altLang="en-US" dirty="0" smtClean="0"/>
-              <a:t>标签管理</a:t>
-            </a:r>
-            <a:endParaRPr lang="zh-CN" altLang="en-US" dirty="0"/>
-          </a:p>
-        </p:txBody>
-      </p:sp>
-      <p:sp>
-        <p:nvSpPr>
-          <p:cNvPr id="3" name="内容占位符 2"/>
-          <p:cNvSpPr>
-            <a:spLocks noGrp="1"/>
-          </p:cNvSpPr>
-          <p:nvPr>
-            <p:ph idx="1"/>
-          </p:nvPr>
-        </p:nvSpPr>
-        <p:spPr/>
-        <p:txBody>
-          <a:bodyPr>
-            <a:normAutofit fontScale="70000" lnSpcReduction="20000"/>
-          </a:bodyPr>
-          <a:lstStyle/>
-          <a:p>
-            <a:r>
-              <a:rPr lang="zh-CN" altLang="en-US" sz="3600" dirty="0" smtClean="0"/>
-              <a:t>命令</a:t>
-            </a:r>
-            <a:r>
-              <a:rPr lang="en-US" sz="3600" dirty="0" err="1" smtClean="0">
-                <a:solidFill>
-                  <a:schemeClr val="tx2">
-                    <a:lumMod val="60000"/>
-                    <a:lumOff val="40000"/>
-                  </a:schemeClr>
-                </a:solidFill>
-              </a:rPr>
-              <a:t>git</a:t>
-            </a:r>
-            <a:r>
-              <a:rPr lang="en-US" sz="3600" dirty="0" smtClean="0">
-                <a:solidFill>
-                  <a:schemeClr val="tx2">
-                    <a:lumMod val="60000"/>
-                    <a:lumOff val="40000"/>
-                  </a:schemeClr>
-                </a:solidFill>
-              </a:rPr>
-              <a:t> </a:t>
-            </a:r>
-            <a:r>
-              <a:rPr lang="en-US" sz="3600" b="1" dirty="0" smtClean="0">
-                <a:solidFill>
-                  <a:schemeClr val="tx2">
-                    <a:lumMod val="60000"/>
-                    <a:lumOff val="40000"/>
-                  </a:schemeClr>
-                </a:solidFill>
-              </a:rPr>
-              <a:t>tag</a:t>
-            </a:r>
-            <a:r>
-              <a:rPr lang="en-US" sz="3600" dirty="0" smtClean="0">
-                <a:solidFill>
-                  <a:schemeClr val="tx2">
-                    <a:lumMod val="60000"/>
-                    <a:lumOff val="40000"/>
-                  </a:schemeClr>
-                </a:solidFill>
-              </a:rPr>
-              <a:t> [</a:t>
-            </a:r>
-            <a:r>
-              <a:rPr lang="en-US" sz="3600" dirty="0" err="1" smtClean="0">
-                <a:solidFill>
-                  <a:schemeClr val="tx2">
-                    <a:lumMod val="60000"/>
-                    <a:lumOff val="40000"/>
-                  </a:schemeClr>
-                </a:solidFill>
-              </a:rPr>
-              <a:t>tagname</a:t>
-            </a:r>
-            <a:r>
-              <a:rPr lang="en-US" sz="3600" dirty="0" smtClean="0">
-                <a:solidFill>
-                  <a:schemeClr val="tx2">
-                    <a:lumMod val="60000"/>
-                    <a:lumOff val="40000"/>
-                  </a:schemeClr>
-                </a:solidFill>
-              </a:rPr>
-              <a:t>]</a:t>
-            </a:r>
-            <a:r>
-              <a:rPr lang="zh-CN" altLang="en-US" sz="3600" dirty="0" smtClean="0"/>
-              <a:t>：新建一个标签，默认为</a:t>
-            </a:r>
-            <a:r>
-              <a:rPr lang="en-US" sz="3600" dirty="0" smtClean="0"/>
-              <a:t>HEAD</a:t>
-            </a:r>
-            <a:r>
-              <a:rPr lang="zh-CN" altLang="en-US" sz="3600" dirty="0" smtClean="0"/>
-              <a:t>（最新版本）；</a:t>
-            </a:r>
-            <a:endParaRPr lang="en-US" altLang="zh-CN" sz="3600" dirty="0" smtClean="0"/>
-          </a:p>
-          <a:p>
-            <a:r>
-              <a:rPr lang="zh-CN" altLang="en-US" sz="3600" dirty="0" smtClean="0"/>
-              <a:t>命令</a:t>
-            </a:r>
-            <a:r>
-              <a:rPr lang="en-US" sz="3600" dirty="0" err="1" smtClean="0">
-                <a:solidFill>
-                  <a:schemeClr val="tx2">
-                    <a:lumMod val="60000"/>
-                    <a:lumOff val="40000"/>
-                  </a:schemeClr>
-                </a:solidFill>
-              </a:rPr>
-              <a:t>git</a:t>
-            </a:r>
-            <a:r>
-              <a:rPr lang="en-US" sz="3600" dirty="0" smtClean="0">
-                <a:solidFill>
-                  <a:schemeClr val="tx2">
-                    <a:lumMod val="60000"/>
-                    <a:lumOff val="40000"/>
-                  </a:schemeClr>
-                </a:solidFill>
-              </a:rPr>
-              <a:t> </a:t>
-            </a:r>
-            <a:r>
-              <a:rPr lang="en-US" sz="3600" b="1" dirty="0" smtClean="0">
-                <a:solidFill>
-                  <a:schemeClr val="tx2">
-                    <a:lumMod val="60000"/>
-                    <a:lumOff val="40000"/>
-                  </a:schemeClr>
-                </a:solidFill>
-              </a:rPr>
-              <a:t>tag</a:t>
-            </a:r>
-            <a:r>
-              <a:rPr lang="en-US" sz="3600" dirty="0" smtClean="0">
-                <a:solidFill>
-                  <a:schemeClr val="tx2">
-                    <a:lumMod val="60000"/>
-                    <a:lumOff val="40000"/>
-                  </a:schemeClr>
-                </a:solidFill>
-              </a:rPr>
-              <a:t> [</a:t>
-            </a:r>
-            <a:r>
-              <a:rPr lang="en-US" sz="3600" dirty="0" err="1" smtClean="0">
-                <a:solidFill>
-                  <a:schemeClr val="tx2">
-                    <a:lumMod val="60000"/>
-                    <a:lumOff val="40000"/>
-                  </a:schemeClr>
-                </a:solidFill>
-              </a:rPr>
-              <a:t>tagname</a:t>
-            </a:r>
-            <a:r>
-              <a:rPr lang="en-US" sz="3600" dirty="0" smtClean="0">
-                <a:solidFill>
-                  <a:schemeClr val="tx2">
-                    <a:lumMod val="60000"/>
-                    <a:lumOff val="40000"/>
-                  </a:schemeClr>
-                </a:solidFill>
-              </a:rPr>
-              <a:t>] [</a:t>
-            </a:r>
-            <a:r>
-              <a:rPr lang="en-US" sz="3600" dirty="0" err="1" smtClean="0">
-                <a:solidFill>
-                  <a:schemeClr val="tx2">
-                    <a:lumMod val="60000"/>
-                    <a:lumOff val="40000"/>
-                  </a:schemeClr>
-                </a:solidFill>
-              </a:rPr>
-              <a:t>commit_id</a:t>
-            </a:r>
-            <a:r>
-              <a:rPr lang="en-US" sz="3600" dirty="0" smtClean="0">
-                <a:solidFill>
-                  <a:schemeClr val="tx2">
-                    <a:lumMod val="60000"/>
-                    <a:lumOff val="40000"/>
-                  </a:schemeClr>
-                </a:solidFill>
-              </a:rPr>
-              <a:t>]</a:t>
-            </a:r>
-            <a:r>
-              <a:rPr lang="zh-CN" altLang="en-US" sz="3600" dirty="0" smtClean="0"/>
-              <a:t>：为指定</a:t>
-            </a:r>
-            <a:r>
-              <a:rPr lang="en-US" sz="3600" dirty="0" smtClean="0"/>
-              <a:t>commit id</a:t>
-            </a:r>
-            <a:r>
-              <a:rPr lang="zh-CN" altLang="en-US" sz="3600" dirty="0" smtClean="0"/>
-              <a:t>版本新建一个标签；</a:t>
-            </a:r>
-            <a:endParaRPr lang="en-US" sz="3600" dirty="0" smtClean="0"/>
-          </a:p>
-          <a:p>
-            <a:r>
-              <a:rPr lang="zh-CN" altLang="en-US" sz="3600" dirty="0" smtClean="0"/>
-              <a:t>命令</a:t>
-            </a:r>
-            <a:r>
-              <a:rPr lang="en-US" sz="3600" dirty="0" err="1" smtClean="0">
-                <a:solidFill>
-                  <a:schemeClr val="tx2">
-                    <a:lumMod val="60000"/>
-                    <a:lumOff val="40000"/>
-                  </a:schemeClr>
-                </a:solidFill>
-              </a:rPr>
-              <a:t>git</a:t>
-            </a:r>
-            <a:r>
-              <a:rPr lang="en-US" sz="3600" dirty="0" smtClean="0">
-                <a:solidFill>
-                  <a:schemeClr val="tx2">
-                    <a:lumMod val="60000"/>
-                    <a:lumOff val="40000"/>
-                  </a:schemeClr>
-                </a:solidFill>
-              </a:rPr>
-              <a:t> </a:t>
-            </a:r>
-            <a:r>
-              <a:rPr lang="en-US" sz="3600" b="1" dirty="0" smtClean="0">
-                <a:solidFill>
-                  <a:schemeClr val="tx2">
-                    <a:lumMod val="60000"/>
-                    <a:lumOff val="40000"/>
-                  </a:schemeClr>
-                </a:solidFill>
-              </a:rPr>
-              <a:t>tag -a</a:t>
-            </a:r>
-            <a:r>
-              <a:rPr lang="en-US" sz="3600" dirty="0" smtClean="0">
-                <a:solidFill>
-                  <a:schemeClr val="tx2">
-                    <a:lumMod val="60000"/>
-                    <a:lumOff val="40000"/>
-                  </a:schemeClr>
-                </a:solidFill>
-              </a:rPr>
-              <a:t> [</a:t>
-            </a:r>
-            <a:r>
-              <a:rPr lang="en-US" sz="3600" dirty="0" err="1" smtClean="0">
-                <a:solidFill>
-                  <a:schemeClr val="tx2">
-                    <a:lumMod val="60000"/>
-                    <a:lumOff val="40000"/>
-                  </a:schemeClr>
-                </a:solidFill>
-              </a:rPr>
-              <a:t>tagname</a:t>
-            </a:r>
-            <a:r>
-              <a:rPr lang="en-US" sz="3600" dirty="0" smtClean="0">
-                <a:solidFill>
-                  <a:schemeClr val="tx2">
-                    <a:lumMod val="60000"/>
-                    <a:lumOff val="40000"/>
-                  </a:schemeClr>
-                </a:solidFill>
-              </a:rPr>
-              <a:t>] </a:t>
-            </a:r>
-            <a:r>
-              <a:rPr lang="en-US" sz="3600" b="1" dirty="0" smtClean="0">
-                <a:solidFill>
-                  <a:schemeClr val="tx2">
-                    <a:lumMod val="60000"/>
-                    <a:lumOff val="40000"/>
-                  </a:schemeClr>
-                </a:solidFill>
-              </a:rPr>
-              <a:t>-m</a:t>
-            </a:r>
-            <a:r>
-              <a:rPr lang="en-US" sz="3600" dirty="0" smtClean="0">
-                <a:solidFill>
-                  <a:schemeClr val="tx2">
-                    <a:lumMod val="60000"/>
-                    <a:lumOff val="40000"/>
-                  </a:schemeClr>
-                </a:solidFill>
-              </a:rPr>
-              <a:t> “</a:t>
-            </a:r>
-            <a:r>
-              <a:rPr lang="en-US" altLang="zh-CN" sz="3600" dirty="0" smtClean="0">
-                <a:solidFill>
-                  <a:schemeClr val="tx2">
-                    <a:lumMod val="60000"/>
-                    <a:lumOff val="40000"/>
-                  </a:schemeClr>
-                </a:solidFill>
-              </a:rPr>
-              <a:t>remark</a:t>
-            </a:r>
-            <a:r>
-              <a:rPr lang="en-US" sz="3600" dirty="0" smtClean="0">
-                <a:solidFill>
-                  <a:schemeClr val="tx2">
-                    <a:lumMod val="60000"/>
-                    <a:lumOff val="40000"/>
-                  </a:schemeClr>
-                </a:solidFill>
-              </a:rPr>
-              <a:t>“[</a:t>
-            </a:r>
-            <a:r>
-              <a:rPr lang="en-US" sz="3600" dirty="0" err="1" smtClean="0">
-                <a:solidFill>
-                  <a:schemeClr val="tx2">
-                    <a:lumMod val="60000"/>
-                    <a:lumOff val="40000"/>
-                  </a:schemeClr>
-                </a:solidFill>
-              </a:rPr>
-              <a:t>commit_id</a:t>
-            </a:r>
-            <a:r>
-              <a:rPr lang="en-US" sz="3600" dirty="0" smtClean="0">
-                <a:solidFill>
-                  <a:schemeClr val="tx2">
-                    <a:lumMod val="60000"/>
-                    <a:lumOff val="40000"/>
-                  </a:schemeClr>
-                </a:solidFill>
-              </a:rPr>
-              <a:t>]</a:t>
-            </a:r>
-            <a:r>
-              <a:rPr lang="en-US" sz="3600" dirty="0" smtClean="0"/>
-              <a:t> </a:t>
-            </a:r>
-            <a:r>
-              <a:rPr lang="zh-CN" altLang="en-US" sz="3600" dirty="0" smtClean="0"/>
-              <a:t>：为指定版本创建标签并指定标签信息；</a:t>
-            </a:r>
-          </a:p>
-          <a:p>
-            <a:r>
-              <a:rPr lang="zh-CN" altLang="en-US" sz="3600" dirty="0" smtClean="0"/>
-              <a:t>命令</a:t>
-            </a:r>
-            <a:r>
-              <a:rPr lang="en-US" sz="3600" dirty="0" err="1" smtClean="0">
-                <a:solidFill>
-                  <a:schemeClr val="tx2">
-                    <a:lumMod val="60000"/>
-                    <a:lumOff val="40000"/>
-                  </a:schemeClr>
-                </a:solidFill>
-              </a:rPr>
-              <a:t>git</a:t>
-            </a:r>
-            <a:r>
-              <a:rPr lang="en-US" sz="3600" dirty="0" smtClean="0">
-                <a:solidFill>
-                  <a:schemeClr val="tx2">
-                    <a:lumMod val="60000"/>
-                    <a:lumOff val="40000"/>
-                  </a:schemeClr>
-                </a:solidFill>
-              </a:rPr>
-              <a:t> </a:t>
-            </a:r>
-            <a:r>
-              <a:rPr lang="en-US" sz="3600" b="1" dirty="0" smtClean="0">
-                <a:solidFill>
-                  <a:schemeClr val="tx2">
-                    <a:lumMod val="60000"/>
-                    <a:lumOff val="40000"/>
-                  </a:schemeClr>
-                </a:solidFill>
-              </a:rPr>
-              <a:t>tag</a:t>
-            </a:r>
-            <a:r>
-              <a:rPr lang="zh-CN" altLang="en-US" sz="3600" dirty="0" smtClean="0"/>
-              <a:t>：查看所有标签；</a:t>
-            </a:r>
-            <a:endParaRPr lang="en-US" altLang="zh-CN" sz="3600" dirty="0" smtClean="0"/>
-          </a:p>
-          <a:p>
-            <a:r>
-              <a:rPr lang="zh-CN" altLang="en-US" sz="3600" dirty="0" smtClean="0"/>
-              <a:t>命令</a:t>
-            </a:r>
-            <a:r>
-              <a:rPr lang="en-US" sz="3600" dirty="0" err="1" smtClean="0">
-                <a:solidFill>
-                  <a:schemeClr val="tx2">
-                    <a:lumMod val="60000"/>
-                    <a:lumOff val="40000"/>
-                  </a:schemeClr>
-                </a:solidFill>
-              </a:rPr>
-              <a:t>git</a:t>
-            </a:r>
-            <a:r>
-              <a:rPr lang="en-US" sz="3600" dirty="0" smtClean="0">
-                <a:solidFill>
-                  <a:schemeClr val="tx2">
-                    <a:lumMod val="60000"/>
-                    <a:lumOff val="40000"/>
-                  </a:schemeClr>
-                </a:solidFill>
-              </a:rPr>
-              <a:t> </a:t>
-            </a:r>
-            <a:r>
-              <a:rPr lang="en-US" sz="3600" b="1" dirty="0" smtClean="0">
-                <a:solidFill>
-                  <a:schemeClr val="tx2">
-                    <a:lumMod val="60000"/>
-                    <a:lumOff val="40000"/>
-                  </a:schemeClr>
-                </a:solidFill>
-              </a:rPr>
-              <a:t>show</a:t>
-            </a:r>
-            <a:r>
-              <a:rPr lang="en-US" sz="3600" dirty="0" smtClean="0">
-                <a:solidFill>
-                  <a:schemeClr val="tx2">
-                    <a:lumMod val="60000"/>
-                    <a:lumOff val="40000"/>
-                  </a:schemeClr>
-                </a:solidFill>
-              </a:rPr>
-              <a:t> [</a:t>
-            </a:r>
-            <a:r>
-              <a:rPr lang="en-US" sz="3600" dirty="0" err="1" smtClean="0">
-                <a:solidFill>
-                  <a:schemeClr val="tx2">
-                    <a:lumMod val="60000"/>
-                    <a:lumOff val="40000"/>
-                  </a:schemeClr>
-                </a:solidFill>
-              </a:rPr>
-              <a:t>tagname</a:t>
-            </a:r>
-            <a:r>
-              <a:rPr lang="en-US" sz="3600" dirty="0" smtClean="0">
-                <a:solidFill>
-                  <a:schemeClr val="tx2">
-                    <a:lumMod val="60000"/>
-                    <a:lumOff val="40000"/>
-                  </a:schemeClr>
-                </a:solidFill>
-              </a:rPr>
-              <a:t>]</a:t>
-            </a:r>
-            <a:r>
-              <a:rPr lang="zh-CN" altLang="en-US" sz="3600" dirty="0" smtClean="0"/>
-              <a:t>：查看指定标签信息。</a:t>
-            </a:r>
-            <a:endParaRPr lang="en-US" altLang="zh-CN" sz="3600" dirty="0" smtClean="0"/>
-          </a:p>
-          <a:p>
-            <a:endParaRPr lang="en-US" altLang="zh-CN" sz="3600" dirty="0" smtClean="0"/>
-          </a:p>
-          <a:p>
-            <a:pPr>
-              <a:buFont typeface="Wingdings" pitchFamily="2" charset="2"/>
-              <a:buChar char="Ø"/>
-            </a:pPr>
-            <a:r>
-              <a:rPr lang="zh-CN" altLang="en-US" sz="2600" dirty="0" smtClean="0"/>
-              <a:t>注：创建标签先切换至需要打标签的分支，之后执行</a:t>
-            </a:r>
-            <a:r>
-              <a:rPr lang="en-US" altLang="zh-CN" sz="2600" dirty="0" err="1" smtClean="0">
-                <a:solidFill>
-                  <a:schemeClr val="tx2">
-                    <a:lumMod val="60000"/>
-                    <a:lumOff val="40000"/>
-                  </a:schemeClr>
-                </a:solidFill>
-              </a:rPr>
-              <a:t>git</a:t>
-            </a:r>
-            <a:r>
-              <a:rPr lang="en-US" altLang="zh-CN" sz="2600" dirty="0" smtClean="0">
-                <a:solidFill>
-                  <a:schemeClr val="tx2">
-                    <a:lumMod val="60000"/>
-                    <a:lumOff val="40000"/>
-                  </a:schemeClr>
-                </a:solidFill>
-              </a:rPr>
-              <a:t> </a:t>
-            </a:r>
-            <a:r>
-              <a:rPr lang="en-US" altLang="zh-CN" sz="2600" b="1" dirty="0" smtClean="0">
-                <a:solidFill>
-                  <a:schemeClr val="tx2">
-                    <a:lumMod val="60000"/>
-                    <a:lumOff val="40000"/>
-                  </a:schemeClr>
-                </a:solidFill>
-              </a:rPr>
-              <a:t>tag </a:t>
-            </a:r>
-            <a:r>
-              <a:rPr lang="en-US" sz="2600" dirty="0" smtClean="0">
-                <a:solidFill>
-                  <a:schemeClr val="tx2">
-                    <a:lumMod val="60000"/>
-                    <a:lumOff val="40000"/>
-                  </a:schemeClr>
-                </a:solidFill>
-              </a:rPr>
-              <a:t>[</a:t>
-            </a:r>
-            <a:r>
-              <a:rPr lang="en-US" sz="2600" dirty="0" err="1" smtClean="0">
-                <a:solidFill>
-                  <a:schemeClr val="tx2">
-                    <a:lumMod val="60000"/>
-                    <a:lumOff val="40000"/>
-                  </a:schemeClr>
-                </a:solidFill>
-              </a:rPr>
-              <a:t>tagname</a:t>
-            </a:r>
-            <a:r>
-              <a:rPr lang="en-US" sz="2600" dirty="0" smtClean="0">
-                <a:solidFill>
-                  <a:schemeClr val="tx2">
-                    <a:lumMod val="60000"/>
-                    <a:lumOff val="40000"/>
-                  </a:schemeClr>
-                </a:solidFill>
-              </a:rPr>
-              <a:t>]</a:t>
-            </a:r>
-            <a:r>
-              <a:rPr lang="zh-CN" altLang="en-US" sz="2600" dirty="0" smtClean="0"/>
-              <a:t>；</a:t>
-            </a:r>
-            <a:endParaRPr lang="en-US" altLang="zh-CN" sz="2600" dirty="0" smtClean="0"/>
-          </a:p>
-          <a:p>
-            <a:pPr>
-              <a:buNone/>
-            </a:pPr>
-            <a:r>
-              <a:rPr lang="en-US" altLang="zh-CN" sz="2600" dirty="0" smtClean="0"/>
-              <a:t>	 </a:t>
-            </a:r>
-            <a:r>
-              <a:rPr lang="zh-CN" altLang="en-US" sz="2600" dirty="0" smtClean="0"/>
-              <a:t>但是标签总是和某个</a:t>
-            </a:r>
-            <a:r>
-              <a:rPr lang="en-US" altLang="zh-CN" sz="2600" dirty="0" smtClean="0"/>
-              <a:t>commit id</a:t>
-            </a:r>
-            <a:r>
-              <a:rPr lang="zh-CN" altLang="en-US" sz="2600" dirty="0" smtClean="0"/>
-              <a:t>挂钩。如果这个</a:t>
-            </a:r>
-            <a:r>
-              <a:rPr lang="en-US" altLang="zh-CN" sz="2600" dirty="0" smtClean="0"/>
-              <a:t>commit id</a:t>
-            </a:r>
-            <a:r>
-              <a:rPr lang="zh-CN" altLang="en-US" sz="2600" dirty="0" smtClean="0"/>
-              <a:t>既出现在</a:t>
-            </a:r>
-            <a:r>
-              <a:rPr lang="en-US" altLang="zh-CN" sz="2600" dirty="0" smtClean="0">
-                <a:solidFill>
-                  <a:srgbClr val="C00000"/>
-                </a:solidFill>
-              </a:rPr>
-              <a:t>master</a:t>
-            </a:r>
-            <a:r>
-              <a:rPr lang="zh-CN" altLang="en-US" sz="2600" dirty="0" smtClean="0"/>
-              <a:t>分支，又出现在</a:t>
-            </a:r>
-            <a:r>
-              <a:rPr lang="en-US" altLang="zh-CN" sz="2600" dirty="0" smtClean="0">
-                <a:solidFill>
-                  <a:srgbClr val="C00000"/>
-                </a:solidFill>
-              </a:rPr>
-              <a:t>dev</a:t>
-            </a:r>
-            <a:r>
-              <a:rPr lang="zh-CN" altLang="en-US" sz="2600" dirty="0" smtClean="0"/>
-              <a:t>分支，那么在这两个分支上都可以看到这个标签。</a:t>
-            </a:r>
-          </a:p>
-          <a:p>
-            <a:endParaRPr lang="zh-CN" altLang="en-US" dirty="0"/>
-          </a:p>
-        </p:txBody>
-      </p:sp>
-    </p:spTree>
-  </p:cSld>
-  <p:clrMapOvr>
-    <a:masterClrMapping/>
-  </p:clrMapOvr>
-</p:sld>
-</file>
-
 <file path=ppt/slides/slide37.xml><?xml version="1.0" encoding="utf-8"?>
 <p:sld xmlns:a="http://schemas.openxmlformats.org/drawingml/2006/main" xmlns:r="http://schemas.openxmlformats.org/officeDocument/2006/relationships" xmlns:p="http://schemas.openxmlformats.org/presentationml/2006/main">
   <p:cSld>
@@ -15263,6 +15320,671 @@
             <p:ph idx="1"/>
           </p:nvPr>
         </p:nvSpPr>
+        <p:spPr/>
+        <p:txBody>
+          <a:bodyPr>
+            <a:normAutofit fontScale="70000" lnSpcReduction="20000"/>
+          </a:bodyPr>
+          <a:lstStyle/>
+          <a:p>
+            <a:r>
+              <a:rPr lang="zh-CN" altLang="en-US" sz="3600" dirty="0" smtClean="0"/>
+              <a:t>命令</a:t>
+            </a:r>
+            <a:r>
+              <a:rPr lang="en-US" sz="3600" dirty="0" err="1" smtClean="0">
+                <a:solidFill>
+                  <a:schemeClr val="tx2">
+                    <a:lumMod val="60000"/>
+                    <a:lumOff val="40000"/>
+                  </a:schemeClr>
+                </a:solidFill>
+              </a:rPr>
+              <a:t>git</a:t>
+            </a:r>
+            <a:r>
+              <a:rPr lang="en-US" sz="3600" dirty="0" smtClean="0">
+                <a:solidFill>
+                  <a:schemeClr val="tx2">
+                    <a:lumMod val="60000"/>
+                    <a:lumOff val="40000"/>
+                  </a:schemeClr>
+                </a:solidFill>
+              </a:rPr>
+              <a:t> </a:t>
+            </a:r>
+            <a:r>
+              <a:rPr lang="en-US" sz="3600" b="1" dirty="0" smtClean="0">
+                <a:solidFill>
+                  <a:schemeClr val="tx2">
+                    <a:lumMod val="60000"/>
+                    <a:lumOff val="40000"/>
+                  </a:schemeClr>
+                </a:solidFill>
+              </a:rPr>
+              <a:t>tag</a:t>
+            </a:r>
+            <a:r>
+              <a:rPr lang="en-US" sz="3600" dirty="0" smtClean="0">
+                <a:solidFill>
+                  <a:schemeClr val="tx2">
+                    <a:lumMod val="60000"/>
+                    <a:lumOff val="40000"/>
+                  </a:schemeClr>
+                </a:solidFill>
+              </a:rPr>
+              <a:t> [</a:t>
+            </a:r>
+            <a:r>
+              <a:rPr lang="en-US" sz="3600" dirty="0" err="1" smtClean="0">
+                <a:solidFill>
+                  <a:schemeClr val="tx2">
+                    <a:lumMod val="60000"/>
+                    <a:lumOff val="40000"/>
+                  </a:schemeClr>
+                </a:solidFill>
+              </a:rPr>
+              <a:t>tagname</a:t>
+            </a:r>
+            <a:r>
+              <a:rPr lang="en-US" sz="3600" dirty="0" smtClean="0">
+                <a:solidFill>
+                  <a:schemeClr val="tx2">
+                    <a:lumMod val="60000"/>
+                    <a:lumOff val="40000"/>
+                  </a:schemeClr>
+                </a:solidFill>
+              </a:rPr>
+              <a:t>]</a:t>
+            </a:r>
+            <a:r>
+              <a:rPr lang="zh-CN" altLang="en-US" sz="3600" dirty="0" smtClean="0"/>
+              <a:t>：新建一个标签，默认为</a:t>
+            </a:r>
+            <a:r>
+              <a:rPr lang="en-US" sz="3600" dirty="0" smtClean="0"/>
+              <a:t>HEAD</a:t>
+            </a:r>
+            <a:r>
+              <a:rPr lang="zh-CN" altLang="en-US" sz="3600" dirty="0" smtClean="0"/>
+              <a:t>（最新版本）；</a:t>
+            </a:r>
+            <a:endParaRPr lang="en-US" altLang="zh-CN" sz="3600" dirty="0" smtClean="0"/>
+          </a:p>
+          <a:p>
+            <a:r>
+              <a:rPr lang="zh-CN" altLang="en-US" sz="3600" dirty="0" smtClean="0"/>
+              <a:t>命令</a:t>
+            </a:r>
+            <a:r>
+              <a:rPr lang="en-US" sz="3600" dirty="0" err="1" smtClean="0">
+                <a:solidFill>
+                  <a:schemeClr val="tx2">
+                    <a:lumMod val="60000"/>
+                    <a:lumOff val="40000"/>
+                  </a:schemeClr>
+                </a:solidFill>
+              </a:rPr>
+              <a:t>git</a:t>
+            </a:r>
+            <a:r>
+              <a:rPr lang="en-US" sz="3600" dirty="0" smtClean="0">
+                <a:solidFill>
+                  <a:schemeClr val="tx2">
+                    <a:lumMod val="60000"/>
+                    <a:lumOff val="40000"/>
+                  </a:schemeClr>
+                </a:solidFill>
+              </a:rPr>
+              <a:t> </a:t>
+            </a:r>
+            <a:r>
+              <a:rPr lang="en-US" sz="3600" b="1" dirty="0" smtClean="0">
+                <a:solidFill>
+                  <a:schemeClr val="tx2">
+                    <a:lumMod val="60000"/>
+                    <a:lumOff val="40000"/>
+                  </a:schemeClr>
+                </a:solidFill>
+              </a:rPr>
+              <a:t>tag</a:t>
+            </a:r>
+            <a:r>
+              <a:rPr lang="en-US" sz="3600" dirty="0" smtClean="0">
+                <a:solidFill>
+                  <a:schemeClr val="tx2">
+                    <a:lumMod val="60000"/>
+                    <a:lumOff val="40000"/>
+                  </a:schemeClr>
+                </a:solidFill>
+              </a:rPr>
+              <a:t> [</a:t>
+            </a:r>
+            <a:r>
+              <a:rPr lang="en-US" sz="3600" dirty="0" err="1" smtClean="0">
+                <a:solidFill>
+                  <a:schemeClr val="tx2">
+                    <a:lumMod val="60000"/>
+                    <a:lumOff val="40000"/>
+                  </a:schemeClr>
+                </a:solidFill>
+              </a:rPr>
+              <a:t>tagname</a:t>
+            </a:r>
+            <a:r>
+              <a:rPr lang="en-US" sz="3600" dirty="0" smtClean="0">
+                <a:solidFill>
+                  <a:schemeClr val="tx2">
+                    <a:lumMod val="60000"/>
+                    <a:lumOff val="40000"/>
+                  </a:schemeClr>
+                </a:solidFill>
+              </a:rPr>
+              <a:t>] [</a:t>
+            </a:r>
+            <a:r>
+              <a:rPr lang="en-US" sz="3600" dirty="0" err="1" smtClean="0">
+                <a:solidFill>
+                  <a:schemeClr val="tx2">
+                    <a:lumMod val="60000"/>
+                    <a:lumOff val="40000"/>
+                  </a:schemeClr>
+                </a:solidFill>
+              </a:rPr>
+              <a:t>commit_id</a:t>
+            </a:r>
+            <a:r>
+              <a:rPr lang="en-US" sz="3600" dirty="0" smtClean="0">
+                <a:solidFill>
+                  <a:schemeClr val="tx2">
+                    <a:lumMod val="60000"/>
+                    <a:lumOff val="40000"/>
+                  </a:schemeClr>
+                </a:solidFill>
+              </a:rPr>
+              <a:t>]</a:t>
+            </a:r>
+            <a:r>
+              <a:rPr lang="zh-CN" altLang="en-US" sz="3600" dirty="0" smtClean="0"/>
+              <a:t>：为指定</a:t>
+            </a:r>
+            <a:r>
+              <a:rPr lang="en-US" sz="3600" dirty="0" smtClean="0"/>
+              <a:t>commit id</a:t>
+            </a:r>
+            <a:r>
+              <a:rPr lang="zh-CN" altLang="en-US" sz="3600" dirty="0" smtClean="0"/>
+              <a:t>版本新建一个标签；</a:t>
+            </a:r>
+            <a:endParaRPr lang="en-US" sz="3600" dirty="0" smtClean="0"/>
+          </a:p>
+          <a:p>
+            <a:r>
+              <a:rPr lang="zh-CN" altLang="en-US" sz="3600" dirty="0" smtClean="0"/>
+              <a:t>命令</a:t>
+            </a:r>
+            <a:r>
+              <a:rPr lang="en-US" sz="3600" dirty="0" err="1" smtClean="0">
+                <a:solidFill>
+                  <a:schemeClr val="tx2">
+                    <a:lumMod val="60000"/>
+                    <a:lumOff val="40000"/>
+                  </a:schemeClr>
+                </a:solidFill>
+              </a:rPr>
+              <a:t>git</a:t>
+            </a:r>
+            <a:r>
+              <a:rPr lang="en-US" sz="3600" dirty="0" smtClean="0">
+                <a:solidFill>
+                  <a:schemeClr val="tx2">
+                    <a:lumMod val="60000"/>
+                    <a:lumOff val="40000"/>
+                  </a:schemeClr>
+                </a:solidFill>
+              </a:rPr>
+              <a:t> </a:t>
+            </a:r>
+            <a:r>
+              <a:rPr lang="en-US" sz="3600" b="1" dirty="0" smtClean="0">
+                <a:solidFill>
+                  <a:schemeClr val="tx2">
+                    <a:lumMod val="60000"/>
+                    <a:lumOff val="40000"/>
+                  </a:schemeClr>
+                </a:solidFill>
+              </a:rPr>
+              <a:t>tag -a</a:t>
+            </a:r>
+            <a:r>
+              <a:rPr lang="en-US" sz="3600" dirty="0" smtClean="0">
+                <a:solidFill>
+                  <a:schemeClr val="tx2">
+                    <a:lumMod val="60000"/>
+                    <a:lumOff val="40000"/>
+                  </a:schemeClr>
+                </a:solidFill>
+              </a:rPr>
+              <a:t> [</a:t>
+            </a:r>
+            <a:r>
+              <a:rPr lang="en-US" sz="3600" dirty="0" err="1" smtClean="0">
+                <a:solidFill>
+                  <a:schemeClr val="tx2">
+                    <a:lumMod val="60000"/>
+                    <a:lumOff val="40000"/>
+                  </a:schemeClr>
+                </a:solidFill>
+              </a:rPr>
+              <a:t>tagname</a:t>
+            </a:r>
+            <a:r>
+              <a:rPr lang="en-US" sz="3600" dirty="0" smtClean="0">
+                <a:solidFill>
+                  <a:schemeClr val="tx2">
+                    <a:lumMod val="60000"/>
+                    <a:lumOff val="40000"/>
+                  </a:schemeClr>
+                </a:solidFill>
+              </a:rPr>
+              <a:t>] </a:t>
+            </a:r>
+            <a:r>
+              <a:rPr lang="en-US" sz="3600" b="1" dirty="0" smtClean="0">
+                <a:solidFill>
+                  <a:schemeClr val="tx2">
+                    <a:lumMod val="60000"/>
+                    <a:lumOff val="40000"/>
+                  </a:schemeClr>
+                </a:solidFill>
+              </a:rPr>
+              <a:t>-m</a:t>
+            </a:r>
+            <a:r>
+              <a:rPr lang="en-US" sz="3600" dirty="0" smtClean="0">
+                <a:solidFill>
+                  <a:schemeClr val="tx2">
+                    <a:lumMod val="60000"/>
+                    <a:lumOff val="40000"/>
+                  </a:schemeClr>
+                </a:solidFill>
+              </a:rPr>
+              <a:t> “</a:t>
+            </a:r>
+            <a:r>
+              <a:rPr lang="en-US" altLang="zh-CN" sz="3600" dirty="0" smtClean="0">
+                <a:solidFill>
+                  <a:schemeClr val="tx2">
+                    <a:lumMod val="60000"/>
+                    <a:lumOff val="40000"/>
+                  </a:schemeClr>
+                </a:solidFill>
+              </a:rPr>
+              <a:t>remark</a:t>
+            </a:r>
+            <a:r>
+              <a:rPr lang="en-US" sz="3600" dirty="0" smtClean="0">
+                <a:solidFill>
+                  <a:schemeClr val="tx2">
+                    <a:lumMod val="60000"/>
+                    <a:lumOff val="40000"/>
+                  </a:schemeClr>
+                </a:solidFill>
+              </a:rPr>
+              <a:t>“[</a:t>
+            </a:r>
+            <a:r>
+              <a:rPr lang="en-US" sz="3600" dirty="0" err="1" smtClean="0">
+                <a:solidFill>
+                  <a:schemeClr val="tx2">
+                    <a:lumMod val="60000"/>
+                    <a:lumOff val="40000"/>
+                  </a:schemeClr>
+                </a:solidFill>
+              </a:rPr>
+              <a:t>commit_id</a:t>
+            </a:r>
+            <a:r>
+              <a:rPr lang="en-US" sz="3600" dirty="0" smtClean="0">
+                <a:solidFill>
+                  <a:schemeClr val="tx2">
+                    <a:lumMod val="60000"/>
+                    <a:lumOff val="40000"/>
+                  </a:schemeClr>
+                </a:solidFill>
+              </a:rPr>
+              <a:t>]</a:t>
+            </a:r>
+            <a:r>
+              <a:rPr lang="en-US" sz="3600" dirty="0" smtClean="0"/>
+              <a:t> </a:t>
+            </a:r>
+            <a:r>
+              <a:rPr lang="zh-CN" altLang="en-US" sz="3600" dirty="0" smtClean="0"/>
+              <a:t>：为指定版本创建标签并指定标签信息；</a:t>
+            </a:r>
+          </a:p>
+          <a:p>
+            <a:r>
+              <a:rPr lang="zh-CN" altLang="en-US" sz="3600" dirty="0" smtClean="0"/>
+              <a:t>命令</a:t>
+            </a:r>
+            <a:r>
+              <a:rPr lang="en-US" sz="3600" dirty="0" err="1" smtClean="0">
+                <a:solidFill>
+                  <a:schemeClr val="tx2">
+                    <a:lumMod val="60000"/>
+                    <a:lumOff val="40000"/>
+                  </a:schemeClr>
+                </a:solidFill>
+              </a:rPr>
+              <a:t>git</a:t>
+            </a:r>
+            <a:r>
+              <a:rPr lang="en-US" sz="3600" dirty="0" smtClean="0">
+                <a:solidFill>
+                  <a:schemeClr val="tx2">
+                    <a:lumMod val="60000"/>
+                    <a:lumOff val="40000"/>
+                  </a:schemeClr>
+                </a:solidFill>
+              </a:rPr>
+              <a:t> </a:t>
+            </a:r>
+            <a:r>
+              <a:rPr lang="en-US" sz="3600" b="1" dirty="0" smtClean="0">
+                <a:solidFill>
+                  <a:schemeClr val="tx2">
+                    <a:lumMod val="60000"/>
+                    <a:lumOff val="40000"/>
+                  </a:schemeClr>
+                </a:solidFill>
+              </a:rPr>
+              <a:t>tag</a:t>
+            </a:r>
+            <a:r>
+              <a:rPr lang="zh-CN" altLang="en-US" sz="3600" dirty="0" smtClean="0"/>
+              <a:t>：查看所有标签；</a:t>
+            </a:r>
+            <a:endParaRPr lang="en-US" altLang="zh-CN" sz="3600" dirty="0" smtClean="0"/>
+          </a:p>
+          <a:p>
+            <a:r>
+              <a:rPr lang="zh-CN" altLang="en-US" sz="3600" dirty="0" smtClean="0"/>
+              <a:t>命令</a:t>
+            </a:r>
+            <a:r>
+              <a:rPr lang="en-US" sz="3600" dirty="0" err="1" smtClean="0">
+                <a:solidFill>
+                  <a:schemeClr val="tx2">
+                    <a:lumMod val="60000"/>
+                    <a:lumOff val="40000"/>
+                  </a:schemeClr>
+                </a:solidFill>
+              </a:rPr>
+              <a:t>git</a:t>
+            </a:r>
+            <a:r>
+              <a:rPr lang="en-US" sz="3600" dirty="0" smtClean="0">
+                <a:solidFill>
+                  <a:schemeClr val="tx2">
+                    <a:lumMod val="60000"/>
+                    <a:lumOff val="40000"/>
+                  </a:schemeClr>
+                </a:solidFill>
+              </a:rPr>
+              <a:t> </a:t>
+            </a:r>
+            <a:r>
+              <a:rPr lang="en-US" sz="3600" b="1" dirty="0" smtClean="0">
+                <a:solidFill>
+                  <a:schemeClr val="tx2">
+                    <a:lumMod val="60000"/>
+                    <a:lumOff val="40000"/>
+                  </a:schemeClr>
+                </a:solidFill>
+              </a:rPr>
+              <a:t>show</a:t>
+            </a:r>
+            <a:r>
+              <a:rPr lang="en-US" sz="3600" dirty="0" smtClean="0">
+                <a:solidFill>
+                  <a:schemeClr val="tx2">
+                    <a:lumMod val="60000"/>
+                    <a:lumOff val="40000"/>
+                  </a:schemeClr>
+                </a:solidFill>
+              </a:rPr>
+              <a:t> [</a:t>
+            </a:r>
+            <a:r>
+              <a:rPr lang="en-US" sz="3600" dirty="0" err="1" smtClean="0">
+                <a:solidFill>
+                  <a:schemeClr val="tx2">
+                    <a:lumMod val="60000"/>
+                    <a:lumOff val="40000"/>
+                  </a:schemeClr>
+                </a:solidFill>
+              </a:rPr>
+              <a:t>tagname</a:t>
+            </a:r>
+            <a:r>
+              <a:rPr lang="en-US" sz="3600" dirty="0" smtClean="0">
+                <a:solidFill>
+                  <a:schemeClr val="tx2">
+                    <a:lumMod val="60000"/>
+                    <a:lumOff val="40000"/>
+                  </a:schemeClr>
+                </a:solidFill>
+              </a:rPr>
+              <a:t>]</a:t>
+            </a:r>
+            <a:r>
+              <a:rPr lang="zh-CN" altLang="en-US" sz="3600" dirty="0" smtClean="0"/>
+              <a:t>：查看指定标签信息。</a:t>
+            </a:r>
+            <a:endParaRPr lang="en-US" altLang="zh-CN" sz="3600" dirty="0" smtClean="0"/>
+          </a:p>
+          <a:p>
+            <a:endParaRPr lang="en-US" altLang="zh-CN" sz="3600" dirty="0" smtClean="0"/>
+          </a:p>
+          <a:p>
+            <a:pPr>
+              <a:buFont typeface="Wingdings" pitchFamily="2" charset="2"/>
+              <a:buChar char="Ø"/>
+            </a:pPr>
+            <a:r>
+              <a:rPr lang="zh-CN" altLang="en-US" sz="2600" dirty="0" smtClean="0"/>
+              <a:t>注：创建标签先切换至需要打标签的分支，之后执行</a:t>
+            </a:r>
+            <a:r>
+              <a:rPr lang="en-US" altLang="zh-CN" sz="2600" dirty="0" err="1" smtClean="0">
+                <a:solidFill>
+                  <a:schemeClr val="tx2">
+                    <a:lumMod val="60000"/>
+                    <a:lumOff val="40000"/>
+                  </a:schemeClr>
+                </a:solidFill>
+              </a:rPr>
+              <a:t>git</a:t>
+            </a:r>
+            <a:r>
+              <a:rPr lang="en-US" altLang="zh-CN" sz="2600" dirty="0" smtClean="0">
+                <a:solidFill>
+                  <a:schemeClr val="tx2">
+                    <a:lumMod val="60000"/>
+                    <a:lumOff val="40000"/>
+                  </a:schemeClr>
+                </a:solidFill>
+              </a:rPr>
+              <a:t> </a:t>
+            </a:r>
+            <a:r>
+              <a:rPr lang="en-US" altLang="zh-CN" sz="2600" b="1" dirty="0" smtClean="0">
+                <a:solidFill>
+                  <a:schemeClr val="tx2">
+                    <a:lumMod val="60000"/>
+                    <a:lumOff val="40000"/>
+                  </a:schemeClr>
+                </a:solidFill>
+              </a:rPr>
+              <a:t>tag </a:t>
+            </a:r>
+            <a:r>
+              <a:rPr lang="en-US" sz="2600" dirty="0" smtClean="0">
+                <a:solidFill>
+                  <a:schemeClr val="tx2">
+                    <a:lumMod val="60000"/>
+                    <a:lumOff val="40000"/>
+                  </a:schemeClr>
+                </a:solidFill>
+              </a:rPr>
+              <a:t>[</a:t>
+            </a:r>
+            <a:r>
+              <a:rPr lang="en-US" sz="2600" dirty="0" err="1" smtClean="0">
+                <a:solidFill>
+                  <a:schemeClr val="tx2">
+                    <a:lumMod val="60000"/>
+                    <a:lumOff val="40000"/>
+                  </a:schemeClr>
+                </a:solidFill>
+              </a:rPr>
+              <a:t>tagname</a:t>
+            </a:r>
+            <a:r>
+              <a:rPr lang="en-US" sz="2600" dirty="0" smtClean="0">
+                <a:solidFill>
+                  <a:schemeClr val="tx2">
+                    <a:lumMod val="60000"/>
+                    <a:lumOff val="40000"/>
+                  </a:schemeClr>
+                </a:solidFill>
+              </a:rPr>
+              <a:t>]</a:t>
+            </a:r>
+            <a:r>
+              <a:rPr lang="zh-CN" altLang="en-US" sz="2600" dirty="0" smtClean="0"/>
+              <a:t>；</a:t>
+            </a:r>
+            <a:endParaRPr lang="en-US" altLang="zh-CN" sz="2600" dirty="0" smtClean="0"/>
+          </a:p>
+          <a:p>
+            <a:pPr>
+              <a:buNone/>
+            </a:pPr>
+            <a:r>
+              <a:rPr lang="en-US" altLang="zh-CN" sz="2600" dirty="0" smtClean="0"/>
+              <a:t>	 </a:t>
+            </a:r>
+            <a:r>
+              <a:rPr lang="zh-CN" altLang="en-US" sz="2600" dirty="0" smtClean="0"/>
+              <a:t>但是标签总是和某个</a:t>
+            </a:r>
+            <a:r>
+              <a:rPr lang="en-US" altLang="zh-CN" sz="2600" dirty="0" smtClean="0"/>
+              <a:t>commit id</a:t>
+            </a:r>
+            <a:r>
+              <a:rPr lang="zh-CN" altLang="en-US" sz="2600" dirty="0" smtClean="0"/>
+              <a:t>挂钩。如果这个</a:t>
+            </a:r>
+            <a:r>
+              <a:rPr lang="en-US" altLang="zh-CN" sz="2600" dirty="0" smtClean="0"/>
+              <a:t>commit id</a:t>
+            </a:r>
+            <a:r>
+              <a:rPr lang="zh-CN" altLang="en-US" sz="2600" dirty="0" smtClean="0"/>
+              <a:t>既出现在</a:t>
+            </a:r>
+            <a:r>
+              <a:rPr lang="en-US" altLang="zh-CN" sz="2600" dirty="0" smtClean="0">
+                <a:solidFill>
+                  <a:srgbClr val="C00000"/>
+                </a:solidFill>
+              </a:rPr>
+              <a:t>master</a:t>
+            </a:r>
+            <a:r>
+              <a:rPr lang="zh-CN" altLang="en-US" sz="2600" dirty="0" smtClean="0"/>
+              <a:t>分支，又出现在</a:t>
+            </a:r>
+            <a:r>
+              <a:rPr lang="en-US" altLang="zh-CN" sz="2600" dirty="0" smtClean="0">
+                <a:solidFill>
+                  <a:srgbClr val="C00000"/>
+                </a:solidFill>
+              </a:rPr>
+              <a:t>dev</a:t>
+            </a:r>
+            <a:r>
+              <a:rPr lang="zh-CN" altLang="en-US" sz="2600" dirty="0" smtClean="0"/>
+              <a:t>分支，那么在这两个分支上都可以看到这个标签。</a:t>
+            </a:r>
+          </a:p>
+          <a:p>
+            <a:endParaRPr lang="zh-CN" altLang="en-US" dirty="0"/>
+          </a:p>
+        </p:txBody>
+      </p:sp>
+    </p:spTree>
+  </p:cSld>
+  <p:clrMapOvr>
+    <a:masterClrMapping/>
+  </p:clrMapOvr>
+</p:sld>
+</file>
+
+<file path=ppt/slides/slide38.xml><?xml version="1.0" encoding="utf-8"?>
+<p:sld xmlns:a="http://schemas.openxmlformats.org/drawingml/2006/main" xmlns:r="http://schemas.openxmlformats.org/officeDocument/2006/relationships" xmlns:p="http://schemas.openxmlformats.org/presentationml/2006/main">
+  <p:cSld>
+    <p:spTree>
+      <p:nvGrpSpPr>
+        <p:cNvPr id="1" name=""/>
+        <p:cNvGrpSpPr/>
+        <p:nvPr/>
+      </p:nvGrpSpPr>
+      <p:grpSpPr>
+        <a:xfrm>
+          <a:off x="0" y="0"/>
+          <a:ext cx="0" cy="0"/>
+          <a:chOff x="0" y="0"/>
+          <a:chExt cx="0" cy="0"/>
+        </a:xfrm>
+      </p:grpSpPr>
+      <p:sp>
+        <p:nvSpPr>
+          <p:cNvPr id="2" name="标题 1"/>
+          <p:cNvSpPr>
+            <a:spLocks noGrp="1"/>
+          </p:cNvSpPr>
+          <p:nvPr>
+            <p:ph type="title"/>
+          </p:nvPr>
+        </p:nvSpPr>
+        <p:spPr/>
+        <p:txBody>
+          <a:bodyPr/>
+          <a:lstStyle/>
+          <a:p>
+            <a:r>
+              <a:rPr lang="zh-CN" altLang="en-US" dirty="0" smtClean="0"/>
+              <a:t>标签管理</a:t>
+            </a:r>
+            <a:endParaRPr lang="zh-CN" altLang="en-US" dirty="0"/>
+          </a:p>
+        </p:txBody>
+      </p:sp>
+      <p:sp>
+        <p:nvSpPr>
+          <p:cNvPr id="3" name="内容占位符 2"/>
+          <p:cNvSpPr>
+            <a:spLocks noGrp="1"/>
+          </p:cNvSpPr>
+          <p:nvPr>
+            <p:ph idx="1"/>
+          </p:nvPr>
+        </p:nvSpPr>
         <p:spPr>
           <a:xfrm>
             <a:off x="457200" y="1500174"/>
@@ -15708,7 +16430,7 @@
 </p:sld>
 </file>
 
-<file path=ppt/slides/slide38.xml><?xml version="1.0" encoding="utf-8"?>
+<file path=ppt/slides/slide39.xml><?xml version="1.0" encoding="utf-8"?>
 <p:sld xmlns:a="http://schemas.openxmlformats.org/drawingml/2006/main" xmlns:r="http://schemas.openxmlformats.org/officeDocument/2006/relationships" xmlns:p="http://schemas.openxmlformats.org/presentationml/2006/main">
   <p:cSld>
     <p:spTree>
@@ -15891,335 +16613,6 @@
 </p:sld>
 </file>
 
-<file path=ppt/slides/slide39.xml><?xml version="1.0" encoding="utf-8"?>
-<p:sld xmlns:a="http://schemas.openxmlformats.org/drawingml/2006/main" xmlns:r="http://schemas.openxmlformats.org/officeDocument/2006/relationships" xmlns:p="http://schemas.openxmlformats.org/presentationml/2006/main">
-  <p:cSld>
-    <p:spTree>
-      <p:nvGrpSpPr>
-        <p:cNvPr id="1" name=""/>
-        <p:cNvGrpSpPr/>
-        <p:nvPr/>
-      </p:nvGrpSpPr>
-      <p:grpSpPr>
-        <a:xfrm>
-          <a:off x="0" y="0"/>
-          <a:ext cx="0" cy="0"/>
-          <a:chOff x="0" y="0"/>
-          <a:chExt cx="0" cy="0"/>
-        </a:xfrm>
-      </p:grpSpPr>
-      <p:sp>
-        <p:nvSpPr>
-          <p:cNvPr id="2" name="标题 1"/>
-          <p:cNvSpPr>
-            <a:spLocks noGrp="1"/>
-          </p:cNvSpPr>
-          <p:nvPr>
-            <p:ph type="title"/>
-          </p:nvPr>
-        </p:nvSpPr>
-        <p:spPr/>
-        <p:txBody>
-          <a:bodyPr/>
-          <a:lstStyle/>
-          <a:p>
-            <a:r>
-              <a:rPr lang="zh-CN" altLang="en-US" dirty="0" smtClean="0"/>
-              <a:t>忽略特殊文件</a:t>
-            </a:r>
-            <a:endParaRPr lang="zh-CN" altLang="en-US" dirty="0"/>
-          </a:p>
-        </p:txBody>
-      </p:sp>
-      <p:sp>
-        <p:nvSpPr>
-          <p:cNvPr id="3" name="内容占位符 2"/>
-          <p:cNvSpPr>
-            <a:spLocks noGrp="1"/>
-          </p:cNvSpPr>
-          <p:nvPr>
-            <p:ph idx="1"/>
-          </p:nvPr>
-        </p:nvSpPr>
-        <p:spPr>
-          <a:xfrm>
-            <a:off x="457200" y="1285860"/>
-            <a:ext cx="8229600" cy="5143536"/>
-          </a:xfrm>
-        </p:spPr>
-        <p:txBody>
-          <a:bodyPr>
-            <a:normAutofit fontScale="92500" lnSpcReduction="10000"/>
-          </a:bodyPr>
-          <a:lstStyle/>
-          <a:p>
-            <a:r>
-              <a:rPr lang="zh-CN" altLang="en-US" sz="2400" dirty="0" smtClean="0"/>
-              <a:t>当必须把某些文件放到</a:t>
-            </a:r>
-            <a:r>
-              <a:rPr lang="en-US" altLang="zh-CN" sz="2400" dirty="0" err="1" smtClean="0"/>
-              <a:t>Git</a:t>
-            </a:r>
-            <a:r>
-              <a:rPr lang="zh-CN" altLang="en-US" sz="2400" dirty="0" smtClean="0"/>
-              <a:t>工作目录，但又不想提交它们时可以使用忽略特殊文件功能。</a:t>
-            </a:r>
-            <a:endParaRPr lang="en-US" altLang="zh-CN" sz="2400" dirty="0" smtClean="0"/>
-          </a:p>
-          <a:p>
-            <a:r>
-              <a:rPr lang="zh-CN" altLang="en-US" sz="2400" dirty="0" smtClean="0"/>
-              <a:t>步骤：</a:t>
-            </a:r>
-            <a:endParaRPr lang="en-US" altLang="zh-CN" sz="2400" dirty="0" smtClean="0"/>
-          </a:p>
-          <a:p>
-            <a:pPr marL="514350" indent="-514350">
-              <a:buFont typeface="+mj-lt"/>
-              <a:buAutoNum type="arabicPeriod"/>
-            </a:pPr>
-            <a:r>
-              <a:rPr lang="zh-CN" altLang="en-US" sz="2400" dirty="0" smtClean="0"/>
-              <a:t>在本地</a:t>
-            </a:r>
-            <a:r>
-              <a:rPr lang="en-US" altLang="zh-CN" sz="2400" dirty="0" err="1" smtClean="0"/>
-              <a:t>Git</a:t>
-            </a:r>
-            <a:r>
-              <a:rPr lang="zh-CN" altLang="en-US" sz="2400" dirty="0" smtClean="0"/>
-              <a:t>库的根目录中创建</a:t>
-            </a:r>
-            <a:r>
-              <a:rPr lang="en-US" altLang="zh-CN" sz="2400" dirty="0" smtClean="0"/>
-              <a:t>.</a:t>
-            </a:r>
-            <a:r>
-              <a:rPr lang="en-US" altLang="zh-CN" sz="2400" dirty="0" err="1" smtClean="0"/>
-              <a:t>gitignore</a:t>
-            </a:r>
-            <a:r>
-              <a:rPr lang="zh-CN" altLang="en-US" sz="2400" dirty="0" smtClean="0"/>
-              <a:t>文件（可在创建时输入文件名</a:t>
-            </a:r>
-            <a:r>
-              <a:rPr lang="en-US" altLang="zh-CN" sz="2400" dirty="0" smtClean="0">
-                <a:solidFill>
-                  <a:srgbClr val="FF0000"/>
-                </a:solidFill>
-              </a:rPr>
-              <a:t>.</a:t>
-            </a:r>
-            <a:r>
-              <a:rPr lang="en-US" altLang="zh-CN" sz="2400" dirty="0" err="1" smtClean="0">
-                <a:solidFill>
-                  <a:srgbClr val="FF0000"/>
-                </a:solidFill>
-              </a:rPr>
-              <a:t>gitignore</a:t>
-            </a:r>
-            <a:r>
-              <a:rPr lang="en-US" altLang="zh-CN" sz="2400" dirty="0" smtClean="0">
-                <a:solidFill>
-                  <a:srgbClr val="FF0000"/>
-                </a:solidFill>
-              </a:rPr>
-              <a:t>.</a:t>
-            </a:r>
-            <a:r>
-              <a:rPr lang="zh-CN" altLang="en-US" sz="2400" dirty="0" smtClean="0"/>
-              <a:t>避免</a:t>
-            </a:r>
-            <a:r>
-              <a:rPr lang="en-US" altLang="zh-CN" sz="2400" dirty="0" smtClean="0"/>
-              <a:t>Windows</a:t>
-            </a:r>
-            <a:r>
-              <a:rPr lang="zh-CN" altLang="en-US" sz="2400" dirty="0" smtClean="0"/>
-              <a:t>提示必须键入文件名）</a:t>
-            </a:r>
-            <a:endParaRPr lang="en-US" altLang="zh-CN" sz="2400" dirty="0" smtClean="0"/>
-          </a:p>
-          <a:p>
-            <a:pPr marL="514350" indent="-514350">
-              <a:buFont typeface="+mj-lt"/>
-              <a:buAutoNum type="arabicPeriod"/>
-            </a:pPr>
-            <a:r>
-              <a:rPr lang="zh-CN" altLang="en-US" sz="2400" dirty="0" smtClean="0"/>
-              <a:t>在</a:t>
-            </a:r>
-            <a:r>
-              <a:rPr lang="en-US" altLang="zh-CN" sz="2400" dirty="0" smtClean="0"/>
-              <a:t>.</a:t>
-            </a:r>
-            <a:r>
-              <a:rPr lang="en-US" altLang="zh-CN" sz="2400" dirty="0" err="1" smtClean="0"/>
-              <a:t>gitignore</a:t>
-            </a:r>
-            <a:r>
-              <a:rPr lang="zh-CN" altLang="en-US" sz="2400" dirty="0" smtClean="0"/>
-              <a:t>文件中添加需要忽略的文件名或一类文件类型等。</a:t>
-            </a:r>
-            <a:endParaRPr lang="en-US" altLang="zh-CN" sz="2400" dirty="0" smtClean="0"/>
-          </a:p>
-          <a:p>
-            <a:pPr marL="514350" indent="-514350">
-              <a:buFont typeface="+mj-lt"/>
-              <a:buAutoNum type="arabicPeriod"/>
-            </a:pPr>
-            <a:r>
-              <a:rPr lang="zh-CN" altLang="en-US" sz="2400" dirty="0" smtClean="0"/>
-              <a:t>在工作区创建需要忽略的文件后，使用</a:t>
-            </a:r>
-            <a:r>
-              <a:rPr lang="en-US" altLang="zh-CN" sz="2400" dirty="0" err="1" smtClean="0"/>
-              <a:t>git</a:t>
-            </a:r>
-            <a:r>
-              <a:rPr lang="en-US" altLang="zh-CN" sz="2400" dirty="0" smtClean="0"/>
-              <a:t> status</a:t>
-            </a:r>
-            <a:r>
-              <a:rPr lang="zh-CN" altLang="en-US" sz="2400" dirty="0" smtClean="0"/>
-              <a:t>查看状态就不会提示添加了新文件，也就达到了忽略的功能。</a:t>
-            </a:r>
-            <a:endParaRPr lang="en-US" altLang="zh-CN" sz="2400" dirty="0" smtClean="0"/>
-          </a:p>
-          <a:p>
-            <a:pPr>
-              <a:buFont typeface="Wingdings" pitchFamily="2" charset="2"/>
-              <a:buChar char="Ø"/>
-            </a:pPr>
-            <a:r>
-              <a:rPr lang="zh-CN" altLang="en-US" sz="1700" dirty="0" smtClean="0"/>
-              <a:t>忽略文件的原则是：</a:t>
-            </a:r>
-          </a:p>
-          <a:p>
-            <a:pPr marL="457200" indent="-457200">
-              <a:buFont typeface="+mj-lt"/>
-              <a:buAutoNum type="alphaLcPeriod"/>
-            </a:pPr>
-            <a:r>
-              <a:rPr lang="zh-CN" altLang="en-US" sz="1700" dirty="0" smtClean="0"/>
-              <a:t>忽略操作系统自动生成的文件，比如缩略图等；</a:t>
-            </a:r>
-          </a:p>
-          <a:p>
-            <a:pPr marL="457200" indent="-457200">
-              <a:buFont typeface="+mj-lt"/>
-              <a:buAutoNum type="alphaLcPeriod"/>
-            </a:pPr>
-            <a:r>
-              <a:rPr lang="zh-CN" altLang="en-US" sz="1700" dirty="0" smtClean="0"/>
-              <a:t>忽略编译生成的中间文件、可执行文件等，也就是如果一个文件是通过另一个文件自动生成的，那自动生成的文件就没必要放进版本库，比如</a:t>
-            </a:r>
-            <a:r>
-              <a:rPr lang="en-US" altLang="zh-CN" sz="1700" dirty="0" smtClean="0"/>
-              <a:t>Java</a:t>
-            </a:r>
-            <a:r>
-              <a:rPr lang="zh-CN" altLang="en-US" sz="1700" dirty="0" smtClean="0"/>
-              <a:t>编译产生的</a:t>
-            </a:r>
-            <a:r>
-              <a:rPr lang="en-US" altLang="zh-CN" sz="1700" dirty="0" smtClean="0"/>
-              <a:t>.class</a:t>
-            </a:r>
-            <a:r>
-              <a:rPr lang="zh-CN" altLang="en-US" sz="1700" dirty="0" smtClean="0"/>
-              <a:t>文件；</a:t>
-            </a:r>
-          </a:p>
-          <a:p>
-            <a:pPr marL="457200" indent="-457200">
-              <a:buFont typeface="+mj-lt"/>
-              <a:buAutoNum type="alphaLcPeriod"/>
-            </a:pPr>
-            <a:r>
-              <a:rPr lang="zh-CN" altLang="en-US" sz="1700" dirty="0" smtClean="0"/>
-              <a:t>忽略你自己的带有敏感信息的配置文件，比如存放口令的配置文件。</a:t>
-            </a:r>
-            <a:endParaRPr lang="en-US" altLang="zh-CN" sz="1700" dirty="0" smtClean="0"/>
-          </a:p>
-          <a:p>
-            <a:pPr marL="457200" indent="-457200">
-              <a:buFont typeface="Wingdings" pitchFamily="2" charset="2"/>
-              <a:buChar char="Ø"/>
-            </a:pPr>
-            <a:r>
-              <a:rPr lang="en-US" altLang="zh-CN" sz="1700" dirty="0" smtClean="0"/>
-              <a:t>.</a:t>
-            </a:r>
-            <a:r>
-              <a:rPr lang="en-US" altLang="zh-CN" sz="1700" dirty="0" err="1" smtClean="0"/>
-              <a:t>gitignore</a:t>
-            </a:r>
-            <a:r>
-              <a:rPr lang="zh-CN" altLang="en-US" sz="1700" dirty="0" smtClean="0"/>
-              <a:t>文件作为仓库的一部分是需要被提交到版本库的，不能在里面添加自身忽略自身</a:t>
-            </a:r>
-            <a:endParaRPr lang="en-US" altLang="zh-CN" sz="1700" dirty="0" smtClean="0"/>
-          </a:p>
-          <a:p>
-            <a:pPr marL="457200" indent="-457200">
-              <a:buFont typeface="Wingdings" pitchFamily="2" charset="2"/>
-              <a:buChar char="Ø"/>
-            </a:pPr>
-            <a:r>
-              <a:rPr lang="zh-CN" altLang="en-US" sz="1700" dirty="0" smtClean="0"/>
-              <a:t>除</a:t>
-            </a:r>
-            <a:r>
-              <a:rPr lang="en-US" altLang="zh-CN" sz="1700" dirty="0" smtClean="0"/>
-              <a:t>c</a:t>
-            </a:r>
-            <a:r>
-              <a:rPr lang="zh-CN" altLang="en-US" sz="1700" dirty="0" smtClean="0"/>
-              <a:t>类外，其余可组合</a:t>
-            </a:r>
-            <a:r>
-              <a:rPr lang="en-US" sz="1700" dirty="0" err="1" smtClean="0"/>
-              <a:t>GitHub</a:t>
-            </a:r>
-            <a:r>
-              <a:rPr lang="en-US" sz="1700" dirty="0" smtClean="0"/>
-              <a:t> </a:t>
-            </a:r>
-            <a:r>
-              <a:rPr lang="zh-CN" altLang="en-US" sz="1700" dirty="0" smtClean="0"/>
-              <a:t>（</a:t>
-            </a:r>
-            <a:r>
-              <a:rPr lang="en-US" sz="1700" dirty="0" smtClean="0">
-                <a:hlinkClick r:id="rId2"/>
-              </a:rPr>
-              <a:t> https://github.com/github/gitignore </a:t>
-            </a:r>
-            <a:r>
-              <a:rPr lang="zh-CN" altLang="en-US" sz="1700" dirty="0" smtClean="0"/>
-              <a:t>）提供的配置文件使用</a:t>
-            </a:r>
-          </a:p>
-          <a:p>
-            <a:pPr marL="514350" indent="-514350">
-              <a:buFont typeface="+mj-lt"/>
-              <a:buAutoNum type="arabicPeriod"/>
-            </a:pPr>
-            <a:endParaRPr lang="zh-CN" altLang="en-US" sz="2400" dirty="0"/>
-          </a:p>
-        </p:txBody>
-      </p:sp>
-    </p:spTree>
-  </p:cSld>
-  <p:clrMapOvr>
-    <a:masterClrMapping/>
-  </p:clrMapOvr>
-</p:sld>
-</file>
-
 <file path=ppt/slides/slide4.xml><?xml version="1.0" encoding="utf-8"?>
 <p:sld xmlns:a="http://schemas.openxmlformats.org/drawingml/2006/main" xmlns:r="http://schemas.openxmlformats.org/officeDocument/2006/relationships" xmlns:p="http://schemas.openxmlformats.org/presentationml/2006/main">
   <p:cSld>
@@ -16378,6 +16771,335 @@
 </file>
 
 <file path=ppt/slides/slide40.xml><?xml version="1.0" encoding="utf-8"?>
+<p:sld xmlns:a="http://schemas.openxmlformats.org/drawingml/2006/main" xmlns:r="http://schemas.openxmlformats.org/officeDocument/2006/relationships" xmlns:p="http://schemas.openxmlformats.org/presentationml/2006/main">
+  <p:cSld>
+    <p:spTree>
+      <p:nvGrpSpPr>
+        <p:cNvPr id="1" name=""/>
+        <p:cNvGrpSpPr/>
+        <p:nvPr/>
+      </p:nvGrpSpPr>
+      <p:grpSpPr>
+        <a:xfrm>
+          <a:off x="0" y="0"/>
+          <a:ext cx="0" cy="0"/>
+          <a:chOff x="0" y="0"/>
+          <a:chExt cx="0" cy="0"/>
+        </a:xfrm>
+      </p:grpSpPr>
+      <p:sp>
+        <p:nvSpPr>
+          <p:cNvPr id="2" name="标题 1"/>
+          <p:cNvSpPr>
+            <a:spLocks noGrp="1"/>
+          </p:cNvSpPr>
+          <p:nvPr>
+            <p:ph type="title"/>
+          </p:nvPr>
+        </p:nvSpPr>
+        <p:spPr/>
+        <p:txBody>
+          <a:bodyPr/>
+          <a:lstStyle/>
+          <a:p>
+            <a:r>
+              <a:rPr lang="zh-CN" altLang="en-US" dirty="0" smtClean="0"/>
+              <a:t>忽略特殊文件</a:t>
+            </a:r>
+            <a:endParaRPr lang="zh-CN" altLang="en-US" dirty="0"/>
+          </a:p>
+        </p:txBody>
+      </p:sp>
+      <p:sp>
+        <p:nvSpPr>
+          <p:cNvPr id="3" name="内容占位符 2"/>
+          <p:cNvSpPr>
+            <a:spLocks noGrp="1"/>
+          </p:cNvSpPr>
+          <p:nvPr>
+            <p:ph idx="1"/>
+          </p:nvPr>
+        </p:nvSpPr>
+        <p:spPr>
+          <a:xfrm>
+            <a:off x="457200" y="1285860"/>
+            <a:ext cx="8229600" cy="5143536"/>
+          </a:xfrm>
+        </p:spPr>
+        <p:txBody>
+          <a:bodyPr>
+            <a:normAutofit fontScale="92500" lnSpcReduction="10000"/>
+          </a:bodyPr>
+          <a:lstStyle/>
+          <a:p>
+            <a:r>
+              <a:rPr lang="zh-CN" altLang="en-US" sz="2400" dirty="0" smtClean="0"/>
+              <a:t>当必须把某些文件放到</a:t>
+            </a:r>
+            <a:r>
+              <a:rPr lang="en-US" altLang="zh-CN" sz="2400" dirty="0" err="1" smtClean="0"/>
+              <a:t>Git</a:t>
+            </a:r>
+            <a:r>
+              <a:rPr lang="zh-CN" altLang="en-US" sz="2400" dirty="0" smtClean="0"/>
+              <a:t>工作目录，但又不想提交它们时可以使用忽略特殊文件功能。</a:t>
+            </a:r>
+            <a:endParaRPr lang="en-US" altLang="zh-CN" sz="2400" dirty="0" smtClean="0"/>
+          </a:p>
+          <a:p>
+            <a:r>
+              <a:rPr lang="zh-CN" altLang="en-US" sz="2400" dirty="0" smtClean="0"/>
+              <a:t>步骤：</a:t>
+            </a:r>
+            <a:endParaRPr lang="en-US" altLang="zh-CN" sz="2400" dirty="0" smtClean="0"/>
+          </a:p>
+          <a:p>
+            <a:pPr marL="514350" indent="-514350">
+              <a:buFont typeface="+mj-lt"/>
+              <a:buAutoNum type="arabicPeriod"/>
+            </a:pPr>
+            <a:r>
+              <a:rPr lang="zh-CN" altLang="en-US" sz="2400" dirty="0" smtClean="0"/>
+              <a:t>在本地</a:t>
+            </a:r>
+            <a:r>
+              <a:rPr lang="en-US" altLang="zh-CN" sz="2400" dirty="0" err="1" smtClean="0"/>
+              <a:t>Git</a:t>
+            </a:r>
+            <a:r>
+              <a:rPr lang="zh-CN" altLang="en-US" sz="2400" dirty="0" smtClean="0"/>
+              <a:t>库的根目录中创建</a:t>
+            </a:r>
+            <a:r>
+              <a:rPr lang="en-US" altLang="zh-CN" sz="2400" dirty="0" smtClean="0"/>
+              <a:t>.</a:t>
+            </a:r>
+            <a:r>
+              <a:rPr lang="en-US" altLang="zh-CN" sz="2400" dirty="0" err="1" smtClean="0"/>
+              <a:t>gitignore</a:t>
+            </a:r>
+            <a:r>
+              <a:rPr lang="zh-CN" altLang="en-US" sz="2400" dirty="0" smtClean="0"/>
+              <a:t>文件（可在创建时输入文件名</a:t>
+            </a:r>
+            <a:r>
+              <a:rPr lang="en-US" altLang="zh-CN" sz="2400" dirty="0" smtClean="0">
+                <a:solidFill>
+                  <a:srgbClr val="FF0000"/>
+                </a:solidFill>
+              </a:rPr>
+              <a:t>.</a:t>
+            </a:r>
+            <a:r>
+              <a:rPr lang="en-US" altLang="zh-CN" sz="2400" dirty="0" err="1" smtClean="0">
+                <a:solidFill>
+                  <a:srgbClr val="FF0000"/>
+                </a:solidFill>
+              </a:rPr>
+              <a:t>gitignore</a:t>
+            </a:r>
+            <a:r>
+              <a:rPr lang="en-US" altLang="zh-CN" sz="2400" dirty="0" smtClean="0">
+                <a:solidFill>
+                  <a:srgbClr val="FF0000"/>
+                </a:solidFill>
+              </a:rPr>
+              <a:t>.</a:t>
+            </a:r>
+            <a:r>
+              <a:rPr lang="zh-CN" altLang="en-US" sz="2400" dirty="0" smtClean="0"/>
+              <a:t>避免</a:t>
+            </a:r>
+            <a:r>
+              <a:rPr lang="en-US" altLang="zh-CN" sz="2400" dirty="0" smtClean="0"/>
+              <a:t>Windows</a:t>
+            </a:r>
+            <a:r>
+              <a:rPr lang="zh-CN" altLang="en-US" sz="2400" dirty="0" smtClean="0"/>
+              <a:t>提示必须键入文件名）</a:t>
+            </a:r>
+            <a:endParaRPr lang="en-US" altLang="zh-CN" sz="2400" dirty="0" smtClean="0"/>
+          </a:p>
+          <a:p>
+            <a:pPr marL="514350" indent="-514350">
+              <a:buFont typeface="+mj-lt"/>
+              <a:buAutoNum type="arabicPeriod"/>
+            </a:pPr>
+            <a:r>
+              <a:rPr lang="zh-CN" altLang="en-US" sz="2400" dirty="0" smtClean="0"/>
+              <a:t>在</a:t>
+            </a:r>
+            <a:r>
+              <a:rPr lang="en-US" altLang="zh-CN" sz="2400" dirty="0" smtClean="0"/>
+              <a:t>.</a:t>
+            </a:r>
+            <a:r>
+              <a:rPr lang="en-US" altLang="zh-CN" sz="2400" dirty="0" err="1" smtClean="0"/>
+              <a:t>gitignore</a:t>
+            </a:r>
+            <a:r>
+              <a:rPr lang="zh-CN" altLang="en-US" sz="2400" dirty="0" smtClean="0"/>
+              <a:t>文件中添加需要忽略的文件名或一类文件类型等。</a:t>
+            </a:r>
+            <a:endParaRPr lang="en-US" altLang="zh-CN" sz="2400" dirty="0" smtClean="0"/>
+          </a:p>
+          <a:p>
+            <a:pPr marL="514350" indent="-514350">
+              <a:buFont typeface="+mj-lt"/>
+              <a:buAutoNum type="arabicPeriod"/>
+            </a:pPr>
+            <a:r>
+              <a:rPr lang="zh-CN" altLang="en-US" sz="2400" dirty="0" smtClean="0"/>
+              <a:t>在工作区创建需要忽略的文件后，使用</a:t>
+            </a:r>
+            <a:r>
+              <a:rPr lang="en-US" altLang="zh-CN" sz="2400" dirty="0" err="1" smtClean="0"/>
+              <a:t>git</a:t>
+            </a:r>
+            <a:r>
+              <a:rPr lang="en-US" altLang="zh-CN" sz="2400" dirty="0" smtClean="0"/>
+              <a:t> status</a:t>
+            </a:r>
+            <a:r>
+              <a:rPr lang="zh-CN" altLang="en-US" sz="2400" dirty="0" smtClean="0"/>
+              <a:t>查看状态就不会提示添加了新文件，也就达到了忽略的功能。</a:t>
+            </a:r>
+            <a:endParaRPr lang="en-US" altLang="zh-CN" sz="2400" dirty="0" smtClean="0"/>
+          </a:p>
+          <a:p>
+            <a:pPr>
+              <a:buFont typeface="Wingdings" pitchFamily="2" charset="2"/>
+              <a:buChar char="Ø"/>
+            </a:pPr>
+            <a:r>
+              <a:rPr lang="zh-CN" altLang="en-US" sz="1700" dirty="0" smtClean="0"/>
+              <a:t>忽略文件的原则是：</a:t>
+            </a:r>
+          </a:p>
+          <a:p>
+            <a:pPr marL="457200" indent="-457200">
+              <a:buFont typeface="+mj-lt"/>
+              <a:buAutoNum type="alphaLcPeriod"/>
+            </a:pPr>
+            <a:r>
+              <a:rPr lang="zh-CN" altLang="en-US" sz="1700" dirty="0" smtClean="0"/>
+              <a:t>忽略操作系统自动生成的文件，比如缩略图等；</a:t>
+            </a:r>
+          </a:p>
+          <a:p>
+            <a:pPr marL="457200" indent="-457200">
+              <a:buFont typeface="+mj-lt"/>
+              <a:buAutoNum type="alphaLcPeriod"/>
+            </a:pPr>
+            <a:r>
+              <a:rPr lang="zh-CN" altLang="en-US" sz="1700" dirty="0" smtClean="0"/>
+              <a:t>忽略编译生成的中间文件、可执行文件等，也就是如果一个文件是通过另一个文件自动生成的，那自动生成的文件就没必要放进版本库，比如</a:t>
+            </a:r>
+            <a:r>
+              <a:rPr lang="en-US" altLang="zh-CN" sz="1700" dirty="0" smtClean="0"/>
+              <a:t>Java</a:t>
+            </a:r>
+            <a:r>
+              <a:rPr lang="zh-CN" altLang="en-US" sz="1700" dirty="0" smtClean="0"/>
+              <a:t>编译产生的</a:t>
+            </a:r>
+            <a:r>
+              <a:rPr lang="en-US" altLang="zh-CN" sz="1700" dirty="0" smtClean="0"/>
+              <a:t>.class</a:t>
+            </a:r>
+            <a:r>
+              <a:rPr lang="zh-CN" altLang="en-US" sz="1700" dirty="0" smtClean="0"/>
+              <a:t>文件；</a:t>
+            </a:r>
+          </a:p>
+          <a:p>
+            <a:pPr marL="457200" indent="-457200">
+              <a:buFont typeface="+mj-lt"/>
+              <a:buAutoNum type="alphaLcPeriod"/>
+            </a:pPr>
+            <a:r>
+              <a:rPr lang="zh-CN" altLang="en-US" sz="1700" dirty="0" smtClean="0"/>
+              <a:t>忽略你自己的带有敏感信息的配置文件，比如存放口令的配置文件。</a:t>
+            </a:r>
+            <a:endParaRPr lang="en-US" altLang="zh-CN" sz="1700" dirty="0" smtClean="0"/>
+          </a:p>
+          <a:p>
+            <a:pPr marL="457200" indent="-457200">
+              <a:buFont typeface="Wingdings" pitchFamily="2" charset="2"/>
+              <a:buChar char="Ø"/>
+            </a:pPr>
+            <a:r>
+              <a:rPr lang="en-US" altLang="zh-CN" sz="1700" dirty="0" smtClean="0"/>
+              <a:t>.</a:t>
+            </a:r>
+            <a:r>
+              <a:rPr lang="en-US" altLang="zh-CN" sz="1700" dirty="0" err="1" smtClean="0"/>
+              <a:t>gitignore</a:t>
+            </a:r>
+            <a:r>
+              <a:rPr lang="zh-CN" altLang="en-US" sz="1700" dirty="0" smtClean="0"/>
+              <a:t>文件作为仓库的一部分是需要被提交到版本库的，不能在里面添加自身忽略自身</a:t>
+            </a:r>
+            <a:endParaRPr lang="en-US" altLang="zh-CN" sz="1700" dirty="0" smtClean="0"/>
+          </a:p>
+          <a:p>
+            <a:pPr marL="457200" indent="-457200">
+              <a:buFont typeface="Wingdings" pitchFamily="2" charset="2"/>
+              <a:buChar char="Ø"/>
+            </a:pPr>
+            <a:r>
+              <a:rPr lang="zh-CN" altLang="en-US" sz="1700" dirty="0" smtClean="0"/>
+              <a:t>除</a:t>
+            </a:r>
+            <a:r>
+              <a:rPr lang="en-US" altLang="zh-CN" sz="1700" dirty="0" smtClean="0"/>
+              <a:t>c</a:t>
+            </a:r>
+            <a:r>
+              <a:rPr lang="zh-CN" altLang="en-US" sz="1700" dirty="0" smtClean="0"/>
+              <a:t>类外，其余可组合</a:t>
+            </a:r>
+            <a:r>
+              <a:rPr lang="en-US" sz="1700" dirty="0" err="1" smtClean="0"/>
+              <a:t>GitHub</a:t>
+            </a:r>
+            <a:r>
+              <a:rPr lang="en-US" sz="1700" dirty="0" smtClean="0"/>
+              <a:t> </a:t>
+            </a:r>
+            <a:r>
+              <a:rPr lang="zh-CN" altLang="en-US" sz="1700" dirty="0" smtClean="0"/>
+              <a:t>（</a:t>
+            </a:r>
+            <a:r>
+              <a:rPr lang="en-US" sz="1700" dirty="0" smtClean="0">
+                <a:hlinkClick r:id="rId2"/>
+              </a:rPr>
+              <a:t> https://github.com/github/gitignore </a:t>
+            </a:r>
+            <a:r>
+              <a:rPr lang="zh-CN" altLang="en-US" sz="1700" dirty="0" smtClean="0"/>
+              <a:t>）提供的配置文件使用</a:t>
+            </a:r>
+          </a:p>
+          <a:p>
+            <a:pPr marL="514350" indent="-514350">
+              <a:buFont typeface="+mj-lt"/>
+              <a:buAutoNum type="arabicPeriod"/>
+            </a:pPr>
+            <a:endParaRPr lang="zh-CN" altLang="en-US" sz="2400" dirty="0"/>
+          </a:p>
+        </p:txBody>
+      </p:sp>
+    </p:spTree>
+  </p:cSld>
+  <p:clrMapOvr>
+    <a:masterClrMapping/>
+  </p:clrMapOvr>
+</p:sld>
+</file>
+
+<file path=ppt/slides/slide41.xml><?xml version="1.0" encoding="utf-8"?>
 <p:sld xmlns:a="http://schemas.openxmlformats.org/drawingml/2006/main" xmlns:r="http://schemas.openxmlformats.org/officeDocument/2006/relationships" xmlns:p="http://schemas.openxmlformats.org/presentationml/2006/main">
   <p:cSld>
     <p:spTree>
@@ -16736,7 +17458,7 @@
 </p:sld>
 </file>
 
-<file path=ppt/slides/slide41.xml><?xml version="1.0" encoding="utf-8"?>
+<file path=ppt/slides/slide42.xml><?xml version="1.0" encoding="utf-8"?>
 <p:sld xmlns:a="http://schemas.openxmlformats.org/drawingml/2006/main" xmlns:r="http://schemas.openxmlformats.org/officeDocument/2006/relationships" xmlns:p="http://schemas.openxmlformats.org/presentationml/2006/main">
   <p:cSld>
     <p:spTree>
@@ -16873,534 +17595,6 @@
 </p:sld>
 </file>
 
-<file path=ppt/slides/slide42.xml><?xml version="1.0" encoding="utf-8"?>
-<p:sld xmlns:a="http://schemas.openxmlformats.org/drawingml/2006/main" xmlns:r="http://schemas.openxmlformats.org/officeDocument/2006/relationships" xmlns:p="http://schemas.openxmlformats.org/presentationml/2006/main">
-  <p:cSld>
-    <p:spTree>
-      <p:nvGrpSpPr>
-        <p:cNvPr id="1" name=""/>
-        <p:cNvGrpSpPr/>
-        <p:nvPr/>
-      </p:nvGrpSpPr>
-      <p:grpSpPr>
-        <a:xfrm>
-          <a:off x="0" y="0"/>
-          <a:ext cx="0" cy="0"/>
-          <a:chOff x="0" y="0"/>
-          <a:chExt cx="0" cy="0"/>
-        </a:xfrm>
-      </p:grpSpPr>
-      <p:sp>
-        <p:nvSpPr>
-          <p:cNvPr id="2" name="标题 1"/>
-          <p:cNvSpPr>
-            <a:spLocks noGrp="1"/>
-          </p:cNvSpPr>
-          <p:nvPr>
-            <p:ph type="title"/>
-          </p:nvPr>
-        </p:nvSpPr>
-        <p:spPr/>
-        <p:txBody>
-          <a:bodyPr/>
-          <a:lstStyle/>
-          <a:p>
-            <a:r>
-              <a:rPr lang="zh-CN" altLang="en-US" dirty="0" smtClean="0"/>
-              <a:t>配置别名</a:t>
-            </a:r>
-            <a:endParaRPr lang="zh-CN" altLang="en-US" dirty="0"/>
-          </a:p>
-        </p:txBody>
-      </p:sp>
-      <p:sp>
-        <p:nvSpPr>
-          <p:cNvPr id="3" name="内容占位符 2"/>
-          <p:cNvSpPr>
-            <a:spLocks noGrp="1"/>
-          </p:cNvSpPr>
-          <p:nvPr>
-            <p:ph idx="1"/>
-          </p:nvPr>
-        </p:nvSpPr>
-        <p:spPr/>
-        <p:txBody>
-          <a:bodyPr>
-            <a:normAutofit/>
-          </a:bodyPr>
-          <a:lstStyle/>
-          <a:p>
-            <a:r>
-              <a:rPr lang="zh-CN" altLang="en-US" sz="2800" dirty="0" smtClean="0"/>
-              <a:t>配置别名是为了能简写命令</a:t>
-            </a:r>
-            <a:endParaRPr lang="en-US" altLang="zh-CN" sz="2800" dirty="0" smtClean="0"/>
-          </a:p>
-          <a:p>
-            <a:r>
-              <a:rPr lang="en-US" altLang="zh-CN" sz="2800" dirty="0" smtClean="0"/>
-              <a:t>E.g.</a:t>
-            </a:r>
-            <a:r>
-              <a:rPr lang="en-US" sz="2800" dirty="0" smtClean="0"/>
-              <a:t> </a:t>
-            </a:r>
-          </a:p>
-          <a:p>
-            <a:pPr>
-              <a:buFont typeface="Wingdings" pitchFamily="2" charset="2"/>
-              <a:buChar char="Ø"/>
-            </a:pPr>
-            <a:r>
-              <a:rPr lang="zh-CN" altLang="en-US" sz="2800" dirty="0" smtClean="0"/>
-              <a:t>输入命令</a:t>
-            </a:r>
-            <a:r>
-              <a:rPr lang="en-US" sz="2800" dirty="0" err="1" smtClean="0">
-                <a:solidFill>
-                  <a:schemeClr val="tx2">
-                    <a:lumMod val="60000"/>
-                    <a:lumOff val="40000"/>
-                  </a:schemeClr>
-                </a:solidFill>
-              </a:rPr>
-              <a:t>git</a:t>
-            </a:r>
-            <a:r>
-              <a:rPr lang="en-US" sz="2800" dirty="0" smtClean="0">
-                <a:solidFill>
-                  <a:schemeClr val="tx2">
-                    <a:lumMod val="60000"/>
-                    <a:lumOff val="40000"/>
-                  </a:schemeClr>
-                </a:solidFill>
-              </a:rPr>
-              <a:t> </a:t>
-            </a:r>
-            <a:r>
-              <a:rPr lang="en-US" sz="2800" b="1" dirty="0" err="1" smtClean="0">
-                <a:solidFill>
-                  <a:schemeClr val="tx2">
-                    <a:lumMod val="60000"/>
-                    <a:lumOff val="40000"/>
-                  </a:schemeClr>
-                </a:solidFill>
-              </a:rPr>
-              <a:t>config</a:t>
-            </a:r>
-            <a:r>
-              <a:rPr lang="en-US" sz="2800" b="1" dirty="0" smtClean="0">
-                <a:solidFill>
-                  <a:schemeClr val="tx2">
-                    <a:lumMod val="60000"/>
-                    <a:lumOff val="40000"/>
-                  </a:schemeClr>
-                </a:solidFill>
-              </a:rPr>
-              <a:t> --global</a:t>
-            </a:r>
-            <a:r>
-              <a:rPr lang="en-US" sz="2800" dirty="0" smtClean="0">
-                <a:solidFill>
-                  <a:schemeClr val="tx2">
-                    <a:lumMod val="60000"/>
-                    <a:lumOff val="40000"/>
-                  </a:schemeClr>
-                </a:solidFill>
-              </a:rPr>
-              <a:t> </a:t>
-            </a:r>
-            <a:r>
-              <a:rPr lang="en-US" sz="2800" b="1" dirty="0" smtClean="0">
-                <a:solidFill>
-                  <a:schemeClr val="tx2">
-                    <a:lumMod val="60000"/>
-                    <a:lumOff val="40000"/>
-                  </a:schemeClr>
-                </a:solidFill>
-              </a:rPr>
-              <a:t>alias</a:t>
-            </a:r>
-            <a:r>
-              <a:rPr lang="en-US" sz="2800" dirty="0" smtClean="0">
-                <a:solidFill>
-                  <a:schemeClr val="tx2">
-                    <a:lumMod val="60000"/>
-                    <a:lumOff val="40000"/>
-                  </a:schemeClr>
-                </a:solidFill>
-              </a:rPr>
-              <a:t>.st status</a:t>
-            </a:r>
-          </a:p>
-          <a:p>
-            <a:pPr>
-              <a:buNone/>
-            </a:pPr>
-            <a:r>
-              <a:rPr lang="en-US" altLang="zh-CN" sz="2800" dirty="0" smtClean="0"/>
-              <a:t>	</a:t>
-            </a:r>
-            <a:r>
-              <a:rPr lang="zh-CN" altLang="en-US" sz="2800" dirty="0" smtClean="0"/>
-              <a:t>就表示设置</a:t>
-            </a:r>
-            <a:r>
-              <a:rPr lang="en-US" altLang="zh-CN" sz="2800" dirty="0" smtClean="0">
-                <a:solidFill>
-                  <a:srgbClr val="C00000"/>
-                </a:solidFill>
-              </a:rPr>
-              <a:t>status</a:t>
-            </a:r>
-            <a:r>
-              <a:rPr lang="zh-CN" altLang="en-US" sz="2800" dirty="0" smtClean="0"/>
-              <a:t>的别名为</a:t>
-            </a:r>
-            <a:r>
-              <a:rPr lang="en-US" altLang="zh-CN" sz="2800" dirty="0" err="1" smtClean="0">
-                <a:solidFill>
-                  <a:srgbClr val="C00000"/>
-                </a:solidFill>
-              </a:rPr>
-              <a:t>st</a:t>
-            </a:r>
-            <a:r>
-              <a:rPr lang="zh-CN" altLang="en-US" sz="2800" dirty="0" smtClean="0"/>
-              <a:t>，之后可输入</a:t>
-            </a:r>
-            <a:r>
-              <a:rPr lang="en-US" altLang="zh-CN" sz="2800" dirty="0" err="1" smtClean="0">
-                <a:solidFill>
-                  <a:schemeClr val="tx2">
-                    <a:lumMod val="60000"/>
-                    <a:lumOff val="40000"/>
-                  </a:schemeClr>
-                </a:solidFill>
-              </a:rPr>
-              <a:t>git</a:t>
-            </a:r>
-            <a:r>
-              <a:rPr lang="en-US" altLang="zh-CN" sz="2800" dirty="0" smtClean="0">
-                <a:solidFill>
-                  <a:schemeClr val="tx2">
-                    <a:lumMod val="60000"/>
-                    <a:lumOff val="40000"/>
-                  </a:schemeClr>
-                </a:solidFill>
-              </a:rPr>
-              <a:t> </a:t>
-            </a:r>
-            <a:r>
-              <a:rPr lang="en-US" altLang="zh-CN" sz="2800" b="1" dirty="0" err="1" smtClean="0">
-                <a:solidFill>
-                  <a:schemeClr val="tx2">
-                    <a:lumMod val="60000"/>
-                    <a:lumOff val="40000"/>
-                  </a:schemeClr>
-                </a:solidFill>
-              </a:rPr>
-              <a:t>st</a:t>
-            </a:r>
-            <a:r>
-              <a:rPr lang="zh-CN" altLang="en-US" sz="2800" dirty="0" smtClean="0"/>
-              <a:t>代替输入</a:t>
-            </a:r>
-            <a:r>
-              <a:rPr lang="en-US" altLang="zh-CN" sz="2800" dirty="0" err="1" smtClean="0">
-                <a:solidFill>
-                  <a:schemeClr val="tx2">
-                    <a:lumMod val="60000"/>
-                    <a:lumOff val="40000"/>
-                  </a:schemeClr>
-                </a:solidFill>
-              </a:rPr>
-              <a:t>git</a:t>
-            </a:r>
-            <a:r>
-              <a:rPr lang="en-US" altLang="zh-CN" sz="2800" dirty="0" smtClean="0">
-                <a:solidFill>
-                  <a:schemeClr val="tx2">
-                    <a:lumMod val="60000"/>
-                    <a:lumOff val="40000"/>
-                  </a:schemeClr>
-                </a:solidFill>
-              </a:rPr>
-              <a:t> status</a:t>
-            </a:r>
-          </a:p>
-          <a:p>
-            <a:pPr>
-              <a:buFont typeface="Wingdings" pitchFamily="2" charset="2"/>
-              <a:buChar char="Ø"/>
-            </a:pPr>
-            <a:r>
-              <a:rPr lang="zh-CN" altLang="en-US" sz="2800" dirty="0" smtClean="0"/>
-              <a:t>输入命令</a:t>
-            </a:r>
-            <a:r>
-              <a:rPr lang="en-US" sz="2800" dirty="0" err="1" smtClean="0">
-                <a:solidFill>
-                  <a:schemeClr val="tx2">
-                    <a:lumMod val="60000"/>
-                    <a:lumOff val="40000"/>
-                  </a:schemeClr>
-                </a:solidFill>
-              </a:rPr>
-              <a:t>git</a:t>
-            </a:r>
-            <a:r>
-              <a:rPr lang="en-US" sz="2800" dirty="0" smtClean="0">
-                <a:solidFill>
-                  <a:schemeClr val="tx2">
-                    <a:lumMod val="60000"/>
-                    <a:lumOff val="40000"/>
-                  </a:schemeClr>
-                </a:solidFill>
-              </a:rPr>
-              <a:t> </a:t>
-            </a:r>
-            <a:r>
-              <a:rPr lang="en-US" sz="2800" b="1" dirty="0" err="1" smtClean="0">
-                <a:solidFill>
-                  <a:schemeClr val="tx2">
-                    <a:lumMod val="60000"/>
-                    <a:lumOff val="40000"/>
-                  </a:schemeClr>
-                </a:solidFill>
-              </a:rPr>
-              <a:t>config</a:t>
-            </a:r>
-            <a:r>
-              <a:rPr lang="en-US" sz="2800" b="1" dirty="0" smtClean="0">
-                <a:solidFill>
-                  <a:schemeClr val="tx2">
-                    <a:lumMod val="60000"/>
-                    <a:lumOff val="40000"/>
-                  </a:schemeClr>
-                </a:solidFill>
-              </a:rPr>
-              <a:t> --global </a:t>
-            </a:r>
-            <a:r>
-              <a:rPr lang="en-US" sz="2800" b="1" dirty="0" err="1" smtClean="0">
-                <a:solidFill>
-                  <a:schemeClr val="tx2">
-                    <a:lumMod val="60000"/>
-                    <a:lumOff val="40000"/>
-                  </a:schemeClr>
-                </a:solidFill>
-              </a:rPr>
-              <a:t>alias</a:t>
-            </a:r>
-            <a:r>
-              <a:rPr lang="en-US" sz="2800" dirty="0" err="1" smtClean="0">
-                <a:solidFill>
-                  <a:schemeClr val="tx2">
-                    <a:lumMod val="60000"/>
-                    <a:lumOff val="40000"/>
-                  </a:schemeClr>
-                </a:solidFill>
-              </a:rPr>
-              <a:t>.unstage</a:t>
-            </a:r>
-            <a:r>
-              <a:rPr lang="en-US" sz="2800" dirty="0" smtClean="0">
-                <a:solidFill>
-                  <a:schemeClr val="tx2">
-                    <a:lumMod val="60000"/>
-                    <a:lumOff val="40000"/>
-                  </a:schemeClr>
-                </a:solidFill>
-              </a:rPr>
-              <a:t> ‘reset HEAD’ </a:t>
-            </a:r>
-            <a:r>
-              <a:rPr lang="zh-CN" altLang="en-US" sz="2800" dirty="0" smtClean="0"/>
-              <a:t>就表示设置</a:t>
-            </a:r>
-            <a:r>
-              <a:rPr lang="en-US" sz="2800" dirty="0" smtClean="0">
-                <a:solidFill>
-                  <a:srgbClr val="C00000"/>
-                </a:solidFill>
-              </a:rPr>
-              <a:t>reset HEAD</a:t>
-            </a:r>
-            <a:r>
-              <a:rPr lang="zh-CN" altLang="en-US" sz="2800" dirty="0" smtClean="0"/>
-              <a:t>的别名为</a:t>
-            </a:r>
-            <a:r>
-              <a:rPr lang="en-US" sz="2800" dirty="0" err="1" smtClean="0">
-                <a:solidFill>
-                  <a:srgbClr val="C00000"/>
-                </a:solidFill>
-              </a:rPr>
-              <a:t>unstage</a:t>
-            </a:r>
-            <a:r>
-              <a:rPr lang="zh-CN" altLang="en-US" sz="2800" dirty="0" smtClean="0"/>
-              <a:t>，之后可输入</a:t>
-            </a:r>
-            <a:r>
-              <a:rPr lang="en-US" altLang="zh-CN" sz="2800" dirty="0" err="1" smtClean="0">
-                <a:solidFill>
-                  <a:schemeClr val="tx2">
-                    <a:lumMod val="60000"/>
-                    <a:lumOff val="40000"/>
-                  </a:schemeClr>
-                </a:solidFill>
-              </a:rPr>
-              <a:t>git</a:t>
-            </a:r>
-            <a:r>
-              <a:rPr lang="en-US" altLang="zh-CN" sz="2800" dirty="0" smtClean="0">
-                <a:solidFill>
-                  <a:schemeClr val="tx2">
-                    <a:lumMod val="60000"/>
-                    <a:lumOff val="40000"/>
-                  </a:schemeClr>
-                </a:solidFill>
-              </a:rPr>
-              <a:t> </a:t>
-            </a:r>
-            <a:r>
-              <a:rPr lang="en-US" altLang="zh-CN" sz="2800" b="1" dirty="0" err="1" smtClean="0">
-                <a:solidFill>
-                  <a:schemeClr val="tx2">
-                    <a:lumMod val="60000"/>
-                    <a:lumOff val="40000"/>
-                  </a:schemeClr>
-                </a:solidFill>
-              </a:rPr>
-              <a:t>unstage</a:t>
-            </a:r>
-            <a:r>
-              <a:rPr lang="en-US" altLang="zh-CN" sz="2800" b="1" dirty="0" smtClean="0">
-                <a:solidFill>
-                  <a:schemeClr val="tx2">
-                    <a:lumMod val="60000"/>
-                    <a:lumOff val="40000"/>
-                  </a:schemeClr>
-                </a:solidFill>
-              </a:rPr>
-              <a:t> </a:t>
-            </a:r>
-            <a:r>
-              <a:rPr lang="en-US" altLang="zh-CN" sz="2800" dirty="0" smtClean="0">
-                <a:solidFill>
-                  <a:schemeClr val="tx2">
-                    <a:lumMod val="60000"/>
-                    <a:lumOff val="40000"/>
-                  </a:schemeClr>
-                </a:solidFill>
-              </a:rPr>
-              <a:t>[</a:t>
-            </a:r>
-            <a:r>
-              <a:rPr lang="zh-CN" altLang="en-US" sz="2800" dirty="0" smtClean="0">
-                <a:solidFill>
-                  <a:schemeClr val="tx2">
-                    <a:lumMod val="60000"/>
-                    <a:lumOff val="40000"/>
-                  </a:schemeClr>
-                </a:solidFill>
-              </a:rPr>
-              <a:t>文件名</a:t>
-            </a:r>
-            <a:r>
-              <a:rPr lang="en-US" altLang="zh-CN" sz="2800" dirty="0" smtClean="0">
-                <a:solidFill>
-                  <a:schemeClr val="tx2">
-                    <a:lumMod val="60000"/>
-                    <a:lumOff val="40000"/>
-                  </a:schemeClr>
-                </a:solidFill>
-              </a:rPr>
-              <a:t>]</a:t>
-            </a:r>
-            <a:r>
-              <a:rPr lang="zh-CN" altLang="en-US" sz="2800" dirty="0" smtClean="0"/>
-              <a:t>代替输入</a:t>
-            </a:r>
-            <a:r>
-              <a:rPr lang="en-US" altLang="zh-CN" sz="2800" dirty="0" err="1" smtClean="0">
-                <a:solidFill>
-                  <a:schemeClr val="tx2">
-                    <a:lumMod val="60000"/>
-                    <a:lumOff val="40000"/>
-                  </a:schemeClr>
-                </a:solidFill>
-              </a:rPr>
-              <a:t>git</a:t>
-            </a:r>
-            <a:r>
-              <a:rPr lang="en-US" altLang="zh-CN" sz="2800" dirty="0" smtClean="0">
-                <a:solidFill>
-                  <a:schemeClr val="tx2">
-                    <a:lumMod val="60000"/>
-                    <a:lumOff val="40000"/>
-                  </a:schemeClr>
-                </a:solidFill>
-              </a:rPr>
-              <a:t> </a:t>
-            </a:r>
-            <a:r>
-              <a:rPr lang="en-US" altLang="zh-CN" sz="2800" b="1" dirty="0" smtClean="0">
-                <a:solidFill>
-                  <a:schemeClr val="tx2">
-                    <a:lumMod val="60000"/>
-                    <a:lumOff val="40000"/>
-                  </a:schemeClr>
-                </a:solidFill>
-              </a:rPr>
-              <a:t>reset HEAD </a:t>
-            </a:r>
-            <a:r>
-              <a:rPr lang="en-US" altLang="zh-CN" sz="2800" dirty="0" smtClean="0">
-                <a:solidFill>
-                  <a:schemeClr val="tx2">
-                    <a:lumMod val="60000"/>
-                    <a:lumOff val="40000"/>
-                  </a:schemeClr>
-                </a:solidFill>
-              </a:rPr>
-              <a:t>[</a:t>
-            </a:r>
-            <a:r>
-              <a:rPr lang="zh-CN" altLang="en-US" sz="2800" dirty="0" smtClean="0">
-                <a:solidFill>
-                  <a:schemeClr val="tx2">
-                    <a:lumMod val="60000"/>
-                    <a:lumOff val="40000"/>
-                  </a:schemeClr>
-                </a:solidFill>
-              </a:rPr>
-              <a:t>文件名</a:t>
-            </a:r>
-            <a:r>
-              <a:rPr lang="en-US" altLang="zh-CN" sz="2800" dirty="0" smtClean="0">
-                <a:solidFill>
-                  <a:schemeClr val="tx2">
-                    <a:lumMod val="60000"/>
-                    <a:lumOff val="40000"/>
-                  </a:schemeClr>
-                </a:solidFill>
-              </a:rPr>
-              <a:t>]</a:t>
-            </a:r>
-          </a:p>
-        </p:txBody>
-      </p:sp>
-    </p:spTree>
-  </p:cSld>
-  <p:clrMapOvr>
-    <a:masterClrMapping/>
-  </p:clrMapOvr>
-</p:sld>
-</file>
-
 <file path=ppt/slides/slide43.xml><?xml version="1.0" encoding="utf-8"?>
 <p:sld xmlns:a="http://schemas.openxmlformats.org/drawingml/2006/main" xmlns:r="http://schemas.openxmlformats.org/officeDocument/2006/relationships" xmlns:p="http://schemas.openxmlformats.org/presentationml/2006/main">
   <p:cSld>
@@ -17453,87 +17647,474 @@
         </p:nvSpPr>
         <p:spPr/>
         <p:txBody>
-          <a:bodyPr/>
+          <a:bodyPr>
+            <a:normAutofit/>
+          </a:bodyPr>
           <a:lstStyle/>
           <a:p>
             <a:r>
-              <a:rPr lang="zh-CN" altLang="en-US" dirty="0" smtClean="0"/>
-              <a:t>加</a:t>
-            </a:r>
-            <a:r>
-              <a:rPr lang="en-US" b="1" dirty="0" smtClean="0">
-                <a:solidFill>
-                  <a:schemeClr val="tx2">
-                    <a:lumMod val="60000"/>
-                    <a:lumOff val="40000"/>
-                  </a:schemeClr>
-                </a:solidFill>
-              </a:rPr>
-              <a:t>--global</a:t>
-            </a:r>
-            <a:r>
-              <a:rPr lang="zh-CN" altLang="en-US" dirty="0" smtClean="0"/>
-              <a:t>是针对当前用户起作用，配置信息可在用户主目录下的</a:t>
-            </a:r>
-            <a:r>
-              <a:rPr lang="en-US" altLang="zh-CN" dirty="0" smtClean="0"/>
-              <a:t>.</a:t>
-            </a:r>
-            <a:r>
-              <a:rPr lang="en-US" altLang="zh-CN" dirty="0" err="1" smtClean="0"/>
-              <a:t>gitconfig</a:t>
-            </a:r>
-            <a:r>
-              <a:rPr lang="zh-CN" altLang="en-US" dirty="0" smtClean="0"/>
-              <a:t>文件中查看</a:t>
-            </a:r>
-            <a:endParaRPr lang="zh-CN" altLang="en-US" dirty="0" smtClean="0">
-              <a:solidFill>
-                <a:schemeClr val="tx2">
-                  <a:lumMod val="60000"/>
-                  <a:lumOff val="40000"/>
-                </a:schemeClr>
-              </a:solidFill>
-            </a:endParaRPr>
-          </a:p>
-          <a:p>
-            <a:endParaRPr lang="zh-CN" altLang="en-US" dirty="0"/>
+              <a:rPr lang="zh-CN" altLang="en-US" sz="2800" dirty="0" smtClean="0"/>
+              <a:t>配置别名是为了能简写命令</a:t>
+            </a:r>
+            <a:endParaRPr lang="en-US" altLang="zh-CN" sz="2800" dirty="0" smtClean="0"/>
+          </a:p>
+          <a:p>
+            <a:r>
+              <a:rPr lang="en-US" altLang="zh-CN" sz="2800" dirty="0" smtClean="0"/>
+              <a:t>E.g.</a:t>
+            </a:r>
+            <a:r>
+              <a:rPr lang="en-US" sz="2800" dirty="0" smtClean="0"/>
+              <a:t> </a:t>
+            </a:r>
+          </a:p>
+          <a:p>
+            <a:pPr>
+              <a:buFont typeface="Wingdings" pitchFamily="2" charset="2"/>
+              <a:buChar char="Ø"/>
+            </a:pPr>
+            <a:r>
+              <a:rPr lang="zh-CN" altLang="en-US" sz="2800" dirty="0" smtClean="0"/>
+              <a:t>输入命令</a:t>
+            </a:r>
+            <a:r>
+              <a:rPr lang="en-US" sz="2800" dirty="0" err="1" smtClean="0">
+                <a:solidFill>
+                  <a:schemeClr val="tx2">
+                    <a:lumMod val="60000"/>
+                    <a:lumOff val="40000"/>
+                  </a:schemeClr>
+                </a:solidFill>
+              </a:rPr>
+              <a:t>git</a:t>
+            </a:r>
+            <a:r>
+              <a:rPr lang="en-US" sz="2800" dirty="0" smtClean="0">
+                <a:solidFill>
+                  <a:schemeClr val="tx2">
+                    <a:lumMod val="60000"/>
+                    <a:lumOff val="40000"/>
+                  </a:schemeClr>
+                </a:solidFill>
+              </a:rPr>
+              <a:t> </a:t>
+            </a:r>
+            <a:r>
+              <a:rPr lang="en-US" sz="2800" b="1" dirty="0" err="1" smtClean="0">
+                <a:solidFill>
+                  <a:schemeClr val="tx2">
+                    <a:lumMod val="60000"/>
+                    <a:lumOff val="40000"/>
+                  </a:schemeClr>
+                </a:solidFill>
+              </a:rPr>
+              <a:t>config</a:t>
+            </a:r>
+            <a:r>
+              <a:rPr lang="en-US" sz="2800" b="1" dirty="0" smtClean="0">
+                <a:solidFill>
+                  <a:schemeClr val="tx2">
+                    <a:lumMod val="60000"/>
+                    <a:lumOff val="40000"/>
+                  </a:schemeClr>
+                </a:solidFill>
+              </a:rPr>
+              <a:t> --global</a:t>
+            </a:r>
+            <a:r>
+              <a:rPr lang="en-US" sz="2800" dirty="0" smtClean="0">
+                <a:solidFill>
+                  <a:schemeClr val="tx2">
+                    <a:lumMod val="60000"/>
+                    <a:lumOff val="40000"/>
+                  </a:schemeClr>
+                </a:solidFill>
+              </a:rPr>
+              <a:t> </a:t>
+            </a:r>
+            <a:r>
+              <a:rPr lang="en-US" sz="2800" b="1" dirty="0" smtClean="0">
+                <a:solidFill>
+                  <a:schemeClr val="tx2">
+                    <a:lumMod val="60000"/>
+                    <a:lumOff val="40000"/>
+                  </a:schemeClr>
+                </a:solidFill>
+              </a:rPr>
+              <a:t>alias</a:t>
+            </a:r>
+            <a:r>
+              <a:rPr lang="en-US" sz="2800" dirty="0" smtClean="0">
+                <a:solidFill>
+                  <a:schemeClr val="tx2">
+                    <a:lumMod val="60000"/>
+                    <a:lumOff val="40000"/>
+                  </a:schemeClr>
+                </a:solidFill>
+              </a:rPr>
+              <a:t>.st status</a:t>
+            </a:r>
+          </a:p>
+          <a:p>
+            <a:pPr>
+              <a:buNone/>
+            </a:pPr>
+            <a:r>
+              <a:rPr lang="en-US" altLang="zh-CN" sz="2800" dirty="0" smtClean="0"/>
+              <a:t>	</a:t>
+            </a:r>
+            <a:r>
+              <a:rPr lang="zh-CN" altLang="en-US" sz="2800" dirty="0" smtClean="0"/>
+              <a:t>就表示设置</a:t>
+            </a:r>
+            <a:r>
+              <a:rPr lang="en-US" altLang="zh-CN" sz="2800" dirty="0" smtClean="0">
+                <a:solidFill>
+                  <a:srgbClr val="C00000"/>
+                </a:solidFill>
+              </a:rPr>
+              <a:t>status</a:t>
+            </a:r>
+            <a:r>
+              <a:rPr lang="zh-CN" altLang="en-US" sz="2800" dirty="0" smtClean="0"/>
+              <a:t>的别名为</a:t>
+            </a:r>
+            <a:r>
+              <a:rPr lang="en-US" altLang="zh-CN" sz="2800" dirty="0" err="1" smtClean="0">
+                <a:solidFill>
+                  <a:srgbClr val="C00000"/>
+                </a:solidFill>
+              </a:rPr>
+              <a:t>st</a:t>
+            </a:r>
+            <a:r>
+              <a:rPr lang="zh-CN" altLang="en-US" sz="2800" dirty="0" smtClean="0"/>
+              <a:t>，之后可输入</a:t>
+            </a:r>
+            <a:r>
+              <a:rPr lang="en-US" altLang="zh-CN" sz="2800" dirty="0" err="1" smtClean="0">
+                <a:solidFill>
+                  <a:schemeClr val="tx2">
+                    <a:lumMod val="60000"/>
+                    <a:lumOff val="40000"/>
+                  </a:schemeClr>
+                </a:solidFill>
+              </a:rPr>
+              <a:t>git</a:t>
+            </a:r>
+            <a:r>
+              <a:rPr lang="en-US" altLang="zh-CN" sz="2800" dirty="0" smtClean="0">
+                <a:solidFill>
+                  <a:schemeClr val="tx2">
+                    <a:lumMod val="60000"/>
+                    <a:lumOff val="40000"/>
+                  </a:schemeClr>
+                </a:solidFill>
+              </a:rPr>
+              <a:t> </a:t>
+            </a:r>
+            <a:r>
+              <a:rPr lang="en-US" altLang="zh-CN" sz="2800" b="1" dirty="0" err="1" smtClean="0">
+                <a:solidFill>
+                  <a:schemeClr val="tx2">
+                    <a:lumMod val="60000"/>
+                    <a:lumOff val="40000"/>
+                  </a:schemeClr>
+                </a:solidFill>
+              </a:rPr>
+              <a:t>st</a:t>
+            </a:r>
+            <a:r>
+              <a:rPr lang="zh-CN" altLang="en-US" sz="2800" dirty="0" smtClean="0"/>
+              <a:t>代替输入</a:t>
+            </a:r>
+            <a:r>
+              <a:rPr lang="en-US" altLang="zh-CN" sz="2800" dirty="0" err="1" smtClean="0">
+                <a:solidFill>
+                  <a:schemeClr val="tx2">
+                    <a:lumMod val="60000"/>
+                    <a:lumOff val="40000"/>
+                  </a:schemeClr>
+                </a:solidFill>
+              </a:rPr>
+              <a:t>git</a:t>
+            </a:r>
+            <a:r>
+              <a:rPr lang="en-US" altLang="zh-CN" sz="2800" dirty="0" smtClean="0">
+                <a:solidFill>
+                  <a:schemeClr val="tx2">
+                    <a:lumMod val="60000"/>
+                    <a:lumOff val="40000"/>
+                  </a:schemeClr>
+                </a:solidFill>
+              </a:rPr>
+              <a:t> status</a:t>
+            </a:r>
+          </a:p>
+          <a:p>
+            <a:pPr>
+              <a:buFont typeface="Wingdings" pitchFamily="2" charset="2"/>
+              <a:buChar char="Ø"/>
+            </a:pPr>
+            <a:r>
+              <a:rPr lang="zh-CN" altLang="en-US" sz="2800" dirty="0" smtClean="0"/>
+              <a:t>输入命令</a:t>
+            </a:r>
+            <a:r>
+              <a:rPr lang="en-US" sz="2800" dirty="0" err="1" smtClean="0">
+                <a:solidFill>
+                  <a:schemeClr val="tx2">
+                    <a:lumMod val="60000"/>
+                    <a:lumOff val="40000"/>
+                  </a:schemeClr>
+                </a:solidFill>
+              </a:rPr>
+              <a:t>git</a:t>
+            </a:r>
+            <a:r>
+              <a:rPr lang="en-US" sz="2800" dirty="0" smtClean="0">
+                <a:solidFill>
+                  <a:schemeClr val="tx2">
+                    <a:lumMod val="60000"/>
+                    <a:lumOff val="40000"/>
+                  </a:schemeClr>
+                </a:solidFill>
+              </a:rPr>
+              <a:t> </a:t>
+            </a:r>
+            <a:r>
+              <a:rPr lang="en-US" sz="2800" b="1" dirty="0" err="1" smtClean="0">
+                <a:solidFill>
+                  <a:schemeClr val="tx2">
+                    <a:lumMod val="60000"/>
+                    <a:lumOff val="40000"/>
+                  </a:schemeClr>
+                </a:solidFill>
+              </a:rPr>
+              <a:t>config</a:t>
+            </a:r>
+            <a:r>
+              <a:rPr lang="en-US" sz="2800" b="1" dirty="0" smtClean="0">
+                <a:solidFill>
+                  <a:schemeClr val="tx2">
+                    <a:lumMod val="60000"/>
+                    <a:lumOff val="40000"/>
+                  </a:schemeClr>
+                </a:solidFill>
+              </a:rPr>
+              <a:t> --global </a:t>
+            </a:r>
+            <a:r>
+              <a:rPr lang="en-US" sz="2800" b="1" dirty="0" err="1" smtClean="0">
+                <a:solidFill>
+                  <a:schemeClr val="tx2">
+                    <a:lumMod val="60000"/>
+                    <a:lumOff val="40000"/>
+                  </a:schemeClr>
+                </a:solidFill>
+              </a:rPr>
+              <a:t>alias</a:t>
+            </a:r>
+            <a:r>
+              <a:rPr lang="en-US" sz="2800" dirty="0" err="1" smtClean="0">
+                <a:solidFill>
+                  <a:schemeClr val="tx2">
+                    <a:lumMod val="60000"/>
+                    <a:lumOff val="40000"/>
+                  </a:schemeClr>
+                </a:solidFill>
+              </a:rPr>
+              <a:t>.unstage</a:t>
+            </a:r>
+            <a:r>
+              <a:rPr lang="en-US" sz="2800" dirty="0" smtClean="0">
+                <a:solidFill>
+                  <a:schemeClr val="tx2">
+                    <a:lumMod val="60000"/>
+                    <a:lumOff val="40000"/>
+                  </a:schemeClr>
+                </a:solidFill>
+              </a:rPr>
+              <a:t> ‘reset HEAD’ </a:t>
+            </a:r>
+            <a:r>
+              <a:rPr lang="zh-CN" altLang="en-US" sz="2800" dirty="0" smtClean="0"/>
+              <a:t>就表示设置</a:t>
+            </a:r>
+            <a:r>
+              <a:rPr lang="en-US" sz="2800" dirty="0" smtClean="0">
+                <a:solidFill>
+                  <a:srgbClr val="C00000"/>
+                </a:solidFill>
+              </a:rPr>
+              <a:t>reset HEAD</a:t>
+            </a:r>
+            <a:r>
+              <a:rPr lang="zh-CN" altLang="en-US" sz="2800" dirty="0" smtClean="0"/>
+              <a:t>的别名为</a:t>
+            </a:r>
+            <a:r>
+              <a:rPr lang="en-US" sz="2800" dirty="0" err="1" smtClean="0">
+                <a:solidFill>
+                  <a:srgbClr val="C00000"/>
+                </a:solidFill>
+              </a:rPr>
+              <a:t>unstage</a:t>
+            </a:r>
+            <a:r>
+              <a:rPr lang="zh-CN" altLang="en-US" sz="2800" dirty="0" smtClean="0"/>
+              <a:t>，之后可输入</a:t>
+            </a:r>
+            <a:r>
+              <a:rPr lang="en-US" altLang="zh-CN" sz="2800" dirty="0" err="1" smtClean="0">
+                <a:solidFill>
+                  <a:schemeClr val="tx2">
+                    <a:lumMod val="60000"/>
+                    <a:lumOff val="40000"/>
+                  </a:schemeClr>
+                </a:solidFill>
+              </a:rPr>
+              <a:t>git</a:t>
+            </a:r>
+            <a:r>
+              <a:rPr lang="en-US" altLang="zh-CN" sz="2800" dirty="0" smtClean="0">
+                <a:solidFill>
+                  <a:schemeClr val="tx2">
+                    <a:lumMod val="60000"/>
+                    <a:lumOff val="40000"/>
+                  </a:schemeClr>
+                </a:solidFill>
+              </a:rPr>
+              <a:t> </a:t>
+            </a:r>
+            <a:r>
+              <a:rPr lang="en-US" altLang="zh-CN" sz="2800" b="1" dirty="0" err="1" smtClean="0">
+                <a:solidFill>
+                  <a:schemeClr val="tx2">
+                    <a:lumMod val="60000"/>
+                    <a:lumOff val="40000"/>
+                  </a:schemeClr>
+                </a:solidFill>
+              </a:rPr>
+              <a:t>unstage</a:t>
+            </a:r>
+            <a:r>
+              <a:rPr lang="en-US" altLang="zh-CN" sz="2800" b="1" dirty="0" smtClean="0">
+                <a:solidFill>
+                  <a:schemeClr val="tx2">
+                    <a:lumMod val="60000"/>
+                    <a:lumOff val="40000"/>
+                  </a:schemeClr>
+                </a:solidFill>
+              </a:rPr>
+              <a:t> </a:t>
+            </a:r>
+            <a:r>
+              <a:rPr lang="en-US" altLang="zh-CN" sz="2800" dirty="0" smtClean="0">
+                <a:solidFill>
+                  <a:schemeClr val="tx2">
+                    <a:lumMod val="60000"/>
+                    <a:lumOff val="40000"/>
+                  </a:schemeClr>
+                </a:solidFill>
+              </a:rPr>
+              <a:t>[</a:t>
+            </a:r>
+            <a:r>
+              <a:rPr lang="zh-CN" altLang="en-US" sz="2800" dirty="0" smtClean="0">
+                <a:solidFill>
+                  <a:schemeClr val="tx2">
+                    <a:lumMod val="60000"/>
+                    <a:lumOff val="40000"/>
+                  </a:schemeClr>
+                </a:solidFill>
+              </a:rPr>
+              <a:t>文件名</a:t>
+            </a:r>
+            <a:r>
+              <a:rPr lang="en-US" altLang="zh-CN" sz="2800" dirty="0" smtClean="0">
+                <a:solidFill>
+                  <a:schemeClr val="tx2">
+                    <a:lumMod val="60000"/>
+                    <a:lumOff val="40000"/>
+                  </a:schemeClr>
+                </a:solidFill>
+              </a:rPr>
+              <a:t>]</a:t>
+            </a:r>
+            <a:r>
+              <a:rPr lang="zh-CN" altLang="en-US" sz="2800" dirty="0" smtClean="0"/>
+              <a:t>代替输入</a:t>
+            </a:r>
+            <a:r>
+              <a:rPr lang="en-US" altLang="zh-CN" sz="2800" dirty="0" err="1" smtClean="0">
+                <a:solidFill>
+                  <a:schemeClr val="tx2">
+                    <a:lumMod val="60000"/>
+                    <a:lumOff val="40000"/>
+                  </a:schemeClr>
+                </a:solidFill>
+              </a:rPr>
+              <a:t>git</a:t>
+            </a:r>
+            <a:r>
+              <a:rPr lang="en-US" altLang="zh-CN" sz="2800" dirty="0" smtClean="0">
+                <a:solidFill>
+                  <a:schemeClr val="tx2">
+                    <a:lumMod val="60000"/>
+                    <a:lumOff val="40000"/>
+                  </a:schemeClr>
+                </a:solidFill>
+              </a:rPr>
+              <a:t> </a:t>
+            </a:r>
+            <a:r>
+              <a:rPr lang="en-US" altLang="zh-CN" sz="2800" b="1" dirty="0" smtClean="0">
+                <a:solidFill>
+                  <a:schemeClr val="tx2">
+                    <a:lumMod val="60000"/>
+                    <a:lumOff val="40000"/>
+                  </a:schemeClr>
+                </a:solidFill>
+              </a:rPr>
+              <a:t>reset HEAD </a:t>
+            </a:r>
+            <a:r>
+              <a:rPr lang="en-US" altLang="zh-CN" sz="2800" dirty="0" smtClean="0">
+                <a:solidFill>
+                  <a:schemeClr val="tx2">
+                    <a:lumMod val="60000"/>
+                    <a:lumOff val="40000"/>
+                  </a:schemeClr>
+                </a:solidFill>
+              </a:rPr>
+              <a:t>[</a:t>
+            </a:r>
+            <a:r>
+              <a:rPr lang="zh-CN" altLang="en-US" sz="2800" dirty="0" smtClean="0">
+                <a:solidFill>
+                  <a:schemeClr val="tx2">
+                    <a:lumMod val="60000"/>
+                    <a:lumOff val="40000"/>
+                  </a:schemeClr>
+                </a:solidFill>
+              </a:rPr>
+              <a:t>文件名</a:t>
+            </a:r>
+            <a:r>
+              <a:rPr lang="en-US" altLang="zh-CN" sz="2800" dirty="0" smtClean="0">
+                <a:solidFill>
+                  <a:schemeClr val="tx2">
+                    <a:lumMod val="60000"/>
+                    <a:lumOff val="40000"/>
+                  </a:schemeClr>
+                </a:solidFill>
+              </a:rPr>
+              <a:t>]</a:t>
+            </a:r>
           </a:p>
         </p:txBody>
       </p:sp>
-      <p:pic>
-        <p:nvPicPr>
-          <p:cNvPr id="23554" name="Picture 2"/>
-          <p:cNvPicPr>
-            <a:picLocks noChangeAspect="1" noChangeArrowheads="1"/>
-          </p:cNvPicPr>
-          <p:nvPr/>
-        </p:nvPicPr>
-        <p:blipFill>
-          <a:blip r:embed="rId2"/>
-          <a:srcRect/>
-          <a:stretch>
-            <a:fillRect/>
-          </a:stretch>
-        </p:blipFill>
-        <p:spPr bwMode="auto">
-          <a:xfrm>
-            <a:off x="357158" y="2857496"/>
-            <a:ext cx="8358214" cy="3052204"/>
-          </a:xfrm>
-          <a:prstGeom prst="rect">
-            <a:avLst/>
-          </a:prstGeom>
-          <a:noFill/>
-          <a:ln w="9525">
-            <a:noFill/>
-            <a:miter lim="800000"/>
-            <a:headEnd/>
-            <a:tailEnd/>
-          </a:ln>
-          <a:effectLst/>
-        </p:spPr>
-      </p:pic>
     </p:spTree>
   </p:cSld>
   <p:clrMapOvr>
@@ -17599,7 +18180,7 @@
           <a:p>
             <a:r>
               <a:rPr lang="zh-CN" altLang="en-US" dirty="0" smtClean="0"/>
-              <a:t>不加</a:t>
+              <a:t>加</a:t>
             </a:r>
             <a:r>
               <a:rPr lang="en-US" b="1" dirty="0" smtClean="0">
@@ -17614,43 +18195,37 @@
             </a:r>
             <a:r>
               <a:rPr lang="zh-CN" altLang="en-US" dirty="0" smtClean="0"/>
-              <a:t>是只针对当前仓库起作用，配置信息可在仓库的</a:t>
-            </a:r>
-            <a:r>
-              <a:rPr lang="en-US" dirty="0" err="1" smtClean="0"/>
-              <a:t>Git</a:t>
-            </a:r>
-            <a:r>
-              <a:rPr lang="zh-CN" altLang="en-US" dirty="0" smtClean="0"/>
-              <a:t>配置文件</a:t>
+              <a:t>是针对当前用户起作用，配置信息可在用户主目录下的</a:t>
             </a:r>
             <a:r>
               <a:rPr lang="en-US" altLang="zh-CN" dirty="0" smtClean="0"/>
               <a:t>.</a:t>
             </a:r>
             <a:r>
-              <a:rPr lang="en-US" dirty="0" err="1" smtClean="0"/>
-              <a:t>git</a:t>
-            </a:r>
-            <a:r>
-              <a:rPr lang="en-US" dirty="0" smtClean="0"/>
-              <a:t>/</a:t>
-            </a:r>
-            <a:r>
-              <a:rPr lang="en-US" dirty="0" err="1" smtClean="0"/>
-              <a:t>config</a:t>
+              <a:rPr lang="en-US" altLang="zh-CN" dirty="0" err="1" smtClean="0"/>
+              <a:t>gitconfig</a:t>
             </a:r>
             <a:r>
               <a:rPr lang="zh-CN" altLang="en-US" dirty="0" smtClean="0"/>
-              <a:t>（隐藏文件）中查看</a:t>
-            </a:r>
+              <a:t>文件中查看</a:t>
+            </a:r>
+            <a:endParaRPr lang="zh-CN" altLang="en-US" dirty="0" smtClean="0">
+              <a:solidFill>
+                <a:schemeClr val="tx2">
+                  <a:lumMod val="60000"/>
+                  <a:lumOff val="40000"/>
+                </a:schemeClr>
+              </a:solidFill>
+            </a:endParaRPr>
+          </a:p>
+          <a:p>
             <a:endParaRPr lang="zh-CN" altLang="en-US" dirty="0"/>
           </a:p>
         </p:txBody>
       </p:sp>
       <p:pic>
         <p:nvPicPr>
-          <p:cNvPr id="24578" name="Picture 2"/>
+          <p:cNvPr id="23554" name="Picture 2"/>
           <p:cNvPicPr>
             <a:picLocks noChangeAspect="1" noChangeArrowheads="1"/>
           </p:cNvPicPr>
@@ -17665,8 +18240,8 @@
         </p:blipFill>
         <p:spPr bwMode="auto">
           <a:xfrm>
-            <a:off x="357158" y="3357562"/>
-            <a:ext cx="8426503" cy="2847982"/>
+            <a:off x="357158" y="2857496"/>
+            <a:ext cx="8358214" cy="3052204"/>
           </a:xfrm>
           <a:prstGeom prst="rect">
             <a:avLst/>
@@ -17718,35 +18293,14 @@
         </p:nvSpPr>
         <p:spPr/>
         <p:txBody>
-          <a:bodyPr>
-            <a:normAutofit/>
-          </a:bodyPr>
+          <a:bodyPr/>
           <a:lstStyle/>
           <a:p>
             <a:r>
               <a:rPr lang="zh-CN" altLang="en-US" dirty="0" smtClean="0"/>
-              <a:t>码云的使用</a:t>
-            </a:r>
-            <a:r>
-              <a:rPr lang="en-US" altLang="zh-CN" dirty="0" smtClean="0"/>
-              <a:t/>
-            </a:r>
-            <a:br>
-              <a:rPr lang="en-US" altLang="zh-CN" dirty="0" smtClean="0"/>
-            </a:br>
-            <a:r>
-              <a:rPr lang="zh-CN" altLang="en-US" sz="2200" dirty="0" smtClean="0"/>
-              <a:t>码云：国内的</a:t>
-            </a:r>
-            <a:r>
-              <a:rPr lang="en-US" altLang="zh-CN" sz="2200" dirty="0" err="1" smtClean="0"/>
-              <a:t>Git</a:t>
-            </a:r>
-            <a:r>
-              <a:rPr lang="zh-CN" altLang="en-US" sz="2200" dirty="0" smtClean="0"/>
-              <a:t>托管服务</a:t>
-            </a:r>
-            <a:endParaRPr lang="zh-CN" altLang="en-US" sz="2200" dirty="0"/>
+              <a:t>配置别名</a:t>
+            </a:r>
+            <a:endParaRPr lang="zh-CN" altLang="en-US" dirty="0"/>
           </a:p>
         </p:txBody>
       </p:sp>
@@ -17765,10 +18319,90 @@
           <a:bodyPr/>
           <a:lstStyle/>
           <a:p>
-            <a:endParaRPr lang="zh-CN" altLang="en-US"/>
+            <a:r>
+              <a:rPr lang="zh-CN" altLang="en-US" dirty="0" smtClean="0"/>
+              <a:t>不加</a:t>
+            </a:r>
+            <a:r>
+              <a:rPr lang="en-US" b="1" dirty="0" smtClean="0">
+                <a:solidFill>
+                  <a:schemeClr val="tx2">
+                    <a:lumMod val="60000"/>
+                    <a:lumOff val="40000"/>
+                  </a:schemeClr>
+                </a:solidFill>
+              </a:rPr>
+              <a:t>--global</a:t>
+            </a:r>
+            <a:r>
+              <a:rPr lang="zh-CN" altLang="en-US" dirty="0" smtClean="0"/>
+              <a:t>是只针对当前仓库起作用，配置信息可在仓库的</a:t>
+            </a:r>
+            <a:r>
+              <a:rPr lang="en-US" dirty="0" err="1" smtClean="0"/>
+              <a:t>Git</a:t>
+            </a:r>
+            <a:r>
+              <a:rPr lang="zh-CN" altLang="en-US" dirty="0" smtClean="0"/>
+              <a:t>配置文件</a:t>
+            </a:r>
+            <a:r>
+              <a:rPr lang="en-US" altLang="zh-CN" dirty="0" smtClean="0"/>
+              <a:t>.</a:t>
+            </a:r>
+            <a:r>
+              <a:rPr lang="en-US" dirty="0" err="1" smtClean="0"/>
+              <a:t>git</a:t>
+            </a:r>
+            <a:r>
+              <a:rPr lang="en-US" dirty="0" smtClean="0"/>
+              <a:t>/</a:t>
+            </a:r>
+            <a:r>
+              <a:rPr lang="en-US" dirty="0" err="1" smtClean="0"/>
+              <a:t>config</a:t>
+            </a:r>
+            <a:r>
+              <a:rPr lang="zh-CN" altLang="en-US" dirty="0" smtClean="0"/>
+              <a:t>（隐藏文件）中查看</a:t>
+            </a:r>
+            <a:endParaRPr lang="zh-CN" altLang="en-US" dirty="0"/>
           </a:p>
         </p:txBody>
       </p:sp>
+      <p:pic>
+        <p:nvPicPr>
+          <p:cNvPr id="24578" name="Picture 2"/>
+          <p:cNvPicPr>
+            <a:picLocks noChangeAspect="1" noChangeArrowheads="1"/>
+          </p:cNvPicPr>
+          <p:nvPr/>
+        </p:nvPicPr>
+        <p:blipFill>
+          <a:blip r:embed="rId2"/>
+          <a:srcRect/>
+          <a:stretch>
+            <a:fillRect/>
+          </a:stretch>
+        </p:blipFill>
+        <p:spPr bwMode="auto">
+          <a:xfrm>
+            <a:off x="357158" y="3357562"/>
+            <a:ext cx="8426503" cy="2847982"/>
+          </a:xfrm>
+          <a:prstGeom prst="rect">
+            <a:avLst/>
+          </a:prstGeom>
+          <a:noFill/>
+          <a:ln w="9525">
+            <a:noFill/>
+            <a:miter lim="800000"/>
+            <a:headEnd/>
+            <a:tailEnd/>
+          </a:ln>
+          <a:effectLst/>
+        </p:spPr>
+      </p:pic>
     </p:spTree>
   </p:cSld>
   <p:clrMapOvr>
@@ -17813,17 +18447,28 @@
           <a:p>
             <a:r>
               <a:rPr lang="zh-CN" altLang="en-US" dirty="0" smtClean="0"/>
-              <a:t>搭建</a:t>
-            </a:r>
-            <a:r>
-              <a:rPr lang="en-US" dirty="0" err="1" smtClean="0"/>
+              <a:t>码云的使用</a:t>
+            </a:r>
+            <a:r>
+              <a:rPr lang="en-US" altLang="zh-CN" dirty="0" smtClean="0"/>
+              <a:t/>
+            </a:r>
+            <a:br>
+              <a:rPr lang="en-US" altLang="zh-CN" dirty="0" smtClean="0"/>
+            </a:br>
+            <a:r>
+              <a:rPr lang="zh-CN" altLang="en-US" sz="2200" dirty="0" smtClean="0"/>
+              <a:t>码云：国内的</a:t>
+            </a:r>
+            <a:r>
+              <a:rPr lang="en-US" altLang="zh-CN" sz="2200" dirty="0" err="1" smtClean="0"/>
               <a:t>Git</a:t>
             </a:r>
             <a:r>
-              <a:rPr lang="zh-CN" altLang="en-US" dirty="0" smtClean="0"/>
-              <a:t>服务器</a:t>
-            </a:r>
-            <a:endParaRPr lang="zh-CN" altLang="en-US" dirty="0"/>
+              <a:rPr lang="zh-CN" altLang="en-US" sz="2200" dirty="0" smtClean="0"/>
+              <a:t>托管服务</a:t>
+            </a:r>
+            <a:endParaRPr lang="zh-CN" altLang="en-US" sz="2200" dirty="0"/>
           </a:p>
         </p:txBody>
       </p:sp>
@@ -17842,15 +18487,7 @@
           <a:bodyPr/>
           <a:lstStyle/>
           <a:p>
-            <a:r>
-              <a:rPr lang="en-US" dirty="0" err="1" smtClean="0"/>
-              <a:t>ubuntu</a:t>
-            </a:r>
-            <a:r>
-              <a:rPr lang="zh-CN" altLang="en-US" dirty="0" smtClean="0"/>
-              <a:t>系统</a:t>
-            </a:r>
-            <a:endParaRPr lang="zh-CN" altLang="en-US" dirty="0"/>
+            <a:endParaRPr lang="zh-CN" altLang="en-US"/>
           </a:p>
         </p:txBody>
       </p:sp>
@@ -17863,6 +18500,91 @@
 </file>
 
 <file path=ppt/slides/slide47.xml><?xml version="1.0" encoding="utf-8"?>
+<p:sld xmlns:a="http://schemas.openxmlformats.org/drawingml/2006/main" xmlns:r="http://schemas.openxmlformats.org/officeDocument/2006/relationships" xmlns:p="http://schemas.openxmlformats.org/presentationml/2006/main">
+  <p:cSld>
+    <p:spTree>
+      <p:nvGrpSpPr>
+        <p:cNvPr id="1" name=""/>
+        <p:cNvGrpSpPr/>
+        <p:nvPr/>
+      </p:nvGrpSpPr>
+      <p:grpSpPr>
+        <a:xfrm>
+          <a:off x="0" y="0"/>
+          <a:ext cx="0" cy="0"/>
+          <a:chOff x="0" y="0"/>
+          <a:chExt cx="0" cy="0"/>
+        </a:xfrm>
+      </p:grpSpPr>
+      <p:sp>
+        <p:nvSpPr>
+          <p:cNvPr id="2" name="标题 1"/>
+          <p:cNvSpPr>
+            <a:spLocks noGrp="1"/>
+          </p:cNvSpPr>
+          <p:nvPr>
+            <p:ph type="title"/>
+          </p:nvPr>
+        </p:nvSpPr>
+        <p:spPr/>
+        <p:txBody>
+          <a:bodyPr>
+            <a:normAutofit/>
+          </a:bodyPr>
+          <a:lstStyle/>
+          <a:p>
+            <a:r>
+              <a:rPr lang="zh-CN" altLang="en-US" dirty="0" smtClean="0"/>
+              <a:t>搭建</a:t>
+            </a:r>
+            <a:r>
+              <a:rPr lang="en-US" dirty="0" err="1" smtClean="0"/>
+              <a:t>Git</a:t>
+            </a:r>
+            <a:r>
+              <a:rPr lang="zh-CN" altLang="en-US" dirty="0" smtClean="0"/>
+              <a:t>服务器</a:t>
+            </a:r>
+            <a:endParaRPr lang="zh-CN" altLang="en-US" dirty="0"/>
+          </a:p>
+        </p:txBody>
+      </p:sp>
+      <p:sp>
+        <p:nvSpPr>
+          <p:cNvPr id="3" name="内容占位符 2"/>
+          <p:cNvSpPr>
+            <a:spLocks noGrp="1"/>
+          </p:cNvSpPr>
+          <p:nvPr>
+            <p:ph idx="1"/>
+          </p:nvPr>
+        </p:nvSpPr>
+        <p:spPr/>
+        <p:txBody>
+          <a:bodyPr/>
+          <a:lstStyle/>
+          <a:p>
+            <a:r>
+              <a:rPr lang="en-US" dirty="0" err="1" smtClean="0"/>
+              <a:t>ubuntu</a:t>
+            </a:r>
+            <a:r>
+              <a:rPr lang="zh-CN" altLang="en-US" dirty="0" smtClean="0"/>
+              <a:t>系统</a:t>
+            </a:r>
+            <a:endParaRPr lang="zh-CN" altLang="en-US" dirty="0"/>
+          </a:p>
+        </p:txBody>
+      </p:sp>
+    </p:spTree>
+  </p:cSld>
+  <p:clrMapOvr>
+    <a:masterClrMapping/>
+  </p:clrMapOvr>
+</p:sld>
+</file>
+
+<file path=ppt/slides/slide48.xml><?xml version="1.0" encoding="utf-8"?>
 <p:sld xmlns:a="http://schemas.openxmlformats.org/drawingml/2006/main" xmlns:r="http://schemas.openxmlformats.org/officeDocument/2006/relationships" xmlns:p="http://schemas.openxmlformats.org/presentationml/2006/main">
   <p:cSld>
     <p:spTree>

--- a/ppt/git.pptx
+++ b/ppt/git.pptx
@@ -52,7 +52,13 @@
     <p:sldId id="300" r:id="rId46"/>
     <p:sldId id="302" r:id="rId47"/>
     <p:sldId id="301" r:id="rId48"/>
-    <p:sldId id="284" r:id="rId49"/>
+    <p:sldId id="305" r:id="rId49"/>
+    <p:sldId id="306" r:id="rId50"/>
+    <p:sldId id="307" r:id="rId51"/>
+    <p:sldId id="309" r:id="rId52"/>
+    <p:sldId id="310" r:id="rId53"/>
+    <p:sldId id="311" r:id="rId54"/>
+    <p:sldId id="284" r:id="rId55"/>
   </p:sldIdLst>
   <p:sldSz cx="9144000" cy="6858000" type="screen4x3"/>
   <p:notesSz cx="6858000" cy="9144000"/>
@@ -336,7 +342,7 @@
             <a:fld id="{530820CF-B880-4189-942D-D702A7CBA730}" type="datetimeFigureOut">
               <a:rPr lang="zh-CN" altLang="en-US" smtClean="0"/>
               <a:pPr/>
-              <a:t>2018/11/13</a:t>
+              <a:t>2018/11/19</a:t>
             </a:fld>
             <a:endParaRPr lang="zh-CN" altLang="en-US"/>
           </a:p>
@@ -503,7 +509,7 @@
             <a:fld id="{530820CF-B880-4189-942D-D702A7CBA730}" type="datetimeFigureOut">
               <a:rPr lang="zh-CN" altLang="en-US" smtClean="0"/>
               <a:pPr/>
-              <a:t>2018/11/13</a:t>
+              <a:t>2018/11/19</a:t>
             </a:fld>
             <a:endParaRPr lang="zh-CN" altLang="en-US"/>
           </a:p>
@@ -680,7 +686,7 @@
             <a:fld id="{530820CF-B880-4189-942D-D702A7CBA730}" type="datetimeFigureOut">
               <a:rPr lang="zh-CN" altLang="en-US" smtClean="0"/>
               <a:pPr/>
-              <a:t>2018/11/13</a:t>
+              <a:t>2018/11/19</a:t>
             </a:fld>
             <a:endParaRPr lang="zh-CN" altLang="en-US"/>
           </a:p>
@@ -847,7 +853,7 @@
             <a:fld id="{530820CF-B880-4189-942D-D702A7CBA730}" type="datetimeFigureOut">
               <a:rPr lang="zh-CN" altLang="en-US" smtClean="0"/>
               <a:pPr/>
-              <a:t>2018/11/13</a:t>
+              <a:t>2018/11/19</a:t>
             </a:fld>
             <a:endParaRPr lang="zh-CN" altLang="en-US"/>
           </a:p>
@@ -1090,7 +1096,7 @@
             <a:fld id="{530820CF-B880-4189-942D-D702A7CBA730}" type="datetimeFigureOut">
               <a:rPr lang="zh-CN" altLang="en-US" smtClean="0"/>
               <a:pPr/>
-              <a:t>2018/11/13</a:t>
+              <a:t>2018/11/19</a:t>
             </a:fld>
             <a:endParaRPr lang="zh-CN" altLang="en-US"/>
           </a:p>
@@ -1375,7 +1381,7 @@
             <a:fld id="{530820CF-B880-4189-942D-D702A7CBA730}" type="datetimeFigureOut">
               <a:rPr lang="zh-CN" altLang="en-US" smtClean="0"/>
               <a:pPr/>
-              <a:t>2018/11/13</a:t>
+              <a:t>2018/11/19</a:t>
             </a:fld>
             <a:endParaRPr lang="zh-CN" altLang="en-US"/>
           </a:p>
@@ -1794,7 +1800,7 @@
             <a:fld id="{530820CF-B880-4189-942D-D702A7CBA730}" type="datetimeFigureOut">
               <a:rPr lang="zh-CN" altLang="en-US" smtClean="0"/>
               <a:pPr/>
-              <a:t>2018/11/13</a:t>
+              <a:t>2018/11/19</a:t>
             </a:fld>
             <a:endParaRPr lang="zh-CN" altLang="en-US"/>
           </a:p>
@@ -1909,7 +1915,7 @@
             <a:fld id="{530820CF-B880-4189-942D-D702A7CBA730}" type="datetimeFigureOut">
               <a:rPr lang="zh-CN" altLang="en-US" smtClean="0"/>
               <a:pPr/>
-              <a:t>2018/11/13</a:t>
+              <a:t>2018/11/19</a:t>
             </a:fld>
             <a:endParaRPr lang="zh-CN" altLang="en-US"/>
           </a:p>
@@ -2001,7 +2007,7 @@
             <a:fld id="{530820CF-B880-4189-942D-D702A7CBA730}" type="datetimeFigureOut">
               <a:rPr lang="zh-CN" altLang="en-US" smtClean="0"/>
               <a:pPr/>
-              <a:t>2018/11/13</a:t>
+              <a:t>2018/11/19</a:t>
             </a:fld>
             <a:endParaRPr lang="zh-CN" altLang="en-US"/>
           </a:p>
@@ -2275,7 +2281,7 @@
             <a:fld id="{530820CF-B880-4189-942D-D702A7CBA730}" type="datetimeFigureOut">
               <a:rPr lang="zh-CN" altLang="en-US" smtClean="0"/>
               <a:pPr/>
-              <a:t>2018/11/13</a:t>
+              <a:t>2018/11/19</a:t>
             </a:fld>
             <a:endParaRPr lang="zh-CN" altLang="en-US"/>
           </a:p>
@@ -2525,7 +2531,7 @@
             <a:fld id="{530820CF-B880-4189-942D-D702A7CBA730}" type="datetimeFigureOut">
               <a:rPr lang="zh-CN" altLang="en-US" smtClean="0"/>
               <a:pPr/>
-              <a:t>2018/11/13</a:t>
+              <a:t>2018/11/19</a:t>
             </a:fld>
             <a:endParaRPr lang="zh-CN" altLang="en-US"/>
           </a:p>
@@ -2735,7 +2741,7 @@
             <a:fld id="{530820CF-B880-4189-942D-D702A7CBA730}" type="datetimeFigureOut">
               <a:rPr lang="zh-CN" altLang="en-US" smtClean="0"/>
               <a:pPr/>
-              <a:t>2018/11/13</a:t>
+              <a:t>2018/11/19</a:t>
             </a:fld>
             <a:endParaRPr lang="zh-CN" altLang="en-US"/>
           </a:p>
@@ -18559,20 +18565,608 @@
             <p:ph idx="1"/>
           </p:nvPr>
         </p:nvSpPr>
-        <p:spPr/>
+        <p:spPr>
+          <a:xfrm>
+            <a:off x="457200" y="1600200"/>
+            <a:ext cx="4329114" cy="4525963"/>
+          </a:xfrm>
+        </p:spPr>
         <p:txBody>
-          <a:bodyPr/>
+          <a:bodyPr>
+            <a:normAutofit fontScale="92500" lnSpcReduction="10000"/>
+          </a:bodyPr>
           <a:lstStyle/>
           <a:p>
             <a:r>
-              <a:rPr lang="en-US" dirty="0" err="1" smtClean="0"/>
-              <a:t>ubuntu</a:t>
-            </a:r>
-            <a:r>
-              <a:rPr lang="zh-CN" altLang="en-US" dirty="0" smtClean="0"/>
+              <a:rPr lang="en-US" sz="2400" dirty="0" err="1" smtClean="0"/>
+              <a:t>CentOS</a:t>
+            </a:r>
+            <a:r>
+              <a:rPr lang="zh-CN" altLang="en-US" sz="2400" dirty="0" smtClean="0"/>
               <a:t>系统</a:t>
             </a:r>
-            <a:endParaRPr lang="zh-CN" altLang="en-US" dirty="0"/>
+            <a:endParaRPr lang="en-US" altLang="zh-CN" sz="2400" dirty="0" smtClean="0"/>
+          </a:p>
+          <a:p>
+            <a:pPr>
+              <a:buFont typeface="Wingdings" pitchFamily="2" charset="2"/>
+              <a:buChar char="Ø"/>
+            </a:pPr>
+            <a:r>
+              <a:rPr lang="zh-CN" altLang="en-US" sz="2400" dirty="0" smtClean="0"/>
+              <a:t>安装</a:t>
+            </a:r>
+            <a:endParaRPr lang="en-US" altLang="zh-CN" sz="2400" dirty="0" smtClean="0"/>
+          </a:p>
+          <a:p>
+            <a:pPr marL="514350" indent="-514350">
+              <a:buFont typeface="+mj-lt"/>
+              <a:buAutoNum type="arabicPeriod"/>
+            </a:pPr>
+            <a:r>
+              <a:rPr lang="zh-CN" altLang="en-US" sz="1600" dirty="0" smtClean="0"/>
+              <a:t>切换到</a:t>
+            </a:r>
+            <a:r>
+              <a:rPr lang="en-US" altLang="zh-CN" sz="1600" dirty="0" smtClean="0"/>
+              <a:t>root</a:t>
+            </a:r>
+            <a:r>
+              <a:rPr lang="zh-CN" altLang="en-US" sz="1600" dirty="0" smtClean="0"/>
+              <a:t>用户（</a:t>
+            </a:r>
+            <a:r>
+              <a:rPr lang="en-US" altLang="zh-CN" sz="1600" dirty="0" err="1" smtClean="0"/>
+              <a:t>su</a:t>
+            </a:r>
+            <a:r>
+              <a:rPr lang="zh-CN" altLang="en-US" sz="1600" dirty="0" smtClean="0"/>
+              <a:t>）或有相关权限的用户（</a:t>
+            </a:r>
+            <a:r>
+              <a:rPr lang="en-US" altLang="zh-CN" sz="1600" dirty="0" err="1" smtClean="0"/>
+              <a:t>su</a:t>
+            </a:r>
+            <a:r>
+              <a:rPr lang="en-US" altLang="zh-CN" sz="1600" dirty="0" smtClean="0"/>
+              <a:t> username</a:t>
+            </a:r>
+            <a:r>
+              <a:rPr lang="zh-CN" altLang="en-US" sz="1600" dirty="0" smtClean="0"/>
+              <a:t>）</a:t>
+            </a:r>
+            <a:endParaRPr lang="en-US" altLang="zh-CN" sz="1600" dirty="0" smtClean="0"/>
+          </a:p>
+          <a:p>
+            <a:pPr marL="514350" indent="-514350">
+              <a:buFont typeface="+mj-lt"/>
+              <a:buAutoNum type="arabicPeriod"/>
+            </a:pPr>
+            <a:r>
+              <a:rPr lang="zh-CN" altLang="en-US" sz="1600" dirty="0" smtClean="0"/>
+              <a:t>依赖检查（若缺少则会下载安装）</a:t>
+            </a:r>
+            <a:endParaRPr lang="en-US" altLang="zh-CN" sz="1600" dirty="0" smtClean="0"/>
+          </a:p>
+          <a:p>
+            <a:pPr marL="514350" indent="-514350"/>
+            <a:r>
+              <a:rPr lang="en-US" sz="1600" dirty="0" smtClean="0">
+                <a:solidFill>
+                  <a:schemeClr val="tx2">
+                    <a:lumMod val="60000"/>
+                    <a:lumOff val="40000"/>
+                  </a:schemeClr>
+                </a:solidFill>
+              </a:rPr>
+              <a:t>yum install curl-</a:t>
+            </a:r>
+            <a:r>
+              <a:rPr lang="en-US" sz="1600" dirty="0" err="1" smtClean="0">
+                <a:solidFill>
+                  <a:schemeClr val="tx2">
+                    <a:lumMod val="60000"/>
+                    <a:lumOff val="40000"/>
+                  </a:schemeClr>
+                </a:solidFill>
+              </a:rPr>
+              <a:t>devel</a:t>
+            </a:r>
+            <a:r>
+              <a:rPr lang="en-US" sz="1600" dirty="0" smtClean="0">
+                <a:solidFill>
+                  <a:schemeClr val="tx2">
+                    <a:lumMod val="60000"/>
+                    <a:lumOff val="40000"/>
+                  </a:schemeClr>
+                </a:solidFill>
+              </a:rPr>
+              <a:t> expat-</a:t>
+            </a:r>
+            <a:r>
+              <a:rPr lang="en-US" sz="1600" dirty="0" err="1" smtClean="0">
+                <a:solidFill>
+                  <a:schemeClr val="tx2">
+                    <a:lumMod val="60000"/>
+                    <a:lumOff val="40000"/>
+                  </a:schemeClr>
+                </a:solidFill>
+              </a:rPr>
+              <a:t>devel</a:t>
+            </a:r>
+            <a:r>
+              <a:rPr lang="en-US" sz="1600" dirty="0" smtClean="0">
+                <a:solidFill>
+                  <a:schemeClr val="tx2">
+                    <a:lumMod val="60000"/>
+                    <a:lumOff val="40000"/>
+                  </a:schemeClr>
+                </a:solidFill>
+              </a:rPr>
+              <a:t> </a:t>
+            </a:r>
+            <a:r>
+              <a:rPr lang="en-US" sz="1600" dirty="0" err="1" smtClean="0">
+                <a:solidFill>
+                  <a:schemeClr val="tx2">
+                    <a:lumMod val="60000"/>
+                    <a:lumOff val="40000"/>
+                  </a:schemeClr>
+                </a:solidFill>
+              </a:rPr>
+              <a:t>gettext-devel</a:t>
+            </a:r>
+            <a:r>
+              <a:rPr lang="en-US" sz="1600" dirty="0" smtClean="0">
+                <a:solidFill>
+                  <a:schemeClr val="tx2">
+                    <a:lumMod val="60000"/>
+                    <a:lumOff val="40000"/>
+                  </a:schemeClr>
+                </a:solidFill>
+              </a:rPr>
+              <a:t> </a:t>
+            </a:r>
+            <a:r>
+              <a:rPr lang="en-US" sz="1600" dirty="0" err="1" smtClean="0">
+                <a:solidFill>
+                  <a:schemeClr val="tx2">
+                    <a:lumMod val="60000"/>
+                    <a:lumOff val="40000"/>
+                  </a:schemeClr>
+                </a:solidFill>
+              </a:rPr>
+              <a:t>openssl-devel</a:t>
+            </a:r>
+            <a:r>
+              <a:rPr lang="en-US" sz="1600" dirty="0" smtClean="0">
+                <a:solidFill>
+                  <a:schemeClr val="tx2">
+                    <a:lumMod val="60000"/>
+                    <a:lumOff val="40000"/>
+                  </a:schemeClr>
+                </a:solidFill>
+              </a:rPr>
+              <a:t> </a:t>
+            </a:r>
+            <a:r>
+              <a:rPr lang="en-US" sz="1600" dirty="0" err="1" smtClean="0">
+                <a:solidFill>
+                  <a:schemeClr val="tx2">
+                    <a:lumMod val="60000"/>
+                    <a:lumOff val="40000"/>
+                  </a:schemeClr>
+                </a:solidFill>
+              </a:rPr>
+              <a:t>zlib-devel</a:t>
+            </a:r>
+            <a:r>
+              <a:rPr lang="en-US" sz="1600" dirty="0" smtClean="0">
+                <a:solidFill>
+                  <a:schemeClr val="tx2">
+                    <a:lumMod val="60000"/>
+                    <a:lumOff val="40000"/>
+                  </a:schemeClr>
+                </a:solidFill>
+              </a:rPr>
+              <a:t> </a:t>
+            </a:r>
+            <a:r>
+              <a:rPr lang="en-US" sz="1600" dirty="0" err="1" smtClean="0">
+                <a:solidFill>
+                  <a:schemeClr val="tx2">
+                    <a:lumMod val="60000"/>
+                    <a:lumOff val="40000"/>
+                  </a:schemeClr>
+                </a:solidFill>
+              </a:rPr>
+              <a:t>gcc</a:t>
+            </a:r>
+            <a:r>
+              <a:rPr lang="en-US" sz="1600" dirty="0" smtClean="0">
+                <a:solidFill>
+                  <a:schemeClr val="tx2">
+                    <a:lumMod val="60000"/>
+                    <a:lumOff val="40000"/>
+                  </a:schemeClr>
+                </a:solidFill>
+              </a:rPr>
+              <a:t> </a:t>
+            </a:r>
+            <a:r>
+              <a:rPr lang="en-US" sz="1600" dirty="0" err="1" smtClean="0">
+                <a:solidFill>
+                  <a:schemeClr val="tx2">
+                    <a:lumMod val="60000"/>
+                    <a:lumOff val="40000"/>
+                  </a:schemeClr>
+                </a:solidFill>
+              </a:rPr>
+              <a:t>perl-ExtUtils-MakeMaker</a:t>
+            </a:r>
+            <a:endParaRPr lang="en-US" sz="1600" dirty="0" smtClean="0">
+              <a:solidFill>
+                <a:schemeClr val="tx2">
+                  <a:lumMod val="60000"/>
+                  <a:lumOff val="40000"/>
+                </a:schemeClr>
+              </a:solidFill>
+            </a:endParaRPr>
+          </a:p>
+          <a:p>
+            <a:pPr marL="514350" indent="-514350">
+              <a:buFont typeface="+mj-lt"/>
+              <a:buAutoNum type="arabicPeriod" startAt="2"/>
+            </a:pPr>
+            <a:r>
+              <a:rPr lang="zh-CN" altLang="en-US" sz="1600" dirty="0" smtClean="0"/>
+              <a:t>若存在</a:t>
+            </a:r>
+            <a:r>
+              <a:rPr lang="en-US" altLang="zh-CN" sz="1600" dirty="0" err="1" smtClean="0"/>
+              <a:t>git</a:t>
+            </a:r>
+            <a:r>
+              <a:rPr lang="zh-CN" altLang="en-US" sz="1600" dirty="0" smtClean="0"/>
+              <a:t>，则删除已有的</a:t>
+            </a:r>
+            <a:r>
+              <a:rPr lang="en-US" sz="1600" dirty="0" err="1" smtClean="0"/>
+              <a:t>git</a:t>
+            </a:r>
+            <a:r>
+              <a:rPr lang="zh-CN" altLang="en-US" sz="1600" dirty="0" smtClean="0"/>
+              <a:t>（否则不需要执行该步骤，可使用步骤</a:t>
+            </a:r>
+            <a:r>
+              <a:rPr lang="en-US" altLang="zh-CN" sz="1600" dirty="0" smtClean="0"/>
+              <a:t>4</a:t>
+            </a:r>
+            <a:r>
+              <a:rPr lang="zh-CN" altLang="en-US" sz="1600" dirty="0" smtClean="0"/>
+              <a:t>的命令查看</a:t>
+            </a:r>
+            <a:r>
+              <a:rPr lang="en-US" altLang="zh-CN" sz="1600" dirty="0" smtClean="0"/>
+              <a:t>Linux</a:t>
+            </a:r>
+            <a:r>
+              <a:rPr lang="zh-CN" altLang="en-US" sz="1600" dirty="0" smtClean="0"/>
+              <a:t>系统中是否已有</a:t>
+            </a:r>
+            <a:r>
+              <a:rPr lang="en-US" altLang="zh-CN" sz="1600" dirty="0" err="1" smtClean="0"/>
+              <a:t>git</a:t>
+            </a:r>
+            <a:r>
+              <a:rPr lang="zh-CN" altLang="en-US" sz="1600" dirty="0" smtClean="0"/>
+              <a:t>）</a:t>
+            </a:r>
+            <a:endParaRPr lang="en-US" sz="1600" dirty="0" smtClean="0"/>
+          </a:p>
+          <a:p>
+            <a:pPr marL="514350" indent="-514350"/>
+            <a:r>
+              <a:rPr lang="en-US" altLang="zh-CN" sz="1600" dirty="0" smtClean="0">
+                <a:solidFill>
+                  <a:schemeClr val="tx2">
+                    <a:lumMod val="60000"/>
+                    <a:lumOff val="40000"/>
+                  </a:schemeClr>
+                </a:solidFill>
+              </a:rPr>
+              <a:t>yum remove </a:t>
+            </a:r>
+            <a:r>
+              <a:rPr lang="en-US" altLang="zh-CN" sz="1600" dirty="0" err="1" smtClean="0">
+                <a:solidFill>
+                  <a:schemeClr val="tx2">
+                    <a:lumMod val="60000"/>
+                    <a:lumOff val="40000"/>
+                  </a:schemeClr>
+                </a:solidFill>
+              </a:rPr>
+              <a:t>git</a:t>
+            </a:r>
+            <a:endParaRPr lang="en-US" altLang="zh-CN" sz="1600" dirty="0" smtClean="0">
+              <a:solidFill>
+                <a:schemeClr val="tx2">
+                  <a:lumMod val="60000"/>
+                  <a:lumOff val="40000"/>
+                </a:schemeClr>
+              </a:solidFill>
+            </a:endParaRPr>
+          </a:p>
+          <a:p>
+            <a:pPr marL="514350" indent="-514350">
+              <a:buFont typeface="+mj-lt"/>
+              <a:buAutoNum type="arabicPeriod" startAt="3"/>
+            </a:pPr>
+            <a:r>
+              <a:rPr lang="zh-CN" altLang="en-US" sz="1600" dirty="0" smtClean="0"/>
+              <a:t>安装</a:t>
+            </a:r>
+            <a:r>
+              <a:rPr lang="en-US" altLang="zh-CN" sz="1600" dirty="0" err="1" smtClean="0"/>
+              <a:t>git</a:t>
+            </a:r>
+            <a:r>
+              <a:rPr lang="zh-CN" altLang="en-US" sz="1600" dirty="0" smtClean="0"/>
+              <a:t>（加</a:t>
+            </a:r>
+            <a:r>
+              <a:rPr lang="en-US" altLang="zh-CN" sz="1600" dirty="0" smtClean="0"/>
+              <a:t>-y</a:t>
+            </a:r>
+            <a:r>
+              <a:rPr lang="zh-CN" altLang="en-US" sz="1600" dirty="0" smtClean="0"/>
+              <a:t>可省略安装过程中需要输入</a:t>
+            </a:r>
+            <a:r>
+              <a:rPr lang="en-US" altLang="zh-CN" sz="1600" dirty="0" smtClean="0"/>
+              <a:t>y</a:t>
+            </a:r>
+            <a:r>
+              <a:rPr lang="zh-CN" altLang="en-US" sz="1600" dirty="0" smtClean="0"/>
+              <a:t>的步骤）</a:t>
+            </a:r>
+            <a:endParaRPr lang="en-US" altLang="zh-CN" sz="1600" dirty="0" smtClean="0"/>
+          </a:p>
+          <a:p>
+            <a:pPr marL="514350" indent="-514350"/>
+            <a:r>
+              <a:rPr lang="en-US" altLang="zh-CN" sz="1600" dirty="0" smtClean="0">
+                <a:solidFill>
+                  <a:schemeClr val="tx2">
+                    <a:lumMod val="60000"/>
+                    <a:lumOff val="40000"/>
+                  </a:schemeClr>
+                </a:solidFill>
+              </a:rPr>
+              <a:t>y</a:t>
+            </a:r>
+            <a:r>
+              <a:rPr lang="en-US" sz="1600" dirty="0" smtClean="0">
+                <a:solidFill>
+                  <a:schemeClr val="tx2">
+                    <a:lumMod val="60000"/>
+                    <a:lumOff val="40000"/>
+                  </a:schemeClr>
+                </a:solidFill>
+              </a:rPr>
+              <a:t>um -y install </a:t>
+            </a:r>
+            <a:r>
+              <a:rPr lang="en-US" sz="1600" dirty="0" err="1" smtClean="0">
+                <a:solidFill>
+                  <a:schemeClr val="tx2">
+                    <a:lumMod val="60000"/>
+                    <a:lumOff val="40000"/>
+                  </a:schemeClr>
+                </a:solidFill>
+              </a:rPr>
+              <a:t>git</a:t>
+            </a:r>
+            <a:endParaRPr lang="en-US" sz="1600" dirty="0" smtClean="0">
+              <a:solidFill>
+                <a:schemeClr val="tx2">
+                  <a:lumMod val="60000"/>
+                  <a:lumOff val="40000"/>
+                </a:schemeClr>
+              </a:solidFill>
+            </a:endParaRPr>
+          </a:p>
+          <a:p>
+            <a:pPr marL="514350" indent="-514350">
+              <a:buFont typeface="+mj-lt"/>
+              <a:buAutoNum type="arabicPeriod" startAt="4"/>
+            </a:pPr>
+            <a:r>
+              <a:rPr lang="zh-CN" altLang="en-US" sz="1600" dirty="0" smtClean="0"/>
+              <a:t>安装完成后，查看</a:t>
+            </a:r>
+            <a:r>
+              <a:rPr lang="en-US" altLang="zh-CN" sz="1600" dirty="0" err="1" smtClean="0"/>
+              <a:t>git</a:t>
+            </a:r>
+            <a:r>
+              <a:rPr lang="zh-CN" altLang="en-US" sz="1600" dirty="0" smtClean="0"/>
+              <a:t>版本（若未安装</a:t>
+            </a:r>
+            <a:r>
+              <a:rPr lang="en-US" altLang="zh-CN" sz="1600" dirty="0" err="1" smtClean="0"/>
+              <a:t>git</a:t>
+            </a:r>
+            <a:r>
+              <a:rPr lang="zh-CN" altLang="en-US" sz="1600" dirty="0" smtClean="0"/>
+              <a:t>则提示无</a:t>
+            </a:r>
+            <a:r>
+              <a:rPr lang="en-US" altLang="zh-CN" sz="1600" dirty="0" err="1" smtClean="0"/>
+              <a:t>git</a:t>
+            </a:r>
+            <a:r>
+              <a:rPr lang="zh-CN" altLang="en-US" sz="1600" dirty="0" smtClean="0"/>
+              <a:t>命令）</a:t>
+            </a:r>
+            <a:endParaRPr lang="en-US" altLang="zh-CN" sz="1600" dirty="0" smtClean="0"/>
+          </a:p>
+          <a:p>
+            <a:pPr marL="514350" indent="-514350"/>
+            <a:r>
+              <a:rPr lang="en-US" sz="1600" dirty="0" err="1" smtClean="0">
+                <a:solidFill>
+                  <a:schemeClr val="tx2">
+                    <a:lumMod val="60000"/>
+                    <a:lumOff val="40000"/>
+                  </a:schemeClr>
+                </a:solidFill>
+              </a:rPr>
+              <a:t>git</a:t>
+            </a:r>
+            <a:r>
+              <a:rPr lang="en-US" sz="1600" dirty="0" smtClean="0">
+                <a:solidFill>
+                  <a:schemeClr val="tx2">
+                    <a:lumMod val="60000"/>
+                    <a:lumOff val="40000"/>
+                  </a:schemeClr>
+                </a:solidFill>
+              </a:rPr>
+              <a:t> </a:t>
+            </a:r>
+            <a:r>
+              <a:rPr lang="en-US" altLang="zh-CN" sz="1600" dirty="0" smtClean="0">
+                <a:solidFill>
+                  <a:schemeClr val="tx2">
+                    <a:lumMod val="60000"/>
+                    <a:lumOff val="40000"/>
+                  </a:schemeClr>
+                </a:solidFill>
+              </a:rPr>
+              <a:t>--</a:t>
+            </a:r>
+            <a:r>
+              <a:rPr lang="en-US" sz="1600" dirty="0" smtClean="0">
+                <a:solidFill>
+                  <a:schemeClr val="tx2">
+                    <a:lumMod val="60000"/>
+                    <a:lumOff val="40000"/>
+                  </a:schemeClr>
+                </a:solidFill>
+              </a:rPr>
+              <a:t>version</a:t>
+            </a:r>
+          </a:p>
+          <a:p>
+            <a:pPr marL="514350" indent="-514350">
+              <a:buNone/>
+            </a:pPr>
+            <a:endParaRPr lang="zh-CN" altLang="en-US" sz="1400" dirty="0"/>
+          </a:p>
+        </p:txBody>
+      </p:sp>
+      <p:pic>
+        <p:nvPicPr>
+          <p:cNvPr id="21506" name="Picture 2"/>
+          <p:cNvPicPr>
+            <a:picLocks noChangeAspect="1" noChangeArrowheads="1"/>
+          </p:cNvPicPr>
+          <p:nvPr/>
+        </p:nvPicPr>
+        <p:blipFill>
+          <a:blip r:embed="rId2"/>
+          <a:srcRect/>
+          <a:stretch>
+            <a:fillRect/>
+          </a:stretch>
+        </p:blipFill>
+        <p:spPr bwMode="auto">
+          <a:xfrm>
+            <a:off x="5072066" y="2285992"/>
+            <a:ext cx="3543300" cy="1981200"/>
+          </a:xfrm>
+          <a:prstGeom prst="rect">
+            <a:avLst/>
+          </a:prstGeom>
+          <a:noFill/>
+          <a:ln w="9525">
+            <a:noFill/>
+            <a:miter lim="800000"/>
+            <a:headEnd/>
+            <a:tailEnd/>
+          </a:ln>
+          <a:effectLst/>
+        </p:spPr>
+      </p:pic>
+      <p:pic>
+        <p:nvPicPr>
+          <p:cNvPr id="21507" name="Picture 3"/>
+          <p:cNvPicPr>
+            <a:picLocks noChangeAspect="1" noChangeArrowheads="1"/>
+          </p:cNvPicPr>
+          <p:nvPr/>
+        </p:nvPicPr>
+        <p:blipFill>
+          <a:blip r:embed="rId3"/>
+          <a:srcRect/>
+          <a:stretch>
+            <a:fillRect/>
+          </a:stretch>
+        </p:blipFill>
+        <p:spPr bwMode="auto">
+          <a:xfrm>
+            <a:off x="5072066" y="5286388"/>
+            <a:ext cx="2838450" cy="628650"/>
+          </a:xfrm>
+          <a:prstGeom prst="rect">
+            <a:avLst/>
+          </a:prstGeom>
+          <a:noFill/>
+          <a:ln w="9525">
+            <a:noFill/>
+            <a:miter lim="800000"/>
+            <a:headEnd/>
+            <a:tailEnd/>
+          </a:ln>
+          <a:effectLst/>
+        </p:spPr>
+      </p:pic>
+      <p:sp>
+        <p:nvSpPr>
+          <p:cNvPr id="6" name="TextBox 5"/>
+          <p:cNvSpPr txBox="1"/>
+          <p:nvPr/>
+        </p:nvSpPr>
+        <p:spPr>
+          <a:xfrm>
+            <a:off x="500034" y="6286520"/>
+            <a:ext cx="7215238" cy="307777"/>
+          </a:xfrm>
+          <a:prstGeom prst="rect">
+            <a:avLst/>
+          </a:prstGeom>
+          <a:noFill/>
+        </p:spPr>
+        <p:txBody>
+          <a:bodyPr wrap="square" rtlCol="0">
+            <a:spAutoFit/>
+          </a:bodyPr>
+          <a:lstStyle/>
+          <a:p>
+            <a:r>
+              <a:rPr lang="zh-CN" altLang="en-US" sz="1400" dirty="0" smtClean="0"/>
+              <a:t>注：搭建服务器参考：</a:t>
+            </a:r>
+            <a:r>
+              <a:rPr lang="en-US" altLang="zh-CN" sz="1400" dirty="0" smtClean="0"/>
+              <a:t>https</a:t>
+            </a:r>
+            <a:r>
+              <a:rPr lang="en-US" altLang="zh-CN" sz="1400" dirty="0" smtClean="0"/>
+              <a:t>://www.cnblogs.com/dee0912/p/5815267.html#_label5</a:t>
+            </a:r>
+            <a:endParaRPr lang="zh-CN" altLang="en-US" sz="1400" dirty="0"/>
           </a:p>
         </p:txBody>
       </p:sp>
@@ -18618,34 +19212,1032 @@
           <a:p>
             <a:r>
               <a:rPr lang="zh-CN" altLang="en-US" dirty="0" smtClean="0"/>
-              <a:t>问题汇总</a:t>
+              <a:t>搭建</a:t>
+            </a:r>
+            <a:r>
+              <a:rPr lang="en-US" dirty="0" err="1" smtClean="0"/>
+              <a:t>Git</a:t>
+            </a:r>
+            <a:r>
+              <a:rPr lang="zh-CN" altLang="en-US" dirty="0" smtClean="0"/>
+              <a:t>服务器</a:t>
             </a:r>
             <a:endParaRPr lang="zh-CN" altLang="en-US" dirty="0"/>
           </a:p>
         </p:txBody>
       </p:sp>
-      <p:graphicFrame>
-        <p:nvGraphicFramePr>
-          <p:cNvPr id="6" name="对象 5">
-            <a:hlinkClick r:id="rId3" action="ppaction://hlinkfile"/>
-          </p:cNvPr>
-          <p:cNvGraphicFramePr>
-            <a:graphicFrameLocks noChangeAspect="1"/>
-          </p:cNvGraphicFramePr>
+      <p:sp>
+        <p:nvSpPr>
+          <p:cNvPr id="3" name="内容占位符 2"/>
+          <p:cNvSpPr>
+            <a:spLocks noGrp="1"/>
+          </p:cNvSpPr>
+          <p:nvPr>
+            <p:ph idx="1"/>
+          </p:nvPr>
+        </p:nvSpPr>
+        <p:spPr>
+          <a:xfrm>
+            <a:off x="457200" y="1714488"/>
+            <a:ext cx="4186238" cy="4411675"/>
+          </a:xfrm>
+        </p:spPr>
+        <p:txBody>
+          <a:bodyPr>
+            <a:normAutofit/>
+          </a:bodyPr>
+          <a:lstStyle/>
+          <a:p>
+            <a:pPr marL="514350" indent="-514350">
+              <a:buFont typeface="Wingdings" pitchFamily="2" charset="2"/>
+              <a:buChar char="Ø"/>
+            </a:pPr>
+            <a:r>
+              <a:rPr lang="zh-CN" altLang="en-US" sz="2400" dirty="0" smtClean="0"/>
+              <a:t>创建用户来管理</a:t>
+            </a:r>
+            <a:r>
+              <a:rPr lang="en-US" altLang="zh-CN" sz="2400" dirty="0" err="1" smtClean="0"/>
+              <a:t>Git</a:t>
+            </a:r>
+            <a:r>
+              <a:rPr lang="zh-CN" altLang="en-US" sz="2400" dirty="0" smtClean="0"/>
+              <a:t>服务</a:t>
+            </a:r>
+            <a:endParaRPr lang="en-US" sz="2400" dirty="0" smtClean="0"/>
+          </a:p>
+          <a:p>
+            <a:pPr marL="514350" indent="-514350">
+              <a:buFont typeface="+mj-lt"/>
+              <a:buAutoNum type="arabicPeriod"/>
+            </a:pPr>
+            <a:r>
+              <a:rPr lang="zh-CN" altLang="en-US" sz="1700" dirty="0" smtClean="0"/>
+              <a:t>使用</a:t>
+            </a:r>
+            <a:r>
+              <a:rPr lang="en-US" altLang="zh-CN" sz="1700" dirty="0" smtClean="0">
+                <a:solidFill>
+                  <a:schemeClr val="tx2">
+                    <a:lumMod val="60000"/>
+                    <a:lumOff val="40000"/>
+                  </a:schemeClr>
+                </a:solidFill>
+              </a:rPr>
+              <a:t>id </a:t>
+            </a:r>
+            <a:r>
+              <a:rPr lang="zh-CN" altLang="en-US" sz="1700" dirty="0" smtClean="0">
+                <a:solidFill>
+                  <a:schemeClr val="tx2">
+                    <a:lumMod val="60000"/>
+                    <a:lumOff val="40000"/>
+                  </a:schemeClr>
+                </a:solidFill>
+              </a:rPr>
+              <a:t>用户名</a:t>
+            </a:r>
+            <a:r>
+              <a:rPr lang="zh-CN" altLang="en-US" sz="1700" dirty="0" smtClean="0"/>
+              <a:t>（如：</a:t>
+            </a:r>
+            <a:r>
+              <a:rPr lang="en-US" altLang="zh-CN" sz="1700" dirty="0" smtClean="0"/>
+              <a:t>id </a:t>
+            </a:r>
+            <a:r>
+              <a:rPr lang="en-US" altLang="zh-CN" sz="1700" dirty="0" err="1" smtClean="0"/>
+              <a:t>gitadmin</a:t>
+            </a:r>
+            <a:r>
+              <a:rPr lang="zh-CN" altLang="en-US" sz="1700" dirty="0" smtClean="0"/>
+              <a:t>）查看</a:t>
+            </a:r>
+            <a:r>
+              <a:rPr lang="en-US" altLang="zh-CN" sz="1700" dirty="0" smtClean="0"/>
+              <a:t>Linux</a:t>
+            </a:r>
+            <a:r>
+              <a:rPr lang="zh-CN" altLang="en-US" sz="1700" dirty="0" smtClean="0"/>
+              <a:t>系统中是否已存在相应用户；</a:t>
+            </a:r>
+            <a:endParaRPr lang="en-US" altLang="zh-CN" sz="1700" dirty="0" smtClean="0"/>
+          </a:p>
+          <a:p>
+            <a:pPr marL="514350" indent="-514350">
+              <a:buFont typeface="+mj-lt"/>
+              <a:buAutoNum type="arabicPeriod"/>
+            </a:pPr>
+            <a:endParaRPr lang="en-US" altLang="zh-CN" sz="1700" dirty="0" smtClean="0"/>
+          </a:p>
+          <a:p>
+            <a:pPr marL="514350" indent="-514350">
+              <a:buFont typeface="+mj-lt"/>
+              <a:buAutoNum type="arabicPeriod"/>
+            </a:pPr>
+            <a:r>
+              <a:rPr lang="zh-CN" altLang="en-US" sz="1700" dirty="0" smtClean="0"/>
+              <a:t>没有则使用</a:t>
+            </a:r>
+            <a:r>
+              <a:rPr lang="en-US" altLang="zh-CN" sz="1700" dirty="0" err="1" smtClean="0">
+                <a:solidFill>
+                  <a:schemeClr val="tx2">
+                    <a:lumMod val="60000"/>
+                    <a:lumOff val="40000"/>
+                  </a:schemeClr>
+                </a:solidFill>
+              </a:rPr>
+              <a:t>useradd</a:t>
+            </a:r>
+            <a:r>
+              <a:rPr lang="en-US" altLang="zh-CN" sz="1700" dirty="0" smtClean="0">
+                <a:solidFill>
+                  <a:schemeClr val="tx2">
+                    <a:lumMod val="60000"/>
+                    <a:lumOff val="40000"/>
+                  </a:schemeClr>
+                </a:solidFill>
+              </a:rPr>
+              <a:t> </a:t>
+            </a:r>
+            <a:r>
+              <a:rPr lang="zh-CN" altLang="en-US" sz="1700" dirty="0" smtClean="0">
+                <a:solidFill>
+                  <a:schemeClr val="tx2">
+                    <a:lumMod val="60000"/>
+                    <a:lumOff val="40000"/>
+                  </a:schemeClr>
+                </a:solidFill>
+              </a:rPr>
+              <a:t>用户名</a:t>
+            </a:r>
+            <a:r>
+              <a:rPr lang="zh-CN" altLang="en-US" sz="1700" dirty="0" smtClean="0"/>
+              <a:t>（如：</a:t>
+            </a:r>
+            <a:r>
+              <a:rPr lang="en-US" altLang="zh-CN" sz="1700" dirty="0" err="1" smtClean="0"/>
+              <a:t>useradd</a:t>
+            </a:r>
+            <a:r>
+              <a:rPr lang="en-US" altLang="zh-CN" sz="1700" dirty="0" smtClean="0"/>
+              <a:t> </a:t>
+            </a:r>
+            <a:r>
+              <a:rPr lang="en-US" altLang="zh-CN" sz="1700" dirty="0" err="1" smtClean="0"/>
+              <a:t>gitadmin</a:t>
+            </a:r>
+            <a:r>
+              <a:rPr lang="zh-CN" altLang="en-US" sz="1700" dirty="0" smtClean="0"/>
+              <a:t>）添加新用户；</a:t>
+            </a:r>
+            <a:endParaRPr lang="en-US" altLang="zh-CN" sz="1700" dirty="0" smtClean="0"/>
+          </a:p>
+          <a:p>
+            <a:pPr marL="514350" indent="-514350">
+              <a:buFont typeface="+mj-lt"/>
+              <a:buAutoNum type="arabicPeriod"/>
+            </a:pPr>
+            <a:endParaRPr lang="en-US" altLang="zh-CN" sz="1700" dirty="0" smtClean="0"/>
+          </a:p>
+          <a:p>
+            <a:pPr marL="514350" indent="-514350">
+              <a:buFont typeface="+mj-lt"/>
+              <a:buAutoNum type="arabicPeriod"/>
+            </a:pPr>
+            <a:r>
+              <a:rPr lang="zh-CN" altLang="en-US" sz="1700" dirty="0" smtClean="0"/>
+              <a:t>使用</a:t>
+            </a:r>
+            <a:r>
+              <a:rPr lang="en-US" altLang="zh-CN" sz="1700" dirty="0" err="1" smtClean="0">
+                <a:solidFill>
+                  <a:schemeClr val="tx2">
+                    <a:lumMod val="60000"/>
+                    <a:lumOff val="40000"/>
+                  </a:schemeClr>
+                </a:solidFill>
+              </a:rPr>
+              <a:t>passwd</a:t>
+            </a:r>
+            <a:r>
+              <a:rPr lang="en-US" altLang="zh-CN" sz="1700" dirty="0" smtClean="0">
+                <a:solidFill>
+                  <a:schemeClr val="tx2">
+                    <a:lumMod val="60000"/>
+                    <a:lumOff val="40000"/>
+                  </a:schemeClr>
+                </a:solidFill>
+              </a:rPr>
+              <a:t> </a:t>
+            </a:r>
+            <a:r>
+              <a:rPr lang="zh-CN" altLang="en-US" sz="1700" dirty="0" smtClean="0">
+                <a:solidFill>
+                  <a:schemeClr val="tx2">
+                    <a:lumMod val="60000"/>
+                    <a:lumOff val="40000"/>
+                  </a:schemeClr>
+                </a:solidFill>
+              </a:rPr>
+              <a:t>用户名</a:t>
+            </a:r>
+            <a:r>
+              <a:rPr lang="zh-CN" altLang="en-US" sz="1700" dirty="0" smtClean="0"/>
+              <a:t>（如：</a:t>
+            </a:r>
+            <a:r>
+              <a:rPr lang="en-US" altLang="zh-CN" sz="1700" dirty="0" err="1" smtClean="0"/>
+              <a:t>passwd</a:t>
+            </a:r>
+            <a:r>
+              <a:rPr lang="en-US" altLang="zh-CN" sz="1700" dirty="0" smtClean="0"/>
+              <a:t> </a:t>
+            </a:r>
+            <a:r>
+              <a:rPr lang="en-US" altLang="zh-CN" sz="1700" dirty="0" err="1" smtClean="0"/>
+              <a:t>gitadmin</a:t>
+            </a:r>
+            <a:r>
+              <a:rPr lang="zh-CN" altLang="en-US" sz="1700" dirty="0" smtClean="0"/>
+              <a:t>）给该用户添加密码（输入密码后直接按回车键，输入过程中界面不显示输入的密码）。</a:t>
+            </a:r>
+            <a:endParaRPr lang="zh-CN" altLang="en-US" sz="1700" dirty="0"/>
+          </a:p>
+        </p:txBody>
+      </p:sp>
+      <p:pic>
+        <p:nvPicPr>
+          <p:cNvPr id="22531" name="Picture 3"/>
+          <p:cNvPicPr>
+            <a:picLocks noChangeAspect="1" noChangeArrowheads="1"/>
+          </p:cNvPicPr>
           <p:nvPr/>
-        </p:nvGraphicFramePr>
-        <p:xfrm>
-          <a:off x="1714480" y="2143116"/>
-          <a:ext cx="914400" cy="828675"/>
-        </p:xfrm>
-        <a:graphic>
-          <a:graphicData uri="http://schemas.openxmlformats.org/presentationml/2006/ole">
-            <p:oleObj spid="_x0000_s8197" name="文档" showAsIcon="1" r:id="rId4" imgW="914400" imgH="828720" progId="Word.Document.12">
-              <p:link updateAutomatic="1"/>
-            </p:oleObj>
-          </a:graphicData>
-        </a:graphic>
-      </p:graphicFrame>
+        </p:nvPicPr>
+        <p:blipFill>
+          <a:blip r:embed="rId2"/>
+          <a:srcRect/>
+          <a:stretch>
+            <a:fillRect/>
+          </a:stretch>
+        </p:blipFill>
+        <p:spPr bwMode="auto">
+          <a:xfrm>
+            <a:off x="4786314" y="2285992"/>
+            <a:ext cx="4124325" cy="2162175"/>
+          </a:xfrm>
+          <a:prstGeom prst="rect">
+            <a:avLst/>
+          </a:prstGeom>
+          <a:noFill/>
+          <a:ln w="9525">
+            <a:noFill/>
+            <a:miter lim="800000"/>
+            <a:headEnd/>
+            <a:tailEnd/>
+          </a:ln>
+          <a:effectLst/>
+        </p:spPr>
+      </p:pic>
+    </p:spTree>
+  </p:cSld>
+  <p:clrMapOvr>
+    <a:masterClrMapping/>
+  </p:clrMapOvr>
+</p:sld>
+</file>
+
+<file path=ppt/slides/slide49.xml><?xml version="1.0" encoding="utf-8"?>
+<p:sld xmlns:a="http://schemas.openxmlformats.org/drawingml/2006/main" xmlns:r="http://schemas.openxmlformats.org/officeDocument/2006/relationships" xmlns:p="http://schemas.openxmlformats.org/presentationml/2006/main">
+  <p:cSld>
+    <p:spTree>
+      <p:nvGrpSpPr>
+        <p:cNvPr id="1" name=""/>
+        <p:cNvGrpSpPr/>
+        <p:nvPr/>
+      </p:nvGrpSpPr>
+      <p:grpSpPr>
+        <a:xfrm>
+          <a:off x="0" y="0"/>
+          <a:ext cx="0" cy="0"/>
+          <a:chOff x="0" y="0"/>
+          <a:chExt cx="0" cy="0"/>
+        </a:xfrm>
+      </p:grpSpPr>
+      <p:sp>
+        <p:nvSpPr>
+          <p:cNvPr id="2" name="标题 1"/>
+          <p:cNvSpPr>
+            <a:spLocks noGrp="1"/>
+          </p:cNvSpPr>
+          <p:nvPr>
+            <p:ph type="title"/>
+          </p:nvPr>
+        </p:nvSpPr>
+        <p:spPr/>
+        <p:txBody>
+          <a:bodyPr/>
+          <a:lstStyle/>
+          <a:p>
+            <a:r>
+              <a:rPr lang="zh-CN" altLang="en-US" dirty="0" smtClean="0"/>
+              <a:t>搭建</a:t>
+            </a:r>
+            <a:r>
+              <a:rPr lang="en-US" dirty="0" err="1" smtClean="0"/>
+              <a:t>Git</a:t>
+            </a:r>
+            <a:r>
+              <a:rPr lang="zh-CN" altLang="en-US" dirty="0" smtClean="0"/>
+              <a:t>服务器</a:t>
+            </a:r>
+            <a:endParaRPr lang="zh-CN" altLang="en-US" dirty="0"/>
+          </a:p>
+        </p:txBody>
+      </p:sp>
+      <p:sp>
+        <p:nvSpPr>
+          <p:cNvPr id="3" name="内容占位符 2"/>
+          <p:cNvSpPr>
+            <a:spLocks noGrp="1"/>
+          </p:cNvSpPr>
+          <p:nvPr>
+            <p:ph idx="1"/>
+          </p:nvPr>
+        </p:nvSpPr>
+        <p:spPr>
+          <a:xfrm>
+            <a:off x="457200" y="1285861"/>
+            <a:ext cx="8258204" cy="5000659"/>
+          </a:xfrm>
+        </p:spPr>
+        <p:txBody>
+          <a:bodyPr>
+            <a:normAutofit/>
+          </a:bodyPr>
+          <a:lstStyle/>
+          <a:p>
+            <a:pPr>
+              <a:buFont typeface="Wingdings" pitchFamily="2" charset="2"/>
+              <a:buChar char="Ø"/>
+            </a:pPr>
+            <a:r>
+              <a:rPr lang="zh-CN" altLang="en-US" sz="2400" dirty="0" smtClean="0"/>
+              <a:t>服务端创建</a:t>
+            </a:r>
+            <a:r>
+              <a:rPr lang="en-US" altLang="zh-CN" sz="2400" dirty="0" err="1" smtClean="0"/>
+              <a:t>Git</a:t>
+            </a:r>
+            <a:r>
+              <a:rPr lang="zh-CN" altLang="en-US" sz="2400" dirty="0" smtClean="0"/>
+              <a:t>仓库</a:t>
+            </a:r>
+            <a:endParaRPr lang="en-US" altLang="zh-CN" sz="2400" dirty="0" smtClean="0"/>
+          </a:p>
+          <a:p>
+            <a:pPr marL="514350" indent="-514350">
+              <a:buFont typeface="+mj-lt"/>
+              <a:buAutoNum type="arabicPeriod"/>
+            </a:pPr>
+            <a:r>
+              <a:rPr lang="zh-CN" altLang="en-US" sz="1400" dirty="0" smtClean="0"/>
+              <a:t>创建</a:t>
+            </a:r>
+            <a:r>
+              <a:rPr lang="en-US" altLang="zh-CN" sz="1400" dirty="0" err="1" smtClean="0"/>
+              <a:t>Git</a:t>
+            </a:r>
+            <a:r>
+              <a:rPr lang="zh-CN" altLang="en-US" sz="1400" dirty="0" smtClean="0"/>
+              <a:t>仓库文件夹</a:t>
+            </a:r>
+            <a:endParaRPr lang="en-US" altLang="zh-CN" sz="1400" dirty="0" smtClean="0"/>
+          </a:p>
+          <a:p>
+            <a:pPr marL="514350" indent="-514350">
+              <a:buNone/>
+            </a:pPr>
+            <a:r>
+              <a:rPr lang="en-US" altLang="zh-CN" sz="1400" dirty="0" smtClean="0"/>
+              <a:t>	</a:t>
+            </a:r>
+            <a:r>
+              <a:rPr lang="en-US" altLang="zh-CN" sz="1400" dirty="0" err="1" smtClean="0">
+                <a:solidFill>
+                  <a:schemeClr val="tx2">
+                    <a:lumMod val="60000"/>
+                    <a:lumOff val="40000"/>
+                  </a:schemeClr>
+                </a:solidFill>
+              </a:rPr>
+              <a:t>mkdir</a:t>
+            </a:r>
+            <a:r>
+              <a:rPr lang="en-US" altLang="zh-CN" sz="1400" dirty="0" smtClean="0">
+                <a:solidFill>
+                  <a:schemeClr val="tx2">
+                    <a:lumMod val="60000"/>
+                    <a:lumOff val="40000"/>
+                  </a:schemeClr>
+                </a:solidFill>
+              </a:rPr>
+              <a:t> -p </a:t>
+            </a:r>
+            <a:r>
+              <a:rPr lang="zh-CN" altLang="en-US" sz="1400" dirty="0" smtClean="0">
+                <a:solidFill>
+                  <a:schemeClr val="tx2">
+                    <a:lumMod val="60000"/>
+                    <a:lumOff val="40000"/>
+                  </a:schemeClr>
+                </a:solidFill>
+              </a:rPr>
+              <a:t>路径</a:t>
+            </a:r>
+            <a:r>
+              <a:rPr lang="en-US" altLang="zh-CN" sz="1400" dirty="0" smtClean="0">
+                <a:solidFill>
+                  <a:schemeClr val="tx2">
+                    <a:lumMod val="60000"/>
+                    <a:lumOff val="40000"/>
+                  </a:schemeClr>
+                </a:solidFill>
+              </a:rPr>
+              <a:t>/</a:t>
+            </a:r>
+            <a:r>
+              <a:rPr lang="zh-CN" altLang="en-US" sz="1400" dirty="0" smtClean="0">
+                <a:solidFill>
+                  <a:schemeClr val="tx2">
+                    <a:lumMod val="60000"/>
+                    <a:lumOff val="40000"/>
+                  </a:schemeClr>
+                </a:solidFill>
+              </a:rPr>
+              <a:t>文件夹名</a:t>
+            </a:r>
+            <a:r>
+              <a:rPr lang="zh-CN" altLang="en-US" sz="1400" dirty="0" smtClean="0"/>
+              <a:t>（如：</a:t>
+            </a:r>
+            <a:r>
+              <a:rPr lang="en-US" altLang="zh-CN" sz="1400" dirty="0" err="1" smtClean="0"/>
+              <a:t>mkdir</a:t>
+            </a:r>
+            <a:r>
+              <a:rPr lang="en-US" altLang="zh-CN" sz="1400" dirty="0" smtClean="0"/>
+              <a:t> -p /home/</a:t>
+            </a:r>
+            <a:r>
+              <a:rPr lang="en-US" altLang="zh-CN" sz="1400" dirty="0" err="1" smtClean="0"/>
+              <a:t>gitrepo</a:t>
+            </a:r>
+            <a:r>
+              <a:rPr lang="en-US" altLang="zh-CN" sz="1400" dirty="0" smtClean="0"/>
+              <a:t>/learngit.git</a:t>
+            </a:r>
+            <a:r>
+              <a:rPr lang="zh-CN" altLang="en-US" sz="1400" dirty="0" smtClean="0"/>
+              <a:t>）</a:t>
+            </a:r>
+            <a:endParaRPr lang="en-US" altLang="zh-CN" sz="1400" dirty="0" smtClean="0"/>
+          </a:p>
+          <a:p>
+            <a:pPr marL="514350" indent="-514350">
+              <a:buNone/>
+            </a:pPr>
+            <a:r>
+              <a:rPr lang="en-US" altLang="zh-CN" sz="1400" dirty="0" smtClean="0"/>
+              <a:t>	</a:t>
+            </a:r>
+            <a:r>
+              <a:rPr lang="zh-CN" altLang="en-US" sz="1400" dirty="0" smtClean="0"/>
+              <a:t>（</a:t>
+            </a:r>
+            <a:r>
+              <a:rPr lang="en-US" altLang="zh-CN" sz="1400" dirty="0" smtClean="0"/>
+              <a:t>-p</a:t>
+            </a:r>
+            <a:r>
+              <a:rPr lang="zh-CN" altLang="en-US" sz="1400" dirty="0" smtClean="0"/>
+              <a:t>作用：若路径中的某些目录尚不存在，加上此选项后，系统将自动建立好那些尚不存在的目录，即一次可以建立多个目录）</a:t>
+            </a:r>
+            <a:endParaRPr lang="en-US" altLang="zh-CN" sz="1400" dirty="0" smtClean="0"/>
+          </a:p>
+          <a:p>
+            <a:pPr marL="514350" indent="-514350">
+              <a:buFont typeface="+mj-lt"/>
+              <a:buAutoNum type="arabicPeriod" startAt="2"/>
+            </a:pPr>
+            <a:r>
+              <a:rPr lang="zh-CN" altLang="en-US" sz="1400" dirty="0" smtClean="0"/>
+              <a:t>将创建的文件夹变为</a:t>
+            </a:r>
+            <a:r>
+              <a:rPr lang="en-US" altLang="zh-CN" sz="1400" dirty="0" err="1" smtClean="0"/>
+              <a:t>Git</a:t>
+            </a:r>
+            <a:r>
+              <a:rPr lang="zh-CN" altLang="en-US" sz="1400" dirty="0" smtClean="0"/>
+              <a:t>仓库</a:t>
+            </a:r>
+            <a:endParaRPr lang="en-US" altLang="zh-CN" sz="1400" dirty="0" smtClean="0"/>
+          </a:p>
+          <a:p>
+            <a:pPr marL="514350" indent="-514350">
+              <a:buNone/>
+            </a:pPr>
+            <a:r>
+              <a:rPr lang="en-US" altLang="zh-CN" sz="1400" dirty="0" smtClean="0"/>
+              <a:t>	</a:t>
+            </a:r>
+            <a:r>
+              <a:rPr lang="en-US" altLang="zh-CN" sz="1400" dirty="0" smtClean="0">
+                <a:solidFill>
+                  <a:schemeClr val="tx2">
+                    <a:lumMod val="60000"/>
+                    <a:lumOff val="40000"/>
+                  </a:schemeClr>
+                </a:solidFill>
+              </a:rPr>
+              <a:t> </a:t>
+            </a:r>
+            <a:r>
+              <a:rPr lang="en-US" altLang="zh-CN" sz="1400" dirty="0" err="1" smtClean="0">
+                <a:solidFill>
+                  <a:schemeClr val="tx2">
+                    <a:lumMod val="60000"/>
+                    <a:lumOff val="40000"/>
+                  </a:schemeClr>
+                </a:solidFill>
+              </a:rPr>
+              <a:t>git</a:t>
+            </a:r>
+            <a:r>
+              <a:rPr lang="en-US" altLang="zh-CN" sz="1400" dirty="0" smtClean="0">
+                <a:solidFill>
+                  <a:schemeClr val="tx2">
+                    <a:lumMod val="60000"/>
+                    <a:lumOff val="40000"/>
+                  </a:schemeClr>
+                </a:solidFill>
+              </a:rPr>
+              <a:t> init --bare </a:t>
+            </a:r>
+            <a:r>
+              <a:rPr lang="en-US" altLang="zh-CN" sz="1400" dirty="0" err="1" smtClean="0">
+                <a:solidFill>
+                  <a:schemeClr val="tx2">
+                    <a:lumMod val="60000"/>
+                    <a:lumOff val="40000"/>
+                  </a:schemeClr>
+                </a:solidFill>
+              </a:rPr>
+              <a:t>Git</a:t>
+            </a:r>
+            <a:r>
+              <a:rPr lang="zh-CN" altLang="en-US" sz="1400" dirty="0" smtClean="0">
+                <a:solidFill>
+                  <a:schemeClr val="tx2">
+                    <a:lumMod val="60000"/>
+                    <a:lumOff val="40000"/>
+                  </a:schemeClr>
+                </a:solidFill>
+              </a:rPr>
+              <a:t>仓库文件夹</a:t>
+            </a:r>
+            <a:r>
+              <a:rPr lang="zh-CN" altLang="en-US" sz="1400" dirty="0" smtClean="0"/>
+              <a:t>（如：</a:t>
+            </a:r>
+            <a:r>
+              <a:rPr lang="en-US" altLang="zh-CN" sz="1400" dirty="0" smtClean="0"/>
+              <a:t> </a:t>
+            </a:r>
+            <a:r>
+              <a:rPr lang="en-US" altLang="zh-CN" sz="1400" dirty="0" err="1" smtClean="0"/>
+              <a:t>git</a:t>
+            </a:r>
+            <a:r>
+              <a:rPr lang="en-US" altLang="zh-CN" sz="1400" dirty="0" smtClean="0"/>
+              <a:t> init --bare /home/</a:t>
+            </a:r>
+            <a:r>
+              <a:rPr lang="en-US" altLang="zh-CN" sz="1400" dirty="0" err="1" smtClean="0"/>
+              <a:t>gitrepo</a:t>
+            </a:r>
+            <a:r>
+              <a:rPr lang="en-US" altLang="zh-CN" sz="1400" dirty="0" smtClean="0"/>
+              <a:t>/learngit.git </a:t>
+            </a:r>
+            <a:r>
+              <a:rPr lang="zh-CN" altLang="en-US" sz="1400" dirty="0" smtClean="0"/>
+              <a:t>）</a:t>
+            </a:r>
+            <a:endParaRPr lang="en-US" altLang="zh-CN" sz="1400" dirty="0" smtClean="0"/>
+          </a:p>
+          <a:p>
+            <a:pPr marL="514350" indent="-514350">
+              <a:buNone/>
+            </a:pPr>
+            <a:r>
+              <a:rPr lang="en-US" altLang="zh-CN" sz="1400" dirty="0" smtClean="0"/>
+              <a:t>	</a:t>
+            </a:r>
+            <a:r>
+              <a:rPr lang="zh-CN" altLang="en-US" sz="1400" dirty="0" smtClean="0"/>
+              <a:t>（或分两步：</a:t>
+            </a:r>
+            <a:r>
+              <a:rPr lang="en-US" altLang="zh-CN" sz="1400" dirty="0" err="1" smtClean="0"/>
+              <a:t>cd</a:t>
+            </a:r>
+            <a:r>
+              <a:rPr lang="en-US" altLang="zh-CN" sz="1400" dirty="0" smtClean="0"/>
+              <a:t> /home/</a:t>
+            </a:r>
+            <a:r>
+              <a:rPr lang="en-US" altLang="zh-CN" sz="1400" dirty="0" err="1" smtClean="0"/>
+              <a:t>gitrepo</a:t>
+            </a:r>
+            <a:r>
+              <a:rPr lang="en-US" altLang="zh-CN" sz="1400" dirty="0" smtClean="0"/>
+              <a:t>/learngit.git	</a:t>
+            </a:r>
+            <a:r>
+              <a:rPr lang="en-US" altLang="zh-CN" sz="1400" dirty="0" err="1" smtClean="0"/>
+              <a:t>git</a:t>
+            </a:r>
+            <a:r>
+              <a:rPr lang="en-US" altLang="zh-CN" sz="1400" dirty="0" smtClean="0"/>
+              <a:t> init --bare .</a:t>
+            </a:r>
+            <a:r>
+              <a:rPr lang="zh-CN" altLang="en-US" sz="1400" dirty="0" smtClean="0"/>
+              <a:t>）</a:t>
+            </a:r>
+            <a:endParaRPr lang="en-US" altLang="zh-CN" sz="1400" dirty="0" smtClean="0"/>
+          </a:p>
+          <a:p>
+            <a:pPr marL="514350" indent="-514350">
+              <a:buNone/>
+            </a:pPr>
+            <a:r>
+              <a:rPr lang="en-US" altLang="zh-CN" sz="1400" dirty="0" smtClean="0">
+                <a:solidFill>
+                  <a:schemeClr val="tx2">
+                    <a:lumMod val="60000"/>
+                    <a:lumOff val="40000"/>
+                  </a:schemeClr>
+                </a:solidFill>
+              </a:rPr>
+              <a:t>	</a:t>
+            </a:r>
+            <a:r>
+              <a:rPr lang="zh-CN" altLang="en-US" sz="1400" dirty="0" smtClean="0"/>
+              <a:t>（</a:t>
+            </a:r>
+            <a:r>
+              <a:rPr lang="en-US" altLang="zh-CN" sz="1400" dirty="0" smtClean="0"/>
+              <a:t> --bare</a:t>
+            </a:r>
+            <a:r>
+              <a:rPr lang="zh-CN" altLang="en-US" sz="1400" dirty="0" smtClean="0"/>
+              <a:t>作用： 创建一个“裸库”，在该库中没有类似于本地库那样的文件结构可供直接进行浏览和修改，即没有类似本地库的工作区。一般作为远端备份或公共版本库时，应该使用</a:t>
+            </a:r>
+            <a:r>
+              <a:rPr lang="en-US" altLang="zh-CN" sz="1400" dirty="0" err="1" smtClean="0"/>
+              <a:t>git</a:t>
+            </a:r>
+            <a:r>
+              <a:rPr lang="en-US" altLang="zh-CN" sz="1400" dirty="0" smtClean="0"/>
+              <a:t> init --bare </a:t>
+            </a:r>
+            <a:r>
+              <a:rPr lang="zh-CN" altLang="en-US" sz="1400" dirty="0" smtClean="0"/>
+              <a:t>）</a:t>
+            </a:r>
+            <a:endParaRPr lang="en-US" altLang="zh-CN" sz="1400" dirty="0" smtClean="0"/>
+          </a:p>
+          <a:p>
+            <a:pPr marL="514350" indent="-514350">
+              <a:buNone/>
+            </a:pPr>
+            <a:endParaRPr lang="en-US" altLang="zh-CN" sz="1400" dirty="0" smtClean="0"/>
+          </a:p>
+          <a:p>
+            <a:pPr marL="514350" indent="-514350">
+              <a:buNone/>
+            </a:pPr>
+            <a:endParaRPr lang="en-US" altLang="zh-CN" sz="1400" dirty="0" smtClean="0"/>
+          </a:p>
+          <a:p>
+            <a:pPr marL="514350" indent="-514350">
+              <a:buNone/>
+            </a:pPr>
+            <a:endParaRPr lang="en-US" altLang="zh-CN" sz="1400" dirty="0" smtClean="0"/>
+          </a:p>
+          <a:p>
+            <a:pPr marL="514350" indent="-514350">
+              <a:buFont typeface="+mj-lt"/>
+              <a:buAutoNum type="arabicPeriod" startAt="3"/>
+            </a:pPr>
+            <a:r>
+              <a:rPr lang="zh-CN" altLang="en-US" sz="1400" dirty="0" smtClean="0"/>
+              <a:t>把 </a:t>
+            </a:r>
+            <a:r>
+              <a:rPr lang="en-US" sz="1400" dirty="0" err="1" smtClean="0"/>
+              <a:t>Git</a:t>
+            </a:r>
+            <a:r>
+              <a:rPr lang="en-US" sz="1400" dirty="0" smtClean="0"/>
+              <a:t> </a:t>
+            </a:r>
+            <a:r>
+              <a:rPr lang="zh-CN" altLang="en-US" sz="1400" dirty="0" smtClean="0"/>
+              <a:t>仓库的拥有者修改为 </a:t>
+            </a:r>
+            <a:r>
+              <a:rPr lang="en-US" sz="1400" dirty="0" err="1" smtClean="0"/>
+              <a:t>gitadmin</a:t>
+            </a:r>
+            <a:endParaRPr lang="en-US" sz="1400" dirty="0" smtClean="0"/>
+          </a:p>
+          <a:p>
+            <a:pPr marL="514350" indent="-514350">
+              <a:buFont typeface="+mj-lt"/>
+              <a:buAutoNum type="alphaLcParenR"/>
+            </a:pPr>
+            <a:r>
+              <a:rPr lang="zh-CN" altLang="en-US" sz="1400" dirty="0" smtClean="0"/>
+              <a:t>进入到</a:t>
+            </a:r>
+            <a:r>
+              <a:rPr lang="en-US" altLang="zh-CN" sz="1400" dirty="0" err="1" smtClean="0"/>
+              <a:t>Git</a:t>
+            </a:r>
+            <a:r>
+              <a:rPr lang="zh-CN" altLang="en-US" sz="1400" dirty="0" smtClean="0"/>
+              <a:t>仓库所在目录：</a:t>
+            </a:r>
+            <a:r>
+              <a:rPr lang="en-US" altLang="zh-CN" sz="1400" dirty="0" err="1" smtClean="0">
+                <a:solidFill>
+                  <a:schemeClr val="tx2">
+                    <a:lumMod val="60000"/>
+                    <a:lumOff val="40000"/>
+                  </a:schemeClr>
+                </a:solidFill>
+              </a:rPr>
+              <a:t>cd</a:t>
+            </a:r>
+            <a:r>
+              <a:rPr lang="en-US" altLang="zh-CN" sz="1400" dirty="0" smtClean="0">
+                <a:solidFill>
+                  <a:schemeClr val="tx2">
+                    <a:lumMod val="60000"/>
+                    <a:lumOff val="40000"/>
+                  </a:schemeClr>
+                </a:solidFill>
+              </a:rPr>
+              <a:t> /home/</a:t>
+            </a:r>
+            <a:r>
+              <a:rPr lang="en-US" altLang="zh-CN" sz="1400" dirty="0" err="1" smtClean="0">
+                <a:solidFill>
+                  <a:schemeClr val="tx2">
+                    <a:lumMod val="60000"/>
+                    <a:lumOff val="40000"/>
+                  </a:schemeClr>
+                </a:solidFill>
+              </a:rPr>
+              <a:t>gitrepo</a:t>
+            </a:r>
+            <a:endParaRPr lang="en-US" altLang="zh-CN" sz="1400" dirty="0" smtClean="0">
+              <a:solidFill>
+                <a:schemeClr val="tx2">
+                  <a:lumMod val="60000"/>
+                  <a:lumOff val="40000"/>
+                </a:schemeClr>
+              </a:solidFill>
+            </a:endParaRPr>
+          </a:p>
+          <a:p>
+            <a:pPr marL="514350" indent="-514350">
+              <a:buFont typeface="+mj-lt"/>
+              <a:buAutoNum type="alphaLcParenR"/>
+            </a:pPr>
+            <a:r>
+              <a:rPr lang="zh-CN" altLang="en-US" sz="1400" dirty="0" smtClean="0"/>
+              <a:t>改变文件的拥有者和组：</a:t>
+            </a:r>
+            <a:r>
+              <a:rPr lang="en-US" sz="1400" dirty="0" smtClean="0"/>
+              <a:t> </a:t>
+            </a:r>
+            <a:r>
+              <a:rPr lang="en-US" sz="1400" dirty="0" err="1" smtClean="0">
+                <a:solidFill>
+                  <a:schemeClr val="tx2">
+                    <a:lumMod val="60000"/>
+                    <a:lumOff val="40000"/>
+                  </a:schemeClr>
+                </a:solidFill>
+              </a:rPr>
+              <a:t>chown</a:t>
+            </a:r>
+            <a:r>
+              <a:rPr lang="en-US" sz="1400" dirty="0" smtClean="0">
+                <a:solidFill>
+                  <a:schemeClr val="tx2">
+                    <a:lumMod val="60000"/>
+                    <a:lumOff val="40000"/>
+                  </a:schemeClr>
+                </a:solidFill>
+              </a:rPr>
+              <a:t> -R </a:t>
+            </a:r>
+            <a:r>
+              <a:rPr lang="en-US" sz="1400" dirty="0" err="1" smtClean="0">
+                <a:solidFill>
+                  <a:schemeClr val="tx2">
+                    <a:lumMod val="60000"/>
+                    <a:lumOff val="40000"/>
+                  </a:schemeClr>
+                </a:solidFill>
+              </a:rPr>
+              <a:t>git</a:t>
+            </a:r>
+            <a:r>
+              <a:rPr lang="en-US" altLang="zh-CN" sz="1400" dirty="0" err="1" smtClean="0">
+                <a:solidFill>
+                  <a:schemeClr val="tx2">
+                    <a:lumMod val="60000"/>
+                    <a:lumOff val="40000"/>
+                  </a:schemeClr>
+                </a:solidFill>
+              </a:rPr>
+              <a:t>admin</a:t>
+            </a:r>
+            <a:r>
+              <a:rPr lang="en-US" sz="1400" dirty="0" err="1" smtClean="0">
+                <a:solidFill>
+                  <a:schemeClr val="tx2">
+                    <a:lumMod val="60000"/>
+                    <a:lumOff val="40000"/>
+                  </a:schemeClr>
+                </a:solidFill>
+              </a:rPr>
+              <a:t>:gitadmin</a:t>
+            </a:r>
+            <a:r>
+              <a:rPr lang="en-US" sz="1400" dirty="0" smtClean="0">
+                <a:solidFill>
+                  <a:schemeClr val="tx2">
+                    <a:lumMod val="60000"/>
+                    <a:lumOff val="40000"/>
+                  </a:schemeClr>
+                </a:solidFill>
+              </a:rPr>
+              <a:t> </a:t>
+            </a:r>
+            <a:r>
+              <a:rPr lang="en-US" altLang="zh-CN" sz="1400" dirty="0" smtClean="0">
+                <a:solidFill>
+                  <a:schemeClr val="tx2">
+                    <a:lumMod val="60000"/>
+                    <a:lumOff val="40000"/>
+                  </a:schemeClr>
+                </a:solidFill>
+              </a:rPr>
+              <a:t>learngit.git</a:t>
+            </a:r>
+            <a:r>
+              <a:rPr lang="en-US" sz="1400" dirty="0" smtClean="0">
+                <a:solidFill>
+                  <a:schemeClr val="tx2">
+                    <a:lumMod val="60000"/>
+                    <a:lumOff val="40000"/>
+                  </a:schemeClr>
+                </a:solidFill>
+              </a:rPr>
+              <a:t>/</a:t>
+            </a:r>
+          </a:p>
+          <a:p>
+            <a:pPr marL="514350" indent="-514350">
+              <a:buNone/>
+            </a:pPr>
+            <a:r>
+              <a:rPr lang="en-US" altLang="zh-CN" sz="1400" dirty="0" smtClean="0"/>
+              <a:t>	</a:t>
+            </a:r>
+            <a:r>
+              <a:rPr lang="zh-CN" altLang="en-US" sz="1400" dirty="0" smtClean="0"/>
+              <a:t>（命令格式：</a:t>
+            </a:r>
+            <a:r>
+              <a:rPr lang="en-US" altLang="zh-CN" sz="1400" dirty="0" err="1" smtClean="0"/>
+              <a:t>chown</a:t>
+            </a:r>
+            <a:r>
+              <a:rPr lang="en-US" altLang="zh-CN" sz="1400" dirty="0" smtClean="0"/>
+              <a:t>[</a:t>
+            </a:r>
+            <a:r>
+              <a:rPr lang="zh-CN" altLang="en-US" sz="1400" dirty="0" smtClean="0"/>
+              <a:t>选项</a:t>
+            </a:r>
+            <a:r>
+              <a:rPr lang="en-US" altLang="zh-CN" sz="1400" dirty="0" smtClean="0"/>
+              <a:t>]...[</a:t>
+            </a:r>
+            <a:r>
+              <a:rPr lang="zh-CN" altLang="en-US" sz="1400" dirty="0" smtClean="0"/>
+              <a:t>拥有者</a:t>
+            </a:r>
+            <a:r>
+              <a:rPr lang="en-US" altLang="zh-CN" sz="1400" dirty="0" smtClean="0"/>
+              <a:t>][:[</a:t>
+            </a:r>
+            <a:r>
+              <a:rPr lang="zh-CN" altLang="en-US" sz="1400" dirty="0" smtClean="0"/>
+              <a:t>组</a:t>
+            </a:r>
+            <a:r>
+              <a:rPr lang="en-US" altLang="zh-CN" sz="1400" dirty="0" smtClean="0"/>
+              <a:t>]]</a:t>
+            </a:r>
+            <a:r>
+              <a:rPr lang="zh-CN" altLang="en-US" sz="1400" dirty="0" smtClean="0"/>
+              <a:t>文件</a:t>
+            </a:r>
+            <a:r>
+              <a:rPr lang="en-US" altLang="zh-CN" sz="1400" dirty="0" smtClean="0"/>
+              <a:t>...-R</a:t>
+            </a:r>
+            <a:r>
+              <a:rPr lang="zh-CN" altLang="en-US" sz="1400" dirty="0" smtClean="0"/>
+              <a:t>表明处理指定目录以及其子目录下的所有文件；使用</a:t>
+            </a:r>
+            <a:r>
+              <a:rPr lang="en-US" altLang="zh-CN" sz="1400" dirty="0" err="1" smtClean="0"/>
+              <a:t>ls</a:t>
+            </a:r>
+            <a:r>
+              <a:rPr lang="en-US" altLang="zh-CN" sz="1400" dirty="0" smtClean="0"/>
+              <a:t> -l</a:t>
+            </a:r>
+            <a:r>
+              <a:rPr lang="zh-CN" altLang="en-US" sz="1400" dirty="0" smtClean="0"/>
+              <a:t>能查看路径下所有文件的拥有者情况）</a:t>
+            </a:r>
+            <a:endParaRPr lang="en-US" altLang="zh-CN" sz="1400" dirty="0" smtClean="0"/>
+          </a:p>
+          <a:p>
+            <a:pPr marL="514350" indent="-514350">
+              <a:buNone/>
+            </a:pPr>
+            <a:endParaRPr lang="en-US" altLang="zh-CN" sz="1600" dirty="0" smtClean="0"/>
+          </a:p>
+        </p:txBody>
+      </p:sp>
+      <p:pic>
+        <p:nvPicPr>
+          <p:cNvPr id="23554" name="Picture 2"/>
+          <p:cNvPicPr>
+            <a:picLocks noChangeAspect="1" noChangeArrowheads="1"/>
+          </p:cNvPicPr>
+          <p:nvPr/>
+        </p:nvPicPr>
+        <p:blipFill>
+          <a:blip r:embed="rId2"/>
+          <a:srcRect/>
+          <a:stretch>
+            <a:fillRect/>
+          </a:stretch>
+        </p:blipFill>
+        <p:spPr bwMode="auto">
+          <a:xfrm>
+            <a:off x="4643438" y="4000504"/>
+            <a:ext cx="3929090" cy="1354859"/>
+          </a:xfrm>
+          <a:prstGeom prst="rect">
+            <a:avLst/>
+          </a:prstGeom>
+          <a:noFill/>
+          <a:ln w="9525">
+            <a:noFill/>
+            <a:miter lim="800000"/>
+            <a:headEnd/>
+            <a:tailEnd/>
+          </a:ln>
+          <a:effectLst/>
+        </p:spPr>
+      </p:pic>
     </p:spTree>
   </p:cSld>
   <p:clrMapOvr>
@@ -19200,6 +20792,2928 @@
           <a:effectLst/>
         </p:spPr>
       </p:pic>
+    </p:spTree>
+  </p:cSld>
+  <p:clrMapOvr>
+    <a:masterClrMapping/>
+  </p:clrMapOvr>
+</p:sld>
+</file>
+
+<file path=ppt/slides/slide50.xml><?xml version="1.0" encoding="utf-8"?>
+<p:sld xmlns:a="http://schemas.openxmlformats.org/drawingml/2006/main" xmlns:r="http://schemas.openxmlformats.org/officeDocument/2006/relationships" xmlns:p="http://schemas.openxmlformats.org/presentationml/2006/main">
+  <p:cSld>
+    <p:spTree>
+      <p:nvGrpSpPr>
+        <p:cNvPr id="1" name=""/>
+        <p:cNvGrpSpPr/>
+        <p:nvPr/>
+      </p:nvGrpSpPr>
+      <p:grpSpPr>
+        <a:xfrm>
+          <a:off x="0" y="0"/>
+          <a:ext cx="0" cy="0"/>
+          <a:chOff x="0" y="0"/>
+          <a:chExt cx="0" cy="0"/>
+        </a:xfrm>
+      </p:grpSpPr>
+      <p:sp>
+        <p:nvSpPr>
+          <p:cNvPr id="3" name="内容占位符 2"/>
+          <p:cNvSpPr>
+            <a:spLocks noGrp="1"/>
+          </p:cNvSpPr>
+          <p:nvPr>
+            <p:ph idx="1"/>
+          </p:nvPr>
+        </p:nvSpPr>
+        <p:spPr>
+          <a:xfrm>
+            <a:off x="457200" y="571480"/>
+            <a:ext cx="8229600" cy="5857916"/>
+          </a:xfrm>
+        </p:spPr>
+        <p:txBody>
+          <a:bodyPr>
+            <a:normAutofit lnSpcReduction="10000"/>
+          </a:bodyPr>
+          <a:lstStyle/>
+          <a:p>
+            <a:pPr>
+              <a:buFont typeface="Wingdings" pitchFamily="2" charset="2"/>
+              <a:buChar char="Ø"/>
+            </a:pPr>
+            <a:r>
+              <a:rPr lang="zh-CN" altLang="en-US" sz="2400" dirty="0" smtClean="0"/>
+              <a:t>从 </a:t>
+            </a:r>
+            <a:r>
+              <a:rPr lang="en-US" sz="2400" dirty="0" smtClean="0"/>
+              <a:t>Linux </a:t>
+            </a:r>
+            <a:r>
+              <a:rPr lang="en-US" sz="2400" dirty="0" err="1" smtClean="0"/>
+              <a:t>Git</a:t>
+            </a:r>
+            <a:r>
+              <a:rPr lang="en-US" sz="2400" dirty="0" smtClean="0"/>
+              <a:t> </a:t>
+            </a:r>
+            <a:r>
+              <a:rPr lang="zh-CN" altLang="en-US" sz="2400" dirty="0" smtClean="0"/>
+              <a:t>服务器上 </a:t>
+            </a:r>
+            <a:r>
+              <a:rPr lang="en-US" sz="2400" dirty="0" smtClean="0"/>
+              <a:t>clone </a:t>
+            </a:r>
+            <a:r>
+              <a:rPr lang="zh-CN" altLang="en-US" sz="2400" dirty="0" smtClean="0"/>
+              <a:t>项目</a:t>
+            </a:r>
+            <a:endParaRPr lang="en-US" altLang="zh-CN" sz="2400" dirty="0" smtClean="0"/>
+          </a:p>
+          <a:p>
+            <a:r>
+              <a:rPr lang="en-US" altLang="zh-CN" sz="1600" dirty="0" err="1" smtClean="0"/>
+              <a:t>ssh</a:t>
+            </a:r>
+            <a:r>
+              <a:rPr lang="zh-CN" altLang="en-US" sz="1600" dirty="0" smtClean="0"/>
+              <a:t>端口为</a:t>
+            </a:r>
+            <a:r>
+              <a:rPr lang="en-US" altLang="zh-CN" sz="1600" dirty="0" smtClean="0"/>
+              <a:t>22</a:t>
+            </a:r>
+            <a:r>
+              <a:rPr lang="zh-CN" altLang="en-US" sz="1600" dirty="0" smtClean="0"/>
+              <a:t>（即默认值），本机</a:t>
+            </a:r>
+            <a:r>
+              <a:rPr lang="en-US" altLang="zh-CN" sz="1600" dirty="0" err="1" smtClean="0"/>
+              <a:t>Git</a:t>
+            </a:r>
+            <a:r>
+              <a:rPr lang="en-US" altLang="zh-CN" sz="1600" dirty="0" smtClean="0"/>
+              <a:t> bash</a:t>
+            </a:r>
+            <a:r>
+              <a:rPr lang="zh-CN" altLang="en-US" sz="1600" dirty="0" smtClean="0"/>
+              <a:t>窗口输入：</a:t>
+            </a:r>
+            <a:endParaRPr lang="en-US" altLang="zh-CN" sz="1600" dirty="0" smtClean="0"/>
+          </a:p>
+          <a:p>
+            <a:pPr>
+              <a:buNone/>
+            </a:pPr>
+            <a:r>
+              <a:rPr lang="en-US" sz="1600" dirty="0" smtClean="0"/>
+              <a:t>	</a:t>
+            </a:r>
+            <a:r>
+              <a:rPr lang="en-US" sz="1600" dirty="0" err="1" smtClean="0">
+                <a:solidFill>
+                  <a:schemeClr val="tx2">
+                    <a:lumMod val="60000"/>
+                    <a:lumOff val="40000"/>
+                  </a:schemeClr>
+                </a:solidFill>
+              </a:rPr>
+              <a:t>git</a:t>
+            </a:r>
+            <a:r>
+              <a:rPr lang="en-US" sz="1600" dirty="0" smtClean="0">
+                <a:solidFill>
+                  <a:schemeClr val="tx2">
+                    <a:lumMod val="60000"/>
+                    <a:lumOff val="40000"/>
+                  </a:schemeClr>
+                </a:solidFill>
+              </a:rPr>
+              <a:t> clone git</a:t>
+            </a:r>
+            <a:r>
+              <a:rPr lang="en-US" altLang="zh-CN" sz="1600" dirty="0" smtClean="0">
+                <a:solidFill>
+                  <a:schemeClr val="tx2">
+                    <a:lumMod val="60000"/>
+                    <a:lumOff val="40000"/>
+                  </a:schemeClr>
+                </a:solidFill>
+              </a:rPr>
+              <a:t>admin</a:t>
+            </a:r>
+            <a:r>
+              <a:rPr lang="en-US" sz="1600" dirty="0" smtClean="0">
+                <a:solidFill>
+                  <a:schemeClr val="tx2">
+                    <a:lumMod val="60000"/>
+                    <a:lumOff val="40000"/>
+                  </a:schemeClr>
+                </a:solidFill>
+              </a:rPr>
+              <a:t>@172.16.5.21:/home/</a:t>
+            </a:r>
+            <a:r>
+              <a:rPr lang="en-US" sz="1600" dirty="0" err="1" smtClean="0">
+                <a:solidFill>
+                  <a:schemeClr val="tx2">
+                    <a:lumMod val="60000"/>
+                    <a:lumOff val="40000"/>
+                  </a:schemeClr>
+                </a:solidFill>
+              </a:rPr>
+              <a:t>gitrepo</a:t>
+            </a:r>
+            <a:r>
+              <a:rPr lang="en-US" sz="1600" dirty="0" smtClean="0">
+                <a:solidFill>
+                  <a:schemeClr val="tx2">
+                    <a:lumMod val="60000"/>
+                    <a:lumOff val="40000"/>
+                  </a:schemeClr>
+                </a:solidFill>
+              </a:rPr>
+              <a:t>/learngit.git</a:t>
+            </a:r>
+          </a:p>
+          <a:p>
+            <a:r>
+              <a:rPr lang="en-US" altLang="zh-CN" sz="1600" dirty="0" err="1" smtClean="0"/>
+              <a:t>ssh</a:t>
+            </a:r>
+            <a:r>
+              <a:rPr lang="zh-CN" altLang="en-US" sz="1600" dirty="0" smtClean="0"/>
+              <a:t>端口不为</a:t>
+            </a:r>
+            <a:r>
+              <a:rPr lang="en-US" altLang="zh-CN" sz="1600" dirty="0" smtClean="0"/>
+              <a:t>22</a:t>
+            </a:r>
+            <a:r>
+              <a:rPr lang="zh-CN" altLang="en-US" sz="1600" dirty="0" smtClean="0"/>
+              <a:t>（假设为</a:t>
+            </a:r>
+            <a:r>
+              <a:rPr lang="en-US" altLang="zh-CN" sz="1600" dirty="0" smtClean="0"/>
+              <a:t>7700</a:t>
+            </a:r>
+            <a:r>
+              <a:rPr lang="zh-CN" altLang="en-US" sz="1600" dirty="0" smtClean="0"/>
+              <a:t>），本机</a:t>
+            </a:r>
+            <a:r>
+              <a:rPr lang="en-US" altLang="zh-CN" sz="1600" dirty="0" err="1" smtClean="0"/>
+              <a:t>Git</a:t>
+            </a:r>
+            <a:r>
+              <a:rPr lang="en-US" altLang="zh-CN" sz="1600" dirty="0" smtClean="0"/>
+              <a:t> bash</a:t>
+            </a:r>
+            <a:r>
+              <a:rPr lang="zh-CN" altLang="en-US" sz="1600" dirty="0" smtClean="0"/>
+              <a:t>窗口输入：</a:t>
+            </a:r>
+            <a:endParaRPr lang="en-US" altLang="zh-CN" sz="1600" dirty="0" smtClean="0"/>
+          </a:p>
+          <a:p>
+            <a:pPr>
+              <a:buNone/>
+            </a:pPr>
+            <a:r>
+              <a:rPr lang="en-US" sz="1600" dirty="0" smtClean="0"/>
+              <a:t>	</a:t>
+            </a:r>
+            <a:r>
+              <a:rPr lang="en-US" sz="1600" dirty="0" err="1" smtClean="0">
+                <a:solidFill>
+                  <a:schemeClr val="tx2">
+                    <a:lumMod val="60000"/>
+                    <a:lumOff val="40000"/>
+                  </a:schemeClr>
+                </a:solidFill>
+              </a:rPr>
+              <a:t>git</a:t>
+            </a:r>
+            <a:r>
+              <a:rPr lang="en-US" sz="1600" dirty="0" smtClean="0">
+                <a:solidFill>
+                  <a:schemeClr val="tx2">
+                    <a:lumMod val="60000"/>
+                    <a:lumOff val="40000"/>
+                  </a:schemeClr>
+                </a:solidFill>
+              </a:rPr>
+              <a:t> clone </a:t>
+            </a:r>
+            <a:r>
+              <a:rPr lang="en-US" altLang="zh-CN" sz="1600" dirty="0" smtClean="0">
+                <a:solidFill>
+                  <a:schemeClr val="tx2">
+                    <a:lumMod val="60000"/>
+                    <a:lumOff val="40000"/>
+                  </a:schemeClr>
+                </a:solidFill>
+              </a:rPr>
+              <a:t>ssh://</a:t>
+            </a:r>
+            <a:r>
+              <a:rPr lang="en-US" sz="1600" dirty="0" smtClean="0">
+                <a:solidFill>
+                  <a:schemeClr val="tx2">
+                    <a:lumMod val="60000"/>
+                    <a:lumOff val="40000"/>
+                  </a:schemeClr>
+                </a:solidFill>
+              </a:rPr>
+              <a:t>gitadmin@172.16.5.21:7700/home/gitrepo/learngit.git</a:t>
+            </a:r>
+          </a:p>
+          <a:p>
+            <a:pPr>
+              <a:buNone/>
+            </a:pPr>
+            <a:r>
+              <a:rPr lang="en-US" altLang="zh-CN" sz="1600" dirty="0" smtClean="0"/>
+              <a:t>	</a:t>
+            </a:r>
+            <a:r>
+              <a:rPr lang="zh-CN" altLang="en-US" sz="1600" dirty="0" smtClean="0"/>
+              <a:t>注：当第一次连接到目标 </a:t>
+            </a:r>
+            <a:r>
+              <a:rPr lang="en-US" altLang="zh-CN" sz="1600" dirty="0" err="1" smtClean="0"/>
+              <a:t>Git</a:t>
+            </a:r>
+            <a:r>
+              <a:rPr lang="en-US" altLang="zh-CN" sz="1600" dirty="0" smtClean="0"/>
+              <a:t> </a:t>
+            </a:r>
+            <a:r>
+              <a:rPr lang="zh-CN" altLang="en-US" sz="1600" dirty="0" smtClean="0"/>
+              <a:t>服务器时会得到一个提示：</a:t>
+            </a:r>
+            <a:endParaRPr lang="en-US" altLang="zh-CN" sz="1600" dirty="0" smtClean="0"/>
+          </a:p>
+          <a:p>
+            <a:pPr>
+              <a:buNone/>
+            </a:pPr>
+            <a:endParaRPr lang="en-US" sz="1600" dirty="0" smtClean="0"/>
+          </a:p>
+          <a:p>
+            <a:pPr>
+              <a:buNone/>
+            </a:pPr>
+            <a:endParaRPr lang="en-US" sz="1600" dirty="0" smtClean="0"/>
+          </a:p>
+          <a:p>
+            <a:pPr>
+              <a:buNone/>
+            </a:pPr>
+            <a:endParaRPr lang="en-US" sz="1600" dirty="0" smtClean="0"/>
+          </a:p>
+          <a:p>
+            <a:pPr>
+              <a:buNone/>
+            </a:pPr>
+            <a:r>
+              <a:rPr lang="en-US" sz="1600" dirty="0" smtClean="0"/>
+              <a:t>	</a:t>
+            </a:r>
+            <a:r>
+              <a:rPr lang="zh-CN" altLang="en-US" sz="1600" dirty="0" smtClean="0"/>
+              <a:t>输入</a:t>
+            </a:r>
+            <a:r>
+              <a:rPr lang="en-US" altLang="zh-CN" sz="1600" dirty="0" smtClean="0"/>
+              <a:t>yes</a:t>
+            </a:r>
+            <a:r>
+              <a:rPr lang="zh-CN" altLang="en-US" sz="1600" dirty="0" smtClean="0"/>
+              <a:t>按回车键，提示：</a:t>
+            </a:r>
+            <a:endParaRPr lang="en-US" altLang="zh-CN" sz="1600" dirty="0" smtClean="0"/>
+          </a:p>
+          <a:p>
+            <a:pPr>
+              <a:buNone/>
+            </a:pPr>
+            <a:endParaRPr lang="en-US" sz="1600" dirty="0" smtClean="0"/>
+          </a:p>
+          <a:p>
+            <a:pPr>
+              <a:buNone/>
+            </a:pPr>
+            <a:r>
+              <a:rPr lang="en-US" altLang="zh-CN" sz="1600" dirty="0" smtClean="0"/>
+              <a:t>	</a:t>
+            </a:r>
+          </a:p>
+          <a:p>
+            <a:pPr>
+              <a:buNone/>
+            </a:pPr>
+            <a:r>
+              <a:rPr lang="en-US" altLang="zh-CN" sz="1600" dirty="0" smtClean="0"/>
+              <a:t>	</a:t>
+            </a:r>
+            <a:r>
+              <a:rPr lang="zh-CN" altLang="en-US" sz="1600" dirty="0" smtClean="0"/>
+              <a:t>此时本机 </a:t>
+            </a:r>
+            <a:r>
+              <a:rPr lang="en-US" altLang="zh-CN" sz="1600" dirty="0" smtClean="0"/>
+              <a:t>C:\Users\</a:t>
+            </a:r>
+            <a:r>
+              <a:rPr lang="zh-CN" altLang="en-US" sz="1600" dirty="0" smtClean="0"/>
+              <a:t>用户名</a:t>
+            </a:r>
+            <a:r>
+              <a:rPr lang="en-US" altLang="zh-CN" sz="1600" dirty="0" smtClean="0"/>
+              <a:t>\.</a:t>
+            </a:r>
+            <a:r>
+              <a:rPr lang="en-US" altLang="zh-CN" sz="1600" dirty="0" err="1" smtClean="0"/>
+              <a:t>ssh</a:t>
+            </a:r>
+            <a:r>
+              <a:rPr lang="en-US" altLang="zh-CN" sz="1600" dirty="0" smtClean="0"/>
+              <a:t> </a:t>
+            </a:r>
+            <a:r>
+              <a:rPr lang="zh-CN" altLang="en-US" sz="1600" dirty="0" smtClean="0"/>
+              <a:t>下会多出一个文件 </a:t>
+            </a:r>
+            <a:r>
+              <a:rPr lang="en-US" altLang="zh-CN" sz="1600" dirty="0" err="1" smtClean="0"/>
+              <a:t>known_hosts</a:t>
+            </a:r>
+            <a:r>
+              <a:rPr lang="zh-CN" altLang="en-US" sz="1600" dirty="0" smtClean="0"/>
+              <a:t>，以后在这台电脑上再次连接目标 </a:t>
+            </a:r>
+            <a:r>
+              <a:rPr lang="en-US" altLang="zh-CN" sz="1600" dirty="0" err="1" smtClean="0"/>
+              <a:t>Git</a:t>
+            </a:r>
+            <a:r>
+              <a:rPr lang="en-US" altLang="zh-CN" sz="1600" dirty="0" smtClean="0"/>
+              <a:t> </a:t>
+            </a:r>
+            <a:r>
+              <a:rPr lang="zh-CN" altLang="en-US" sz="1600" dirty="0" smtClean="0"/>
+              <a:t>服务器时不会再提示上面的语句。</a:t>
+            </a:r>
+            <a:endParaRPr lang="en-US" altLang="zh-CN" sz="1600" dirty="0" smtClean="0"/>
+          </a:p>
+          <a:p>
+            <a:pPr>
+              <a:buNone/>
+            </a:pPr>
+            <a:endParaRPr lang="en-US" sz="1600" dirty="0" smtClean="0"/>
+          </a:p>
+          <a:p>
+            <a:pPr>
+              <a:buNone/>
+            </a:pPr>
+            <a:endParaRPr lang="en-US" sz="1600" dirty="0" smtClean="0"/>
+          </a:p>
+          <a:p>
+            <a:pPr>
+              <a:buNone/>
+            </a:pPr>
+            <a:endParaRPr lang="en-US" sz="1600" dirty="0" smtClean="0"/>
+          </a:p>
+          <a:p>
+            <a:pPr>
+              <a:buNone/>
+            </a:pPr>
+            <a:endParaRPr lang="en-US" sz="1600" dirty="0" smtClean="0"/>
+          </a:p>
+          <a:p>
+            <a:pPr>
+              <a:buNone/>
+            </a:pPr>
+            <a:r>
+              <a:rPr lang="en-US" altLang="zh-CN" sz="1600" dirty="0" smtClean="0"/>
+              <a:t>	</a:t>
+            </a:r>
+            <a:r>
+              <a:rPr lang="zh-CN" altLang="en-US" sz="1600" dirty="0" smtClean="0"/>
+              <a:t>再次输入</a:t>
+            </a:r>
+            <a:r>
+              <a:rPr lang="en-US" sz="1600" dirty="0" err="1" smtClean="0">
+                <a:solidFill>
+                  <a:schemeClr val="tx2">
+                    <a:lumMod val="60000"/>
+                    <a:lumOff val="40000"/>
+                  </a:schemeClr>
+                </a:solidFill>
+              </a:rPr>
+              <a:t>git</a:t>
+            </a:r>
+            <a:r>
+              <a:rPr lang="en-US" sz="1600" dirty="0" smtClean="0">
+                <a:solidFill>
+                  <a:schemeClr val="tx2">
+                    <a:lumMod val="60000"/>
+                    <a:lumOff val="40000"/>
+                  </a:schemeClr>
+                </a:solidFill>
+              </a:rPr>
+              <a:t> clone gitadmin@172.16.5.21:/home/</a:t>
+            </a:r>
+            <a:r>
+              <a:rPr lang="en-US" sz="1600" dirty="0" err="1" smtClean="0">
+                <a:solidFill>
+                  <a:schemeClr val="tx2">
+                    <a:lumMod val="60000"/>
+                    <a:lumOff val="40000"/>
+                  </a:schemeClr>
+                </a:solidFill>
+              </a:rPr>
+              <a:t>gitrepo</a:t>
+            </a:r>
+            <a:r>
+              <a:rPr lang="en-US" sz="1600" dirty="0" smtClean="0">
+                <a:solidFill>
+                  <a:schemeClr val="tx2">
+                    <a:lumMod val="60000"/>
+                    <a:lumOff val="40000"/>
+                  </a:schemeClr>
+                </a:solidFill>
+              </a:rPr>
+              <a:t>/learngit.git</a:t>
+            </a:r>
+            <a:r>
+              <a:rPr lang="zh-CN" altLang="en-US" sz="1600" dirty="0" smtClean="0"/>
+              <a:t>，提示需要输入服务器端的密码，此时可直接输入密码从服务器端</a:t>
+            </a:r>
+            <a:r>
+              <a:rPr lang="en-US" altLang="zh-CN" sz="1600" dirty="0" smtClean="0"/>
+              <a:t>clone</a:t>
+            </a:r>
+            <a:r>
+              <a:rPr lang="zh-CN" altLang="en-US" sz="1600" dirty="0" smtClean="0"/>
+              <a:t>项目（后续操作时每次都需要输入密码）；也可按</a:t>
+            </a:r>
+            <a:r>
+              <a:rPr lang="en-US" altLang="zh-CN" sz="1600" dirty="0" err="1" smtClean="0"/>
+              <a:t>Ctrl+c</a:t>
+            </a:r>
+            <a:r>
+              <a:rPr lang="zh-CN" altLang="en-US" sz="1600" dirty="0" smtClean="0"/>
+              <a:t>退出后，采用 </a:t>
+            </a:r>
+            <a:r>
+              <a:rPr lang="en-US" altLang="zh-CN" sz="1600" dirty="0" smtClean="0"/>
+              <a:t>SSH </a:t>
+            </a:r>
+            <a:r>
+              <a:rPr lang="zh-CN" altLang="en-US" sz="1600" dirty="0" smtClean="0"/>
+              <a:t>公钥来进行后续免密验证。</a:t>
+            </a:r>
+          </a:p>
+          <a:p>
+            <a:pPr>
+              <a:buNone/>
+            </a:pPr>
+            <a:endParaRPr lang="en-US" sz="1600" dirty="0" smtClean="0"/>
+          </a:p>
+          <a:p>
+            <a:pPr>
+              <a:buNone/>
+            </a:pPr>
+            <a:endParaRPr lang="en-US" sz="1600" dirty="0" smtClean="0"/>
+          </a:p>
+          <a:p>
+            <a:pPr>
+              <a:buNone/>
+            </a:pPr>
+            <a:endParaRPr lang="zh-CN" altLang="en-US" sz="1600" dirty="0"/>
+          </a:p>
+        </p:txBody>
+      </p:sp>
+      <p:sp>
+        <p:nvSpPr>
+          <p:cNvPr id="4" name="TextBox 3"/>
+          <p:cNvSpPr txBox="1"/>
+          <p:nvPr/>
+        </p:nvSpPr>
+        <p:spPr>
+          <a:xfrm>
+            <a:off x="928662" y="2285992"/>
+            <a:ext cx="6929486" cy="784830"/>
+          </a:xfrm>
+          <a:prstGeom prst="rect">
+            <a:avLst/>
+          </a:prstGeom>
+          <a:noFill/>
+          <a:ln>
+            <a:solidFill>
+              <a:schemeClr val="tx1"/>
+            </a:solidFill>
+            <a:prstDash val="sysDash"/>
+          </a:ln>
+        </p:spPr>
+        <p:txBody>
+          <a:bodyPr wrap="square" rtlCol="0">
+            <a:spAutoFit/>
+          </a:bodyPr>
+          <a:lstStyle/>
+          <a:p>
+            <a:r>
+              <a:rPr lang="en-US" altLang="zh-CN" sz="1500" dirty="0" smtClean="0"/>
+              <a:t>The authenticity of host '172.16.5.21 (172.16.5.21)' can't be established.</a:t>
+            </a:r>
+          </a:p>
+          <a:p>
+            <a:r>
+              <a:rPr lang="en-US" altLang="zh-CN" sz="1500" dirty="0" smtClean="0"/>
+              <a:t>RSA key fingerprint is SHA256:4inUi481k0NP5D8Xy7316T3iNQq0cvu0+BLkzBIvaT0.</a:t>
+            </a:r>
+          </a:p>
+          <a:p>
+            <a:r>
+              <a:rPr lang="en-US" altLang="zh-CN" sz="1500" dirty="0" smtClean="0"/>
+              <a:t>Are you sure you want to continue connecting (yes/no)? </a:t>
+            </a:r>
+          </a:p>
+        </p:txBody>
+      </p:sp>
+      <p:sp>
+        <p:nvSpPr>
+          <p:cNvPr id="5" name="TextBox 4"/>
+          <p:cNvSpPr txBox="1"/>
+          <p:nvPr/>
+        </p:nvSpPr>
+        <p:spPr>
+          <a:xfrm>
+            <a:off x="928662" y="3500438"/>
+            <a:ext cx="6929486" cy="323165"/>
+          </a:xfrm>
+          <a:prstGeom prst="rect">
+            <a:avLst/>
+          </a:prstGeom>
+          <a:noFill/>
+          <a:ln>
+            <a:solidFill>
+              <a:schemeClr val="tx1"/>
+            </a:solidFill>
+            <a:prstDash val="sysDash"/>
+          </a:ln>
+        </p:spPr>
+        <p:txBody>
+          <a:bodyPr wrap="square" rtlCol="0">
+            <a:spAutoFit/>
+          </a:bodyPr>
+          <a:lstStyle/>
+          <a:p>
+            <a:r>
+              <a:rPr lang="en-US" altLang="zh-CN" sz="1500" dirty="0" smtClean="0"/>
+              <a:t>Warning: Permanently added '172.16.5.21' (RSA) to the list of known hosts.</a:t>
+            </a:r>
+          </a:p>
+        </p:txBody>
+      </p:sp>
+      <p:pic>
+        <p:nvPicPr>
+          <p:cNvPr id="24578" name="Picture 2"/>
+          <p:cNvPicPr>
+            <a:picLocks noChangeAspect="1" noChangeArrowheads="1"/>
+          </p:cNvPicPr>
+          <p:nvPr/>
+        </p:nvPicPr>
+        <p:blipFill>
+          <a:blip r:embed="rId2"/>
+          <a:srcRect/>
+          <a:stretch>
+            <a:fillRect/>
+          </a:stretch>
+        </p:blipFill>
+        <p:spPr bwMode="auto">
+          <a:xfrm>
+            <a:off x="928662" y="4429132"/>
+            <a:ext cx="5214974" cy="995166"/>
+          </a:xfrm>
+          <a:prstGeom prst="rect">
+            <a:avLst/>
+          </a:prstGeom>
+          <a:noFill/>
+          <a:ln w="9525">
+            <a:noFill/>
+            <a:miter lim="800000"/>
+            <a:headEnd/>
+            <a:tailEnd/>
+          </a:ln>
+          <a:effectLst/>
+        </p:spPr>
+      </p:pic>
+    </p:spTree>
+  </p:cSld>
+  <p:clrMapOvr>
+    <a:masterClrMapping/>
+  </p:clrMapOvr>
+</p:sld>
+</file>
+
+<file path=ppt/slides/slide51.xml><?xml version="1.0" encoding="utf-8"?>
+<p:sld xmlns:a="http://schemas.openxmlformats.org/drawingml/2006/main" xmlns:r="http://schemas.openxmlformats.org/officeDocument/2006/relationships" xmlns:p="http://schemas.openxmlformats.org/presentationml/2006/main">
+  <p:cSld>
+    <p:spTree>
+      <p:nvGrpSpPr>
+        <p:cNvPr id="1" name=""/>
+        <p:cNvGrpSpPr/>
+        <p:nvPr/>
+      </p:nvGrpSpPr>
+      <p:grpSpPr>
+        <a:xfrm>
+          <a:off x="0" y="0"/>
+          <a:ext cx="0" cy="0"/>
+          <a:chOff x="0" y="0"/>
+          <a:chExt cx="0" cy="0"/>
+        </a:xfrm>
+      </p:grpSpPr>
+      <p:sp>
+        <p:nvSpPr>
+          <p:cNvPr id="3" name="内容占位符 2"/>
+          <p:cNvSpPr>
+            <a:spLocks noGrp="1"/>
+          </p:cNvSpPr>
+          <p:nvPr>
+            <p:ph idx="1"/>
+          </p:nvPr>
+        </p:nvSpPr>
+        <p:spPr>
+          <a:xfrm>
+            <a:off x="457200" y="1428736"/>
+            <a:ext cx="8329642" cy="4697427"/>
+          </a:xfrm>
+        </p:spPr>
+        <p:txBody>
+          <a:bodyPr/>
+          <a:lstStyle/>
+          <a:p>
+            <a:pPr>
+              <a:buFont typeface="Wingdings" pitchFamily="2" charset="2"/>
+              <a:buChar char="Ø"/>
+            </a:pPr>
+            <a:r>
+              <a:rPr lang="zh-CN" altLang="en-US" sz="2400" dirty="0" smtClean="0"/>
+              <a:t>客户端创建 </a:t>
+            </a:r>
+            <a:r>
+              <a:rPr lang="en-US" altLang="zh-CN" sz="2400" dirty="0" smtClean="0"/>
+              <a:t>SSH </a:t>
+            </a:r>
+            <a:r>
+              <a:rPr lang="zh-CN" altLang="en-US" sz="2400" dirty="0" smtClean="0"/>
+              <a:t>公钥和私钥</a:t>
+            </a:r>
+            <a:endParaRPr lang="en-US" altLang="zh-CN" sz="2400" dirty="0" smtClean="0"/>
+          </a:p>
+          <a:p>
+            <a:r>
+              <a:rPr lang="zh-CN" altLang="en-US" sz="1600" dirty="0" smtClean="0"/>
+              <a:t>查看本机</a:t>
+            </a:r>
+            <a:r>
+              <a:rPr lang="en-US" sz="1600" dirty="0" smtClean="0"/>
+              <a:t>C:\Users\</a:t>
+            </a:r>
+            <a:r>
+              <a:rPr lang="zh-CN" altLang="en-US" sz="1600" dirty="0" smtClean="0"/>
+              <a:t>用户名</a:t>
+            </a:r>
+            <a:r>
+              <a:rPr lang="en-US" altLang="zh-CN" sz="1600" dirty="0" smtClean="0"/>
+              <a:t>\.</a:t>
+            </a:r>
+            <a:r>
+              <a:rPr lang="en-US" sz="1600" dirty="0" err="1" smtClean="0"/>
+              <a:t>ssh</a:t>
+            </a:r>
+            <a:r>
+              <a:rPr lang="en-US" sz="1600" dirty="0" smtClean="0"/>
+              <a:t> </a:t>
+            </a:r>
+            <a:r>
+              <a:rPr lang="zh-CN" altLang="en-US" sz="1600" dirty="0" smtClean="0"/>
+              <a:t>下是否有</a:t>
+            </a:r>
+            <a:r>
+              <a:rPr lang="en-US" sz="1600" dirty="0" err="1" smtClean="0"/>
+              <a:t>id_rsa</a:t>
+            </a:r>
+            <a:r>
+              <a:rPr lang="en-US" sz="1600" dirty="0" smtClean="0"/>
+              <a:t> </a:t>
+            </a:r>
+            <a:r>
+              <a:rPr lang="zh-CN" altLang="en-US" sz="1600" dirty="0" smtClean="0"/>
+              <a:t>和 </a:t>
+            </a:r>
+            <a:r>
+              <a:rPr lang="en-US" sz="1600" dirty="0" smtClean="0"/>
+              <a:t>id_rsa.pub</a:t>
+            </a:r>
+            <a:r>
+              <a:rPr lang="zh-CN" altLang="en-US" sz="1600" dirty="0" smtClean="0"/>
+              <a:t>两个文件，没有则在</a:t>
+            </a:r>
+            <a:r>
+              <a:rPr lang="en-US" altLang="zh-CN" sz="1600" dirty="0" err="1" smtClean="0"/>
+              <a:t>Git</a:t>
+            </a:r>
+            <a:r>
+              <a:rPr lang="en-US" altLang="zh-CN" sz="1600" dirty="0" smtClean="0"/>
+              <a:t> bash</a:t>
+            </a:r>
+            <a:r>
+              <a:rPr lang="zh-CN" altLang="en-US" sz="1600" dirty="0" smtClean="0"/>
+              <a:t>窗口中输入：</a:t>
+            </a:r>
+            <a:r>
+              <a:rPr lang="de-DE" sz="1600" dirty="0" smtClean="0"/>
+              <a:t> </a:t>
+            </a:r>
+            <a:r>
+              <a:rPr lang="de-DE" sz="1600" dirty="0" smtClean="0">
+                <a:solidFill>
+                  <a:schemeClr val="tx2">
+                    <a:lumMod val="60000"/>
+                    <a:lumOff val="40000"/>
+                  </a:schemeClr>
+                </a:solidFill>
+              </a:rPr>
+              <a:t>ssh-keygen -t rsa -C “</a:t>
+            </a:r>
+            <a:r>
+              <a:rPr lang="zh-CN" altLang="en-US" sz="1600" dirty="0" smtClean="0">
+                <a:solidFill>
+                  <a:schemeClr val="tx2">
+                    <a:lumMod val="60000"/>
+                    <a:lumOff val="40000"/>
+                  </a:schemeClr>
+                </a:solidFill>
+              </a:rPr>
+              <a:t>邮箱</a:t>
+            </a:r>
+            <a:r>
+              <a:rPr lang="de-DE" sz="1600" dirty="0" smtClean="0">
+                <a:solidFill>
+                  <a:schemeClr val="tx2">
+                    <a:lumMod val="60000"/>
+                    <a:lumOff val="40000"/>
+                  </a:schemeClr>
+                </a:solidFill>
+              </a:rPr>
+              <a:t>”</a:t>
+            </a:r>
+            <a:r>
+              <a:rPr lang="zh-CN" altLang="en-US" sz="1600" dirty="0" smtClean="0"/>
+              <a:t>，之后一直按回车键，完成后 </a:t>
+            </a:r>
+            <a:r>
+              <a:rPr lang="en-US" sz="1600" dirty="0" smtClean="0"/>
+              <a:t>C:\Users\</a:t>
+            </a:r>
+            <a:r>
+              <a:rPr lang="zh-CN" altLang="en-US" sz="1600" dirty="0" smtClean="0"/>
+              <a:t>用户名</a:t>
+            </a:r>
+            <a:r>
+              <a:rPr lang="en-US" altLang="zh-CN" sz="1600" dirty="0" smtClean="0"/>
+              <a:t>\.</a:t>
+            </a:r>
+            <a:r>
+              <a:rPr lang="en-US" sz="1600" dirty="0" err="1" smtClean="0"/>
+              <a:t>ssh</a:t>
+            </a:r>
+            <a:r>
+              <a:rPr lang="en-US" sz="1600" dirty="0" smtClean="0"/>
+              <a:t> </a:t>
+            </a:r>
+            <a:r>
+              <a:rPr lang="zh-CN" altLang="en-US" sz="1600" dirty="0" smtClean="0"/>
+              <a:t>下会生成两个文件 </a:t>
+            </a:r>
+            <a:r>
+              <a:rPr lang="en-US" sz="1600" dirty="0" err="1" smtClean="0"/>
+              <a:t>id_rsa</a:t>
+            </a:r>
+            <a:r>
+              <a:rPr lang="en-US" sz="1600" dirty="0" smtClean="0"/>
+              <a:t> </a:t>
+            </a:r>
+            <a:r>
+              <a:rPr lang="zh-CN" altLang="en-US" sz="1600" dirty="0" smtClean="0"/>
+              <a:t>和 </a:t>
+            </a:r>
+            <a:r>
+              <a:rPr lang="en-US" sz="1600" dirty="0" smtClean="0"/>
+              <a:t>id_rsa.pub</a:t>
+            </a:r>
+            <a:r>
+              <a:rPr lang="zh-CN" altLang="en-US" sz="1600" dirty="0" smtClean="0"/>
+              <a:t>，其中</a:t>
+            </a:r>
+            <a:r>
+              <a:rPr lang="en-US" sz="1600" dirty="0" err="1" smtClean="0"/>
+              <a:t>id_rsa</a:t>
+            </a:r>
+            <a:r>
+              <a:rPr lang="en-US" sz="1600" dirty="0" smtClean="0"/>
+              <a:t> </a:t>
+            </a:r>
+            <a:r>
+              <a:rPr lang="zh-CN" altLang="en-US" sz="1600" dirty="0" smtClean="0"/>
+              <a:t>是私钥，</a:t>
+            </a:r>
+            <a:r>
+              <a:rPr lang="en-US" sz="1600" dirty="0" smtClean="0"/>
+              <a:t>id_rsa.pub </a:t>
+            </a:r>
+            <a:r>
+              <a:rPr lang="zh-CN" altLang="en-US" sz="1600" dirty="0" smtClean="0"/>
+              <a:t>是公钥。</a:t>
+            </a:r>
+          </a:p>
+        </p:txBody>
+      </p:sp>
+      <p:pic>
+        <p:nvPicPr>
+          <p:cNvPr id="26626" name="Picture 2"/>
+          <p:cNvPicPr>
+            <a:picLocks noChangeAspect="1" noChangeArrowheads="1"/>
+          </p:cNvPicPr>
+          <p:nvPr/>
+        </p:nvPicPr>
+        <p:blipFill>
+          <a:blip r:embed="rId2"/>
+          <a:srcRect/>
+          <a:stretch>
+            <a:fillRect/>
+          </a:stretch>
+        </p:blipFill>
+        <p:spPr bwMode="auto">
+          <a:xfrm>
+            <a:off x="857224" y="2786058"/>
+            <a:ext cx="3643338" cy="2272577"/>
+          </a:xfrm>
+          <a:prstGeom prst="rect">
+            <a:avLst/>
+          </a:prstGeom>
+          <a:noFill/>
+          <a:ln w="9525">
+            <a:noFill/>
+            <a:miter lim="800000"/>
+            <a:headEnd/>
+            <a:tailEnd/>
+          </a:ln>
+          <a:effectLst/>
+        </p:spPr>
+      </p:pic>
+      <p:pic>
+        <p:nvPicPr>
+          <p:cNvPr id="26627" name="Picture 3"/>
+          <p:cNvPicPr>
+            <a:picLocks noChangeAspect="1" noChangeArrowheads="1"/>
+          </p:cNvPicPr>
+          <p:nvPr/>
+        </p:nvPicPr>
+        <p:blipFill>
+          <a:blip r:embed="rId3"/>
+          <a:srcRect/>
+          <a:stretch>
+            <a:fillRect/>
+          </a:stretch>
+        </p:blipFill>
+        <p:spPr bwMode="auto">
+          <a:xfrm>
+            <a:off x="857224" y="5214950"/>
+            <a:ext cx="3643338" cy="1202655"/>
+          </a:xfrm>
+          <a:prstGeom prst="rect">
+            <a:avLst/>
+          </a:prstGeom>
+          <a:noFill/>
+          <a:ln w="9525">
+            <a:noFill/>
+            <a:miter lim="800000"/>
+            <a:headEnd/>
+            <a:tailEnd/>
+          </a:ln>
+          <a:effectLst/>
+        </p:spPr>
+      </p:pic>
+      <p:sp>
+        <p:nvSpPr>
+          <p:cNvPr id="5" name="标题 1"/>
+          <p:cNvSpPr>
+            <a:spLocks noGrp="1"/>
+          </p:cNvSpPr>
+          <p:nvPr>
+            <p:ph type="title"/>
+          </p:nvPr>
+        </p:nvSpPr>
+        <p:spPr>
+          <a:xfrm>
+            <a:off x="457200" y="274638"/>
+            <a:ext cx="8229600" cy="1143000"/>
+          </a:xfrm>
+        </p:spPr>
+        <p:txBody>
+          <a:bodyPr/>
+          <a:lstStyle/>
+          <a:p>
+            <a:r>
+              <a:rPr lang="zh-CN" altLang="en-US" dirty="0" smtClean="0"/>
+              <a:t>免密验证</a:t>
+            </a:r>
+            <a:endParaRPr lang="zh-CN" altLang="en-US" dirty="0"/>
+          </a:p>
+        </p:txBody>
+      </p:sp>
+    </p:spTree>
+  </p:cSld>
+  <p:clrMapOvr>
+    <a:masterClrMapping/>
+  </p:clrMapOvr>
+</p:sld>
+</file>
+
+<file path=ppt/slides/slide52.xml><?xml version="1.0" encoding="utf-8"?>
+<p:sld xmlns:a="http://schemas.openxmlformats.org/drawingml/2006/main" xmlns:r="http://schemas.openxmlformats.org/officeDocument/2006/relationships" xmlns:p="http://schemas.openxmlformats.org/presentationml/2006/main">
+  <p:cSld>
+    <p:spTree>
+      <p:nvGrpSpPr>
+        <p:cNvPr id="1" name=""/>
+        <p:cNvGrpSpPr/>
+        <p:nvPr/>
+      </p:nvGrpSpPr>
+      <p:grpSpPr>
+        <a:xfrm>
+          <a:off x="0" y="0"/>
+          <a:ext cx="0" cy="0"/>
+          <a:chOff x="0" y="0"/>
+          <a:chExt cx="0" cy="0"/>
+        </a:xfrm>
+      </p:grpSpPr>
+      <p:sp>
+        <p:nvSpPr>
+          <p:cNvPr id="3" name="内容占位符 2"/>
+          <p:cNvSpPr>
+            <a:spLocks noGrp="1"/>
+          </p:cNvSpPr>
+          <p:nvPr>
+            <p:ph idx="1"/>
+          </p:nvPr>
+        </p:nvSpPr>
+        <p:spPr>
+          <a:xfrm>
+            <a:off x="457200" y="571480"/>
+            <a:ext cx="8229600" cy="5554683"/>
+          </a:xfrm>
+        </p:spPr>
+        <p:txBody>
+          <a:bodyPr>
+            <a:normAutofit fontScale="92500" lnSpcReduction="10000"/>
+          </a:bodyPr>
+          <a:lstStyle/>
+          <a:p>
+            <a:pPr>
+              <a:buFont typeface="Wingdings" pitchFamily="2" charset="2"/>
+              <a:buChar char="Ø"/>
+            </a:pPr>
+            <a:r>
+              <a:rPr lang="zh-CN" altLang="en-US" sz="2400" dirty="0" smtClean="0"/>
+              <a:t>服务器端 </a:t>
+            </a:r>
+            <a:r>
+              <a:rPr lang="en-US" altLang="zh-CN" sz="2400" dirty="0" err="1" smtClean="0"/>
+              <a:t>Git</a:t>
+            </a:r>
+            <a:r>
+              <a:rPr lang="en-US" altLang="zh-CN" sz="2400" dirty="0" smtClean="0"/>
+              <a:t> </a:t>
+            </a:r>
+            <a:r>
+              <a:rPr lang="zh-CN" altLang="en-US" sz="2400" dirty="0" smtClean="0"/>
+              <a:t>打开 </a:t>
+            </a:r>
+            <a:r>
+              <a:rPr lang="en-US" altLang="zh-CN" sz="2400" dirty="0" smtClean="0"/>
+              <a:t>RSA </a:t>
+            </a:r>
+            <a:r>
+              <a:rPr lang="zh-CN" altLang="en-US" sz="2400" dirty="0" smtClean="0"/>
+              <a:t>认证</a:t>
+            </a:r>
+          </a:p>
+          <a:p>
+            <a:pPr marL="514350" indent="-514350">
+              <a:buFont typeface="+mj-lt"/>
+              <a:buAutoNum type="arabicPeriod"/>
+            </a:pPr>
+            <a:r>
+              <a:rPr lang="zh-CN" altLang="en-US" sz="1600" dirty="0" smtClean="0"/>
+              <a:t>进入 </a:t>
+            </a:r>
+            <a:r>
+              <a:rPr lang="en-US" altLang="zh-CN" sz="1600" dirty="0" smtClean="0"/>
+              <a:t>/etc/</a:t>
+            </a:r>
+            <a:r>
+              <a:rPr lang="en-US" altLang="zh-CN" sz="1600" dirty="0" err="1" smtClean="0"/>
+              <a:t>ssh</a:t>
+            </a:r>
+            <a:r>
+              <a:rPr lang="en-US" altLang="zh-CN" sz="1600" dirty="0" smtClean="0"/>
+              <a:t> </a:t>
+            </a:r>
+            <a:r>
+              <a:rPr lang="zh-CN" altLang="en-US" sz="1600" dirty="0" smtClean="0"/>
+              <a:t>目录，编辑 </a:t>
+            </a:r>
+            <a:r>
+              <a:rPr lang="en-US" altLang="zh-CN" sz="1600" dirty="0" err="1" smtClean="0"/>
+              <a:t>sshd_config</a:t>
+            </a:r>
+            <a:r>
+              <a:rPr lang="zh-CN" altLang="en-US" sz="1600" dirty="0" smtClean="0"/>
+              <a:t>，打开以下三个配置的注释：</a:t>
+            </a:r>
+            <a:endParaRPr lang="en-US" altLang="zh-CN" sz="1600" dirty="0" smtClean="0"/>
+          </a:p>
+          <a:p>
+            <a:pPr marL="514350" indent="-514350">
+              <a:buFont typeface="+mj-lt"/>
+              <a:buAutoNum type="arabicPeriod"/>
+            </a:pPr>
+            <a:endParaRPr lang="en-US" altLang="zh-CN" sz="1600" dirty="0" smtClean="0"/>
+          </a:p>
+          <a:p>
+            <a:pPr marL="514350" indent="-514350">
+              <a:buFont typeface="+mj-lt"/>
+              <a:buAutoNum type="arabicPeriod"/>
+            </a:pPr>
+            <a:endParaRPr lang="en-US" altLang="zh-CN" sz="1600" dirty="0" smtClean="0"/>
+          </a:p>
+          <a:p>
+            <a:pPr marL="514350" indent="-514350">
+              <a:buFont typeface="+mj-lt"/>
+              <a:buAutoNum type="arabicPeriod"/>
+            </a:pPr>
+            <a:endParaRPr lang="en-US" altLang="zh-CN" sz="1600" dirty="0" smtClean="0"/>
+          </a:p>
+          <a:p>
+            <a:pPr marL="514350" indent="-514350">
+              <a:buFont typeface="+mj-lt"/>
+              <a:buAutoNum type="arabicPeriod"/>
+            </a:pPr>
+            <a:endParaRPr lang="en-US" altLang="zh-CN" sz="1600" dirty="0" smtClean="0"/>
+          </a:p>
+          <a:p>
+            <a:pPr marL="514350" indent="-514350">
+              <a:buFont typeface="+mj-lt"/>
+              <a:buAutoNum type="arabicPeriod"/>
+            </a:pPr>
+            <a:endParaRPr lang="en-US" altLang="zh-CN" sz="1600" dirty="0" smtClean="0"/>
+          </a:p>
+          <a:p>
+            <a:pPr marL="514350" indent="-514350">
+              <a:buFont typeface="+mj-lt"/>
+              <a:buAutoNum type="arabicPeriod"/>
+            </a:pPr>
+            <a:endParaRPr lang="en-US" altLang="zh-CN" sz="1600" dirty="0" smtClean="0"/>
+          </a:p>
+          <a:p>
+            <a:pPr marL="514350" indent="-514350">
+              <a:buFont typeface="+mj-lt"/>
+              <a:buAutoNum type="arabicPeriod"/>
+            </a:pPr>
+            <a:r>
+              <a:rPr lang="zh-CN" altLang="en-US" sz="1600" dirty="0" smtClean="0"/>
+              <a:t>保存并重启 </a:t>
+            </a:r>
+            <a:r>
+              <a:rPr lang="en-US" altLang="zh-CN" sz="1600" dirty="0" err="1" smtClean="0"/>
+              <a:t>sshd</a:t>
+            </a:r>
+            <a:r>
+              <a:rPr lang="en-US" altLang="zh-CN" sz="1600" dirty="0" smtClean="0"/>
+              <a:t> </a:t>
+            </a:r>
+            <a:r>
+              <a:rPr lang="zh-CN" altLang="en-US" sz="1600" dirty="0" smtClean="0"/>
+              <a:t>服务：</a:t>
+            </a:r>
+            <a:r>
+              <a:rPr lang="en-US" sz="1600" dirty="0" smtClean="0">
+                <a:solidFill>
+                  <a:schemeClr val="tx2">
+                    <a:lumMod val="60000"/>
+                    <a:lumOff val="40000"/>
+                  </a:schemeClr>
+                </a:solidFill>
+              </a:rPr>
+              <a:t>/etc/</a:t>
+            </a:r>
+            <a:r>
+              <a:rPr lang="en-US" sz="1600" dirty="0" err="1" smtClean="0">
+                <a:solidFill>
+                  <a:schemeClr val="tx2">
+                    <a:lumMod val="60000"/>
+                    <a:lumOff val="40000"/>
+                  </a:schemeClr>
+                </a:solidFill>
+              </a:rPr>
+              <a:t>rc.d</a:t>
+            </a:r>
+            <a:r>
+              <a:rPr lang="en-US" sz="1600" dirty="0" smtClean="0">
+                <a:solidFill>
+                  <a:schemeClr val="tx2">
+                    <a:lumMod val="60000"/>
+                    <a:lumOff val="40000"/>
+                  </a:schemeClr>
+                </a:solidFill>
+              </a:rPr>
+              <a:t>/</a:t>
+            </a:r>
+            <a:r>
+              <a:rPr lang="en-US" sz="1600" dirty="0" err="1" smtClean="0">
+                <a:solidFill>
+                  <a:schemeClr val="tx2">
+                    <a:lumMod val="60000"/>
+                    <a:lumOff val="40000"/>
+                  </a:schemeClr>
+                </a:solidFill>
+              </a:rPr>
+              <a:t>init.d</a:t>
+            </a:r>
+            <a:r>
+              <a:rPr lang="en-US" sz="1600" dirty="0" smtClean="0">
+                <a:solidFill>
+                  <a:schemeClr val="tx2">
+                    <a:lumMod val="60000"/>
+                    <a:lumOff val="40000"/>
+                  </a:schemeClr>
+                </a:solidFill>
+              </a:rPr>
+              <a:t>/</a:t>
+            </a:r>
+            <a:r>
+              <a:rPr lang="en-US" sz="1600" dirty="0" err="1" smtClean="0">
+                <a:solidFill>
+                  <a:schemeClr val="tx2">
+                    <a:lumMod val="60000"/>
+                    <a:lumOff val="40000"/>
+                  </a:schemeClr>
+                </a:solidFill>
+              </a:rPr>
+              <a:t>sshd</a:t>
+            </a:r>
+            <a:r>
+              <a:rPr lang="en-US" sz="1600" dirty="0" smtClean="0">
+                <a:solidFill>
+                  <a:schemeClr val="tx2">
+                    <a:lumMod val="60000"/>
+                    <a:lumOff val="40000"/>
+                  </a:schemeClr>
+                </a:solidFill>
+              </a:rPr>
+              <a:t> restart</a:t>
+            </a:r>
+          </a:p>
+          <a:p>
+            <a:pPr marL="514350" indent="-514350">
+              <a:buFont typeface="+mj-lt"/>
+              <a:buAutoNum type="arabicPeriod"/>
+            </a:pPr>
+            <a:endParaRPr lang="en-US" altLang="zh-CN" sz="1600" dirty="0" smtClean="0">
+              <a:solidFill>
+                <a:schemeClr val="tx2">
+                  <a:lumMod val="60000"/>
+                  <a:lumOff val="40000"/>
+                </a:schemeClr>
+              </a:solidFill>
+            </a:endParaRPr>
+          </a:p>
+          <a:p>
+            <a:pPr marL="514350" indent="-514350">
+              <a:buFont typeface="+mj-lt"/>
+              <a:buAutoNum type="arabicPeriod"/>
+            </a:pPr>
+            <a:endParaRPr lang="en-US" altLang="zh-CN" sz="1600" dirty="0" smtClean="0">
+              <a:solidFill>
+                <a:schemeClr val="tx2">
+                  <a:lumMod val="60000"/>
+                  <a:lumOff val="40000"/>
+                </a:schemeClr>
+              </a:solidFill>
+            </a:endParaRPr>
+          </a:p>
+          <a:p>
+            <a:pPr marL="514350" indent="-514350">
+              <a:buFont typeface="+mj-lt"/>
+              <a:buAutoNum type="arabicPeriod"/>
+            </a:pPr>
+            <a:endParaRPr lang="en-US" altLang="zh-CN" sz="1600" dirty="0" smtClean="0">
+              <a:solidFill>
+                <a:schemeClr val="tx2">
+                  <a:lumMod val="60000"/>
+                  <a:lumOff val="40000"/>
+                </a:schemeClr>
+              </a:solidFill>
+            </a:endParaRPr>
+          </a:p>
+          <a:p>
+            <a:pPr marL="514350" indent="-514350">
+              <a:buFont typeface="+mj-lt"/>
+              <a:buAutoNum type="arabicPeriod"/>
+            </a:pPr>
+            <a:endParaRPr lang="en-US" altLang="zh-CN" sz="1600" dirty="0" smtClean="0">
+              <a:solidFill>
+                <a:schemeClr val="tx2">
+                  <a:lumMod val="60000"/>
+                  <a:lumOff val="40000"/>
+                </a:schemeClr>
+              </a:solidFill>
+            </a:endParaRPr>
+          </a:p>
+          <a:p>
+            <a:pPr marL="514350" indent="-514350"/>
+            <a:r>
+              <a:rPr lang="zh-CN" altLang="en-US" sz="1600" dirty="0" smtClean="0"/>
+              <a:t>由最上面图中 </a:t>
+            </a:r>
+            <a:r>
+              <a:rPr lang="en-US" sz="1600" dirty="0" err="1" smtClean="0"/>
+              <a:t>AuthorizedKeysFile</a:t>
+            </a:r>
+            <a:r>
+              <a:rPr lang="en-US" sz="1600" dirty="0" smtClean="0"/>
+              <a:t> </a:t>
+            </a:r>
+            <a:r>
+              <a:rPr lang="zh-CN" altLang="en-US" sz="1600" dirty="0" smtClean="0"/>
+              <a:t>得知公钥的存放路径是 </a:t>
+            </a:r>
+            <a:r>
+              <a:rPr lang="en-US" altLang="zh-CN" sz="1600" dirty="0" smtClean="0"/>
+              <a:t>.</a:t>
+            </a:r>
+            <a:r>
+              <a:rPr lang="en-US" sz="1600" dirty="0" err="1" smtClean="0"/>
+              <a:t>ssh</a:t>
+            </a:r>
+            <a:r>
+              <a:rPr lang="en-US" sz="1600" dirty="0" smtClean="0"/>
+              <a:t>/</a:t>
+            </a:r>
+            <a:r>
+              <a:rPr lang="en-US" sz="1600" dirty="0" err="1" smtClean="0"/>
+              <a:t>authorized_keys</a:t>
+            </a:r>
+            <a:r>
+              <a:rPr lang="en-US" sz="1600" dirty="0" smtClean="0"/>
+              <a:t>，</a:t>
+            </a:r>
+            <a:r>
+              <a:rPr lang="zh-CN" altLang="en-US" sz="1600" dirty="0" smtClean="0"/>
+              <a:t>实际上是 </a:t>
+            </a:r>
+            <a:r>
+              <a:rPr lang="en-US" altLang="zh-CN" sz="1600" dirty="0" smtClean="0"/>
+              <a:t>$</a:t>
+            </a:r>
+            <a:r>
+              <a:rPr lang="en-US" sz="1600" dirty="0" smtClean="0"/>
+              <a:t>home/.</a:t>
+            </a:r>
+            <a:r>
+              <a:rPr lang="en-US" sz="1600" dirty="0" err="1" smtClean="0"/>
+              <a:t>ssh</a:t>
+            </a:r>
+            <a:r>
+              <a:rPr lang="en-US" sz="1600" dirty="0" smtClean="0"/>
+              <a:t>/</a:t>
+            </a:r>
+            <a:r>
+              <a:rPr lang="en-US" sz="1600" dirty="0" err="1" smtClean="0"/>
+              <a:t>authorized_keys</a:t>
+            </a:r>
+            <a:r>
+              <a:rPr lang="en-US" sz="1600" dirty="0" smtClean="0"/>
+              <a:t>，</a:t>
+            </a:r>
+            <a:r>
+              <a:rPr lang="zh-CN" altLang="en-US" sz="1600" dirty="0" smtClean="0"/>
+              <a:t>由于管理 </a:t>
+            </a:r>
+            <a:r>
+              <a:rPr lang="en-US" sz="1600" dirty="0" err="1" smtClean="0"/>
+              <a:t>Git</a:t>
+            </a:r>
+            <a:r>
+              <a:rPr lang="en-US" sz="1600" dirty="0" smtClean="0"/>
+              <a:t> </a:t>
+            </a:r>
+            <a:r>
+              <a:rPr lang="zh-CN" altLang="en-US" sz="1600" dirty="0" smtClean="0"/>
+              <a:t>服务的用户是 </a:t>
+            </a:r>
+            <a:r>
+              <a:rPr lang="en-US" sz="1600" dirty="0" err="1" smtClean="0"/>
+              <a:t>git</a:t>
+            </a:r>
+            <a:r>
+              <a:rPr lang="en-US" altLang="zh-CN" sz="1600" dirty="0" err="1" smtClean="0"/>
+              <a:t>admin</a:t>
+            </a:r>
+            <a:r>
+              <a:rPr lang="en-US" sz="1600" dirty="0" smtClean="0"/>
+              <a:t>，</a:t>
+            </a:r>
+            <a:r>
+              <a:rPr lang="zh-CN" altLang="en-US" sz="1600" dirty="0" smtClean="0"/>
+              <a:t>所以实际存放公钥的路径是 </a:t>
+            </a:r>
+            <a:r>
+              <a:rPr lang="en-US" altLang="zh-CN" sz="1600" dirty="0" smtClean="0"/>
+              <a:t>/</a:t>
+            </a:r>
+            <a:r>
+              <a:rPr lang="en-US" sz="1600" dirty="0" smtClean="0"/>
+              <a:t>home/</a:t>
+            </a:r>
+            <a:r>
+              <a:rPr lang="en-US" sz="1600" dirty="0" err="1" smtClean="0"/>
+              <a:t>gitadmin</a:t>
+            </a:r>
+            <a:r>
+              <a:rPr lang="en-US" sz="1600" dirty="0" smtClean="0"/>
+              <a:t>/.</a:t>
+            </a:r>
+            <a:r>
+              <a:rPr lang="en-US" sz="1600" dirty="0" err="1" smtClean="0"/>
+              <a:t>ssh</a:t>
+            </a:r>
+            <a:r>
+              <a:rPr lang="en-US" sz="1600" dirty="0" smtClean="0"/>
+              <a:t>/</a:t>
+            </a:r>
+            <a:r>
+              <a:rPr lang="en-US" sz="1600" dirty="0" err="1" smtClean="0"/>
+              <a:t>authorized_keys</a:t>
+            </a:r>
+            <a:endParaRPr lang="en-US" sz="1600" dirty="0" smtClean="0"/>
+          </a:p>
+          <a:p>
+            <a:pPr marL="514350" indent="-514350">
+              <a:buFont typeface="+mj-lt"/>
+              <a:buAutoNum type="arabicPeriod" startAt="3"/>
+            </a:pPr>
+            <a:r>
+              <a:rPr lang="zh-CN" altLang="en-US" sz="1600" dirty="0" smtClean="0"/>
+              <a:t>在 </a:t>
+            </a:r>
+            <a:r>
+              <a:rPr lang="en-US" altLang="zh-CN" sz="1600" dirty="0" smtClean="0"/>
+              <a:t>/</a:t>
+            </a:r>
+            <a:r>
+              <a:rPr lang="en-US" sz="1600" dirty="0" smtClean="0"/>
+              <a:t>home/</a:t>
+            </a:r>
+            <a:r>
+              <a:rPr lang="en-US" sz="1600" dirty="0" err="1" smtClean="0"/>
+              <a:t>gitadmin</a:t>
+            </a:r>
+            <a:r>
+              <a:rPr lang="en-US" sz="1600" dirty="0" smtClean="0"/>
+              <a:t>/ </a:t>
+            </a:r>
+            <a:r>
+              <a:rPr lang="zh-CN" altLang="en-US" sz="1600" dirty="0" smtClean="0"/>
+              <a:t>下创建目录 </a:t>
+            </a:r>
+            <a:r>
+              <a:rPr lang="en-US" altLang="zh-CN" sz="1600" dirty="0" smtClean="0"/>
+              <a:t>.</a:t>
+            </a:r>
+            <a:r>
+              <a:rPr lang="en-US" sz="1600" dirty="0" err="1" smtClean="0"/>
+              <a:t>ssh</a:t>
+            </a:r>
+            <a:r>
+              <a:rPr lang="zh-CN" altLang="en-US" sz="1600" dirty="0" smtClean="0"/>
+              <a:t>（创建完成后可使用</a:t>
+            </a:r>
+            <a:r>
+              <a:rPr lang="en-US" altLang="zh-CN" sz="1600" dirty="0" err="1" smtClean="0">
+                <a:solidFill>
+                  <a:schemeClr val="tx2">
+                    <a:lumMod val="60000"/>
+                    <a:lumOff val="40000"/>
+                  </a:schemeClr>
+                </a:solidFill>
+              </a:rPr>
+              <a:t>ls</a:t>
+            </a:r>
+            <a:r>
+              <a:rPr lang="en-US" altLang="zh-CN" sz="1600" dirty="0" smtClean="0">
+                <a:solidFill>
+                  <a:schemeClr val="tx2">
+                    <a:lumMod val="60000"/>
+                    <a:lumOff val="40000"/>
+                  </a:schemeClr>
+                </a:solidFill>
+              </a:rPr>
+              <a:t> -a</a:t>
+            </a:r>
+            <a:r>
+              <a:rPr lang="zh-CN" altLang="en-US" sz="1600" dirty="0" smtClean="0"/>
+              <a:t>查看文件）</a:t>
+            </a:r>
+            <a:endParaRPr lang="en-US" sz="1600" dirty="0" smtClean="0"/>
+          </a:p>
+          <a:p>
+            <a:pPr marL="514350" indent="-514350">
+              <a:buNone/>
+            </a:pPr>
+            <a:r>
+              <a:rPr lang="en-US" altLang="zh-CN" sz="1600" dirty="0" smtClean="0">
+                <a:solidFill>
+                  <a:schemeClr val="tx2">
+                    <a:lumMod val="60000"/>
+                    <a:lumOff val="40000"/>
+                  </a:schemeClr>
+                </a:solidFill>
+              </a:rPr>
+              <a:t>	</a:t>
+            </a:r>
+            <a:r>
+              <a:rPr lang="en-US" altLang="zh-CN" sz="1600" dirty="0" err="1" smtClean="0">
+                <a:solidFill>
+                  <a:schemeClr val="tx2">
+                    <a:lumMod val="60000"/>
+                    <a:lumOff val="40000"/>
+                  </a:schemeClr>
+                </a:solidFill>
+              </a:rPr>
+              <a:t>cd</a:t>
+            </a:r>
+            <a:r>
+              <a:rPr lang="en-US" altLang="zh-CN" sz="1600" dirty="0" smtClean="0">
+                <a:solidFill>
+                  <a:schemeClr val="tx2">
+                    <a:lumMod val="60000"/>
+                    <a:lumOff val="40000"/>
+                  </a:schemeClr>
+                </a:solidFill>
+              </a:rPr>
+              <a:t>  /</a:t>
+            </a:r>
+            <a:r>
+              <a:rPr lang="en-US" sz="1600" dirty="0" smtClean="0">
+                <a:solidFill>
+                  <a:schemeClr val="tx2">
+                    <a:lumMod val="60000"/>
+                    <a:lumOff val="40000"/>
+                  </a:schemeClr>
+                </a:solidFill>
+              </a:rPr>
+              <a:t>home/</a:t>
+            </a:r>
+            <a:r>
+              <a:rPr lang="en-US" sz="1600" dirty="0" err="1" smtClean="0">
+                <a:solidFill>
+                  <a:schemeClr val="tx2">
+                    <a:lumMod val="60000"/>
+                    <a:lumOff val="40000"/>
+                  </a:schemeClr>
+                </a:solidFill>
+              </a:rPr>
+              <a:t>gitadmin</a:t>
+            </a:r>
+            <a:endParaRPr lang="en-US" sz="1600" dirty="0" smtClean="0">
+              <a:solidFill>
+                <a:schemeClr val="tx2">
+                  <a:lumMod val="60000"/>
+                  <a:lumOff val="40000"/>
+                </a:schemeClr>
+              </a:solidFill>
+            </a:endParaRPr>
+          </a:p>
+          <a:p>
+            <a:pPr marL="514350" indent="-514350">
+              <a:buNone/>
+            </a:pPr>
+            <a:r>
+              <a:rPr lang="en-US" altLang="zh-CN" sz="1600" dirty="0" smtClean="0">
+                <a:solidFill>
+                  <a:schemeClr val="tx2">
+                    <a:lumMod val="60000"/>
+                    <a:lumOff val="40000"/>
+                  </a:schemeClr>
+                </a:solidFill>
+              </a:rPr>
+              <a:t>	</a:t>
+            </a:r>
+            <a:r>
+              <a:rPr lang="en-US" altLang="zh-CN" sz="1600" dirty="0" err="1" smtClean="0">
+                <a:solidFill>
+                  <a:schemeClr val="tx2">
+                    <a:lumMod val="60000"/>
+                    <a:lumOff val="40000"/>
+                  </a:schemeClr>
+                </a:solidFill>
+              </a:rPr>
+              <a:t>mkdir</a:t>
+            </a:r>
+            <a:r>
+              <a:rPr lang="en-US" altLang="zh-CN" sz="1600" dirty="0" smtClean="0">
+                <a:solidFill>
+                  <a:schemeClr val="tx2">
+                    <a:lumMod val="60000"/>
+                    <a:lumOff val="40000"/>
+                  </a:schemeClr>
+                </a:solidFill>
+              </a:rPr>
+              <a:t> .</a:t>
+            </a:r>
+            <a:r>
+              <a:rPr lang="en-US" altLang="zh-CN" sz="1600" dirty="0" err="1" smtClean="0">
+                <a:solidFill>
+                  <a:schemeClr val="tx2">
+                    <a:lumMod val="60000"/>
+                    <a:lumOff val="40000"/>
+                  </a:schemeClr>
+                </a:solidFill>
+              </a:rPr>
+              <a:t>ssh</a:t>
+            </a:r>
+            <a:endParaRPr lang="en-US" altLang="zh-CN" sz="1600" dirty="0" smtClean="0">
+              <a:solidFill>
+                <a:schemeClr val="tx2">
+                  <a:lumMod val="60000"/>
+                  <a:lumOff val="40000"/>
+                </a:schemeClr>
+              </a:solidFill>
+            </a:endParaRPr>
+          </a:p>
+          <a:p>
+            <a:pPr marL="514350" indent="-514350">
+              <a:buFont typeface="+mj-lt"/>
+              <a:buAutoNum type="arabicPeriod" startAt="4"/>
+            </a:pPr>
+            <a:r>
+              <a:rPr lang="zh-CN" altLang="en-US" sz="1600" dirty="0" smtClean="0"/>
+              <a:t>修改</a:t>
+            </a:r>
+            <a:r>
+              <a:rPr lang="en-US" altLang="zh-CN" sz="1600" dirty="0" smtClean="0"/>
+              <a:t>.</a:t>
+            </a:r>
+            <a:r>
+              <a:rPr lang="en-US" altLang="zh-CN" sz="1600" dirty="0" err="1" smtClean="0"/>
+              <a:t>ssh</a:t>
+            </a:r>
+            <a:r>
+              <a:rPr lang="zh-CN" altLang="en-US" sz="1600" dirty="0" smtClean="0"/>
+              <a:t>文件的拥有者（修改完成后可使用</a:t>
+            </a:r>
+            <a:r>
+              <a:rPr lang="en-US" altLang="zh-CN" sz="1600" dirty="0" err="1" smtClean="0"/>
+              <a:t>ll</a:t>
+            </a:r>
+            <a:r>
+              <a:rPr lang="en-US" altLang="zh-CN" sz="1600" dirty="0" smtClean="0"/>
+              <a:t> -a</a:t>
+            </a:r>
+            <a:r>
+              <a:rPr lang="zh-CN" altLang="en-US" sz="1600" dirty="0" smtClean="0"/>
+              <a:t>查看）：</a:t>
+            </a:r>
+            <a:endParaRPr lang="en-US" altLang="zh-CN" sz="1600" dirty="0" smtClean="0"/>
+          </a:p>
+          <a:p>
+            <a:pPr marL="514350" indent="-514350">
+              <a:buNone/>
+            </a:pPr>
+            <a:r>
+              <a:rPr lang="en-US" altLang="zh-CN" sz="1600" dirty="0" smtClean="0">
+                <a:solidFill>
+                  <a:schemeClr val="tx2">
+                    <a:lumMod val="60000"/>
+                    <a:lumOff val="40000"/>
+                  </a:schemeClr>
+                </a:solidFill>
+              </a:rPr>
+              <a:t>	</a:t>
+            </a:r>
+            <a:r>
+              <a:rPr lang="en-US" altLang="zh-CN" sz="1600" dirty="0" err="1" smtClean="0">
+                <a:solidFill>
+                  <a:schemeClr val="tx2">
+                    <a:lumMod val="60000"/>
+                    <a:lumOff val="40000"/>
+                  </a:schemeClr>
+                </a:solidFill>
+              </a:rPr>
+              <a:t>chown</a:t>
+            </a:r>
+            <a:r>
+              <a:rPr lang="en-US" altLang="zh-CN" sz="1600" dirty="0" smtClean="0">
+                <a:solidFill>
+                  <a:schemeClr val="tx2">
+                    <a:lumMod val="60000"/>
+                    <a:lumOff val="40000"/>
+                  </a:schemeClr>
+                </a:solidFill>
+              </a:rPr>
+              <a:t> -R </a:t>
+            </a:r>
+            <a:r>
+              <a:rPr lang="en-US" altLang="zh-CN" sz="1600" dirty="0" err="1" smtClean="0">
+                <a:solidFill>
+                  <a:schemeClr val="tx2">
+                    <a:lumMod val="60000"/>
+                    <a:lumOff val="40000"/>
+                  </a:schemeClr>
+                </a:solidFill>
+              </a:rPr>
+              <a:t>gitadmin:gitadmin</a:t>
+            </a:r>
+            <a:r>
+              <a:rPr lang="en-US" altLang="zh-CN" sz="1600" dirty="0" smtClean="0">
+                <a:solidFill>
+                  <a:schemeClr val="tx2">
+                    <a:lumMod val="60000"/>
+                    <a:lumOff val="40000"/>
+                  </a:schemeClr>
+                </a:solidFill>
+              </a:rPr>
+              <a:t> /</a:t>
+            </a:r>
+            <a:r>
+              <a:rPr lang="en-US" sz="1600" dirty="0" smtClean="0">
+                <a:solidFill>
+                  <a:schemeClr val="tx2">
+                    <a:lumMod val="60000"/>
+                    <a:lumOff val="40000"/>
+                  </a:schemeClr>
+                </a:solidFill>
+              </a:rPr>
+              <a:t>home/</a:t>
+            </a:r>
+            <a:r>
+              <a:rPr lang="en-US" sz="1600" dirty="0" err="1" smtClean="0">
+                <a:solidFill>
+                  <a:schemeClr val="tx2">
+                    <a:lumMod val="60000"/>
+                    <a:lumOff val="40000"/>
+                  </a:schemeClr>
+                </a:solidFill>
+              </a:rPr>
+              <a:t>gitadmin</a:t>
+            </a:r>
+            <a:r>
+              <a:rPr lang="en-US" sz="1600" dirty="0" smtClean="0">
+                <a:solidFill>
+                  <a:schemeClr val="tx2">
+                    <a:lumMod val="60000"/>
+                    <a:lumOff val="40000"/>
+                  </a:schemeClr>
+                </a:solidFill>
+              </a:rPr>
+              <a:t>/.</a:t>
+            </a:r>
+            <a:r>
+              <a:rPr lang="en-US" sz="1600" dirty="0" err="1" smtClean="0">
+                <a:solidFill>
+                  <a:schemeClr val="tx2">
+                    <a:lumMod val="60000"/>
+                    <a:lumOff val="40000"/>
+                  </a:schemeClr>
+                </a:solidFill>
+              </a:rPr>
+              <a:t>ssh</a:t>
+            </a:r>
+            <a:endParaRPr lang="zh-CN" altLang="en-US" sz="1600" dirty="0">
+              <a:solidFill>
+                <a:schemeClr val="tx2">
+                  <a:lumMod val="60000"/>
+                  <a:lumOff val="40000"/>
+                </a:schemeClr>
+              </a:solidFill>
+            </a:endParaRPr>
+          </a:p>
+        </p:txBody>
+      </p:sp>
+      <p:grpSp>
+        <p:nvGrpSpPr>
+          <p:cNvPr id="7" name="组合 6"/>
+          <p:cNvGrpSpPr/>
+          <p:nvPr/>
+        </p:nvGrpSpPr>
+        <p:grpSpPr>
+          <a:xfrm>
+            <a:off x="571472" y="1285860"/>
+            <a:ext cx="7500990" cy="1459661"/>
+            <a:chOff x="571472" y="1500174"/>
+            <a:chExt cx="7500990" cy="1459661"/>
+          </a:xfrm>
+        </p:grpSpPr>
+        <p:pic>
+          <p:nvPicPr>
+            <p:cNvPr id="27650" name="Picture 2"/>
+            <p:cNvPicPr>
+              <a:picLocks noChangeAspect="1" noChangeArrowheads="1"/>
+            </p:cNvPicPr>
+            <p:nvPr/>
+          </p:nvPicPr>
+          <p:blipFill>
+            <a:blip r:embed="rId2"/>
+            <a:srcRect/>
+            <a:stretch>
+              <a:fillRect/>
+            </a:stretch>
+          </p:blipFill>
+          <p:spPr bwMode="auto">
+            <a:xfrm>
+              <a:off x="571472" y="1500174"/>
+              <a:ext cx="3483606" cy="1428760"/>
+            </a:xfrm>
+            <a:prstGeom prst="rect">
+              <a:avLst/>
+            </a:prstGeom>
+            <a:noFill/>
+            <a:ln w="9525">
+              <a:noFill/>
+              <a:miter lim="800000"/>
+              <a:headEnd/>
+              <a:tailEnd/>
+            </a:ln>
+            <a:effectLst/>
+          </p:spPr>
+        </p:pic>
+        <p:pic>
+          <p:nvPicPr>
+            <p:cNvPr id="27651" name="Picture 3"/>
+            <p:cNvPicPr>
+              <a:picLocks noChangeAspect="1" noChangeArrowheads="1"/>
+            </p:cNvPicPr>
+            <p:nvPr/>
+          </p:nvPicPr>
+          <p:blipFill>
+            <a:blip r:embed="rId3"/>
+            <a:srcRect/>
+            <a:stretch>
+              <a:fillRect/>
+            </a:stretch>
+          </p:blipFill>
+          <p:spPr bwMode="auto">
+            <a:xfrm>
+              <a:off x="4786314" y="1500174"/>
+              <a:ext cx="3286148" cy="1459661"/>
+            </a:xfrm>
+            <a:prstGeom prst="rect">
+              <a:avLst/>
+            </a:prstGeom>
+            <a:noFill/>
+            <a:ln w="9525">
+              <a:noFill/>
+              <a:miter lim="800000"/>
+              <a:headEnd/>
+              <a:tailEnd/>
+            </a:ln>
+            <a:effectLst/>
+          </p:spPr>
+        </p:pic>
+        <p:sp>
+          <p:nvSpPr>
+            <p:cNvPr id="6" name="右箭头 5"/>
+            <p:cNvSpPr/>
+            <p:nvPr/>
+          </p:nvSpPr>
+          <p:spPr>
+            <a:xfrm>
+              <a:off x="4214810" y="2214554"/>
+              <a:ext cx="428628" cy="71438"/>
+            </a:xfrm>
+            <a:prstGeom prst="rightArrow">
+              <a:avLst/>
+            </a:prstGeom>
+            <a:solidFill>
+              <a:schemeClr val="tx2">
+                <a:lumMod val="60000"/>
+                <a:lumOff val="40000"/>
+              </a:schemeClr>
+            </a:solidFill>
+            <a:ln>
+              <a:solidFill>
+                <a:schemeClr val="tx2">
+                  <a:lumMod val="60000"/>
+                  <a:lumOff val="40000"/>
+                </a:schemeClr>
+              </a:solidFill>
+            </a:ln>
+          </p:spPr>
+          <p:style>
+            <a:lnRef idx="2">
+              <a:schemeClr val="accent1">
+                <a:shade val="50000"/>
+              </a:schemeClr>
+            </a:lnRef>
+            <a:fillRef idx="1">
+              <a:schemeClr val="accent1"/>
+            </a:fillRef>
+            <a:effectRef idx="0">
+              <a:schemeClr val="accent1"/>
+            </a:effectRef>
+            <a:fontRef idx="minor">
+              <a:schemeClr val="lt1"/>
+            </a:fontRef>
+          </p:style>
+          <p:txBody>
+            <a:bodyPr rtlCol="0" anchor="ctr"/>
+            <a:lstStyle/>
+            <a:p>
+              <a:pPr algn="ctr"/>
+              <a:endParaRPr lang="zh-CN" altLang="en-US"/>
+            </a:p>
+          </p:txBody>
+        </p:sp>
+      </p:grpSp>
+      <p:pic>
+        <p:nvPicPr>
+          <p:cNvPr id="27652" name="Picture 4"/>
+          <p:cNvPicPr>
+            <a:picLocks noChangeAspect="1" noChangeArrowheads="1"/>
+          </p:cNvPicPr>
+          <p:nvPr/>
+        </p:nvPicPr>
+        <p:blipFill>
+          <a:blip r:embed="rId4"/>
+          <a:srcRect/>
+          <a:stretch>
+            <a:fillRect/>
+          </a:stretch>
+        </p:blipFill>
+        <p:spPr bwMode="auto">
+          <a:xfrm>
+            <a:off x="571472" y="3000372"/>
+            <a:ext cx="5229225" cy="866775"/>
+          </a:xfrm>
+          <a:prstGeom prst="rect">
+            <a:avLst/>
+          </a:prstGeom>
+          <a:noFill/>
+          <a:ln w="9525">
+            <a:noFill/>
+            <a:miter lim="800000"/>
+            <a:headEnd/>
+            <a:tailEnd/>
+          </a:ln>
+          <a:effectLst/>
+        </p:spPr>
+      </p:pic>
+      <p:pic>
+        <p:nvPicPr>
+          <p:cNvPr id="27654" name="Picture 6"/>
+          <p:cNvPicPr>
+            <a:picLocks noChangeAspect="1" noChangeArrowheads="1"/>
+          </p:cNvPicPr>
+          <p:nvPr/>
+        </p:nvPicPr>
+        <p:blipFill>
+          <a:blip r:embed="rId5"/>
+          <a:srcRect/>
+          <a:stretch>
+            <a:fillRect/>
+          </a:stretch>
+        </p:blipFill>
+        <p:spPr bwMode="auto">
+          <a:xfrm>
+            <a:off x="5572132" y="4929198"/>
+            <a:ext cx="3000396" cy="1718049"/>
+          </a:xfrm>
+          <a:prstGeom prst="rect">
+            <a:avLst/>
+          </a:prstGeom>
+          <a:noFill/>
+          <a:ln w="9525">
+            <a:noFill/>
+            <a:miter lim="800000"/>
+            <a:headEnd/>
+            <a:tailEnd/>
+          </a:ln>
+          <a:effectLst/>
+        </p:spPr>
+      </p:pic>
+    </p:spTree>
+  </p:cSld>
+  <p:clrMapOvr>
+    <a:masterClrMapping/>
+  </p:clrMapOvr>
+</p:sld>
+</file>
+
+<file path=ppt/slides/slide53.xml><?xml version="1.0" encoding="utf-8"?>
+<p:sld xmlns:a="http://schemas.openxmlformats.org/drawingml/2006/main" xmlns:r="http://schemas.openxmlformats.org/officeDocument/2006/relationships" xmlns:p="http://schemas.openxmlformats.org/presentationml/2006/main">
+  <p:cSld>
+    <p:spTree>
+      <p:nvGrpSpPr>
+        <p:cNvPr id="1" name=""/>
+        <p:cNvGrpSpPr/>
+        <p:nvPr/>
+      </p:nvGrpSpPr>
+      <p:grpSpPr>
+        <a:xfrm>
+          <a:off x="0" y="0"/>
+          <a:ext cx="0" cy="0"/>
+          <a:chOff x="0" y="0"/>
+          <a:chExt cx="0" cy="0"/>
+        </a:xfrm>
+      </p:grpSpPr>
+      <p:sp>
+        <p:nvSpPr>
+          <p:cNvPr id="3" name="内容占位符 2"/>
+          <p:cNvSpPr>
+            <a:spLocks noGrp="1"/>
+          </p:cNvSpPr>
+          <p:nvPr>
+            <p:ph idx="1"/>
+          </p:nvPr>
+        </p:nvSpPr>
+        <p:spPr>
+          <a:xfrm>
+            <a:off x="457200" y="714356"/>
+            <a:ext cx="8229600" cy="6000792"/>
+          </a:xfrm>
+        </p:spPr>
+        <p:txBody>
+          <a:bodyPr/>
+          <a:lstStyle/>
+          <a:p>
+            <a:pPr>
+              <a:lnSpc>
+                <a:spcPct val="90000"/>
+              </a:lnSpc>
+              <a:buFont typeface="Wingdings" pitchFamily="2" charset="2"/>
+              <a:buChar char="Ø"/>
+            </a:pPr>
+            <a:r>
+              <a:rPr lang="zh-CN" altLang="en-US" sz="2400" dirty="0" smtClean="0"/>
+              <a:t>将客户端公钥导入服务器端 的</a:t>
+            </a:r>
+            <a:r>
+              <a:rPr lang="en-US" altLang="zh-CN" sz="2400" dirty="0" smtClean="0"/>
+              <a:t>/</a:t>
+            </a:r>
+            <a:r>
+              <a:rPr lang="en-US" altLang="en-US" sz="2400" dirty="0" smtClean="0"/>
+              <a:t>home/</a:t>
+            </a:r>
+            <a:r>
+              <a:rPr lang="en-US" altLang="en-US" sz="2400" dirty="0" err="1" smtClean="0"/>
+              <a:t>git</a:t>
+            </a:r>
+            <a:r>
+              <a:rPr lang="en-US" altLang="zh-CN" sz="2400" dirty="0" err="1" smtClean="0"/>
+              <a:t>admin</a:t>
+            </a:r>
+            <a:r>
+              <a:rPr lang="en-US" altLang="en-US" sz="2400" dirty="0" smtClean="0"/>
+              <a:t>/.</a:t>
+            </a:r>
+            <a:r>
+              <a:rPr lang="en-US" altLang="en-US" sz="2400" dirty="0" err="1" smtClean="0"/>
+              <a:t>ssh</a:t>
+            </a:r>
+            <a:r>
+              <a:rPr lang="en-US" altLang="en-US" sz="2400" dirty="0" smtClean="0"/>
+              <a:t>/</a:t>
+            </a:r>
+            <a:r>
+              <a:rPr lang="en-US" altLang="en-US" sz="2400" dirty="0" err="1" smtClean="0"/>
+              <a:t>authorized_keys</a:t>
+            </a:r>
+            <a:r>
+              <a:rPr lang="en-US" altLang="en-US" sz="2400" dirty="0" smtClean="0"/>
+              <a:t> </a:t>
+            </a:r>
+            <a:r>
+              <a:rPr lang="zh-CN" altLang="en-US" sz="2400" dirty="0" smtClean="0"/>
+              <a:t>文件中</a:t>
+            </a:r>
+            <a:endParaRPr lang="en-US" altLang="zh-CN" sz="2400" dirty="0" smtClean="0"/>
+          </a:p>
+          <a:p>
+            <a:pPr marL="457200" indent="-457200">
+              <a:lnSpc>
+                <a:spcPct val="90000"/>
+              </a:lnSpc>
+              <a:buFont typeface="+mj-lt"/>
+              <a:buAutoNum type="arabicPeriod"/>
+            </a:pPr>
+            <a:r>
+              <a:rPr lang="zh-CN" altLang="en-US" sz="1600" dirty="0" smtClean="0"/>
+              <a:t>回到 本机</a:t>
+            </a:r>
+            <a:r>
+              <a:rPr lang="en-US" sz="1600" dirty="0" err="1" smtClean="0"/>
+              <a:t>Git</a:t>
+            </a:r>
+            <a:r>
+              <a:rPr lang="en-US" sz="1600" dirty="0" smtClean="0"/>
+              <a:t> Bash </a:t>
+            </a:r>
+            <a:r>
+              <a:rPr lang="zh-CN" altLang="en-US" sz="1600" dirty="0" smtClean="0"/>
+              <a:t>下，导入文件，输入：</a:t>
+            </a:r>
+            <a:endParaRPr lang="en-US" altLang="zh-CN" sz="1600" dirty="0" smtClean="0"/>
+          </a:p>
+          <a:p>
+            <a:pPr marL="457200" indent="-457200">
+              <a:lnSpc>
+                <a:spcPct val="90000"/>
+              </a:lnSpc>
+              <a:buNone/>
+            </a:pPr>
+            <a:r>
+              <a:rPr lang="en-US" sz="1600" dirty="0" smtClean="0">
+                <a:solidFill>
+                  <a:schemeClr val="tx2">
+                    <a:lumMod val="60000"/>
+                    <a:lumOff val="40000"/>
+                  </a:schemeClr>
+                </a:solidFill>
+              </a:rPr>
+              <a:t>	</a:t>
+            </a:r>
+            <a:r>
+              <a:rPr lang="en-US" sz="1600" dirty="0" err="1" smtClean="0">
+                <a:solidFill>
+                  <a:schemeClr val="tx2">
+                    <a:lumMod val="60000"/>
+                    <a:lumOff val="40000"/>
+                  </a:schemeClr>
+                </a:solidFill>
+              </a:rPr>
+              <a:t>ssh</a:t>
+            </a:r>
+            <a:r>
+              <a:rPr lang="en-US" sz="1600" dirty="0" smtClean="0">
+                <a:solidFill>
+                  <a:schemeClr val="tx2">
+                    <a:lumMod val="60000"/>
+                    <a:lumOff val="40000"/>
+                  </a:schemeClr>
+                </a:solidFill>
+              </a:rPr>
+              <a:t> </a:t>
+            </a:r>
+            <a:r>
+              <a:rPr lang="zh-CN" altLang="en-US" sz="1600" dirty="0" smtClean="0">
+                <a:solidFill>
+                  <a:schemeClr val="tx2">
+                    <a:lumMod val="60000"/>
+                    <a:lumOff val="40000"/>
+                  </a:schemeClr>
+                </a:solidFill>
+              </a:rPr>
+              <a:t>用户名</a:t>
+            </a:r>
+            <a:r>
+              <a:rPr lang="en-US" sz="1600" dirty="0" smtClean="0">
+                <a:solidFill>
+                  <a:schemeClr val="tx2">
+                    <a:lumMod val="60000"/>
+                    <a:lumOff val="40000"/>
+                  </a:schemeClr>
+                </a:solidFill>
+              </a:rPr>
+              <a:t>@</a:t>
+            </a:r>
+            <a:r>
+              <a:rPr lang="zh-CN" altLang="en-US" sz="1600" dirty="0" smtClean="0">
+                <a:solidFill>
+                  <a:schemeClr val="tx2">
+                    <a:lumMod val="60000"/>
+                    <a:lumOff val="40000"/>
+                  </a:schemeClr>
+                </a:solidFill>
+              </a:rPr>
+              <a:t>服务器</a:t>
+            </a:r>
+            <a:r>
+              <a:rPr lang="en-US" altLang="zh-CN" sz="1600" dirty="0" smtClean="0">
+                <a:solidFill>
+                  <a:schemeClr val="tx2">
+                    <a:lumMod val="60000"/>
+                    <a:lumOff val="40000"/>
+                  </a:schemeClr>
+                </a:solidFill>
+              </a:rPr>
+              <a:t>IP</a:t>
+            </a:r>
+            <a:r>
+              <a:rPr lang="en-US" sz="1600" dirty="0" smtClean="0">
+                <a:solidFill>
+                  <a:schemeClr val="tx2">
+                    <a:lumMod val="60000"/>
+                    <a:lumOff val="40000"/>
+                  </a:schemeClr>
+                </a:solidFill>
+              </a:rPr>
+              <a:t> 'cat &gt;&gt; .</a:t>
+            </a:r>
+            <a:r>
+              <a:rPr lang="en-US" sz="1600" dirty="0" err="1" smtClean="0">
+                <a:solidFill>
+                  <a:schemeClr val="tx2">
+                    <a:lumMod val="60000"/>
+                    <a:lumOff val="40000"/>
+                  </a:schemeClr>
+                </a:solidFill>
+              </a:rPr>
+              <a:t>ssh</a:t>
+            </a:r>
+            <a:r>
+              <a:rPr lang="en-US" sz="1600" dirty="0" smtClean="0">
+                <a:solidFill>
+                  <a:schemeClr val="tx2">
+                    <a:lumMod val="60000"/>
+                    <a:lumOff val="40000"/>
+                  </a:schemeClr>
+                </a:solidFill>
+              </a:rPr>
+              <a:t>/</a:t>
+            </a:r>
+            <a:r>
+              <a:rPr lang="en-US" sz="1600" dirty="0" err="1" smtClean="0">
+                <a:solidFill>
+                  <a:schemeClr val="tx2">
+                    <a:lumMod val="60000"/>
+                    <a:lumOff val="40000"/>
+                  </a:schemeClr>
+                </a:solidFill>
+              </a:rPr>
+              <a:t>authorized_keys</a:t>
+            </a:r>
+            <a:r>
+              <a:rPr lang="en-US" sz="1600" dirty="0" smtClean="0">
+                <a:solidFill>
+                  <a:schemeClr val="tx2">
+                    <a:lumMod val="60000"/>
+                    <a:lumOff val="40000"/>
+                  </a:schemeClr>
+                </a:solidFill>
+              </a:rPr>
+              <a:t>' &lt; ~/.</a:t>
+            </a:r>
+            <a:r>
+              <a:rPr lang="en-US" sz="1600" dirty="0" err="1" smtClean="0">
+                <a:solidFill>
+                  <a:schemeClr val="tx2">
+                    <a:lumMod val="60000"/>
+                    <a:lumOff val="40000"/>
+                  </a:schemeClr>
+                </a:solidFill>
+              </a:rPr>
+              <a:t>ssh</a:t>
+            </a:r>
+            <a:r>
+              <a:rPr lang="en-US" sz="1600" dirty="0" smtClean="0">
+                <a:solidFill>
+                  <a:schemeClr val="tx2">
+                    <a:lumMod val="60000"/>
+                    <a:lumOff val="40000"/>
+                  </a:schemeClr>
+                </a:solidFill>
+              </a:rPr>
+              <a:t>/id_rsa.pub</a:t>
+            </a:r>
+            <a:endParaRPr lang="en-US" altLang="zh-CN" sz="1600" dirty="0" smtClean="0"/>
+          </a:p>
+          <a:p>
+            <a:pPr marL="457200" indent="-457200">
+              <a:lnSpc>
+                <a:spcPct val="90000"/>
+              </a:lnSpc>
+              <a:buNone/>
+            </a:pPr>
+            <a:r>
+              <a:rPr lang="en-US" sz="1600" dirty="0" smtClean="0"/>
+              <a:t>	</a:t>
+            </a:r>
+            <a:r>
+              <a:rPr lang="zh-CN" altLang="en-US" sz="1600" dirty="0" smtClean="0"/>
+              <a:t>如：</a:t>
+            </a:r>
+            <a:r>
+              <a:rPr lang="en-US" sz="1600" dirty="0" err="1" smtClean="0">
+                <a:solidFill>
+                  <a:schemeClr val="tx2">
+                    <a:lumMod val="60000"/>
+                    <a:lumOff val="40000"/>
+                  </a:schemeClr>
+                </a:solidFill>
+              </a:rPr>
+              <a:t>ssh</a:t>
+            </a:r>
+            <a:r>
+              <a:rPr lang="en-US" sz="1600" dirty="0" smtClean="0">
+                <a:solidFill>
+                  <a:schemeClr val="tx2">
+                    <a:lumMod val="60000"/>
+                    <a:lumOff val="40000"/>
+                  </a:schemeClr>
+                </a:solidFill>
+              </a:rPr>
+              <a:t> gitadmin@172.16.5.21 'cat &gt;&gt; .</a:t>
+            </a:r>
+            <a:r>
+              <a:rPr lang="en-US" sz="1600" dirty="0" err="1" smtClean="0">
+                <a:solidFill>
+                  <a:schemeClr val="tx2">
+                    <a:lumMod val="60000"/>
+                    <a:lumOff val="40000"/>
+                  </a:schemeClr>
+                </a:solidFill>
+              </a:rPr>
+              <a:t>ssh</a:t>
+            </a:r>
+            <a:r>
+              <a:rPr lang="en-US" sz="1600" dirty="0" smtClean="0">
+                <a:solidFill>
+                  <a:schemeClr val="tx2">
+                    <a:lumMod val="60000"/>
+                    <a:lumOff val="40000"/>
+                  </a:schemeClr>
+                </a:solidFill>
+              </a:rPr>
+              <a:t>/</a:t>
+            </a:r>
+            <a:r>
+              <a:rPr lang="en-US" sz="1600" dirty="0" err="1" smtClean="0">
+                <a:solidFill>
+                  <a:schemeClr val="tx2">
+                    <a:lumMod val="60000"/>
+                    <a:lumOff val="40000"/>
+                  </a:schemeClr>
+                </a:solidFill>
+              </a:rPr>
+              <a:t>authorized_keys</a:t>
+            </a:r>
+            <a:r>
+              <a:rPr lang="en-US" sz="1600" dirty="0" smtClean="0">
+                <a:solidFill>
+                  <a:schemeClr val="tx2">
+                    <a:lumMod val="60000"/>
+                    <a:lumOff val="40000"/>
+                  </a:schemeClr>
+                </a:solidFill>
+              </a:rPr>
+              <a:t>' &lt; ~/.</a:t>
+            </a:r>
+            <a:r>
+              <a:rPr lang="en-US" sz="1600" dirty="0" err="1" smtClean="0">
+                <a:solidFill>
+                  <a:schemeClr val="tx2">
+                    <a:lumMod val="60000"/>
+                    <a:lumOff val="40000"/>
+                  </a:schemeClr>
+                </a:solidFill>
+              </a:rPr>
+              <a:t>ssh</a:t>
+            </a:r>
+            <a:r>
+              <a:rPr lang="en-US" sz="1600" dirty="0" smtClean="0">
+                <a:solidFill>
+                  <a:schemeClr val="tx2">
+                    <a:lumMod val="60000"/>
+                    <a:lumOff val="40000"/>
+                  </a:schemeClr>
+                </a:solidFill>
+              </a:rPr>
+              <a:t>/id_rsa.pub</a:t>
+            </a:r>
+          </a:p>
+          <a:p>
+            <a:pPr marL="457200" indent="-457200">
+              <a:lnSpc>
+                <a:spcPct val="90000"/>
+              </a:lnSpc>
+              <a:buFont typeface="+mj-lt"/>
+              <a:buAutoNum type="arabicPeriod" startAt="2"/>
+            </a:pPr>
+            <a:r>
+              <a:rPr lang="zh-CN" altLang="en-US" sz="1600" dirty="0" smtClean="0"/>
+              <a:t>输入服务器端用户名的密码（注：注意数字键的锁定），没有后续提示即表明导入成功，可去服务器端的</a:t>
+            </a:r>
+            <a:r>
+              <a:rPr lang="en-US" altLang="zh-CN" sz="1600" dirty="0" smtClean="0"/>
+              <a:t>/</a:t>
+            </a:r>
+            <a:r>
+              <a:rPr lang="en-US" altLang="en-US" sz="1600" dirty="0" smtClean="0"/>
+              <a:t>home/</a:t>
+            </a:r>
+            <a:r>
+              <a:rPr lang="en-US" altLang="en-US" sz="1600" dirty="0" err="1" smtClean="0"/>
+              <a:t>git</a:t>
+            </a:r>
+            <a:r>
+              <a:rPr lang="en-US" altLang="zh-CN" sz="1600" dirty="0" err="1" smtClean="0"/>
+              <a:t>admin</a:t>
+            </a:r>
+            <a:r>
+              <a:rPr lang="en-US" altLang="en-US" sz="1600" dirty="0" smtClean="0"/>
+              <a:t>/.</a:t>
+            </a:r>
+            <a:r>
+              <a:rPr lang="en-US" altLang="en-US" sz="1600" dirty="0" err="1" smtClean="0"/>
+              <a:t>ssh</a:t>
+            </a:r>
+            <a:r>
+              <a:rPr lang="en-US" altLang="en-US" sz="1600" dirty="0" smtClean="0"/>
+              <a:t>/</a:t>
+            </a:r>
+            <a:r>
+              <a:rPr lang="en-US" altLang="en-US" sz="1600" dirty="0" err="1" smtClean="0"/>
+              <a:t>authorized_keys</a:t>
+            </a:r>
+            <a:r>
+              <a:rPr lang="zh-CN" altLang="en-US" sz="1600" dirty="0" smtClean="0"/>
+              <a:t>文件下查看导入的内容是否为客户端生成的公钥；</a:t>
+            </a:r>
+            <a:endParaRPr lang="en-US" altLang="zh-CN" sz="1600" dirty="0" smtClean="0"/>
+          </a:p>
+          <a:p>
+            <a:pPr marL="457200" indent="-457200">
+              <a:lnSpc>
+                <a:spcPct val="90000"/>
+              </a:lnSpc>
+              <a:buFont typeface="+mj-lt"/>
+              <a:buAutoNum type="arabicPeriod" startAt="2"/>
+            </a:pPr>
+            <a:r>
+              <a:rPr lang="zh-CN" altLang="en-US" sz="1600" dirty="0" smtClean="0"/>
+              <a:t>在服务器端修改 </a:t>
+            </a:r>
+            <a:r>
+              <a:rPr lang="en-US" altLang="zh-CN" sz="1600" dirty="0" smtClean="0"/>
+              <a:t>.</a:t>
+            </a:r>
+            <a:r>
+              <a:rPr lang="en-US" altLang="en-US" sz="1600" dirty="0" err="1" smtClean="0"/>
+              <a:t>ssh</a:t>
+            </a:r>
+            <a:r>
+              <a:rPr lang="en-US" altLang="en-US" sz="1600" dirty="0" smtClean="0"/>
+              <a:t> </a:t>
+            </a:r>
+            <a:r>
+              <a:rPr lang="zh-CN" altLang="en-US" sz="1600" dirty="0" smtClean="0"/>
+              <a:t>目录的权限为 </a:t>
+            </a:r>
+            <a:r>
+              <a:rPr lang="en-US" altLang="zh-CN" sz="1600" dirty="0" smtClean="0"/>
+              <a:t>700</a:t>
+            </a:r>
+            <a:r>
+              <a:rPr lang="zh-CN" altLang="en-US" sz="1600" dirty="0" smtClean="0"/>
+              <a:t>，修改 </a:t>
+            </a:r>
+            <a:r>
+              <a:rPr lang="en-US" altLang="zh-CN" sz="1600" dirty="0" smtClean="0"/>
+              <a:t>.</a:t>
+            </a:r>
+            <a:r>
+              <a:rPr lang="en-US" altLang="en-US" sz="1600" dirty="0" err="1" smtClean="0"/>
+              <a:t>ssh</a:t>
+            </a:r>
+            <a:r>
+              <a:rPr lang="en-US" altLang="en-US" sz="1600" dirty="0" smtClean="0"/>
+              <a:t>/</a:t>
+            </a:r>
+            <a:r>
+              <a:rPr lang="en-US" altLang="en-US" sz="1600" dirty="0" err="1" smtClean="0"/>
+              <a:t>authorized_keys</a:t>
+            </a:r>
+            <a:r>
+              <a:rPr lang="en-US" altLang="en-US" sz="1600" dirty="0" smtClean="0"/>
+              <a:t> </a:t>
+            </a:r>
+            <a:r>
+              <a:rPr lang="zh-CN" altLang="en-US" sz="1600" dirty="0" smtClean="0"/>
+              <a:t>文件的权限为 </a:t>
+            </a:r>
+            <a:r>
+              <a:rPr lang="en-US" altLang="zh-CN" sz="1600" dirty="0" smtClean="0"/>
+              <a:t>600</a:t>
+            </a:r>
+            <a:r>
+              <a:rPr lang="zh-CN" altLang="en-US" sz="1600" dirty="0" smtClean="0"/>
+              <a:t>；</a:t>
+            </a:r>
+          </a:p>
+          <a:p>
+            <a:pPr marL="457200" indent="-457200">
+              <a:lnSpc>
+                <a:spcPct val="90000"/>
+              </a:lnSpc>
+              <a:buFont typeface="+mj-lt"/>
+              <a:buAutoNum type="arabicPeriod" startAt="2"/>
+            </a:pPr>
+            <a:endParaRPr lang="en-US" sz="1600" dirty="0" smtClean="0"/>
+          </a:p>
+          <a:p>
+            <a:pPr>
+              <a:buNone/>
+            </a:pPr>
+            <a:endParaRPr lang="en-US" altLang="zh-CN" dirty="0" smtClean="0"/>
+          </a:p>
+          <a:p>
+            <a:pPr>
+              <a:buFont typeface="Wingdings" pitchFamily="2" charset="2"/>
+              <a:buChar char="Ø"/>
+            </a:pPr>
+            <a:r>
+              <a:rPr lang="zh-CN" altLang="en-US" sz="2400" dirty="0" smtClean="0"/>
+              <a:t>客户端再次 </a:t>
+            </a:r>
+            <a:r>
+              <a:rPr lang="en-US" altLang="zh-CN" sz="2400" dirty="0" smtClean="0"/>
+              <a:t>clone </a:t>
+            </a:r>
+            <a:r>
+              <a:rPr lang="zh-CN" altLang="en-US" sz="2400" dirty="0" smtClean="0"/>
+              <a:t>远程仓库</a:t>
+            </a:r>
+            <a:endParaRPr lang="en-US" altLang="zh-CN" sz="2400" dirty="0" smtClean="0"/>
+          </a:p>
+          <a:p>
+            <a:r>
+              <a:rPr lang="zh-CN" altLang="en-US" sz="1600" dirty="0" smtClean="0"/>
+              <a:t>输入</a:t>
+            </a:r>
+            <a:r>
+              <a:rPr lang="en-US" sz="1600" dirty="0" err="1" smtClean="0">
+                <a:solidFill>
+                  <a:schemeClr val="tx2">
+                    <a:lumMod val="60000"/>
+                    <a:lumOff val="40000"/>
+                  </a:schemeClr>
+                </a:solidFill>
+              </a:rPr>
+              <a:t>git</a:t>
+            </a:r>
+            <a:r>
+              <a:rPr lang="en-US" sz="1600" dirty="0" smtClean="0">
+                <a:solidFill>
+                  <a:schemeClr val="tx2">
+                    <a:lumMod val="60000"/>
+                    <a:lumOff val="40000"/>
+                  </a:schemeClr>
+                </a:solidFill>
+              </a:rPr>
+              <a:t> clone gitadmin@172.16.5.21:/home/</a:t>
+            </a:r>
+            <a:r>
+              <a:rPr lang="en-US" sz="1600" dirty="0" err="1" smtClean="0">
+                <a:solidFill>
+                  <a:schemeClr val="tx2">
+                    <a:lumMod val="60000"/>
+                    <a:lumOff val="40000"/>
+                  </a:schemeClr>
+                </a:solidFill>
+              </a:rPr>
+              <a:t>gitrepo</a:t>
+            </a:r>
+            <a:r>
+              <a:rPr lang="en-US" sz="1600" dirty="0" smtClean="0">
+                <a:solidFill>
+                  <a:schemeClr val="tx2">
+                    <a:lumMod val="60000"/>
+                    <a:lumOff val="40000"/>
+                  </a:schemeClr>
+                </a:solidFill>
+              </a:rPr>
+              <a:t>/learngit.git</a:t>
+            </a:r>
+            <a:r>
+              <a:rPr lang="zh-CN" altLang="en-US" sz="1600" dirty="0" smtClean="0"/>
+              <a:t>即可成功</a:t>
+            </a:r>
+            <a:r>
+              <a:rPr lang="en-US" altLang="zh-CN" sz="1600" dirty="0" smtClean="0"/>
+              <a:t>clone</a:t>
+            </a:r>
+            <a:r>
+              <a:rPr lang="zh-CN" altLang="en-US" sz="1600" dirty="0" smtClean="0"/>
+              <a:t>服务器端的项目到本地。</a:t>
+            </a:r>
+          </a:p>
+          <a:p>
+            <a:pPr>
+              <a:buFont typeface="Wingdings" pitchFamily="2" charset="2"/>
+              <a:buChar char="Ø"/>
+            </a:pPr>
+            <a:r>
+              <a:rPr lang="zh-CN" altLang="en-US" sz="2000" dirty="0" smtClean="0">
+                <a:solidFill>
+                  <a:srgbClr val="FF0000"/>
+                </a:solidFill>
+              </a:rPr>
+              <a:t>*（有问题，暂不操作）</a:t>
+            </a:r>
+            <a:r>
+              <a:rPr lang="zh-CN" altLang="en-US" sz="2000" dirty="0" smtClean="0"/>
+              <a:t>禁止 </a:t>
+            </a:r>
+            <a:r>
+              <a:rPr lang="en-US" altLang="zh-CN" sz="2000" dirty="0" err="1" smtClean="0"/>
+              <a:t>gitadmin</a:t>
+            </a:r>
+            <a:r>
+              <a:rPr lang="en-US" altLang="zh-CN" sz="2000" dirty="0" smtClean="0"/>
+              <a:t> </a:t>
+            </a:r>
+            <a:r>
+              <a:rPr lang="zh-CN" altLang="en-US" sz="2000" dirty="0" smtClean="0"/>
+              <a:t>用户 </a:t>
+            </a:r>
+            <a:r>
+              <a:rPr lang="en-US" altLang="zh-CN" sz="2000" dirty="0" err="1" smtClean="0"/>
+              <a:t>ssh</a:t>
+            </a:r>
+            <a:r>
+              <a:rPr lang="en-US" altLang="zh-CN" sz="2000" dirty="0" smtClean="0"/>
+              <a:t> </a:t>
+            </a:r>
+            <a:r>
+              <a:rPr lang="zh-CN" altLang="en-US" sz="2000" dirty="0" smtClean="0"/>
+              <a:t>登录服务器</a:t>
+            </a:r>
+          </a:p>
+          <a:p>
+            <a:pPr marL="457200" indent="-457200">
+              <a:lnSpc>
+                <a:spcPct val="90000"/>
+              </a:lnSpc>
+            </a:pPr>
+            <a:r>
+              <a:rPr lang="zh-CN" altLang="en-US" sz="1600" dirty="0" smtClean="0"/>
+              <a:t>使用</a:t>
+            </a:r>
+            <a:r>
+              <a:rPr lang="en-US" altLang="zh-CN" sz="1600" dirty="0" smtClean="0"/>
+              <a:t>root</a:t>
+            </a:r>
+            <a:r>
+              <a:rPr lang="zh-CN" altLang="en-US" sz="1600" dirty="0" smtClean="0"/>
+              <a:t>用户在服务器端编辑 </a:t>
+            </a:r>
+            <a:r>
+              <a:rPr lang="en-US" altLang="zh-CN" sz="1600" dirty="0" smtClean="0"/>
+              <a:t>/</a:t>
+            </a:r>
+            <a:r>
+              <a:rPr lang="en-US" altLang="en-US" sz="1600" dirty="0" smtClean="0"/>
+              <a:t>etc/</a:t>
+            </a:r>
+            <a:r>
+              <a:rPr lang="en-US" altLang="en-US" sz="1600" dirty="0" err="1" smtClean="0"/>
+              <a:t>passwd</a:t>
+            </a:r>
+            <a:r>
+              <a:rPr lang="zh-CN" altLang="en-US" sz="1600" dirty="0" smtClean="0"/>
+              <a:t>，此时 </a:t>
+            </a:r>
+            <a:r>
+              <a:rPr lang="en-US" altLang="zh-CN" sz="1600" dirty="0" err="1" smtClean="0"/>
+              <a:t>gitadmin</a:t>
+            </a:r>
+            <a:r>
+              <a:rPr lang="en-US" altLang="zh-CN" sz="1600" dirty="0" smtClean="0"/>
+              <a:t> </a:t>
+            </a:r>
+            <a:r>
+              <a:rPr lang="zh-CN" altLang="en-US" sz="1600" dirty="0" smtClean="0"/>
+              <a:t>用户可以正常通过 </a:t>
+            </a:r>
+            <a:r>
+              <a:rPr lang="en-US" altLang="zh-CN" sz="1600" dirty="0" err="1" smtClean="0"/>
+              <a:t>ssh</a:t>
+            </a:r>
+            <a:r>
+              <a:rPr lang="en-US" altLang="zh-CN" sz="1600" dirty="0" smtClean="0"/>
+              <a:t> </a:t>
+            </a:r>
+            <a:r>
+              <a:rPr lang="zh-CN" altLang="en-US" sz="1600" dirty="0" smtClean="0"/>
+              <a:t>使用 </a:t>
+            </a:r>
+            <a:r>
+              <a:rPr lang="en-US" altLang="zh-CN" sz="1600" dirty="0" err="1" smtClean="0"/>
+              <a:t>git</a:t>
+            </a:r>
+            <a:r>
+              <a:rPr lang="zh-CN" altLang="en-US" sz="1600" dirty="0" smtClean="0"/>
+              <a:t>，但无法通过 </a:t>
+            </a:r>
+            <a:r>
+              <a:rPr lang="en-US" altLang="zh-CN" sz="1600" dirty="0" err="1" smtClean="0"/>
+              <a:t>ssh</a:t>
+            </a:r>
+            <a:r>
+              <a:rPr lang="en-US" altLang="zh-CN" sz="1600" dirty="0" smtClean="0"/>
+              <a:t> </a:t>
+            </a:r>
+            <a:r>
+              <a:rPr lang="zh-CN" altLang="en-US" sz="1600" dirty="0" smtClean="0"/>
+              <a:t>登录系统。</a:t>
+            </a:r>
+            <a:endParaRPr lang="zh-CN" altLang="en-US" sz="1600" dirty="0"/>
+          </a:p>
+        </p:txBody>
+      </p:sp>
+      <p:pic>
+        <p:nvPicPr>
+          <p:cNvPr id="21506" name="Picture 2"/>
+          <p:cNvPicPr>
+            <a:picLocks noChangeAspect="1" noChangeArrowheads="1"/>
+          </p:cNvPicPr>
+          <p:nvPr/>
+        </p:nvPicPr>
+        <p:blipFill>
+          <a:blip r:embed="rId2"/>
+          <a:srcRect/>
+          <a:stretch>
+            <a:fillRect/>
+          </a:stretch>
+        </p:blipFill>
+        <p:spPr bwMode="auto">
+          <a:xfrm>
+            <a:off x="1000100" y="3214686"/>
+            <a:ext cx="4114800" cy="809625"/>
+          </a:xfrm>
+          <a:prstGeom prst="rect">
+            <a:avLst/>
+          </a:prstGeom>
+          <a:noFill/>
+          <a:ln w="9525">
+            <a:noFill/>
+            <a:miter lim="800000"/>
+            <a:headEnd/>
+            <a:tailEnd/>
+          </a:ln>
+          <a:effectLst/>
+        </p:spPr>
+      </p:pic>
+      <p:pic>
+        <p:nvPicPr>
+          <p:cNvPr id="21507" name="Picture 3"/>
+          <p:cNvPicPr>
+            <a:picLocks noChangeAspect="1" noChangeArrowheads="1"/>
+          </p:cNvPicPr>
+          <p:nvPr/>
+        </p:nvPicPr>
+        <p:blipFill>
+          <a:blip r:embed="rId3"/>
+          <a:srcRect/>
+          <a:stretch>
+            <a:fillRect/>
+          </a:stretch>
+        </p:blipFill>
+        <p:spPr bwMode="auto">
+          <a:xfrm>
+            <a:off x="857224" y="6000768"/>
+            <a:ext cx="3339216" cy="571504"/>
+          </a:xfrm>
+          <a:prstGeom prst="rect">
+            <a:avLst/>
+          </a:prstGeom>
+          <a:noFill/>
+          <a:ln w="9525">
+            <a:noFill/>
+            <a:miter lim="800000"/>
+            <a:headEnd/>
+            <a:tailEnd/>
+          </a:ln>
+          <a:effectLst/>
+        </p:spPr>
+      </p:pic>
+      <p:pic>
+        <p:nvPicPr>
+          <p:cNvPr id="21508" name="Picture 4"/>
+          <p:cNvPicPr>
+            <a:picLocks noChangeAspect="1" noChangeArrowheads="1"/>
+          </p:cNvPicPr>
+          <p:nvPr/>
+        </p:nvPicPr>
+        <p:blipFill>
+          <a:blip r:embed="rId4"/>
+          <a:srcRect/>
+          <a:stretch>
+            <a:fillRect/>
+          </a:stretch>
+        </p:blipFill>
+        <p:spPr bwMode="auto">
+          <a:xfrm>
+            <a:off x="5143504" y="6143644"/>
+            <a:ext cx="2850651" cy="357190"/>
+          </a:xfrm>
+          <a:prstGeom prst="rect">
+            <a:avLst/>
+          </a:prstGeom>
+          <a:noFill/>
+          <a:ln w="9525">
+            <a:noFill/>
+            <a:miter lim="800000"/>
+            <a:headEnd/>
+            <a:tailEnd/>
+          </a:ln>
+          <a:effectLst/>
+        </p:spPr>
+      </p:pic>
+      <p:sp>
+        <p:nvSpPr>
+          <p:cNvPr id="6" name="右箭头 5"/>
+          <p:cNvSpPr/>
+          <p:nvPr/>
+        </p:nvSpPr>
+        <p:spPr>
+          <a:xfrm>
+            <a:off x="4429124" y="6286520"/>
+            <a:ext cx="500066" cy="45719"/>
+          </a:xfrm>
+          <a:prstGeom prst="rightArrow">
+            <a:avLst/>
+          </a:prstGeom>
+          <a:solidFill>
+            <a:schemeClr val="tx2">
+              <a:lumMod val="60000"/>
+              <a:lumOff val="40000"/>
+            </a:schemeClr>
+          </a:solidFill>
+          <a:ln>
+            <a:solidFill>
+              <a:schemeClr val="tx2">
+                <a:lumMod val="60000"/>
+                <a:lumOff val="40000"/>
+              </a:schemeClr>
+            </a:solidFill>
+          </a:ln>
+        </p:spPr>
+        <p:style>
+          <a:lnRef idx="2">
+            <a:schemeClr val="accent1">
+              <a:shade val="50000"/>
+            </a:schemeClr>
+          </a:lnRef>
+          <a:fillRef idx="1">
+            <a:schemeClr val="accent1"/>
+          </a:fillRef>
+          <a:effectRef idx="0">
+            <a:schemeClr val="accent1"/>
+          </a:effectRef>
+          <a:fontRef idx="minor">
+            <a:schemeClr val="lt1"/>
+          </a:fontRef>
+        </p:style>
+        <p:txBody>
+          <a:bodyPr rtlCol="0" anchor="ctr"/>
+          <a:lstStyle/>
+          <a:p>
+            <a:pPr algn="ctr"/>
+            <a:endParaRPr lang="zh-CN" altLang="en-US"/>
+          </a:p>
+        </p:txBody>
+      </p:sp>
+    </p:spTree>
+  </p:cSld>
+  <p:clrMapOvr>
+    <a:masterClrMapping/>
+  </p:clrMapOvr>
+</p:sld>
+</file>
+
+<file path=ppt/slides/slide54.xml><?xml version="1.0" encoding="utf-8"?>
+<p:sld xmlns:a="http://schemas.openxmlformats.org/drawingml/2006/main" xmlns:r="http://schemas.openxmlformats.org/officeDocument/2006/relationships" xmlns:p="http://schemas.openxmlformats.org/presentationml/2006/main">
+  <p:cSld>
+    <p:spTree>
+      <p:nvGrpSpPr>
+        <p:cNvPr id="1" name=""/>
+        <p:cNvGrpSpPr/>
+        <p:nvPr/>
+      </p:nvGrpSpPr>
+      <p:grpSpPr>
+        <a:xfrm>
+          <a:off x="0" y="0"/>
+          <a:ext cx="0" cy="0"/>
+          <a:chOff x="0" y="0"/>
+          <a:chExt cx="0" cy="0"/>
+        </a:xfrm>
+      </p:grpSpPr>
+      <p:sp>
+        <p:nvSpPr>
+          <p:cNvPr id="2" name="标题 1"/>
+          <p:cNvSpPr>
+            <a:spLocks noGrp="1"/>
+          </p:cNvSpPr>
+          <p:nvPr>
+            <p:ph type="title"/>
+          </p:nvPr>
+        </p:nvSpPr>
+        <p:spPr/>
+        <p:txBody>
+          <a:bodyPr/>
+          <a:lstStyle/>
+          <a:p>
+            <a:r>
+              <a:rPr lang="zh-CN" altLang="en-US" dirty="0" smtClean="0"/>
+              <a:t>问题汇总</a:t>
+            </a:r>
+            <a:endParaRPr lang="zh-CN" altLang="en-US" dirty="0"/>
+          </a:p>
+        </p:txBody>
+      </p:sp>
+      <p:graphicFrame>
+        <p:nvGraphicFramePr>
+          <p:cNvPr id="6" name="对象 5">
+            <a:hlinkClick r:id="rId3" action="ppaction://hlinkfile"/>
+          </p:cNvPr>
+          <p:cNvGraphicFramePr>
+            <a:graphicFrameLocks noChangeAspect="1"/>
+          </p:cNvGraphicFramePr>
+          <p:nvPr/>
+        </p:nvGraphicFramePr>
+        <p:xfrm>
+          <a:off x="1714480" y="2143116"/>
+          <a:ext cx="914400" cy="828675"/>
+        </p:xfrm>
+        <a:graphic>
+          <a:graphicData uri="http://schemas.openxmlformats.org/presentationml/2006/ole">
+            <p:oleObj spid="_x0000_s8197" name="文档" showAsIcon="1" r:id="rId4" imgW="914400" imgH="828720" progId="Word.Document.12">
+              <p:link updateAutomatic="1"/>
+            </p:oleObj>
+          </a:graphicData>
+        </a:graphic>
+      </p:graphicFrame>
     </p:spTree>
   </p:cSld>
   <p:clrMapOvr>

--- a/ppt/git.pptx
+++ b/ppt/git.pptx
@@ -58,7 +58,9 @@
     <p:sldId id="309" r:id="rId52"/>
     <p:sldId id="310" r:id="rId53"/>
     <p:sldId id="311" r:id="rId54"/>
-    <p:sldId id="284" r:id="rId55"/>
+    <p:sldId id="312" r:id="rId55"/>
+    <p:sldId id="313" r:id="rId56"/>
+    <p:sldId id="284" r:id="rId57"/>
   </p:sldIdLst>
   <p:sldSz cx="9144000" cy="6858000" type="screen4x3"/>
   <p:notesSz cx="6858000" cy="9144000"/>
@@ -342,7 +344,7 @@
             <a:fld id="{530820CF-B880-4189-942D-D702A7CBA730}" type="datetimeFigureOut">
               <a:rPr lang="zh-CN" altLang="en-US" smtClean="0"/>
               <a:pPr/>
-              <a:t>2018/11/19</a:t>
+              <a:t>2018/11/20</a:t>
             </a:fld>
             <a:endParaRPr lang="zh-CN" altLang="en-US"/>
           </a:p>
@@ -509,7 +511,7 @@
             <a:fld id="{530820CF-B880-4189-942D-D702A7CBA730}" type="datetimeFigureOut">
               <a:rPr lang="zh-CN" altLang="en-US" smtClean="0"/>
               <a:pPr/>
-              <a:t>2018/11/19</a:t>
+              <a:t>2018/11/20</a:t>
             </a:fld>
             <a:endParaRPr lang="zh-CN" altLang="en-US"/>
           </a:p>
@@ -686,7 +688,7 @@
             <a:fld id="{530820CF-B880-4189-942D-D702A7CBA730}" type="datetimeFigureOut">
               <a:rPr lang="zh-CN" altLang="en-US" smtClean="0"/>
               <a:pPr/>
-              <a:t>2018/11/19</a:t>
+              <a:t>2018/11/20</a:t>
             </a:fld>
             <a:endParaRPr lang="zh-CN" altLang="en-US"/>
           </a:p>
@@ -853,7 +855,7 @@
             <a:fld id="{530820CF-B880-4189-942D-D702A7CBA730}" type="datetimeFigureOut">
               <a:rPr lang="zh-CN" altLang="en-US" smtClean="0"/>
               <a:pPr/>
-              <a:t>2018/11/19</a:t>
+              <a:t>2018/11/20</a:t>
             </a:fld>
             <a:endParaRPr lang="zh-CN" altLang="en-US"/>
           </a:p>
@@ -1096,7 +1098,7 @@
             <a:fld id="{530820CF-B880-4189-942D-D702A7CBA730}" type="datetimeFigureOut">
               <a:rPr lang="zh-CN" altLang="en-US" smtClean="0"/>
               <a:pPr/>
-              <a:t>2018/11/19</a:t>
+              <a:t>2018/11/20</a:t>
             </a:fld>
             <a:endParaRPr lang="zh-CN" altLang="en-US"/>
           </a:p>
@@ -1381,7 +1383,7 @@
             <a:fld id="{530820CF-B880-4189-942D-D702A7CBA730}" type="datetimeFigureOut">
               <a:rPr lang="zh-CN" altLang="en-US" smtClean="0"/>
               <a:pPr/>
-              <a:t>2018/11/19</a:t>
+              <a:t>2018/11/20</a:t>
             </a:fld>
             <a:endParaRPr lang="zh-CN" altLang="en-US"/>
           </a:p>
@@ -1800,7 +1802,7 @@
             <a:fld id="{530820CF-B880-4189-942D-D702A7CBA730}" type="datetimeFigureOut">
               <a:rPr lang="zh-CN" altLang="en-US" smtClean="0"/>
               <a:pPr/>
-              <a:t>2018/11/19</a:t>
+              <a:t>2018/11/20</a:t>
             </a:fld>
             <a:endParaRPr lang="zh-CN" altLang="en-US"/>
           </a:p>
@@ -1915,7 +1917,7 @@
             <a:fld id="{530820CF-B880-4189-942D-D702A7CBA730}" type="datetimeFigureOut">
               <a:rPr lang="zh-CN" altLang="en-US" smtClean="0"/>
               <a:pPr/>
-              <a:t>2018/11/19</a:t>
+              <a:t>2018/11/20</a:t>
             </a:fld>
             <a:endParaRPr lang="zh-CN" altLang="en-US"/>
           </a:p>
@@ -2007,7 +2009,7 @@
             <a:fld id="{530820CF-B880-4189-942D-D702A7CBA730}" type="datetimeFigureOut">
               <a:rPr lang="zh-CN" altLang="en-US" smtClean="0"/>
               <a:pPr/>
-              <a:t>2018/11/19</a:t>
+              <a:t>2018/11/20</a:t>
             </a:fld>
             <a:endParaRPr lang="zh-CN" altLang="en-US"/>
           </a:p>
@@ -2281,7 +2283,7 @@
             <a:fld id="{530820CF-B880-4189-942D-D702A7CBA730}" type="datetimeFigureOut">
               <a:rPr lang="zh-CN" altLang="en-US" smtClean="0"/>
               <a:pPr/>
-              <a:t>2018/11/19</a:t>
+              <a:t>2018/11/20</a:t>
             </a:fld>
             <a:endParaRPr lang="zh-CN" altLang="en-US"/>
           </a:p>
@@ -2531,7 +2533,7 @@
             <a:fld id="{530820CF-B880-4189-942D-D702A7CBA730}" type="datetimeFigureOut">
               <a:rPr lang="zh-CN" altLang="en-US" smtClean="0"/>
               <a:pPr/>
-              <a:t>2018/11/19</a:t>
+              <a:t>2018/11/20</a:t>
             </a:fld>
             <a:endParaRPr lang="zh-CN" altLang="en-US"/>
           </a:p>
@@ -2741,7 +2743,7 @@
             <a:fld id="{530820CF-B880-4189-942D-D702A7CBA730}" type="datetimeFigureOut">
               <a:rPr lang="zh-CN" altLang="en-US" smtClean="0"/>
               <a:pPr/>
-              <a:t>2018/11/19</a:t>
+              <a:t>2018/11/20</a:t>
             </a:fld>
             <a:endParaRPr lang="zh-CN" altLang="en-US"/>
           </a:p>
@@ -18488,12 +18490,840 @@
             <p:ph idx="1"/>
           </p:nvPr>
         </p:nvSpPr>
-        <p:spPr/>
+        <p:spPr>
+          <a:xfrm>
+            <a:off x="457200" y="1600200"/>
+            <a:ext cx="8229600" cy="4972072"/>
+          </a:xfrm>
+        </p:spPr>
         <p:txBody>
-          <a:bodyPr/>
+          <a:bodyPr>
+            <a:normAutofit fontScale="77500" lnSpcReduction="20000"/>
+          </a:bodyPr>
           <a:lstStyle/>
           <a:p>
-            <a:endParaRPr lang="zh-CN" altLang="en-US"/>
+            <a:r>
+              <a:rPr lang="zh-CN" altLang="en-US" sz="2300" dirty="0" smtClean="0"/>
+              <a:t>网址：</a:t>
+            </a:r>
+            <a:r>
+              <a:rPr lang="en-US" altLang="zh-CN" sz="2300" dirty="0" smtClean="0"/>
+              <a:t> https</a:t>
+            </a:r>
+            <a:r>
+              <a:rPr lang="en-US" altLang="zh-CN" sz="2300" dirty="0" smtClean="0"/>
+              <a:t>://gitee.com/</a:t>
+            </a:r>
+          </a:p>
+          <a:p>
+            <a:r>
+              <a:rPr lang="zh-CN" altLang="en-US" sz="2300" dirty="0" smtClean="0"/>
+              <a:t>使用码云和使用</a:t>
+            </a:r>
+            <a:r>
+              <a:rPr lang="en-US" altLang="zh-CN" sz="2300" dirty="0" err="1" smtClean="0"/>
+              <a:t>GitHub</a:t>
+            </a:r>
+            <a:r>
+              <a:rPr lang="zh-CN" altLang="en-US" sz="2300" dirty="0" smtClean="0"/>
+              <a:t>类似</a:t>
+            </a:r>
+            <a:r>
+              <a:rPr lang="zh-CN" altLang="en-US" sz="2300" dirty="0" smtClean="0"/>
+              <a:t>，在</a:t>
+            </a:r>
+            <a:r>
+              <a:rPr lang="zh-CN" altLang="en-US" sz="2300" dirty="0" smtClean="0"/>
+              <a:t>码云上注册账号并登录后，需要先上传自己的</a:t>
+            </a:r>
+            <a:r>
+              <a:rPr lang="en-US" altLang="zh-CN" sz="2300" dirty="0" smtClean="0"/>
+              <a:t>SSH</a:t>
+            </a:r>
+            <a:r>
+              <a:rPr lang="zh-CN" altLang="en-US" sz="2300" dirty="0" smtClean="0"/>
+              <a:t>公钥。选择右上角用户头像 </a:t>
+            </a:r>
+            <a:r>
+              <a:rPr lang="en-US" altLang="zh-CN" sz="2300" dirty="0" smtClean="0"/>
+              <a:t>-&gt; </a:t>
+            </a:r>
+            <a:r>
+              <a:rPr lang="zh-CN" altLang="en-US" sz="2300" dirty="0" smtClean="0"/>
+              <a:t>菜单“修改资料”，然后选择“</a:t>
+            </a:r>
+            <a:r>
+              <a:rPr lang="en-US" altLang="zh-CN" sz="2300" dirty="0" smtClean="0"/>
+              <a:t>SSH</a:t>
+            </a:r>
+            <a:r>
+              <a:rPr lang="zh-CN" altLang="en-US" sz="2300" dirty="0" smtClean="0"/>
+              <a:t>公钥”，填写一个便于识别的标题，然后把用户主目录下的</a:t>
+            </a:r>
+            <a:r>
+              <a:rPr lang="en-US" altLang="zh-CN" sz="2300" dirty="0" smtClean="0"/>
+              <a:t>.</a:t>
+            </a:r>
+            <a:r>
+              <a:rPr lang="en-US" altLang="zh-CN" sz="2300" dirty="0" err="1" smtClean="0"/>
+              <a:t>ssh</a:t>
+            </a:r>
+            <a:r>
+              <a:rPr lang="en-US" altLang="zh-CN" sz="2300" dirty="0" smtClean="0"/>
+              <a:t>/id_rsa.pub</a:t>
+            </a:r>
+            <a:r>
+              <a:rPr lang="zh-CN" altLang="en-US" sz="2300" dirty="0" smtClean="0"/>
+              <a:t>文件的内容粘贴</a:t>
+            </a:r>
+            <a:r>
+              <a:rPr lang="zh-CN" altLang="en-US" sz="2300" dirty="0" smtClean="0"/>
+              <a:t>进去，</a:t>
+            </a:r>
+            <a:r>
+              <a:rPr lang="zh-CN" altLang="en-US" sz="2300" dirty="0" smtClean="0"/>
+              <a:t>点击“确定”即可完成并</a:t>
+            </a:r>
+            <a:r>
+              <a:rPr lang="zh-CN" altLang="en-US" sz="2300" dirty="0" smtClean="0"/>
+              <a:t>看到添加</a:t>
+            </a:r>
+            <a:r>
+              <a:rPr lang="zh-CN" altLang="en-US" sz="2300" dirty="0" smtClean="0"/>
+              <a:t>的</a:t>
+            </a:r>
+            <a:r>
+              <a:rPr lang="en-US" altLang="zh-CN" sz="2300" dirty="0" smtClean="0"/>
+              <a:t>Key</a:t>
+            </a:r>
+            <a:r>
+              <a:rPr lang="zh-CN" altLang="en-US" sz="2300" dirty="0" smtClean="0"/>
+              <a:t>。</a:t>
+            </a:r>
+            <a:endParaRPr lang="en-US" altLang="zh-CN" sz="2300" dirty="0" smtClean="0"/>
+          </a:p>
+          <a:p>
+            <a:r>
+              <a:rPr lang="zh-CN" altLang="en-US" sz="2300" dirty="0" smtClean="0"/>
+              <a:t>如果已经</a:t>
+            </a:r>
+            <a:r>
+              <a:rPr lang="zh-CN" altLang="en-US" sz="2300" dirty="0" smtClean="0"/>
+              <a:t>有了一个本地的</a:t>
+            </a:r>
+            <a:r>
+              <a:rPr lang="en-US" altLang="zh-CN" sz="2300" dirty="0" err="1" smtClean="0"/>
+              <a:t>git</a:t>
+            </a:r>
+            <a:r>
+              <a:rPr lang="zh-CN" altLang="en-US" sz="2300" dirty="0" smtClean="0"/>
+              <a:t>仓库，可通过以下操作把它关联到码云的远程库上：</a:t>
+            </a:r>
+            <a:endParaRPr lang="zh-CN" altLang="en-US" sz="2300" dirty="0" smtClean="0"/>
+          </a:p>
+          <a:p>
+            <a:pPr marL="457200" indent="-457200">
+              <a:buFont typeface="+mj-lt"/>
+              <a:buAutoNum type="arabicPeriod"/>
+            </a:pPr>
+            <a:r>
+              <a:rPr lang="zh-CN" altLang="en-US" sz="2300" dirty="0" smtClean="0"/>
+              <a:t>在</a:t>
+            </a:r>
+            <a:r>
+              <a:rPr lang="zh-CN" altLang="en-US" sz="2300" dirty="0" smtClean="0"/>
+              <a:t>码云上创建一个新的项目，选择右上角用户头像 </a:t>
+            </a:r>
+            <a:r>
+              <a:rPr lang="en-US" altLang="zh-CN" sz="2300" dirty="0" smtClean="0"/>
+              <a:t>-&gt; </a:t>
+            </a:r>
+            <a:r>
+              <a:rPr lang="zh-CN" altLang="en-US" sz="2300" dirty="0" smtClean="0"/>
+              <a:t>菜单“控制面板”，然后点击</a:t>
+            </a:r>
+            <a:r>
+              <a:rPr lang="zh-CN" altLang="en-US" sz="2300" dirty="0" smtClean="0"/>
+              <a:t>“创建项目”，填写内容后点击创建即可（</a:t>
+            </a:r>
+            <a:r>
+              <a:rPr lang="zh-CN" altLang="en-US" sz="2300" dirty="0" smtClean="0"/>
+              <a:t>项目名称最好与本地库保持一致</a:t>
+            </a:r>
+            <a:r>
+              <a:rPr lang="zh-CN" altLang="en-US" sz="2300" dirty="0" smtClean="0"/>
+              <a:t>）</a:t>
+            </a:r>
+            <a:endParaRPr lang="en-US" altLang="zh-CN" sz="2300" dirty="0" smtClean="0"/>
+          </a:p>
+          <a:p>
+            <a:pPr marL="457200" indent="-457200">
+              <a:buFont typeface="+mj-lt"/>
+              <a:buAutoNum type="arabicPeriod"/>
+            </a:pPr>
+            <a:r>
+              <a:rPr lang="zh-CN" altLang="en-US" sz="2300" dirty="0" smtClean="0"/>
+              <a:t>在本地库上使用命令</a:t>
+            </a:r>
+            <a:r>
+              <a:rPr lang="en-US" sz="2300" dirty="0" err="1" smtClean="0"/>
+              <a:t>git</a:t>
+            </a:r>
+            <a:r>
+              <a:rPr lang="en-US" sz="2300" dirty="0" smtClean="0"/>
+              <a:t> remote add</a:t>
+            </a:r>
+            <a:r>
+              <a:rPr lang="zh-CN" altLang="en-US" sz="2300" dirty="0" smtClean="0"/>
+              <a:t>把它和码云的远程库</a:t>
+            </a:r>
+            <a:r>
+              <a:rPr lang="zh-CN" altLang="en-US" sz="2300" dirty="0" smtClean="0"/>
+              <a:t>关联：</a:t>
+            </a:r>
+            <a:endParaRPr lang="en-US" altLang="zh-CN" sz="2300" dirty="0" smtClean="0"/>
+          </a:p>
+          <a:p>
+            <a:pPr marL="457200" indent="-457200">
+              <a:buFont typeface="Wingdings" pitchFamily="2" charset="2"/>
+              <a:buChar char="Ø"/>
+            </a:pPr>
+            <a:r>
+              <a:rPr lang="zh-CN" altLang="en-US" sz="2300" dirty="0" smtClean="0"/>
+              <a:t>若未关联至其他远程库或关联的远程库名不为</a:t>
+            </a:r>
+            <a:r>
+              <a:rPr lang="en-US" altLang="zh-CN" sz="2300" dirty="0" smtClean="0"/>
+              <a:t>origin</a:t>
+            </a:r>
+            <a:r>
+              <a:rPr lang="zh-CN" altLang="en-US" sz="2300" dirty="0" smtClean="0"/>
+              <a:t>，则输入：</a:t>
+            </a:r>
+            <a:endParaRPr lang="en-US" altLang="zh-CN" sz="2300" dirty="0" smtClean="0"/>
+          </a:p>
+          <a:p>
+            <a:pPr marL="457200" indent="-457200">
+              <a:buNone/>
+            </a:pPr>
+            <a:r>
+              <a:rPr lang="en-US" sz="2300" dirty="0" smtClean="0"/>
+              <a:t>	</a:t>
+            </a:r>
+            <a:r>
+              <a:rPr lang="en-US" sz="2300" dirty="0" err="1" smtClean="0">
+                <a:solidFill>
+                  <a:schemeClr val="tx2">
+                    <a:lumMod val="60000"/>
+                    <a:lumOff val="40000"/>
+                  </a:schemeClr>
+                </a:solidFill>
+              </a:rPr>
+              <a:t>git</a:t>
+            </a:r>
+            <a:r>
+              <a:rPr lang="en-US" sz="2300" dirty="0" smtClean="0">
+                <a:solidFill>
+                  <a:schemeClr val="tx2">
+                    <a:lumMod val="60000"/>
+                    <a:lumOff val="40000"/>
+                  </a:schemeClr>
+                </a:solidFill>
+              </a:rPr>
+              <a:t> </a:t>
+            </a:r>
+            <a:r>
+              <a:rPr lang="en-US" sz="2300" dirty="0" smtClean="0">
+                <a:solidFill>
+                  <a:schemeClr val="tx2">
+                    <a:lumMod val="60000"/>
+                    <a:lumOff val="40000"/>
+                  </a:schemeClr>
+                </a:solidFill>
+              </a:rPr>
+              <a:t>remote add origin </a:t>
+            </a:r>
+            <a:r>
+              <a:rPr lang="en-US" sz="2300" dirty="0" smtClean="0">
+                <a:solidFill>
+                  <a:schemeClr val="tx2">
+                    <a:lumMod val="60000"/>
+                    <a:lumOff val="40000"/>
+                  </a:schemeClr>
+                </a:solidFill>
+              </a:rPr>
+              <a:t>git@gitee.com:</a:t>
+            </a:r>
+            <a:r>
+              <a:rPr lang="en-US" altLang="zh-CN" sz="2300" dirty="0" smtClean="0">
+                <a:solidFill>
+                  <a:schemeClr val="tx2">
+                    <a:lumMod val="60000"/>
+                    <a:lumOff val="40000"/>
+                  </a:schemeClr>
+                </a:solidFill>
+              </a:rPr>
+              <a:t>dongyun715</a:t>
+            </a:r>
+            <a:r>
+              <a:rPr lang="en-US" sz="2300" dirty="0" smtClean="0">
+                <a:solidFill>
+                  <a:schemeClr val="tx2">
+                    <a:lumMod val="60000"/>
+                    <a:lumOff val="40000"/>
+                  </a:schemeClr>
+                </a:solidFill>
+              </a:rPr>
+              <a:t>/learngit.git</a:t>
+            </a:r>
+          </a:p>
+          <a:p>
+            <a:pPr marL="457200" indent="-457200">
+              <a:buFont typeface="Wingdings" pitchFamily="2" charset="2"/>
+              <a:buChar char="Ø"/>
+            </a:pPr>
+            <a:r>
+              <a:rPr lang="zh-CN" altLang="en-US" sz="2300" dirty="0" smtClean="0"/>
+              <a:t>若已关联至其他库，且远程库名为默认库名</a:t>
+            </a:r>
+            <a:r>
+              <a:rPr lang="en-US" altLang="zh-CN" sz="2300" dirty="0" smtClean="0"/>
+              <a:t>origin</a:t>
+            </a:r>
+            <a:r>
+              <a:rPr lang="zh-CN" altLang="en-US" sz="2300" dirty="0" smtClean="0"/>
+              <a:t>，则输入：</a:t>
+            </a:r>
+            <a:endParaRPr lang="en-US" altLang="zh-CN" sz="2300" dirty="0" smtClean="0"/>
+          </a:p>
+          <a:p>
+            <a:pPr marL="457200" indent="-457200">
+              <a:buNone/>
+            </a:pPr>
+            <a:r>
+              <a:rPr lang="en-US" sz="2300" dirty="0" smtClean="0"/>
+              <a:t>	</a:t>
+            </a:r>
+            <a:r>
+              <a:rPr lang="en-US" sz="2300" dirty="0" err="1" smtClean="0">
+                <a:solidFill>
+                  <a:schemeClr val="tx2">
+                    <a:lumMod val="60000"/>
+                    <a:lumOff val="40000"/>
+                  </a:schemeClr>
+                </a:solidFill>
+              </a:rPr>
+              <a:t>git</a:t>
+            </a:r>
+            <a:r>
+              <a:rPr lang="en-US" sz="2300" dirty="0" smtClean="0">
+                <a:solidFill>
+                  <a:schemeClr val="tx2">
+                    <a:lumMod val="60000"/>
+                    <a:lumOff val="40000"/>
+                  </a:schemeClr>
+                </a:solidFill>
+              </a:rPr>
+              <a:t> </a:t>
+            </a:r>
+            <a:r>
+              <a:rPr lang="en-US" sz="2300" dirty="0" smtClean="0">
+                <a:solidFill>
+                  <a:schemeClr val="tx2">
+                    <a:lumMod val="60000"/>
+                    <a:lumOff val="40000"/>
+                  </a:schemeClr>
+                </a:solidFill>
+              </a:rPr>
+              <a:t>remote add </a:t>
+            </a:r>
+            <a:r>
+              <a:rPr lang="en-US" sz="2300" dirty="0" err="1" smtClean="0">
+                <a:solidFill>
+                  <a:schemeClr val="tx2">
+                    <a:lumMod val="60000"/>
+                    <a:lumOff val="40000"/>
+                  </a:schemeClr>
+                </a:solidFill>
+              </a:rPr>
+              <a:t>gitee</a:t>
+            </a:r>
+            <a:r>
+              <a:rPr lang="en-US" sz="2300" dirty="0" smtClean="0">
+                <a:solidFill>
+                  <a:schemeClr val="tx2">
+                    <a:lumMod val="60000"/>
+                    <a:lumOff val="40000"/>
+                  </a:schemeClr>
+                </a:solidFill>
+              </a:rPr>
+              <a:t> </a:t>
+            </a:r>
+            <a:r>
+              <a:rPr lang="en-US" sz="2300" dirty="0" smtClean="0">
+                <a:solidFill>
+                  <a:schemeClr val="tx2">
+                    <a:lumMod val="60000"/>
+                    <a:lumOff val="40000"/>
+                  </a:schemeClr>
+                </a:solidFill>
+              </a:rPr>
+              <a:t>git@gitee.com:dongyun715/learngit.git</a:t>
+            </a:r>
+          </a:p>
+          <a:p>
+            <a:pPr marL="457200" indent="-457200">
+              <a:buFont typeface="+mj-lt"/>
+              <a:buAutoNum type="arabicPeriod" startAt="3"/>
+            </a:pPr>
+            <a:r>
+              <a:rPr lang="zh-CN" altLang="en-US" sz="2300" dirty="0" smtClean="0"/>
+              <a:t>之后就可以正常使用</a:t>
+            </a:r>
+            <a:r>
+              <a:rPr lang="en-US" sz="2300" dirty="0" err="1" smtClean="0"/>
+              <a:t>git</a:t>
+            </a:r>
+            <a:r>
+              <a:rPr lang="en-US" sz="2300" dirty="0" smtClean="0"/>
+              <a:t> push</a:t>
+            </a:r>
+            <a:r>
+              <a:rPr lang="zh-CN" altLang="en-US" sz="2300" dirty="0" smtClean="0"/>
+              <a:t>和</a:t>
+            </a:r>
+            <a:r>
+              <a:rPr lang="en-US" sz="2300" dirty="0" err="1" smtClean="0"/>
+              <a:t>git</a:t>
+            </a:r>
+            <a:r>
+              <a:rPr lang="en-US" sz="2300" dirty="0" smtClean="0"/>
+              <a:t> </a:t>
+            </a:r>
+            <a:r>
+              <a:rPr lang="en-US" sz="2300" dirty="0" smtClean="0"/>
+              <a:t>pull</a:t>
+            </a:r>
+            <a:r>
+              <a:rPr lang="zh-CN" altLang="en-US" sz="2300" dirty="0" smtClean="0"/>
+              <a:t>推送或拉取项目；</a:t>
+            </a:r>
+            <a:r>
+              <a:rPr lang="zh-CN" altLang="en-US" sz="2300" dirty="0" smtClean="0"/>
+              <a:t>可输入</a:t>
+            </a:r>
+            <a:r>
+              <a:rPr lang="en-US" sz="2300" dirty="0" err="1" smtClean="0">
+                <a:solidFill>
+                  <a:schemeClr val="tx2">
+                    <a:lumMod val="60000"/>
+                    <a:lumOff val="40000"/>
+                  </a:schemeClr>
+                </a:solidFill>
+              </a:rPr>
+              <a:t>git</a:t>
+            </a:r>
+            <a:r>
+              <a:rPr lang="en-US" sz="2300" dirty="0" smtClean="0">
+                <a:solidFill>
+                  <a:schemeClr val="tx2">
+                    <a:lumMod val="60000"/>
+                    <a:lumOff val="40000"/>
+                  </a:schemeClr>
+                </a:solidFill>
+              </a:rPr>
+              <a:t> remote -v</a:t>
+            </a:r>
+            <a:r>
+              <a:rPr lang="zh-CN" altLang="en-US" sz="2300" dirty="0" smtClean="0"/>
+              <a:t>查看远程库</a:t>
+            </a:r>
+            <a:r>
+              <a:rPr lang="zh-CN" altLang="en-US" sz="2300" dirty="0" smtClean="0"/>
+              <a:t>信息。</a:t>
+            </a:r>
+            <a:endParaRPr lang="zh-CN" altLang="en-US" sz="2300" dirty="0" smtClean="0">
+              <a:solidFill>
+                <a:schemeClr val="tx2">
+                  <a:lumMod val="60000"/>
+                  <a:lumOff val="40000"/>
+                </a:schemeClr>
+              </a:solidFill>
+            </a:endParaRPr>
+          </a:p>
+          <a:p>
+            <a:pPr>
+              <a:buFont typeface="Wingdings" pitchFamily="2" charset="2"/>
+              <a:buChar char="Ø"/>
+            </a:pPr>
+            <a:r>
+              <a:rPr lang="zh-CN" altLang="en-US" sz="1700" dirty="0" smtClean="0"/>
+              <a:t>注：</a:t>
+            </a:r>
+            <a:r>
+              <a:rPr lang="en-US" altLang="zh-CN" sz="1700" dirty="0" smtClean="0"/>
+              <a:t> </a:t>
+            </a:r>
+            <a:r>
+              <a:rPr lang="zh-CN" altLang="en-US" sz="1700" dirty="0" smtClean="0"/>
+              <a:t>第</a:t>
+            </a:r>
+            <a:r>
+              <a:rPr lang="en-US" altLang="zh-CN" sz="1700" dirty="0" smtClean="0"/>
+              <a:t>2</a:t>
+            </a:r>
+            <a:r>
+              <a:rPr lang="zh-CN" altLang="en-US" sz="1700" dirty="0" smtClean="0"/>
+              <a:t>步第一种情况</a:t>
+            </a:r>
+            <a:r>
+              <a:rPr lang="en-US" altLang="zh-CN" sz="1700" dirty="0" err="1" smtClean="0"/>
+              <a:t>git</a:t>
+            </a:r>
+            <a:r>
+              <a:rPr lang="en-US" altLang="zh-CN" sz="1700" dirty="0" smtClean="0"/>
+              <a:t> push</a:t>
+            </a:r>
+            <a:r>
+              <a:rPr lang="zh-CN" altLang="en-US" sz="1700" dirty="0" smtClean="0"/>
+              <a:t>时</a:t>
+            </a:r>
+            <a:r>
+              <a:rPr lang="zh-CN" altLang="en-US" sz="1700" dirty="0" smtClean="0"/>
+              <a:t>输入</a:t>
+            </a:r>
+            <a:r>
+              <a:rPr lang="en-US" sz="1700" dirty="0" err="1" smtClean="0">
+                <a:solidFill>
+                  <a:schemeClr val="tx2">
+                    <a:lumMod val="60000"/>
+                    <a:lumOff val="40000"/>
+                  </a:schemeClr>
+                </a:solidFill>
+              </a:rPr>
+              <a:t>git</a:t>
+            </a:r>
+            <a:r>
+              <a:rPr lang="en-US" sz="1700" dirty="0" smtClean="0">
+                <a:solidFill>
+                  <a:schemeClr val="tx2">
+                    <a:lumMod val="60000"/>
+                    <a:lumOff val="40000"/>
+                  </a:schemeClr>
+                </a:solidFill>
+              </a:rPr>
+              <a:t> push </a:t>
+            </a:r>
+            <a:r>
+              <a:rPr lang="en-US" altLang="zh-CN" sz="1700" b="1" dirty="0" smtClean="0">
+                <a:solidFill>
+                  <a:schemeClr val="tx2">
+                    <a:lumMod val="60000"/>
+                    <a:lumOff val="40000"/>
+                  </a:schemeClr>
+                </a:solidFill>
+              </a:rPr>
+              <a:t>origin</a:t>
+            </a:r>
+            <a:r>
+              <a:rPr lang="en-US" sz="1700" dirty="0" smtClean="0">
+                <a:solidFill>
+                  <a:schemeClr val="tx2">
+                    <a:lumMod val="60000"/>
+                    <a:lumOff val="40000"/>
+                  </a:schemeClr>
+                </a:solidFill>
+              </a:rPr>
+              <a:t> master</a:t>
+            </a:r>
+            <a:r>
+              <a:rPr lang="zh-CN" altLang="en-US" sz="1700" dirty="0" smtClean="0"/>
+              <a:t>；</a:t>
+            </a:r>
+            <a:r>
+              <a:rPr lang="en-US" altLang="zh-CN" sz="1700" dirty="0" err="1" smtClean="0"/>
+              <a:t>git</a:t>
+            </a:r>
+            <a:r>
+              <a:rPr lang="en-US" altLang="zh-CN" sz="1700" dirty="0" smtClean="0"/>
+              <a:t> pull</a:t>
+            </a:r>
+            <a:r>
+              <a:rPr lang="zh-CN" altLang="en-US" sz="1700" dirty="0" smtClean="0"/>
+              <a:t>时输入</a:t>
+            </a:r>
+            <a:r>
+              <a:rPr lang="en-US" altLang="zh-CN" sz="1700" dirty="0" err="1" smtClean="0">
+                <a:solidFill>
+                  <a:schemeClr val="tx2">
+                    <a:lumMod val="60000"/>
+                    <a:lumOff val="40000"/>
+                  </a:schemeClr>
+                </a:solidFill>
+              </a:rPr>
+              <a:t>git</a:t>
+            </a:r>
+            <a:r>
+              <a:rPr lang="en-US" altLang="zh-CN" sz="1700" dirty="0" smtClean="0">
+                <a:solidFill>
+                  <a:schemeClr val="tx2">
+                    <a:lumMod val="60000"/>
+                    <a:lumOff val="40000"/>
+                  </a:schemeClr>
+                </a:solidFill>
+              </a:rPr>
+              <a:t> pull </a:t>
+            </a:r>
+            <a:r>
+              <a:rPr lang="en-US" altLang="zh-CN" sz="1700" b="1" dirty="0" smtClean="0">
+                <a:solidFill>
+                  <a:schemeClr val="tx2">
+                    <a:lumMod val="60000"/>
+                    <a:lumOff val="40000"/>
+                  </a:schemeClr>
+                </a:solidFill>
+              </a:rPr>
+              <a:t>origin</a:t>
+            </a:r>
+            <a:r>
+              <a:rPr lang="en-US" altLang="zh-CN" sz="1700" dirty="0" smtClean="0">
+                <a:solidFill>
+                  <a:schemeClr val="tx2">
+                    <a:lumMod val="60000"/>
+                    <a:lumOff val="40000"/>
+                  </a:schemeClr>
+                </a:solidFill>
+              </a:rPr>
+              <a:t> </a:t>
+            </a:r>
+            <a:r>
+              <a:rPr lang="zh-CN" altLang="en-US" sz="1700" dirty="0" smtClean="0">
+                <a:solidFill>
+                  <a:schemeClr val="tx2">
+                    <a:lumMod val="60000"/>
+                    <a:lumOff val="40000"/>
+                  </a:schemeClr>
+                </a:solidFill>
+              </a:rPr>
+              <a:t>分支名</a:t>
+            </a:r>
+            <a:endParaRPr lang="en-US" altLang="zh-CN" sz="1700" dirty="0" smtClean="0">
+              <a:solidFill>
+                <a:schemeClr val="tx2">
+                  <a:lumMod val="60000"/>
+                  <a:lumOff val="40000"/>
+                </a:schemeClr>
+              </a:solidFill>
+            </a:endParaRPr>
+          </a:p>
+          <a:p>
+            <a:pPr>
+              <a:buFont typeface="Wingdings" pitchFamily="2" charset="2"/>
+              <a:buChar char="Ø"/>
+            </a:pPr>
+            <a:r>
+              <a:rPr lang="zh-CN" altLang="en-US" sz="1700" dirty="0" smtClean="0"/>
+              <a:t>第</a:t>
+            </a:r>
+            <a:r>
+              <a:rPr lang="en-US" altLang="zh-CN" sz="1700" dirty="0" smtClean="0"/>
+              <a:t>2</a:t>
+            </a:r>
+            <a:r>
+              <a:rPr lang="zh-CN" altLang="en-US" sz="1700" dirty="0" smtClean="0"/>
+              <a:t>步</a:t>
+            </a:r>
+            <a:r>
+              <a:rPr lang="zh-CN" altLang="en-US" sz="1700" dirty="0" smtClean="0"/>
+              <a:t>第二种情况</a:t>
+            </a:r>
+            <a:r>
+              <a:rPr lang="en-US" altLang="zh-CN" sz="1700" dirty="0" err="1" smtClean="0"/>
+              <a:t>git</a:t>
+            </a:r>
+            <a:r>
+              <a:rPr lang="en-US" altLang="zh-CN" sz="1700" dirty="0" smtClean="0"/>
+              <a:t> push</a:t>
+            </a:r>
+            <a:r>
+              <a:rPr lang="zh-CN" altLang="en-US" sz="1700" dirty="0" smtClean="0"/>
+              <a:t>时</a:t>
+            </a:r>
+            <a:r>
+              <a:rPr lang="zh-CN" altLang="en-US" sz="1700" dirty="0" smtClean="0"/>
+              <a:t>输入</a:t>
+            </a:r>
+            <a:r>
+              <a:rPr lang="en-US" sz="1700" dirty="0" smtClean="0"/>
+              <a:t> </a:t>
+            </a:r>
+            <a:r>
+              <a:rPr lang="en-US" sz="1700" dirty="0" err="1" smtClean="0">
+                <a:solidFill>
+                  <a:schemeClr val="tx2">
+                    <a:lumMod val="60000"/>
+                    <a:lumOff val="40000"/>
+                  </a:schemeClr>
+                </a:solidFill>
+              </a:rPr>
+              <a:t>git</a:t>
+            </a:r>
+            <a:r>
+              <a:rPr lang="en-US" sz="1700" dirty="0" smtClean="0">
+                <a:solidFill>
+                  <a:schemeClr val="tx2">
+                    <a:lumMod val="60000"/>
+                    <a:lumOff val="40000"/>
+                  </a:schemeClr>
+                </a:solidFill>
+              </a:rPr>
+              <a:t> push </a:t>
+            </a:r>
+            <a:r>
+              <a:rPr lang="en-US" sz="1700" b="1" dirty="0" err="1" smtClean="0">
+                <a:solidFill>
+                  <a:schemeClr val="tx2">
+                    <a:lumMod val="60000"/>
+                    <a:lumOff val="40000"/>
+                  </a:schemeClr>
+                </a:solidFill>
+              </a:rPr>
+              <a:t>gite</a:t>
+            </a:r>
+            <a:r>
+              <a:rPr lang="en-US" altLang="zh-CN" sz="1700" b="1" dirty="0" err="1" smtClean="0">
+                <a:solidFill>
+                  <a:schemeClr val="tx2">
+                    <a:lumMod val="60000"/>
+                    <a:lumOff val="40000"/>
+                  </a:schemeClr>
+                </a:solidFill>
+              </a:rPr>
+              <a:t>e</a:t>
+            </a:r>
+            <a:r>
+              <a:rPr lang="zh-CN" altLang="en-US" sz="1700" dirty="0" smtClean="0">
+                <a:solidFill>
+                  <a:schemeClr val="tx2">
+                    <a:lumMod val="60000"/>
+                    <a:lumOff val="40000"/>
+                  </a:schemeClr>
+                </a:solidFill>
+              </a:rPr>
+              <a:t>（</a:t>
+            </a:r>
+            <a:r>
+              <a:rPr lang="zh-CN" altLang="en-US" sz="1700" dirty="0" smtClean="0">
+                <a:solidFill>
+                  <a:schemeClr val="tx2">
+                    <a:lumMod val="60000"/>
+                    <a:lumOff val="40000"/>
+                  </a:schemeClr>
+                </a:solidFill>
+              </a:rPr>
+              <a:t>远程库名）</a:t>
+            </a:r>
+            <a:r>
+              <a:rPr lang="en-US" sz="1700" dirty="0" smtClean="0">
+                <a:solidFill>
+                  <a:schemeClr val="tx2">
+                    <a:lumMod val="60000"/>
+                    <a:lumOff val="40000"/>
+                  </a:schemeClr>
+                </a:solidFill>
+              </a:rPr>
+              <a:t> master</a:t>
+            </a:r>
+            <a:r>
+              <a:rPr lang="zh-CN" altLang="en-US" sz="1700" dirty="0" smtClean="0"/>
+              <a:t> ；</a:t>
+            </a:r>
+            <a:r>
+              <a:rPr lang="en-US" altLang="zh-CN" sz="1700" dirty="0" err="1" smtClean="0"/>
+              <a:t>git</a:t>
+            </a:r>
+            <a:r>
+              <a:rPr lang="en-US" altLang="zh-CN" sz="1700" dirty="0" smtClean="0"/>
+              <a:t> pull</a:t>
+            </a:r>
+            <a:r>
+              <a:rPr lang="zh-CN" altLang="en-US" sz="1700" dirty="0" smtClean="0"/>
+              <a:t>时输入</a:t>
+            </a:r>
+            <a:r>
+              <a:rPr lang="en-US" altLang="zh-CN" sz="1700" dirty="0" err="1" smtClean="0">
+                <a:solidFill>
+                  <a:schemeClr val="tx2">
+                    <a:lumMod val="60000"/>
+                    <a:lumOff val="40000"/>
+                  </a:schemeClr>
+                </a:solidFill>
+              </a:rPr>
+              <a:t>git</a:t>
+            </a:r>
+            <a:r>
+              <a:rPr lang="en-US" altLang="zh-CN" sz="1700" dirty="0" smtClean="0">
+                <a:solidFill>
+                  <a:schemeClr val="tx2">
+                    <a:lumMod val="60000"/>
+                    <a:lumOff val="40000"/>
+                  </a:schemeClr>
+                </a:solidFill>
+              </a:rPr>
+              <a:t> pull </a:t>
+            </a:r>
+            <a:r>
+              <a:rPr lang="en-US" altLang="zh-CN" sz="1700" b="1" dirty="0" err="1" smtClean="0">
+                <a:solidFill>
+                  <a:schemeClr val="tx2">
+                    <a:lumMod val="60000"/>
+                    <a:lumOff val="40000"/>
+                  </a:schemeClr>
+                </a:solidFill>
+              </a:rPr>
+              <a:t>gitee</a:t>
+            </a:r>
+            <a:r>
+              <a:rPr lang="zh-CN" altLang="en-US" sz="1700" dirty="0" smtClean="0">
+                <a:solidFill>
+                  <a:schemeClr val="tx2">
+                    <a:lumMod val="60000"/>
+                    <a:lumOff val="40000"/>
+                  </a:schemeClr>
+                </a:solidFill>
+              </a:rPr>
+              <a:t>（远程库名）</a:t>
+            </a:r>
+            <a:r>
+              <a:rPr lang="en-US" altLang="zh-CN" sz="1700" dirty="0" smtClean="0">
+                <a:solidFill>
+                  <a:schemeClr val="tx2">
+                    <a:lumMod val="60000"/>
+                    <a:lumOff val="40000"/>
+                  </a:schemeClr>
+                </a:solidFill>
+              </a:rPr>
+              <a:t> </a:t>
+            </a:r>
+            <a:r>
+              <a:rPr lang="zh-CN" altLang="en-US" sz="1700" dirty="0" smtClean="0">
+                <a:solidFill>
+                  <a:schemeClr val="tx2">
+                    <a:lumMod val="60000"/>
+                    <a:lumOff val="40000"/>
+                  </a:schemeClr>
+                </a:solidFill>
+              </a:rPr>
+              <a:t>分支名</a:t>
+            </a:r>
+            <a:endParaRPr lang="en-US" altLang="zh-CN" sz="1700" dirty="0" smtClean="0">
+              <a:solidFill>
+                <a:schemeClr val="tx2">
+                  <a:lumMod val="60000"/>
+                  <a:lumOff val="40000"/>
+                </a:schemeClr>
+              </a:solidFill>
+            </a:endParaRPr>
           </a:p>
         </p:txBody>
       </p:sp>
@@ -19160,11 +19990,7 @@
             </a:r>
             <a:r>
               <a:rPr lang="en-US" altLang="zh-CN" sz="1400" dirty="0" smtClean="0"/>
-              <a:t>https</a:t>
-            </a:r>
-            <a:r>
-              <a:rPr lang="en-US" altLang="zh-CN" sz="1400" dirty="0" smtClean="0"/>
-              <a:t>://www.cnblogs.com/dee0912/p/5815267.html#_label5</a:t>
+              <a:t>https://www.cnblogs.com/dee0912/p/5815267.html#_label5</a:t>
             </a:r>
             <a:endParaRPr lang="zh-CN" altLang="en-US" sz="1400" dirty="0"/>
           </a:p>
@@ -23653,6 +24479,1050 @@
 </file>
 
 <file path=ppt/slides/slide54.xml><?xml version="1.0" encoding="utf-8"?>
+<p:sld xmlns:a="http://schemas.openxmlformats.org/drawingml/2006/main" xmlns:r="http://schemas.openxmlformats.org/officeDocument/2006/relationships" xmlns:p="http://schemas.openxmlformats.org/presentationml/2006/main">
+  <p:cSld>
+    <p:spTree>
+      <p:nvGrpSpPr>
+        <p:cNvPr id="1" name=""/>
+        <p:cNvGrpSpPr/>
+        <p:nvPr/>
+      </p:nvGrpSpPr>
+      <p:grpSpPr>
+        <a:xfrm>
+          <a:off x="0" y="0"/>
+          <a:ext cx="0" cy="0"/>
+          <a:chOff x="0" y="0"/>
+          <a:chExt cx="0" cy="0"/>
+        </a:xfrm>
+      </p:grpSpPr>
+      <p:sp>
+        <p:nvSpPr>
+          <p:cNvPr id="2" name="标题 1"/>
+          <p:cNvSpPr>
+            <a:spLocks noGrp="1"/>
+          </p:cNvSpPr>
+          <p:nvPr>
+            <p:ph type="title"/>
+          </p:nvPr>
+        </p:nvSpPr>
+        <p:spPr/>
+        <p:txBody>
+          <a:bodyPr/>
+          <a:lstStyle/>
+          <a:p>
+            <a:r>
+              <a:rPr lang="zh-CN" altLang="en-US" dirty="0" smtClean="0"/>
+              <a:t>将本地库</a:t>
+            </a:r>
+            <a:r>
+              <a:rPr lang="en-US" altLang="zh-CN" dirty="0" smtClean="0"/>
+              <a:t>clone</a:t>
+            </a:r>
+            <a:r>
+              <a:rPr lang="zh-CN" altLang="en-US" dirty="0" smtClean="0"/>
+              <a:t>到服务器</a:t>
+            </a:r>
+            <a:endParaRPr lang="zh-CN" altLang="en-US" dirty="0"/>
+          </a:p>
+        </p:txBody>
+      </p:sp>
+      <p:sp>
+        <p:nvSpPr>
+          <p:cNvPr id="3" name="内容占位符 2"/>
+          <p:cNvSpPr>
+            <a:spLocks noGrp="1"/>
+          </p:cNvSpPr>
+          <p:nvPr>
+            <p:ph idx="1"/>
+          </p:nvPr>
+        </p:nvSpPr>
+        <p:spPr>
+          <a:xfrm>
+            <a:off x="500034" y="1571612"/>
+            <a:ext cx="8215370" cy="4525963"/>
+          </a:xfrm>
+        </p:spPr>
+        <p:txBody>
+          <a:bodyPr>
+            <a:normAutofit/>
+          </a:bodyPr>
+          <a:lstStyle/>
+          <a:p>
+            <a:pPr marL="514350" indent="-514350">
+              <a:buFont typeface="+mj-lt"/>
+              <a:buAutoNum type="arabicPeriod"/>
+            </a:pPr>
+            <a:r>
+              <a:rPr lang="zh-CN" altLang="en-US" sz="1700" dirty="0" smtClean="0"/>
+              <a:t>把现有仓库（</a:t>
+            </a:r>
+            <a:r>
+              <a:rPr lang="en-US" altLang="zh-CN" sz="1700" dirty="0" smtClean="0">
+                <a:solidFill>
+                  <a:schemeClr val="tx2">
+                    <a:lumMod val="60000"/>
+                    <a:lumOff val="40000"/>
+                  </a:schemeClr>
+                </a:solidFill>
+              </a:rPr>
+              <a:t> </a:t>
+            </a:r>
+            <a:r>
+              <a:rPr lang="en-US" altLang="zh-CN" sz="1700" dirty="0" smtClean="0">
+                <a:solidFill>
+                  <a:srgbClr val="C00000"/>
+                </a:solidFill>
+              </a:rPr>
+              <a:t>learngit6</a:t>
+            </a:r>
+            <a:r>
+              <a:rPr lang="en-US" altLang="zh-CN" sz="1700" dirty="0" smtClean="0">
+                <a:solidFill>
+                  <a:schemeClr val="tx2">
+                    <a:lumMod val="60000"/>
+                    <a:lumOff val="40000"/>
+                  </a:schemeClr>
+                </a:solidFill>
+              </a:rPr>
+              <a:t> </a:t>
+            </a:r>
+            <a:r>
+              <a:rPr lang="zh-CN" altLang="en-US" sz="1700" dirty="0" smtClean="0"/>
+              <a:t>）导出为裸仓库（</a:t>
+            </a:r>
+            <a:r>
+              <a:rPr lang="en-US" altLang="zh-CN" sz="1700" dirty="0" smtClean="0">
+                <a:solidFill>
+                  <a:schemeClr val="tx2">
+                    <a:lumMod val="60000"/>
+                    <a:lumOff val="40000"/>
+                  </a:schemeClr>
+                </a:solidFill>
+              </a:rPr>
+              <a:t> </a:t>
+            </a:r>
+            <a:r>
+              <a:rPr lang="en-US" altLang="zh-CN" sz="1700" dirty="0" smtClean="0">
+                <a:solidFill>
+                  <a:srgbClr val="C00000"/>
+                </a:solidFill>
+              </a:rPr>
+              <a:t>learngit61.git</a:t>
+            </a:r>
+            <a:r>
+              <a:rPr lang="en-US" altLang="zh-CN" sz="1700" dirty="0" smtClean="0">
+                <a:solidFill>
+                  <a:schemeClr val="tx2">
+                    <a:lumMod val="60000"/>
+                    <a:lumOff val="40000"/>
+                  </a:schemeClr>
+                </a:solidFill>
+              </a:rPr>
+              <a:t> </a:t>
+            </a:r>
+            <a:r>
+              <a:rPr lang="zh-CN" altLang="en-US" sz="1700" dirty="0" smtClean="0"/>
+              <a:t>）</a:t>
+            </a:r>
+            <a:r>
+              <a:rPr lang="en-US" altLang="zh-CN" sz="1700" dirty="0" smtClean="0"/>
+              <a:t>——</a:t>
+            </a:r>
+            <a:r>
+              <a:rPr lang="zh-CN" altLang="en-US" sz="1700" dirty="0" smtClean="0"/>
+              <a:t>即一个不包含当前工作目录的仓库；</a:t>
+            </a:r>
+            <a:endParaRPr lang="en-US" altLang="zh-CN" sz="1700" dirty="0" smtClean="0"/>
+          </a:p>
+          <a:p>
+            <a:pPr marL="514350" indent="-514350">
+              <a:buNone/>
+            </a:pPr>
+            <a:r>
+              <a:rPr lang="en-US" altLang="zh-CN" sz="1700" dirty="0" smtClean="0"/>
+              <a:t>	</a:t>
+            </a:r>
+            <a:r>
+              <a:rPr lang="en-US" altLang="zh-CN" sz="1700" dirty="0" err="1" smtClean="0">
+                <a:solidFill>
+                  <a:schemeClr val="tx2">
+                    <a:lumMod val="60000"/>
+                    <a:lumOff val="40000"/>
+                  </a:schemeClr>
+                </a:solidFill>
+              </a:rPr>
+              <a:t>git</a:t>
+            </a:r>
+            <a:r>
+              <a:rPr lang="en-US" altLang="zh-CN" sz="1700" dirty="0" smtClean="0">
+                <a:solidFill>
+                  <a:schemeClr val="tx2">
+                    <a:lumMod val="60000"/>
+                    <a:lumOff val="40000"/>
+                  </a:schemeClr>
+                </a:solidFill>
+              </a:rPr>
+              <a:t> clone </a:t>
+            </a:r>
+            <a:r>
+              <a:rPr lang="en-US" altLang="zh-CN" sz="1700" b="1" dirty="0" smtClean="0">
+                <a:solidFill>
+                  <a:schemeClr val="tx2">
+                    <a:lumMod val="60000"/>
+                    <a:lumOff val="40000"/>
+                  </a:schemeClr>
+                </a:solidFill>
+              </a:rPr>
+              <a:t>--bare </a:t>
+            </a:r>
+            <a:r>
+              <a:rPr lang="en-US" altLang="zh-CN" sz="1700" dirty="0" smtClean="0">
+                <a:solidFill>
+                  <a:schemeClr val="tx2">
+                    <a:lumMod val="60000"/>
+                    <a:lumOff val="40000"/>
+                  </a:schemeClr>
+                </a:solidFill>
+              </a:rPr>
+              <a:t>learngit6 learngit61.git</a:t>
+            </a:r>
+          </a:p>
+          <a:p>
+            <a:pPr marL="514350" indent="-514350">
+              <a:buNone/>
+            </a:pPr>
+            <a:endParaRPr lang="en-US" altLang="zh-CN" sz="1700" dirty="0" smtClean="0"/>
+          </a:p>
+          <a:p>
+            <a:pPr marL="514350" indent="-514350">
+              <a:buNone/>
+            </a:pPr>
+            <a:endParaRPr lang="en-US" altLang="zh-CN" sz="1700" dirty="0" smtClean="0"/>
+          </a:p>
+          <a:p>
+            <a:pPr marL="514350" indent="-514350">
+              <a:buFont typeface="+mj-lt"/>
+              <a:buAutoNum type="arabicPeriod" startAt="2"/>
+            </a:pPr>
+            <a:r>
+              <a:rPr lang="zh-CN" altLang="en-US" sz="1700" dirty="0" smtClean="0"/>
+              <a:t>把裸仓库放到服务器上（若提示</a:t>
+            </a:r>
+            <a:r>
+              <a:rPr lang="en-US" altLang="zh-CN" sz="1700" dirty="0" smtClean="0"/>
+              <a:t>Permission denied</a:t>
+            </a:r>
+            <a:r>
+              <a:rPr lang="zh-CN" altLang="en-US" sz="1700" dirty="0" smtClean="0"/>
+              <a:t>，则需在服务器端设置</a:t>
+            </a:r>
+            <a:r>
+              <a:rPr lang="en-US" altLang="zh-CN" sz="1700" dirty="0" err="1" smtClean="0"/>
+              <a:t>gitrepo</a:t>
+            </a:r>
+            <a:r>
+              <a:rPr lang="zh-CN" altLang="en-US" sz="1700" dirty="0" smtClean="0"/>
+              <a:t>文件夹的所有者为</a:t>
+            </a:r>
+            <a:r>
+              <a:rPr lang="en-US" altLang="zh-CN" sz="1700" dirty="0" err="1" smtClean="0"/>
+              <a:t>gitadmin</a:t>
+            </a:r>
+            <a:r>
+              <a:rPr lang="zh-CN" altLang="en-US" sz="1700" dirty="0" smtClean="0"/>
+              <a:t>，命令：</a:t>
+            </a:r>
+            <a:r>
+              <a:rPr lang="en-US" altLang="zh-CN" sz="1700" dirty="0" err="1" smtClean="0">
+                <a:solidFill>
+                  <a:schemeClr val="tx2">
+                    <a:lumMod val="60000"/>
+                    <a:lumOff val="40000"/>
+                  </a:schemeClr>
+                </a:solidFill>
+              </a:rPr>
+              <a:t>chown</a:t>
+            </a:r>
+            <a:r>
+              <a:rPr lang="en-US" altLang="zh-CN" sz="1700" dirty="0" smtClean="0">
+                <a:solidFill>
+                  <a:schemeClr val="tx2">
+                    <a:lumMod val="60000"/>
+                    <a:lumOff val="40000"/>
+                  </a:schemeClr>
+                </a:solidFill>
+              </a:rPr>
+              <a:t> </a:t>
+            </a:r>
+            <a:r>
+              <a:rPr lang="en-US" altLang="zh-CN" sz="1700" dirty="0" err="1" smtClean="0">
+                <a:solidFill>
+                  <a:schemeClr val="tx2">
+                    <a:lumMod val="60000"/>
+                    <a:lumOff val="40000"/>
+                  </a:schemeClr>
+                </a:solidFill>
+              </a:rPr>
+              <a:t>gitadmin:gitadmin</a:t>
+            </a:r>
+            <a:r>
+              <a:rPr lang="en-US" altLang="zh-CN" sz="1700" dirty="0" smtClean="0">
+                <a:solidFill>
+                  <a:schemeClr val="tx2">
+                    <a:lumMod val="60000"/>
+                    <a:lumOff val="40000"/>
+                  </a:schemeClr>
+                </a:solidFill>
+              </a:rPr>
+              <a:t> </a:t>
+            </a:r>
+            <a:r>
+              <a:rPr lang="en-US" altLang="zh-CN" sz="1700" dirty="0" err="1" smtClean="0">
+                <a:solidFill>
+                  <a:schemeClr val="tx2">
+                    <a:lumMod val="60000"/>
+                    <a:lumOff val="40000"/>
+                  </a:schemeClr>
+                </a:solidFill>
+              </a:rPr>
+              <a:t>gitrepo</a:t>
+            </a:r>
+            <a:r>
+              <a:rPr lang="zh-CN" altLang="en-US" sz="1700" dirty="0" smtClean="0"/>
+              <a:t>）；</a:t>
+            </a:r>
+            <a:endParaRPr lang="en-US" altLang="zh-CN" sz="1700" dirty="0" smtClean="0"/>
+          </a:p>
+          <a:p>
+            <a:pPr marL="514350" indent="-514350">
+              <a:buNone/>
+            </a:pPr>
+            <a:r>
+              <a:rPr lang="en-US" altLang="zh-CN" sz="1700" dirty="0" smtClean="0"/>
+              <a:t>	</a:t>
+            </a:r>
+            <a:r>
+              <a:rPr lang="en-US" altLang="zh-CN" sz="1700" dirty="0" err="1" smtClean="0">
+                <a:solidFill>
+                  <a:schemeClr val="tx2">
+                    <a:lumMod val="60000"/>
+                    <a:lumOff val="40000"/>
+                  </a:schemeClr>
+                </a:solidFill>
+              </a:rPr>
+              <a:t>scp</a:t>
+            </a:r>
+            <a:r>
+              <a:rPr lang="en-US" altLang="zh-CN" sz="1700" dirty="0" smtClean="0">
+                <a:solidFill>
+                  <a:schemeClr val="tx2">
+                    <a:lumMod val="60000"/>
+                    <a:lumOff val="40000"/>
+                  </a:schemeClr>
+                </a:solidFill>
+              </a:rPr>
+              <a:t> -r learngit61.git gitadmin@172.16.5.21:/home/</a:t>
+            </a:r>
+            <a:r>
+              <a:rPr lang="en-US" altLang="zh-CN" sz="1700" dirty="0" err="1" smtClean="0">
+                <a:solidFill>
+                  <a:schemeClr val="tx2">
+                    <a:lumMod val="60000"/>
+                    <a:lumOff val="40000"/>
+                  </a:schemeClr>
+                </a:solidFill>
+              </a:rPr>
+              <a:t>gitrepo</a:t>
+            </a:r>
+            <a:endParaRPr lang="en-US" altLang="zh-CN" sz="1700" dirty="0" smtClean="0">
+              <a:solidFill>
+                <a:schemeClr val="tx2">
+                  <a:lumMod val="60000"/>
+                  <a:lumOff val="40000"/>
+                </a:schemeClr>
+              </a:solidFill>
+            </a:endParaRPr>
+          </a:p>
+          <a:p>
+            <a:pPr marL="514350" indent="-514350">
+              <a:buNone/>
+            </a:pPr>
+            <a:endParaRPr lang="zh-CN" altLang="en-US" dirty="0" smtClean="0"/>
+          </a:p>
+          <a:p>
+            <a:pPr marL="514350" indent="-514350">
+              <a:buFont typeface="+mj-lt"/>
+              <a:buAutoNum type="arabicPeriod"/>
+            </a:pPr>
+            <a:endParaRPr lang="zh-CN" altLang="en-US" dirty="0"/>
+          </a:p>
+        </p:txBody>
+      </p:sp>
+      <p:pic>
+        <p:nvPicPr>
+          <p:cNvPr id="21506" name="Picture 2"/>
+          <p:cNvPicPr>
+            <a:picLocks noChangeAspect="1" noChangeArrowheads="1"/>
+          </p:cNvPicPr>
+          <p:nvPr/>
+        </p:nvPicPr>
+        <p:blipFill>
+          <a:blip r:embed="rId2"/>
+          <a:srcRect/>
+          <a:stretch>
+            <a:fillRect/>
+          </a:stretch>
+        </p:blipFill>
+        <p:spPr bwMode="auto">
+          <a:xfrm>
+            <a:off x="1071538" y="2500306"/>
+            <a:ext cx="3286148" cy="599999"/>
+          </a:xfrm>
+          <a:prstGeom prst="rect">
+            <a:avLst/>
+          </a:prstGeom>
+          <a:noFill/>
+          <a:ln w="9525">
+            <a:noFill/>
+            <a:miter lim="800000"/>
+            <a:headEnd/>
+            <a:tailEnd/>
+          </a:ln>
+          <a:effectLst/>
+        </p:spPr>
+      </p:pic>
+      <p:pic>
+        <p:nvPicPr>
+          <p:cNvPr id="21507" name="Picture 3"/>
+          <p:cNvPicPr>
+            <a:picLocks noChangeAspect="1" noChangeArrowheads="1"/>
+          </p:cNvPicPr>
+          <p:nvPr/>
+        </p:nvPicPr>
+        <p:blipFill>
+          <a:blip r:embed="rId3"/>
+          <a:srcRect/>
+          <a:stretch>
+            <a:fillRect/>
+          </a:stretch>
+        </p:blipFill>
+        <p:spPr bwMode="auto">
+          <a:xfrm>
+            <a:off x="4786314" y="2643182"/>
+            <a:ext cx="3143272" cy="300357"/>
+          </a:xfrm>
+          <a:prstGeom prst="rect">
+            <a:avLst/>
+          </a:prstGeom>
+          <a:noFill/>
+          <a:ln w="9525">
+            <a:noFill/>
+            <a:miter lim="800000"/>
+            <a:headEnd/>
+            <a:tailEnd/>
+          </a:ln>
+          <a:effectLst/>
+        </p:spPr>
+      </p:pic>
+      <p:pic>
+        <p:nvPicPr>
+          <p:cNvPr id="21508" name="Picture 4"/>
+          <p:cNvPicPr>
+            <a:picLocks noChangeAspect="1" noChangeArrowheads="1"/>
+          </p:cNvPicPr>
+          <p:nvPr/>
+        </p:nvPicPr>
+        <p:blipFill>
+          <a:blip r:embed="rId4"/>
+          <a:srcRect/>
+          <a:stretch>
+            <a:fillRect/>
+          </a:stretch>
+        </p:blipFill>
+        <p:spPr bwMode="auto">
+          <a:xfrm>
+            <a:off x="1071538" y="4000504"/>
+            <a:ext cx="3470742" cy="2428892"/>
+          </a:xfrm>
+          <a:prstGeom prst="rect">
+            <a:avLst/>
+          </a:prstGeom>
+          <a:noFill/>
+          <a:ln w="9525">
+            <a:noFill/>
+            <a:miter lim="800000"/>
+            <a:headEnd/>
+            <a:tailEnd/>
+          </a:ln>
+          <a:effectLst/>
+        </p:spPr>
+      </p:pic>
+    </p:spTree>
+  </p:cSld>
+  <p:clrMapOvr>
+    <a:masterClrMapping/>
+  </p:clrMapOvr>
+</p:sld>
+</file>
+
+<file path=ppt/slides/slide55.xml><?xml version="1.0" encoding="utf-8"?>
+<p:sld xmlns:a="http://schemas.openxmlformats.org/drawingml/2006/main" xmlns:r="http://schemas.openxmlformats.org/officeDocument/2006/relationships" xmlns:p="http://schemas.openxmlformats.org/presentationml/2006/main">
+  <p:cSld>
+    <p:spTree>
+      <p:nvGrpSpPr>
+        <p:cNvPr id="1" name=""/>
+        <p:cNvGrpSpPr/>
+        <p:nvPr/>
+      </p:nvGrpSpPr>
+      <p:grpSpPr>
+        <a:xfrm>
+          <a:off x="0" y="0"/>
+          <a:ext cx="0" cy="0"/>
+          <a:chOff x="0" y="0"/>
+          <a:chExt cx="0" cy="0"/>
+        </a:xfrm>
+      </p:grpSpPr>
+      <p:sp>
+        <p:nvSpPr>
+          <p:cNvPr id="2" name="标题 1"/>
+          <p:cNvSpPr>
+            <a:spLocks noGrp="1"/>
+          </p:cNvSpPr>
+          <p:nvPr>
+            <p:ph type="title"/>
+          </p:nvPr>
+        </p:nvSpPr>
+        <p:spPr/>
+        <p:txBody>
+          <a:bodyPr/>
+          <a:lstStyle/>
+          <a:p>
+            <a:r>
+              <a:rPr lang="zh-CN" altLang="en-US" dirty="0" smtClean="0"/>
+              <a:t>服务器端查看提交内容</a:t>
+            </a:r>
+            <a:endParaRPr lang="zh-CN" altLang="en-US" dirty="0"/>
+          </a:p>
+        </p:txBody>
+      </p:sp>
+      <p:sp>
+        <p:nvSpPr>
+          <p:cNvPr id="3" name="内容占位符 2"/>
+          <p:cNvSpPr>
+            <a:spLocks noGrp="1"/>
+          </p:cNvSpPr>
+          <p:nvPr>
+            <p:ph idx="1"/>
+          </p:nvPr>
+        </p:nvSpPr>
+        <p:spPr>
+          <a:xfrm>
+            <a:off x="457200" y="1500174"/>
+            <a:ext cx="8229600" cy="4857784"/>
+          </a:xfrm>
+        </p:spPr>
+        <p:txBody>
+          <a:bodyPr>
+            <a:normAutofit fontScale="92500" lnSpcReduction="10000"/>
+          </a:bodyPr>
+          <a:lstStyle/>
+          <a:p>
+            <a:r>
+              <a:rPr lang="zh-CN" altLang="en-US" sz="2600" dirty="0" smtClean="0"/>
+              <a:t>服务器端的</a:t>
+            </a:r>
+            <a:r>
+              <a:rPr lang="en-US" altLang="zh-CN" sz="2600" dirty="0" err="1" smtClean="0"/>
+              <a:t>git</a:t>
+            </a:r>
+            <a:r>
+              <a:rPr lang="zh-CN" altLang="en-US" sz="2600" dirty="0" smtClean="0"/>
+              <a:t>库一般为裸库，若需要查看提交的内容，可进行下列操作</a:t>
+            </a:r>
+            <a:r>
+              <a:rPr lang="zh-CN" altLang="en-US" dirty="0" smtClean="0"/>
+              <a:t>：</a:t>
+            </a:r>
+            <a:endParaRPr lang="en-US" altLang="zh-CN" dirty="0" smtClean="0"/>
+          </a:p>
+          <a:p>
+            <a:pPr marL="514350" indent="-514350">
+              <a:buFont typeface="+mj-lt"/>
+              <a:buAutoNum type="arabicPeriod"/>
+            </a:pPr>
+            <a:r>
+              <a:rPr lang="zh-CN" altLang="en-US" sz="1700" dirty="0" smtClean="0"/>
+              <a:t>在服务器端进入裸库的</a:t>
+            </a:r>
+            <a:r>
+              <a:rPr lang="en-US" altLang="zh-CN" sz="1700" dirty="0" smtClean="0"/>
+              <a:t>hooks</a:t>
+            </a:r>
+            <a:r>
+              <a:rPr lang="zh-CN" altLang="en-US" sz="1700" dirty="0" smtClean="0"/>
+              <a:t>文件夹，如：</a:t>
+            </a:r>
+            <a:r>
+              <a:rPr lang="en-US" altLang="zh-CN" sz="1700" dirty="0" err="1" smtClean="0"/>
+              <a:t>cd</a:t>
+            </a:r>
+            <a:r>
+              <a:rPr lang="en-US" altLang="zh-CN" sz="1700" dirty="0" smtClean="0"/>
+              <a:t> /home/</a:t>
+            </a:r>
+            <a:r>
+              <a:rPr lang="en-US" altLang="zh-CN" sz="1700" dirty="0" err="1" smtClean="0"/>
+              <a:t>gitrepo</a:t>
+            </a:r>
+            <a:r>
+              <a:rPr lang="en-US" altLang="zh-CN" sz="1700" dirty="0" smtClean="0"/>
+              <a:t>/learngit.git/hooks</a:t>
+            </a:r>
+          </a:p>
+          <a:p>
+            <a:pPr marL="514350" indent="-514350">
+              <a:buFont typeface="+mj-lt"/>
+              <a:buAutoNum type="arabicPeriod"/>
+            </a:pPr>
+            <a:r>
+              <a:rPr lang="zh-CN" altLang="en-US" sz="1700" dirty="0" smtClean="0"/>
+              <a:t>新建一个名为</a:t>
+            </a:r>
+            <a:r>
+              <a:rPr lang="en-US" altLang="zh-CN" sz="1700" dirty="0" smtClean="0"/>
+              <a:t>post-receive</a:t>
+            </a:r>
+            <a:r>
+              <a:rPr lang="zh-CN" altLang="en-US" sz="1700" dirty="0" smtClean="0"/>
+              <a:t>的文件（</a:t>
+            </a:r>
+            <a:r>
+              <a:rPr lang="en-US" altLang="zh-CN" sz="1700" dirty="0" err="1" smtClean="0"/>
+              <a:t>git</a:t>
+            </a:r>
+            <a:r>
+              <a:rPr lang="zh-CN" altLang="en-US" sz="1700" dirty="0" smtClean="0"/>
+              <a:t>会自行调用执行该文件），如：</a:t>
+            </a:r>
+            <a:r>
+              <a:rPr lang="en-US" altLang="zh-CN" sz="1700" dirty="0" smtClean="0"/>
+              <a:t>vim post-receive</a:t>
+            </a:r>
+          </a:p>
+          <a:p>
+            <a:pPr marL="514350" indent="-514350">
+              <a:buFont typeface="+mj-lt"/>
+              <a:buAutoNum type="arabicPeriod"/>
+            </a:pPr>
+            <a:r>
+              <a:rPr lang="zh-CN" altLang="en-US" sz="1700" dirty="0" smtClean="0"/>
+              <a:t>在文件中输入以下代码并保存退出：</a:t>
+            </a:r>
+            <a:endParaRPr lang="en-US" altLang="zh-CN" sz="1700" dirty="0" smtClean="0"/>
+          </a:p>
+          <a:p>
+            <a:pPr marL="514350" indent="-514350">
+              <a:buNone/>
+            </a:pPr>
+            <a:r>
+              <a:rPr lang="en-US" sz="1700" dirty="0" smtClean="0"/>
+              <a:t>	</a:t>
+            </a:r>
+            <a:r>
+              <a:rPr lang="en-US" sz="1700" dirty="0" smtClean="0"/>
+              <a:t>#!/</a:t>
+            </a:r>
+            <a:r>
+              <a:rPr lang="en-US" sz="1700" dirty="0" smtClean="0"/>
+              <a:t>bin/bash</a:t>
+            </a:r>
+            <a:br>
+              <a:rPr lang="en-US" sz="1700" dirty="0" smtClean="0"/>
+            </a:br>
+            <a:r>
+              <a:rPr lang="en-US" sz="1700" dirty="0" err="1" smtClean="0"/>
+              <a:t>git</a:t>
+            </a:r>
+            <a:r>
+              <a:rPr lang="en-US" sz="1700" dirty="0" smtClean="0"/>
+              <a:t> --work-tree</a:t>
+            </a:r>
+            <a:r>
+              <a:rPr lang="en-US" sz="1700" dirty="0" smtClean="0"/>
+              <a:t>=</a:t>
+            </a:r>
+            <a:r>
+              <a:rPr lang="zh-CN" altLang="en-US" sz="1700" dirty="0" smtClean="0"/>
+              <a:t>提交内容存放的路径（如：</a:t>
+            </a:r>
+            <a:r>
+              <a:rPr lang="en-US" altLang="zh-CN" sz="1700" dirty="0" smtClean="0"/>
+              <a:t>/home/</a:t>
+            </a:r>
+            <a:r>
+              <a:rPr lang="en-US" altLang="zh-CN" sz="1700" dirty="0" err="1" smtClean="0"/>
+              <a:t>gitworkspace</a:t>
+            </a:r>
+            <a:r>
+              <a:rPr lang="en-US" altLang="zh-CN" sz="1700" dirty="0" smtClean="0"/>
+              <a:t>/</a:t>
+            </a:r>
+            <a:r>
+              <a:rPr lang="en-US" altLang="zh-CN" sz="1700" dirty="0" err="1" smtClean="0"/>
+              <a:t>learngit</a:t>
+            </a:r>
+            <a:r>
+              <a:rPr lang="zh-CN" altLang="en-US" sz="1700" dirty="0" smtClean="0"/>
+              <a:t>）</a:t>
+            </a:r>
+            <a:r>
+              <a:rPr lang="en-US" sz="1700" dirty="0" smtClean="0"/>
+              <a:t>checkout </a:t>
+            </a:r>
+            <a:r>
+              <a:rPr lang="en-US" sz="1700" dirty="0" smtClean="0"/>
+              <a:t>-f</a:t>
+            </a:r>
+            <a:endParaRPr lang="en-US" altLang="zh-CN" sz="1700" dirty="0" smtClean="0"/>
+          </a:p>
+          <a:p>
+            <a:pPr marL="514350" indent="-514350">
+              <a:buFont typeface="+mj-lt"/>
+              <a:buAutoNum type="arabicPeriod" startAt="4"/>
+            </a:pPr>
+            <a:r>
+              <a:rPr lang="zh-CN" altLang="en-US" sz="1700" dirty="0" smtClean="0"/>
+              <a:t>将</a:t>
+            </a:r>
+            <a:r>
+              <a:rPr lang="zh-CN" altLang="en-US" sz="1700" dirty="0" smtClean="0"/>
+              <a:t>该文件用户及用户</a:t>
+            </a:r>
+            <a:r>
+              <a:rPr lang="zh-CN" altLang="en-US" sz="1700" dirty="0" smtClean="0"/>
+              <a:t>组设置</a:t>
+            </a:r>
+            <a:r>
+              <a:rPr lang="zh-CN" altLang="en-US" sz="1700" dirty="0" smtClean="0"/>
+              <a:t>成</a:t>
+            </a:r>
+            <a:r>
+              <a:rPr lang="en-US" altLang="zh-CN" sz="1700" dirty="0" err="1" smtClean="0"/>
+              <a:t>gitadmin</a:t>
+            </a:r>
+            <a:r>
+              <a:rPr lang="zh-CN" altLang="en-US" sz="1700" dirty="0" smtClean="0"/>
+              <a:t>，如：</a:t>
+            </a:r>
+            <a:r>
+              <a:rPr lang="en-US" altLang="zh-CN" sz="1700" dirty="0" err="1" smtClean="0"/>
+              <a:t>chown</a:t>
+            </a:r>
+            <a:r>
+              <a:rPr lang="en-US" altLang="zh-CN" sz="1700" dirty="0" smtClean="0"/>
+              <a:t> -R </a:t>
+            </a:r>
+            <a:r>
+              <a:rPr lang="en-US" altLang="zh-CN" sz="1700" dirty="0" err="1" smtClean="0"/>
+              <a:t>gitadmin:gitadmin</a:t>
+            </a:r>
+            <a:r>
+              <a:rPr lang="en-US" altLang="zh-CN" sz="1700" dirty="0" smtClean="0"/>
+              <a:t> post-receive</a:t>
+            </a:r>
+          </a:p>
+          <a:p>
+            <a:pPr marL="514350" indent="-514350">
+              <a:buFont typeface="+mj-lt"/>
+              <a:buAutoNum type="arabicPeriod" startAt="4"/>
+            </a:pPr>
+            <a:r>
+              <a:rPr lang="zh-CN" altLang="en-US" sz="1700" dirty="0" smtClean="0"/>
+              <a:t>由于该文件是一个</a:t>
+            </a:r>
+            <a:r>
+              <a:rPr lang="en-US" altLang="zh-CN" sz="1700" dirty="0" smtClean="0"/>
+              <a:t>shell</a:t>
+            </a:r>
+            <a:r>
+              <a:rPr lang="zh-CN" altLang="en-US" sz="1700" dirty="0" smtClean="0"/>
+              <a:t>文件，所以要为它设置可执行</a:t>
+            </a:r>
+            <a:r>
+              <a:rPr lang="zh-CN" altLang="en-US" sz="1700" dirty="0" smtClean="0"/>
+              <a:t>权限，如：</a:t>
+            </a:r>
+            <a:r>
+              <a:rPr lang="en-US" altLang="zh-CN" sz="1700" dirty="0" err="1" smtClean="0"/>
+              <a:t>chmod</a:t>
+            </a:r>
+            <a:r>
+              <a:rPr lang="en-US" altLang="zh-CN" sz="1700" dirty="0" smtClean="0"/>
+              <a:t> +x post-receive</a:t>
+            </a:r>
+          </a:p>
+          <a:p>
+            <a:pPr marL="514350" indent="-514350">
+              <a:buFont typeface="+mj-lt"/>
+              <a:buAutoNum type="arabicPeriod" startAt="4"/>
+            </a:pPr>
+            <a:r>
+              <a:rPr lang="zh-CN" altLang="en-US" sz="1700" dirty="0" smtClean="0"/>
+              <a:t>若</a:t>
+            </a:r>
+            <a:r>
+              <a:rPr lang="zh-CN" altLang="en-US" sz="1700" dirty="0" smtClean="0"/>
+              <a:t>提交内容存放的</a:t>
+            </a:r>
+            <a:r>
+              <a:rPr lang="zh-CN" altLang="en-US" sz="1700" dirty="0" smtClean="0"/>
+              <a:t>路径不存在，则创建该文件夹，并将</a:t>
+            </a:r>
+            <a:r>
+              <a:rPr lang="zh-CN" altLang="en-US" sz="1700" dirty="0" smtClean="0"/>
+              <a:t>该</a:t>
+            </a:r>
+            <a:r>
+              <a:rPr lang="zh-CN" altLang="en-US" sz="1700" dirty="0" smtClean="0"/>
+              <a:t>文件夹</a:t>
+            </a:r>
+            <a:r>
+              <a:rPr lang="zh-CN" altLang="en-US" sz="1700" dirty="0" smtClean="0"/>
+              <a:t>的</a:t>
+            </a:r>
+            <a:r>
+              <a:rPr lang="zh-CN" altLang="en-US" sz="1700" dirty="0" smtClean="0"/>
+              <a:t>用户</a:t>
+            </a:r>
+            <a:r>
+              <a:rPr lang="zh-CN" altLang="en-US" sz="1700" dirty="0" smtClean="0"/>
+              <a:t>及用户组设置成</a:t>
+            </a:r>
+            <a:r>
+              <a:rPr lang="en-US" altLang="zh-CN" sz="1700" dirty="0" err="1" smtClean="0"/>
+              <a:t>gitadmin</a:t>
+            </a:r>
+            <a:r>
+              <a:rPr lang="en-US" altLang="zh-CN" sz="1700" dirty="0" smtClean="0"/>
+              <a:t> </a:t>
+            </a:r>
+            <a:r>
+              <a:rPr lang="zh-CN" altLang="en-US" sz="1700" dirty="0" smtClean="0"/>
+              <a:t>，如：</a:t>
+            </a:r>
+            <a:endParaRPr lang="en-US" altLang="zh-CN" sz="1700" dirty="0" smtClean="0"/>
+          </a:p>
+          <a:p>
+            <a:pPr marL="514350" indent="-514350">
+              <a:buNone/>
+            </a:pPr>
+            <a:r>
+              <a:rPr lang="en-US" altLang="zh-CN" sz="1700" dirty="0" smtClean="0"/>
+              <a:t>	</a:t>
+            </a:r>
+            <a:r>
+              <a:rPr lang="en-US" altLang="zh-CN" sz="1700" dirty="0" err="1" smtClean="0"/>
+              <a:t>mkdir</a:t>
+            </a:r>
+            <a:r>
+              <a:rPr lang="en-US" altLang="zh-CN" sz="1700" dirty="0" smtClean="0"/>
+              <a:t> /home/</a:t>
+            </a:r>
+            <a:r>
+              <a:rPr lang="en-US" altLang="zh-CN" sz="1700" dirty="0" err="1" smtClean="0"/>
+              <a:t>gitworkspace</a:t>
+            </a:r>
+            <a:r>
+              <a:rPr lang="en-US" altLang="zh-CN" sz="1700" dirty="0" smtClean="0"/>
+              <a:t>/</a:t>
+            </a:r>
+            <a:r>
+              <a:rPr lang="en-US" altLang="zh-CN" sz="1700" dirty="0" err="1" smtClean="0"/>
+              <a:t>learngit</a:t>
+            </a:r>
+            <a:endParaRPr lang="en-US" altLang="zh-CN" sz="1700" dirty="0" smtClean="0"/>
+          </a:p>
+          <a:p>
+            <a:pPr marL="514350" indent="-514350">
+              <a:buNone/>
+            </a:pPr>
+            <a:r>
+              <a:rPr lang="en-US" altLang="zh-CN" sz="1700" dirty="0" smtClean="0"/>
+              <a:t>	</a:t>
+            </a:r>
+            <a:r>
+              <a:rPr lang="en-US" altLang="zh-CN" sz="1700" dirty="0" err="1" smtClean="0"/>
+              <a:t>chown</a:t>
+            </a:r>
+            <a:r>
+              <a:rPr lang="en-US" altLang="zh-CN" sz="1700" dirty="0" smtClean="0"/>
+              <a:t> </a:t>
+            </a:r>
+            <a:r>
+              <a:rPr lang="en-US" altLang="zh-CN" sz="1700" dirty="0" smtClean="0"/>
+              <a:t>-R </a:t>
+            </a:r>
+            <a:r>
+              <a:rPr lang="en-US" altLang="zh-CN" sz="1700" dirty="0" err="1" smtClean="0"/>
+              <a:t>gitadmin:gitadmin</a:t>
+            </a:r>
+            <a:r>
+              <a:rPr lang="en-US" altLang="zh-CN" sz="1700" dirty="0" smtClean="0"/>
+              <a:t> </a:t>
+            </a:r>
+            <a:r>
+              <a:rPr lang="en-US" altLang="zh-CN" sz="1700" dirty="0" smtClean="0"/>
+              <a:t>/</a:t>
+            </a:r>
+            <a:r>
+              <a:rPr lang="en-US" altLang="zh-CN" sz="1700" dirty="0" smtClean="0"/>
+              <a:t>home/</a:t>
+            </a:r>
+            <a:r>
+              <a:rPr lang="en-US" altLang="zh-CN" sz="1700" dirty="0" err="1" smtClean="0"/>
+              <a:t>gitworkspace</a:t>
+            </a:r>
+            <a:r>
+              <a:rPr lang="en-US" altLang="zh-CN" sz="1700" dirty="0" smtClean="0"/>
+              <a:t>/</a:t>
+            </a:r>
+            <a:r>
+              <a:rPr lang="en-US" altLang="zh-CN" sz="1700" dirty="0" err="1" smtClean="0"/>
+              <a:t>learngit</a:t>
+            </a:r>
+            <a:endParaRPr lang="en-US" altLang="zh-CN" sz="1700" dirty="0" smtClean="0"/>
+          </a:p>
+          <a:p>
+            <a:pPr marL="514350" indent="-514350">
+              <a:buFont typeface="+mj-lt"/>
+              <a:buAutoNum type="arabicPeriod" startAt="7"/>
+            </a:pPr>
+            <a:r>
+              <a:rPr lang="zh-CN" altLang="en-US" sz="1700" dirty="0" smtClean="0"/>
+              <a:t>将该裸库</a:t>
+            </a:r>
+            <a:r>
+              <a:rPr lang="en-US" altLang="zh-CN" sz="1700" dirty="0" smtClean="0"/>
+              <a:t>clone</a:t>
+            </a:r>
+            <a:r>
+              <a:rPr lang="zh-CN" altLang="en-US" sz="1700" dirty="0" smtClean="0"/>
+              <a:t>到</a:t>
+            </a:r>
+            <a:r>
+              <a:rPr lang="zh-CN" altLang="en-US" sz="1700" dirty="0" smtClean="0"/>
+              <a:t>提交内容存放的</a:t>
+            </a:r>
+            <a:r>
+              <a:rPr lang="zh-CN" altLang="en-US" sz="1700" dirty="0" smtClean="0"/>
+              <a:t>路径下，如：</a:t>
+            </a:r>
+            <a:endParaRPr lang="en-US" altLang="zh-CN" sz="1700" dirty="0" smtClean="0"/>
+          </a:p>
+          <a:p>
+            <a:pPr marL="514350" indent="-514350">
+              <a:buNone/>
+            </a:pPr>
+            <a:r>
+              <a:rPr lang="en-US" altLang="zh-CN" sz="1700" dirty="0" smtClean="0"/>
+              <a:t>	</a:t>
+            </a:r>
+            <a:r>
+              <a:rPr lang="en-US" altLang="zh-CN" sz="1700" dirty="0" err="1" smtClean="0"/>
+              <a:t>git</a:t>
+            </a:r>
+            <a:r>
+              <a:rPr lang="en-US" altLang="zh-CN" sz="1700" dirty="0" smtClean="0"/>
+              <a:t> clone </a:t>
+            </a:r>
+            <a:r>
+              <a:rPr lang="en-US" altLang="zh-CN" sz="1700" dirty="0" smtClean="0"/>
+              <a:t>/</a:t>
+            </a:r>
+            <a:r>
+              <a:rPr lang="en-US" altLang="zh-CN" sz="1700" dirty="0" smtClean="0"/>
+              <a:t>home/</a:t>
+            </a:r>
+            <a:r>
+              <a:rPr lang="en-US" altLang="zh-CN" sz="1700" dirty="0" err="1" smtClean="0"/>
+              <a:t>gitrepo</a:t>
+            </a:r>
+            <a:r>
+              <a:rPr lang="en-US" altLang="zh-CN" sz="1700" dirty="0" smtClean="0"/>
+              <a:t>/learngit.git  /home/</a:t>
+            </a:r>
+            <a:r>
+              <a:rPr lang="en-US" altLang="zh-CN" sz="1700" dirty="0" err="1" smtClean="0"/>
+              <a:t>gitworkspace</a:t>
+            </a:r>
+            <a:r>
+              <a:rPr lang="en-US" altLang="zh-CN" sz="1700" dirty="0" smtClean="0"/>
+              <a:t>/</a:t>
+            </a:r>
+            <a:r>
+              <a:rPr lang="en-US" altLang="zh-CN" sz="1700" dirty="0" err="1" smtClean="0"/>
+              <a:t>learngit</a:t>
+            </a:r>
+            <a:endParaRPr lang="en-US" altLang="zh-CN" sz="1700" dirty="0" smtClean="0"/>
+          </a:p>
+          <a:p>
+            <a:pPr marL="514350" indent="-514350">
+              <a:buFont typeface="+mj-lt"/>
+              <a:buAutoNum type="arabicPeriod" startAt="8"/>
+            </a:pPr>
+            <a:r>
+              <a:rPr lang="zh-CN" altLang="en-US" sz="1700" dirty="0" smtClean="0"/>
+              <a:t>完成后就能在</a:t>
+            </a:r>
+            <a:r>
+              <a:rPr lang="zh-CN" altLang="en-US" sz="1700" dirty="0" smtClean="0"/>
+              <a:t>提交内容存放的</a:t>
+            </a:r>
+            <a:r>
+              <a:rPr lang="zh-CN" altLang="en-US" sz="1700" dirty="0" smtClean="0"/>
+              <a:t>路径（</a:t>
+            </a:r>
+            <a:r>
+              <a:rPr lang="en-US" altLang="zh-CN" sz="1700" dirty="0" smtClean="0"/>
+              <a:t>/home/</a:t>
+            </a:r>
+            <a:r>
+              <a:rPr lang="en-US" altLang="zh-CN" sz="1700" dirty="0" err="1" smtClean="0"/>
+              <a:t>gitworkspace</a:t>
+            </a:r>
+            <a:r>
+              <a:rPr lang="en-US" altLang="zh-CN" sz="1700" dirty="0" smtClean="0"/>
+              <a:t>/</a:t>
+            </a:r>
+            <a:r>
+              <a:rPr lang="en-US" altLang="zh-CN" sz="1700" dirty="0" err="1" smtClean="0"/>
+              <a:t>learngit</a:t>
+            </a:r>
+            <a:r>
+              <a:rPr lang="zh-CN" altLang="en-US" sz="1700" dirty="0" smtClean="0"/>
+              <a:t>）中看到提交的文件，后续再进行</a:t>
+            </a:r>
+            <a:r>
+              <a:rPr lang="en-US" altLang="zh-CN" sz="1700" dirty="0" smtClean="0"/>
+              <a:t>push</a:t>
+            </a:r>
+            <a:r>
+              <a:rPr lang="zh-CN" altLang="en-US" sz="1700" dirty="0" smtClean="0"/>
+              <a:t>操作时，里面的内容都会自动更新。</a:t>
+            </a:r>
+            <a:endParaRPr lang="en-US" altLang="zh-CN" sz="1700" dirty="0" smtClean="0"/>
+          </a:p>
+        </p:txBody>
+      </p:sp>
+    </p:spTree>
+  </p:cSld>
+  <p:clrMapOvr>
+    <a:masterClrMapping/>
+  </p:clrMapOvr>
+</p:sld>
+</file>
+
+<file path=ppt/slides/slide56.xml><?xml version="1.0" encoding="utf-8"?>
 <p:sld xmlns:a="http://schemas.openxmlformats.org/drawingml/2006/main" xmlns:r="http://schemas.openxmlformats.org/officeDocument/2006/relationships" xmlns:p="http://schemas.openxmlformats.org/presentationml/2006/main">
   <p:cSld>
     <p:spTree>
